--- a/C0_for_teacher/assets/docs/使用Github开发自主学习网站.pptx
+++ b/C0_for_teacher/assets/docs/使用Github开发自主学习网站.pptx
@@ -7,19 +7,29 @@
   <p:sldIdLst>
     <p:sldId id="256" r:id="rId2"/>
     <p:sldId id="257" r:id="rId3"/>
-    <p:sldId id="258" r:id="rId4"/>
-    <p:sldId id="259" r:id="rId5"/>
-    <p:sldId id="262" r:id="rId6"/>
-    <p:sldId id="261" r:id="rId7"/>
-    <p:sldId id="264" r:id="rId8"/>
-    <p:sldId id="260" r:id="rId9"/>
-    <p:sldId id="263" r:id="rId10"/>
-    <p:sldId id="266" r:id="rId11"/>
-    <p:sldId id="267" r:id="rId12"/>
-    <p:sldId id="268" r:id="rId13"/>
-    <p:sldId id="270" r:id="rId14"/>
-    <p:sldId id="271" r:id="rId15"/>
-    <p:sldId id="269" r:id="rId16"/>
+    <p:sldId id="281" r:id="rId4"/>
+    <p:sldId id="272" r:id="rId5"/>
+    <p:sldId id="275" r:id="rId6"/>
+    <p:sldId id="276" r:id="rId7"/>
+    <p:sldId id="277" r:id="rId8"/>
+    <p:sldId id="278" r:id="rId9"/>
+    <p:sldId id="279" r:id="rId10"/>
+    <p:sldId id="280" r:id="rId11"/>
+    <p:sldId id="258" r:id="rId12"/>
+    <p:sldId id="259" r:id="rId13"/>
+    <p:sldId id="262" r:id="rId14"/>
+    <p:sldId id="261" r:id="rId15"/>
+    <p:sldId id="273" r:id="rId16"/>
+    <p:sldId id="264" r:id="rId17"/>
+    <p:sldId id="260" r:id="rId18"/>
+    <p:sldId id="263" r:id="rId19"/>
+    <p:sldId id="266" r:id="rId20"/>
+    <p:sldId id="267" r:id="rId21"/>
+    <p:sldId id="268" r:id="rId22"/>
+    <p:sldId id="270" r:id="rId23"/>
+    <p:sldId id="271" r:id="rId24"/>
+    <p:sldId id="274" r:id="rId25"/>
+    <p:sldId id="269" r:id="rId26"/>
   </p:sldIdLst>
   <p:sldSz cx="12192000" cy="6858000"/>
   <p:notesSz cx="6858000" cy="9144000"/>
@@ -121,7 +131,7 @@
   <p:extLst>
     <p:ext uri="{EFAFB233-063F-42B5-8137-9DF3F51BA10A}">
       <p15:sldGuideLst xmlns:p15="http://schemas.microsoft.com/office/powerpoint/2012/main">
-        <p15:guide id="1" orient="horz" pos="2115" userDrawn="1">
+        <p15:guide id="1" orient="horz" pos="2092" userDrawn="1">
           <p15:clr>
             <a:srgbClr val="A4A3A4"/>
           </p15:clr>
@@ -1393,23 +1403,23 @@
     </dgm:pt>
   </dgm:ptLst>
   <dgm:cxnLst>
+    <dgm:cxn modelId="{BE967570-D7E1-4539-A53A-259D1BF13A27}" srcId="{EFE18057-4829-4EBE-B629-3065BDD3AD82}" destId="{B561EBCE-3B03-4512-9055-7BC52CBA15C3}" srcOrd="1" destOrd="0" parTransId="{95837E39-E092-4F67-848A-E602DB0CED75}" sibTransId="{948D8FAD-5CA2-4528-AD68-450F75F16294}"/>
+    <dgm:cxn modelId="{C44C51C1-48B9-4D8D-AA3D-6AF6465FD0C6}" type="presOf" srcId="{948D8FAD-5CA2-4528-AD68-450F75F16294}" destId="{AD5B7F8C-D4BB-4926-AF76-6BC25D4DF8EF}" srcOrd="0" destOrd="0" presId="urn:microsoft.com/office/officeart/2005/8/layout/cycle6"/>
+    <dgm:cxn modelId="{119E0CF1-31B2-468C-8436-AFEAA8239DC3}" type="presOf" srcId="{F3412937-7760-41E6-A7E2-517635E94E1E}" destId="{9FEC5600-4403-418A-8C3A-9ECF5155A9C9}" srcOrd="0" destOrd="1" presId="urn:microsoft.com/office/officeart/2005/8/layout/cycle6"/>
+    <dgm:cxn modelId="{DEF35215-ACE0-4B1A-A2E5-0BFD8DC82554}" type="presOf" srcId="{B57643D1-1FE4-4880-B861-B46C4F421FC6}" destId="{AF55B118-3C8B-4A24-9D39-38DBD417CBFB}" srcOrd="0" destOrd="0" presId="urn:microsoft.com/office/officeart/2005/8/layout/cycle6"/>
+    <dgm:cxn modelId="{4951B4A8-9BD2-4A58-AA56-A25C9B07ED2B}" type="presOf" srcId="{E0398E40-358F-40AC-8956-7F9102BEAAFC}" destId="{9C3BB306-286B-4B7F-B664-3A2A715B3873}" srcOrd="0" destOrd="0" presId="urn:microsoft.com/office/officeart/2005/8/layout/cycle6"/>
+    <dgm:cxn modelId="{DD374A5A-1DDE-484B-B200-493B6000E590}" srcId="{B57643D1-1FE4-4880-B861-B46C4F421FC6}" destId="{78F98A79-B257-419F-833B-202443AC4BCF}" srcOrd="0" destOrd="0" parTransId="{AB51B010-25D3-46EB-91EE-AE45A0182D08}" sibTransId="{C917F80C-E863-4C46-8209-2FC43D0C4207}"/>
+    <dgm:cxn modelId="{C8B66054-8E45-49C2-A728-5C1D81817CC9}" srcId="{EFE18057-4829-4EBE-B629-3065BDD3AD82}" destId="{B57643D1-1FE4-4880-B861-B46C4F421FC6}" srcOrd="2" destOrd="0" parTransId="{D443771A-4A37-4CD6-AC8A-1953B8584446}" sibTransId="{21C7A91F-5838-42D8-930E-4EA64FDE3870}"/>
+    <dgm:cxn modelId="{F9399343-D7DE-4C3B-9C19-7EC07E3D541E}" type="presOf" srcId="{2CDE98F7-E359-43C0-BAD0-FDF498D80D92}" destId="{0FC37DB4-0A3F-40B0-BA91-45E43FE720DA}" srcOrd="0" destOrd="0" presId="urn:microsoft.com/office/officeart/2005/8/layout/cycle6"/>
+    <dgm:cxn modelId="{0E6A5B51-FE85-4226-9F30-50ED933AC8E3}" srcId="{EFE18057-4829-4EBE-B629-3065BDD3AD82}" destId="{E0398E40-358F-40AC-8956-7F9102BEAAFC}" srcOrd="3" destOrd="0" parTransId="{28A6BAA2-F4EB-4B3C-80DD-03C9BD7393CC}" sibTransId="{F2F16A1F-00EA-41BC-A640-FC4102EA4759}"/>
+    <dgm:cxn modelId="{37E7FF10-D5B4-4772-97A0-B9DDC36EFD81}" type="presOf" srcId="{B561EBCE-3B03-4512-9055-7BC52CBA15C3}" destId="{9FEC5600-4403-418A-8C3A-9ECF5155A9C9}" srcOrd="0" destOrd="0" presId="urn:microsoft.com/office/officeart/2005/8/layout/cycle6"/>
     <dgm:cxn modelId="{37A82DD2-C781-474B-897D-C784F3E73EAF}" type="presOf" srcId="{F2F16A1F-00EA-41BC-A640-FC4102EA4759}" destId="{661A4816-5B1E-4A98-A282-26477807F20F}" srcOrd="0" destOrd="0" presId="urn:microsoft.com/office/officeart/2005/8/layout/cycle6"/>
-    <dgm:cxn modelId="{C8B66054-8E45-49C2-A728-5C1D81817CC9}" srcId="{EFE18057-4829-4EBE-B629-3065BDD3AD82}" destId="{B57643D1-1FE4-4880-B861-B46C4F421FC6}" srcOrd="2" destOrd="0" parTransId="{D443771A-4A37-4CD6-AC8A-1953B8584446}" sibTransId="{21C7A91F-5838-42D8-930E-4EA64FDE3870}"/>
+    <dgm:cxn modelId="{7ACB6BF7-A5CA-42A8-9025-ADA02680B88A}" type="presOf" srcId="{78F98A79-B257-419F-833B-202443AC4BCF}" destId="{AF55B118-3C8B-4A24-9D39-38DBD417CBFB}" srcOrd="0" destOrd="1" presId="urn:microsoft.com/office/officeart/2005/8/layout/cycle6"/>
+    <dgm:cxn modelId="{71A6442F-FAA4-497D-A44A-12D81B66AD66}" srcId="{B561EBCE-3B03-4512-9055-7BC52CBA15C3}" destId="{F3412937-7760-41E6-A7E2-517635E94E1E}" srcOrd="0" destOrd="0" parTransId="{E10FAADC-45E6-41DE-96D7-F7C3B3628AF1}" sibTransId="{76C93E38-01B4-4759-9E44-A95D5FC9E6F0}"/>
+    <dgm:cxn modelId="{BF1C41E1-C3F4-4D45-A897-CFFD6180D6EA}" type="presOf" srcId="{EFE18057-4829-4EBE-B629-3065BDD3AD82}" destId="{8FADAAA0-CC20-46AE-B794-10CEEE4A37A5}" srcOrd="0" destOrd="0" presId="urn:microsoft.com/office/officeart/2005/8/layout/cycle6"/>
     <dgm:cxn modelId="{3034CD4F-FA1B-405E-940B-11B268E2EE20}" type="presOf" srcId="{05F89019-4780-41E2-83C8-45873AF61EC6}" destId="{78B24636-059B-4A58-B6DD-582869197898}" srcOrd="0" destOrd="0" presId="urn:microsoft.com/office/officeart/2005/8/layout/cycle6"/>
-    <dgm:cxn modelId="{BF1C41E1-C3F4-4D45-A897-CFFD6180D6EA}" type="presOf" srcId="{EFE18057-4829-4EBE-B629-3065BDD3AD82}" destId="{8FADAAA0-CC20-46AE-B794-10CEEE4A37A5}" srcOrd="0" destOrd="0" presId="urn:microsoft.com/office/officeart/2005/8/layout/cycle6"/>
-    <dgm:cxn modelId="{C44C51C1-48B9-4D8D-AA3D-6AF6465FD0C6}" type="presOf" srcId="{948D8FAD-5CA2-4528-AD68-450F75F16294}" destId="{AD5B7F8C-D4BB-4926-AF76-6BC25D4DF8EF}" srcOrd="0" destOrd="0" presId="urn:microsoft.com/office/officeart/2005/8/layout/cycle6"/>
-    <dgm:cxn modelId="{71A6442F-FAA4-497D-A44A-12D81B66AD66}" srcId="{B561EBCE-3B03-4512-9055-7BC52CBA15C3}" destId="{F3412937-7760-41E6-A7E2-517635E94E1E}" srcOrd="0" destOrd="0" parTransId="{E10FAADC-45E6-41DE-96D7-F7C3B3628AF1}" sibTransId="{76C93E38-01B4-4759-9E44-A95D5FC9E6F0}"/>
     <dgm:cxn modelId="{B6F29BFE-839E-42D2-A68F-12A7B346D530}" type="presOf" srcId="{21C7A91F-5838-42D8-930E-4EA64FDE3870}" destId="{3F637E9A-79DE-48DA-9CC6-869BB3810392}" srcOrd="0" destOrd="0" presId="urn:microsoft.com/office/officeart/2005/8/layout/cycle6"/>
     <dgm:cxn modelId="{7DA83164-C027-46FA-9E46-39A618BDC7E7}" srcId="{EFE18057-4829-4EBE-B629-3065BDD3AD82}" destId="{2CDE98F7-E359-43C0-BAD0-FDF498D80D92}" srcOrd="0" destOrd="0" parTransId="{5F8221B5-538E-4A0A-A885-54D53CA6E794}" sibTransId="{05F89019-4780-41E2-83C8-45873AF61EC6}"/>
-    <dgm:cxn modelId="{4951B4A8-9BD2-4A58-AA56-A25C9B07ED2B}" type="presOf" srcId="{E0398E40-358F-40AC-8956-7F9102BEAAFC}" destId="{9C3BB306-286B-4B7F-B664-3A2A715B3873}" srcOrd="0" destOrd="0" presId="urn:microsoft.com/office/officeart/2005/8/layout/cycle6"/>
-    <dgm:cxn modelId="{119E0CF1-31B2-468C-8436-AFEAA8239DC3}" type="presOf" srcId="{F3412937-7760-41E6-A7E2-517635E94E1E}" destId="{9FEC5600-4403-418A-8C3A-9ECF5155A9C9}" srcOrd="0" destOrd="1" presId="urn:microsoft.com/office/officeart/2005/8/layout/cycle6"/>
-    <dgm:cxn modelId="{DD374A5A-1DDE-484B-B200-493B6000E590}" srcId="{B57643D1-1FE4-4880-B861-B46C4F421FC6}" destId="{78F98A79-B257-419F-833B-202443AC4BCF}" srcOrd="0" destOrd="0" parTransId="{AB51B010-25D3-46EB-91EE-AE45A0182D08}" sibTransId="{C917F80C-E863-4C46-8209-2FC43D0C4207}"/>
-    <dgm:cxn modelId="{F9399343-D7DE-4C3B-9C19-7EC07E3D541E}" type="presOf" srcId="{2CDE98F7-E359-43C0-BAD0-FDF498D80D92}" destId="{0FC37DB4-0A3F-40B0-BA91-45E43FE720DA}" srcOrd="0" destOrd="0" presId="urn:microsoft.com/office/officeart/2005/8/layout/cycle6"/>
-    <dgm:cxn modelId="{BE967570-D7E1-4539-A53A-259D1BF13A27}" srcId="{EFE18057-4829-4EBE-B629-3065BDD3AD82}" destId="{B561EBCE-3B03-4512-9055-7BC52CBA15C3}" srcOrd="1" destOrd="0" parTransId="{95837E39-E092-4F67-848A-E602DB0CED75}" sibTransId="{948D8FAD-5CA2-4528-AD68-450F75F16294}"/>
-    <dgm:cxn modelId="{37E7FF10-D5B4-4772-97A0-B9DDC36EFD81}" type="presOf" srcId="{B561EBCE-3B03-4512-9055-7BC52CBA15C3}" destId="{9FEC5600-4403-418A-8C3A-9ECF5155A9C9}" srcOrd="0" destOrd="0" presId="urn:microsoft.com/office/officeart/2005/8/layout/cycle6"/>
-    <dgm:cxn modelId="{0E6A5B51-FE85-4226-9F30-50ED933AC8E3}" srcId="{EFE18057-4829-4EBE-B629-3065BDD3AD82}" destId="{E0398E40-358F-40AC-8956-7F9102BEAAFC}" srcOrd="3" destOrd="0" parTransId="{28A6BAA2-F4EB-4B3C-80DD-03C9BD7393CC}" sibTransId="{F2F16A1F-00EA-41BC-A640-FC4102EA4759}"/>
-    <dgm:cxn modelId="{7ACB6BF7-A5CA-42A8-9025-ADA02680B88A}" type="presOf" srcId="{78F98A79-B257-419F-833B-202443AC4BCF}" destId="{AF55B118-3C8B-4A24-9D39-38DBD417CBFB}" srcOrd="0" destOrd="1" presId="urn:microsoft.com/office/officeart/2005/8/layout/cycle6"/>
-    <dgm:cxn modelId="{DEF35215-ACE0-4B1A-A2E5-0BFD8DC82554}" type="presOf" srcId="{B57643D1-1FE4-4880-B861-B46C4F421FC6}" destId="{AF55B118-3C8B-4A24-9D39-38DBD417CBFB}" srcOrd="0" destOrd="0" presId="urn:microsoft.com/office/officeart/2005/8/layout/cycle6"/>
     <dgm:cxn modelId="{EC91958C-64B8-4A3B-B488-20BD3A328E37}" type="presParOf" srcId="{8FADAAA0-CC20-46AE-B794-10CEEE4A37A5}" destId="{0FC37DB4-0A3F-40B0-BA91-45E43FE720DA}" srcOrd="0" destOrd="0" presId="urn:microsoft.com/office/officeart/2005/8/layout/cycle6"/>
     <dgm:cxn modelId="{A5BCE1B0-C1C4-442F-AF8D-73FDE0A98D36}" type="presParOf" srcId="{8FADAAA0-CC20-46AE-B794-10CEEE4A37A5}" destId="{3A0E6418-D3A6-4246-B8A2-1999A82EFB1E}" srcOrd="1" destOrd="0" presId="urn:microsoft.com/office/officeart/2005/8/layout/cycle6"/>
     <dgm:cxn modelId="{E411DB39-EC7D-4324-B4E3-BC36272D8818}" type="presParOf" srcId="{8FADAAA0-CC20-46AE-B794-10CEEE4A37A5}" destId="{78B24636-059B-4A58-B6DD-582869197898}" srcOrd="2" destOrd="0" presId="urn:microsoft.com/office/officeart/2005/8/layout/cycle6"/>
@@ -3459,7 +3469,7 @@
           <a:p>
             <a:fld id="{E4EF8B5D-A139-4DA0-80CE-FA1D6ED41261}" type="datetimeFigureOut">
               <a:rPr lang="zh-CN" altLang="en-US" smtClean="0"/>
-              <a:t>2015-09-07</a:t>
+              <a:t>2015-09-09</a:t>
             </a:fld>
             <a:endParaRPr lang="zh-CN" altLang="en-US"/>
           </a:p>
@@ -3629,7 +3639,7 @@
           <a:p>
             <a:fld id="{E4EF8B5D-A139-4DA0-80CE-FA1D6ED41261}" type="datetimeFigureOut">
               <a:rPr lang="zh-CN" altLang="en-US" smtClean="0"/>
-              <a:t>2015-09-07</a:t>
+              <a:t>2015-09-09</a:t>
             </a:fld>
             <a:endParaRPr lang="zh-CN" altLang="en-US"/>
           </a:p>
@@ -3809,7 +3819,7 @@
           <a:p>
             <a:fld id="{E4EF8B5D-A139-4DA0-80CE-FA1D6ED41261}" type="datetimeFigureOut">
               <a:rPr lang="zh-CN" altLang="en-US" smtClean="0"/>
-              <a:t>2015-09-07</a:t>
+              <a:t>2015-09-09</a:t>
             </a:fld>
             <a:endParaRPr lang="zh-CN" altLang="en-US"/>
           </a:p>
@@ -3979,7 +3989,7 @@
           <a:p>
             <a:fld id="{E4EF8B5D-A139-4DA0-80CE-FA1D6ED41261}" type="datetimeFigureOut">
               <a:rPr lang="zh-CN" altLang="en-US" smtClean="0"/>
-              <a:t>2015-09-07</a:t>
+              <a:t>2015-09-09</a:t>
             </a:fld>
             <a:endParaRPr lang="zh-CN" altLang="en-US"/>
           </a:p>
@@ -4225,7 +4235,7 @@
           <a:p>
             <a:fld id="{E4EF8B5D-A139-4DA0-80CE-FA1D6ED41261}" type="datetimeFigureOut">
               <a:rPr lang="zh-CN" altLang="en-US" smtClean="0"/>
-              <a:t>2015-09-07</a:t>
+              <a:t>2015-09-09</a:t>
             </a:fld>
             <a:endParaRPr lang="zh-CN" altLang="en-US"/>
           </a:p>
@@ -4457,7 +4467,7 @@
           <a:p>
             <a:fld id="{E4EF8B5D-A139-4DA0-80CE-FA1D6ED41261}" type="datetimeFigureOut">
               <a:rPr lang="zh-CN" altLang="en-US" smtClean="0"/>
-              <a:t>2015-09-07</a:t>
+              <a:t>2015-09-09</a:t>
             </a:fld>
             <a:endParaRPr lang="zh-CN" altLang="en-US"/>
           </a:p>
@@ -4824,7 +4834,7 @@
           <a:p>
             <a:fld id="{E4EF8B5D-A139-4DA0-80CE-FA1D6ED41261}" type="datetimeFigureOut">
               <a:rPr lang="zh-CN" altLang="en-US" smtClean="0"/>
-              <a:t>2015-09-07</a:t>
+              <a:t>2015-09-09</a:t>
             </a:fld>
             <a:endParaRPr lang="zh-CN" altLang="en-US"/>
           </a:p>
@@ -4942,7 +4952,7 @@
           <a:p>
             <a:fld id="{E4EF8B5D-A139-4DA0-80CE-FA1D6ED41261}" type="datetimeFigureOut">
               <a:rPr lang="zh-CN" altLang="en-US" smtClean="0"/>
-              <a:t>2015-09-07</a:t>
+              <a:t>2015-09-09</a:t>
             </a:fld>
             <a:endParaRPr lang="zh-CN" altLang="en-US"/>
           </a:p>
@@ -5037,7 +5047,7 @@
           <a:p>
             <a:fld id="{E4EF8B5D-A139-4DA0-80CE-FA1D6ED41261}" type="datetimeFigureOut">
               <a:rPr lang="zh-CN" altLang="en-US" smtClean="0"/>
-              <a:t>2015-09-07</a:t>
+              <a:t>2015-09-09</a:t>
             </a:fld>
             <a:endParaRPr lang="zh-CN" altLang="en-US"/>
           </a:p>
@@ -5314,7 +5324,7 @@
           <a:p>
             <a:fld id="{E4EF8B5D-A139-4DA0-80CE-FA1D6ED41261}" type="datetimeFigureOut">
               <a:rPr lang="zh-CN" altLang="en-US" smtClean="0"/>
-              <a:t>2015-09-07</a:t>
+              <a:t>2015-09-09</a:t>
             </a:fld>
             <a:endParaRPr lang="zh-CN" altLang="en-US"/>
           </a:p>
@@ -5567,7 +5577,7 @@
           <a:p>
             <a:fld id="{E4EF8B5D-A139-4DA0-80CE-FA1D6ED41261}" type="datetimeFigureOut">
               <a:rPr lang="zh-CN" altLang="en-US" smtClean="0"/>
-              <a:t>2015-09-07</a:t>
+              <a:t>2015-09-09</a:t>
             </a:fld>
             <a:endParaRPr lang="zh-CN" altLang="en-US"/>
           </a:p>
@@ -5780,7 +5790,7 @@
           <a:p>
             <a:fld id="{E4EF8B5D-A139-4DA0-80CE-FA1D6ED41261}" type="datetimeFigureOut">
               <a:rPr lang="zh-CN" altLang="en-US" smtClean="0"/>
-              <a:t>2015-09-07</a:t>
+              <a:t>2015-09-09</a:t>
             </a:fld>
             <a:endParaRPr lang="zh-CN" altLang="en-US"/>
           </a:p>
@@ -6301,179 +6311,9 @@
           <a:chExt cx="0" cy="0"/>
         </a:xfrm>
       </p:grpSpPr>
-      <p:sp>
-        <p:nvSpPr>
-          <p:cNvPr id="3" name="Title 2"/>
-          <p:cNvSpPr txBox="1">
-            <a:spLocks noGrp="1"/>
-          </p:cNvSpPr>
-          <p:nvPr>
-            <p:ph type="title"/>
-          </p:nvPr>
-        </p:nvSpPr>
-        <p:spPr>
-          <a:xfrm>
-            <a:off x="838200" y="704741"/>
-            <a:ext cx="4927887" cy="646331"/>
-          </a:xfrm>
-          <a:prstGeom prst="rect">
-            <a:avLst/>
-          </a:prstGeom>
-          <a:noFill/>
-        </p:spPr>
-        <p:txBody>
-          <a:bodyPr wrap="none" rtlCol="0">
-            <a:spAutoFit/>
-          </a:bodyPr>
-          <a:lstStyle/>
-          <a:p>
-            <a:r>
-              <a:rPr lang="en-US" altLang="zh-CN" sz="4000" dirty="0" err="1" smtClean="0">
-                <a:solidFill>
-                  <a:srgbClr val="0070C0"/>
-                </a:solidFill>
-                <a:latin typeface="微软雅黑" panose="020B0503020204020204" pitchFamily="34" charset="-122"/>
-                <a:ea typeface="微软雅黑" panose="020B0503020204020204" pitchFamily="34" charset="-122"/>
-              </a:rPr>
-              <a:t>SourceTree</a:t>
-            </a:r>
-            <a:r>
-              <a:rPr lang="zh-CN" altLang="en-US" sz="4000" dirty="0" smtClean="0">
-                <a:solidFill>
-                  <a:srgbClr val="0070C0"/>
-                </a:solidFill>
-                <a:latin typeface="微软雅黑" panose="020B0503020204020204" pitchFamily="34" charset="-122"/>
-                <a:ea typeface="微软雅黑" panose="020B0503020204020204" pitchFamily="34" charset="-122"/>
-              </a:rPr>
-              <a:t>简单教程</a:t>
-            </a:r>
-            <a:endParaRPr lang="zh-CN" altLang="en-US" sz="4000" dirty="0">
-              <a:solidFill>
-                <a:srgbClr val="0070C0"/>
-              </a:solidFill>
-              <a:latin typeface="微软雅黑" panose="020B0503020204020204" pitchFamily="34" charset="-122"/>
-              <a:ea typeface="微软雅黑" panose="020B0503020204020204" pitchFamily="34" charset="-122"/>
-            </a:endParaRPr>
-          </a:p>
-        </p:txBody>
-      </p:sp>
-      <p:sp>
-        <p:nvSpPr>
-          <p:cNvPr id="4" name="TextBox 3"/>
-          <p:cNvSpPr txBox="1"/>
-          <p:nvPr/>
-        </p:nvSpPr>
-        <p:spPr>
-          <a:xfrm>
-            <a:off x="1527380" y="1483445"/>
-            <a:ext cx="1495922" cy="369332"/>
-          </a:xfrm>
-          <a:prstGeom prst="rect">
-            <a:avLst/>
-          </a:prstGeom>
-          <a:noFill/>
-        </p:spPr>
-        <p:txBody>
-          <a:bodyPr wrap="none" rtlCol="0">
-            <a:spAutoFit/>
-          </a:bodyPr>
-          <a:lstStyle/>
-          <a:p>
-            <a:r>
-              <a:rPr lang="en-US" altLang="zh-CN" b="1" dirty="0">
-                <a:solidFill>
-                  <a:srgbClr val="7030A0"/>
-                </a:solidFill>
-                <a:latin typeface="微软雅黑" panose="020B0503020204020204" pitchFamily="34" charset="-122"/>
-                <a:ea typeface="微软雅黑" panose="020B0503020204020204" pitchFamily="34" charset="-122"/>
-              </a:rPr>
-              <a:t>3</a:t>
-            </a:r>
-            <a:r>
-              <a:rPr lang="en-US" altLang="zh-CN" b="1" dirty="0" smtClean="0">
-                <a:solidFill>
-                  <a:srgbClr val="7030A0"/>
-                </a:solidFill>
-                <a:latin typeface="微软雅黑" panose="020B0503020204020204" pitchFamily="34" charset="-122"/>
-                <a:ea typeface="微软雅黑" panose="020B0503020204020204" pitchFamily="34" charset="-122"/>
-              </a:rPr>
-              <a:t>. </a:t>
-            </a:r>
-            <a:r>
-              <a:rPr lang="en-US" altLang="zh-CN" b="1" dirty="0" err="1" smtClean="0">
-                <a:solidFill>
-                  <a:srgbClr val="7030A0"/>
-                </a:solidFill>
-                <a:latin typeface="微软雅黑" panose="020B0503020204020204" pitchFamily="34" charset="-122"/>
-                <a:ea typeface="微软雅黑" panose="020B0503020204020204" pitchFamily="34" charset="-122"/>
-              </a:rPr>
-              <a:t>Git</a:t>
-            </a:r>
-            <a:r>
-              <a:rPr lang="zh-CN" altLang="en-US" b="1" dirty="0" smtClean="0">
-                <a:solidFill>
-                  <a:srgbClr val="7030A0"/>
-                </a:solidFill>
-                <a:latin typeface="微软雅黑" panose="020B0503020204020204" pitchFamily="34" charset="-122"/>
-                <a:ea typeface="微软雅黑" panose="020B0503020204020204" pitchFamily="34" charset="-122"/>
-              </a:rPr>
-              <a:t>工作流</a:t>
-            </a:r>
-            <a:endParaRPr lang="zh-CN" altLang="en-US" b="1" dirty="0">
-              <a:solidFill>
-                <a:srgbClr val="7030A0"/>
-              </a:solidFill>
-              <a:latin typeface="微软雅黑" panose="020B0503020204020204" pitchFamily="34" charset="-122"/>
-              <a:ea typeface="微软雅黑" panose="020B0503020204020204" pitchFamily="34" charset="-122"/>
-            </a:endParaRPr>
-          </a:p>
-        </p:txBody>
-      </p:sp>
-      <p:sp>
-        <p:nvSpPr>
-          <p:cNvPr id="2" name="TextBox 1"/>
-          <p:cNvSpPr txBox="1"/>
-          <p:nvPr/>
-        </p:nvSpPr>
-        <p:spPr>
-          <a:xfrm>
-            <a:off x="9219097" y="4833523"/>
-            <a:ext cx="1261884" cy="523220"/>
-          </a:xfrm>
-          <a:prstGeom prst="rect">
-            <a:avLst/>
-          </a:prstGeom>
-          <a:noFill/>
-        </p:spPr>
-        <p:txBody>
-          <a:bodyPr wrap="none" rtlCol="0">
-            <a:spAutoFit/>
-          </a:bodyPr>
-          <a:lstStyle/>
-          <a:p>
-            <a:r>
-              <a:rPr lang="zh-CN" altLang="en-US" sz="2800" dirty="0" smtClean="0">
-                <a:solidFill>
-                  <a:srgbClr val="00B050"/>
-                </a:solidFill>
-                <a:latin typeface="微软雅黑" panose="020B0503020204020204" pitchFamily="34" charset="-122"/>
-                <a:ea typeface="微软雅黑" panose="020B0503020204020204" pitchFamily="34" charset="-122"/>
-              </a:rPr>
-              <a:t>初始化</a:t>
-            </a:r>
-            <a:endParaRPr lang="zh-CN" altLang="en-US" sz="2800" dirty="0">
-              <a:solidFill>
-                <a:srgbClr val="00B050"/>
-              </a:solidFill>
-              <a:latin typeface="微软雅黑" panose="020B0503020204020204" pitchFamily="34" charset="-122"/>
-              <a:ea typeface="微软雅黑" panose="020B0503020204020204" pitchFamily="34" charset="-122"/>
-            </a:endParaRPr>
-          </a:p>
-        </p:txBody>
-      </p:sp>
       <p:pic>
         <p:nvPicPr>
-          <p:cNvPr id="5" name="Picture 4" descr="Screen Clipping"/>
+          <p:cNvPr id="2" name="Picture 1" descr="Screen Clipping"/>
           <p:cNvPicPr>
             <a:picLocks noChangeAspect="1"/>
           </p:cNvPicPr>
@@ -6493,71 +6333,252 @@
         </p:blipFill>
         <p:spPr>
           <a:xfrm>
-            <a:off x="4104997" y="1985150"/>
-            <a:ext cx="3982006" cy="2848373"/>
+            <a:off x="1038726" y="0"/>
+            <a:ext cx="10114547" cy="6858000"/>
           </a:xfrm>
           <a:prstGeom prst="rect">
             <a:avLst/>
           </a:prstGeom>
         </p:spPr>
       </p:pic>
-      <p:pic>
-        <p:nvPicPr>
-          <p:cNvPr id="6" name="Picture 5" descr="Screen Clipping"/>
-          <p:cNvPicPr>
-            <a:picLocks noChangeAspect="1"/>
-          </p:cNvPicPr>
+      <p:sp>
+        <p:nvSpPr>
+          <p:cNvPr id="3" name="Oval 11"/>
+          <p:cNvSpPr/>
           <p:nvPr/>
-        </p:nvPicPr>
-        <p:blipFill>
-          <a:blip r:embed="rId3">
-            <a:extLst>
-              <a:ext uri="{28A0092B-C50C-407E-A947-70E740481C1C}">
-                <a14:useLocalDpi xmlns:a14="http://schemas.microsoft.com/office/drawing/2010/main" val="0"/>
-              </a:ext>
-            </a:extLst>
-          </a:blip>
-          <a:stretch>
-            <a:fillRect/>
-          </a:stretch>
-        </p:blipFill>
-        <p:spPr>
-          <a:xfrm>
-            <a:off x="1527380" y="3035250"/>
-            <a:ext cx="676369" cy="714475"/>
+        </p:nvSpPr>
+        <p:spPr>
+          <a:xfrm>
+            <a:off x="1042526" y="1548100"/>
+            <a:ext cx="1366329" cy="1366329"/>
+          </a:xfrm>
+          <a:prstGeom prst="ellipse">
+            <a:avLst/>
+          </a:prstGeom>
+        </p:spPr>
+        <p:style>
+          <a:lnRef idx="2">
+            <a:schemeClr val="accent2">
+              <a:shade val="50000"/>
+            </a:schemeClr>
+          </a:lnRef>
+          <a:fillRef idx="1">
+            <a:schemeClr val="accent2"/>
+          </a:fillRef>
+          <a:effectRef idx="0">
+            <a:schemeClr val="accent2"/>
+          </a:effectRef>
+          <a:fontRef idx="minor">
+            <a:schemeClr val="lt1"/>
+          </a:fontRef>
+        </p:style>
+        <p:txBody>
+          <a:bodyPr rtlCol="0" anchor="ctr"/>
+          <a:lstStyle/>
+          <a:p>
+            <a:pPr algn="ctr"/>
+            <a:r>
+              <a:rPr lang="en-US" altLang="zh-CN" sz="7200" dirty="0" smtClean="0">
+                <a:latin typeface="Arial Black" panose="020B0A04020102020204" pitchFamily="34" charset="0"/>
+                <a:ea typeface="微软雅黑" panose="020B0503020204020204" pitchFamily="34" charset="-122"/>
+              </a:rPr>
+              <a:t>6</a:t>
+            </a:r>
+            <a:endParaRPr lang="zh-CN" altLang="en-US" sz="7200" dirty="0">
+              <a:latin typeface="Arial Black" panose="020B0A04020102020204" pitchFamily="34" charset="0"/>
+              <a:ea typeface="微软雅黑" panose="020B0503020204020204" pitchFamily="34" charset="-122"/>
+            </a:endParaRPr>
+          </a:p>
+        </p:txBody>
+      </p:sp>
+      <p:sp>
+        <p:nvSpPr>
+          <p:cNvPr id="4" name="TextBox 7"/>
+          <p:cNvSpPr txBox="1"/>
+          <p:nvPr/>
+        </p:nvSpPr>
+        <p:spPr>
+          <a:xfrm>
+            <a:off x="2202287" y="3613356"/>
+            <a:ext cx="9144000" cy="646331"/>
           </a:xfrm>
           <a:prstGeom prst="rect">
             <a:avLst/>
           </a:prstGeom>
         </p:spPr>
-      </p:pic>
-      <p:sp>
-        <p:nvSpPr>
-          <p:cNvPr id="12" name="Right Arrow 11"/>
+        <p:style>
+          <a:lnRef idx="2">
+            <a:schemeClr val="accent2">
+              <a:shade val="50000"/>
+            </a:schemeClr>
+          </a:lnRef>
+          <a:fillRef idx="1">
+            <a:schemeClr val="accent2"/>
+          </a:fillRef>
+          <a:effectRef idx="0">
+            <a:schemeClr val="accent2"/>
+          </a:effectRef>
+          <a:fontRef idx="minor">
+            <a:schemeClr val="lt1"/>
+          </a:fontRef>
+        </p:style>
+        <p:txBody>
+          <a:bodyPr wrap="square" rtlCol="0">
+            <a:spAutoFit/>
+          </a:bodyPr>
+          <a:lstStyle/>
+          <a:p>
+            <a:r>
+              <a:rPr lang="en-US" altLang="zh-CN" dirty="0" smtClean="0">
+                <a:solidFill>
+                  <a:srgbClr val="C00000"/>
+                </a:solidFill>
+                <a:latin typeface="微软雅黑" panose="020B0503020204020204" pitchFamily="34" charset="-122"/>
+                <a:ea typeface="微软雅黑" panose="020B0503020204020204" pitchFamily="34" charset="-122"/>
+              </a:rPr>
+              <a:t>Fork</a:t>
+            </a:r>
+            <a:r>
+              <a:rPr lang="zh-CN" altLang="en-US" dirty="0" smtClean="0">
+                <a:solidFill>
+                  <a:srgbClr val="C00000"/>
+                </a:solidFill>
+                <a:latin typeface="微软雅黑" panose="020B0503020204020204" pitchFamily="34" charset="-122"/>
+                <a:ea typeface="微软雅黑" panose="020B0503020204020204" pitchFamily="34" charset="-122"/>
+              </a:rPr>
+              <a:t>数目加一</a:t>
+            </a:r>
+            <a:endParaRPr lang="en-US" altLang="zh-CN" dirty="0" smtClean="0">
+              <a:solidFill>
+                <a:srgbClr val="C00000"/>
+              </a:solidFill>
+              <a:latin typeface="微软雅黑" panose="020B0503020204020204" pitchFamily="34" charset="-122"/>
+              <a:ea typeface="微软雅黑" panose="020B0503020204020204" pitchFamily="34" charset="-122"/>
+            </a:endParaRPr>
+          </a:p>
+          <a:p>
+            <a:r>
+              <a:rPr lang="zh-CN" altLang="en-US" dirty="0" smtClean="0">
+                <a:solidFill>
+                  <a:srgbClr val="C00000"/>
+                </a:solidFill>
+                <a:latin typeface="微软雅黑" panose="020B0503020204020204" pitchFamily="34" charset="-122"/>
+                <a:ea typeface="微软雅黑" panose="020B0503020204020204" pitchFamily="34" charset="-122"/>
+              </a:rPr>
+              <a:t>同时地址变成你自己的用户名下的地址，你已成功派生（复制）一份仓库到你自己名下</a:t>
+            </a:r>
+            <a:endParaRPr lang="zh-CN" altLang="en-US" dirty="0">
+              <a:solidFill>
+                <a:srgbClr val="C00000"/>
+              </a:solidFill>
+              <a:latin typeface="微软雅黑" panose="020B0503020204020204" pitchFamily="34" charset="-122"/>
+              <a:ea typeface="微软雅黑" panose="020B0503020204020204" pitchFamily="34" charset="-122"/>
+            </a:endParaRPr>
+          </a:p>
+        </p:txBody>
+      </p:sp>
+      <p:cxnSp>
+        <p:nvCxnSpPr>
+          <p:cNvPr id="5" name="Straight Arrow Connector 10"/>
+          <p:cNvCxnSpPr>
+            <a:stCxn id="4" idx="0"/>
+          </p:cNvCxnSpPr>
+          <p:nvPr/>
+        </p:nvCxnSpPr>
+        <p:spPr>
+          <a:xfrm flipV="1">
+            <a:off x="6774287" y="1510488"/>
+            <a:ext cx="3662280" cy="2102868"/>
+          </a:xfrm>
+          <a:prstGeom prst="straightConnector1">
+            <a:avLst/>
+          </a:prstGeom>
+          <a:ln w="38100">
+            <a:tailEnd type="triangle"/>
+          </a:ln>
+        </p:spPr>
+        <p:style>
+          <a:lnRef idx="3">
+            <a:schemeClr val="accent2"/>
+          </a:lnRef>
+          <a:fillRef idx="0">
+            <a:schemeClr val="accent2"/>
+          </a:fillRef>
+          <a:effectRef idx="2">
+            <a:schemeClr val="accent2"/>
+          </a:effectRef>
+          <a:fontRef idx="minor">
+            <a:schemeClr val="tx1"/>
+          </a:fontRef>
+        </p:style>
+      </p:cxnSp>
+      <p:cxnSp>
+        <p:nvCxnSpPr>
+          <p:cNvPr id="6" name="Straight Arrow Connector 10"/>
+          <p:cNvCxnSpPr>
+            <a:stCxn id="4" idx="0"/>
+          </p:cNvCxnSpPr>
+          <p:nvPr/>
+        </p:nvCxnSpPr>
+        <p:spPr>
+          <a:xfrm flipH="1" flipV="1">
+            <a:off x="3889421" y="1548100"/>
+            <a:ext cx="2884866" cy="2065256"/>
+          </a:xfrm>
+          <a:prstGeom prst="straightConnector1">
+            <a:avLst/>
+          </a:prstGeom>
+          <a:ln w="38100">
+            <a:tailEnd type="triangle"/>
+          </a:ln>
+        </p:spPr>
+        <p:style>
+          <a:lnRef idx="3">
+            <a:schemeClr val="accent2"/>
+          </a:lnRef>
+          <a:fillRef idx="0">
+            <a:schemeClr val="accent2"/>
+          </a:fillRef>
+          <a:effectRef idx="2">
+            <a:schemeClr val="accent2"/>
+          </a:effectRef>
+          <a:fontRef idx="minor">
+            <a:schemeClr val="tx1"/>
+          </a:fontRef>
+        </p:style>
+      </p:cxnSp>
+      <p:sp>
+        <p:nvSpPr>
+          <p:cNvPr id="9" name="弧形 8"/>
           <p:cNvSpPr/>
           <p:nvPr/>
         </p:nvSpPr>
         <p:spPr>
           <a:xfrm>
-            <a:off x="2955155" y="3160723"/>
-            <a:ext cx="398436" cy="463527"/>
-          </a:xfrm>
-          <a:prstGeom prst="rightArrow">
+            <a:off x="1217307" y="1510487"/>
+            <a:ext cx="3554569" cy="301776"/>
+          </a:xfrm>
+          <a:prstGeom prst="arc">
             <a:avLst/>
           </a:prstGeom>
+          <a:ln w="38100">
+            <a:solidFill>
+              <a:srgbClr val="C00000"/>
+            </a:solidFill>
+          </a:ln>
         </p:spPr>
         <p:style>
           <a:lnRef idx="1">
-            <a:schemeClr val="accent3"/>
+            <a:schemeClr val="accent1"/>
           </a:lnRef>
-          <a:fillRef idx="2">
-            <a:schemeClr val="accent3"/>
+          <a:fillRef idx="0">
+            <a:schemeClr val="accent1"/>
           </a:fillRef>
-          <a:effectRef idx="1">
-            <a:schemeClr val="accent3"/>
+          <a:effectRef idx="0">
+            <a:schemeClr val="accent1"/>
           </a:effectRef>
           <a:fontRef idx="minor">
-            <a:schemeClr val="dk1"/>
+            <a:schemeClr val="tx1"/>
           </a:fontRef>
         </p:style>
         <p:txBody>
@@ -6572,20 +6593,13 @@
     </p:spTree>
     <p:extLst>
       <p:ext uri="{BB962C8B-B14F-4D97-AF65-F5344CB8AC3E}">
-        <p14:creationId xmlns:p14="http://schemas.microsoft.com/office/powerpoint/2010/main" val="3082180653"/>
+        <p14:creationId xmlns:p14="http://schemas.microsoft.com/office/powerpoint/2010/main" val="214849946"/>
       </p:ext>
     </p:extLst>
   </p:cSld>
   <p:clrMapOvr>
     <a:masterClrMapping/>
   </p:clrMapOvr>
-  <p:timing>
-    <p:tnLst>
-      <p:par>
-        <p:cTn id="1" dur="indefinite" restart="never" nodeType="tmRoot"/>
-      </p:par>
-    </p:tnLst>
-  </p:timing>
 </p:sld>
 </file>
 
@@ -6608,18 +6622,74 @@
       </p:grpSpPr>
       <p:sp>
         <p:nvSpPr>
-          <p:cNvPr id="3" name="Title 2"/>
-          <p:cNvSpPr txBox="1">
+          <p:cNvPr id="4" name="Title 3"/>
+          <p:cNvSpPr>
             <a:spLocks noGrp="1"/>
           </p:cNvSpPr>
           <p:nvPr>
             <p:ph type="title"/>
           </p:nvPr>
         </p:nvSpPr>
-        <p:spPr>
-          <a:xfrm>
-            <a:off x="849651" y="672236"/>
-            <a:ext cx="4927887" cy="646331"/>
+        <p:spPr/>
+        <p:txBody>
+          <a:bodyPr/>
+          <a:lstStyle/>
+          <a:p>
+            <a:r>
+              <a:rPr lang="en-US" altLang="zh-CN" dirty="0" err="1" smtClean="0">
+                <a:latin typeface="微软雅黑" panose="020B0503020204020204" pitchFamily="34" charset="-122"/>
+                <a:ea typeface="微软雅黑" panose="020B0503020204020204" pitchFamily="34" charset="-122"/>
+              </a:rPr>
+              <a:t>git</a:t>
+            </a:r>
+            <a:r>
+              <a:rPr lang="zh-CN" altLang="en-US" dirty="0" smtClean="0">
+                <a:latin typeface="微软雅黑" panose="020B0503020204020204" pitchFamily="34" charset="-122"/>
+                <a:ea typeface="微软雅黑" panose="020B0503020204020204" pitchFamily="34" charset="-122"/>
+              </a:rPr>
+              <a:t>工具方案一</a:t>
+            </a:r>
+            <a:endParaRPr lang="zh-CN" altLang="en-US" dirty="0">
+              <a:latin typeface="微软雅黑" panose="020B0503020204020204" pitchFamily="34" charset="-122"/>
+              <a:ea typeface="微软雅黑" panose="020B0503020204020204" pitchFamily="34" charset="-122"/>
+            </a:endParaRPr>
+          </a:p>
+        </p:txBody>
+      </p:sp>
+      <p:pic>
+        <p:nvPicPr>
+          <p:cNvPr id="5" name="Picture 4"/>
+          <p:cNvPicPr>
+            <a:picLocks noChangeAspect="1"/>
+          </p:cNvPicPr>
+          <p:nvPr/>
+        </p:nvPicPr>
+        <p:blipFill>
+          <a:blip r:embed="rId2"/>
+          <a:stretch>
+            <a:fillRect/>
+          </a:stretch>
+        </p:blipFill>
+        <p:spPr>
+          <a:xfrm>
+            <a:off x="8874218" y="365125"/>
+            <a:ext cx="2619375" cy="1743075"/>
+          </a:xfrm>
+          <a:prstGeom prst="rect">
+            <a:avLst/>
+          </a:prstGeom>
+        </p:spPr>
+      </p:pic>
+      <p:sp>
+        <p:nvSpPr>
+          <p:cNvPr id="7" name="TextBox 6"/>
+          <p:cNvSpPr txBox="1"/>
+          <p:nvPr/>
+        </p:nvSpPr>
+        <p:spPr>
+          <a:xfrm>
+            <a:off x="2001557" y="2091765"/>
+            <a:ext cx="2627642" cy="707886"/>
           </a:xfrm>
           <a:prstGeom prst="rect">
             <a:avLst/>
@@ -6637,22 +6707,131 @@
                 <a:solidFill>
                   <a:srgbClr val="0070C0"/>
                 </a:solidFill>
+                <a:latin typeface="Impact" panose="020B0806030902050204" pitchFamily="34" charset="0"/>
+              </a:rPr>
+              <a:t>SourceTree</a:t>
+            </a:r>
+            <a:endParaRPr lang="zh-CN" altLang="en-US" sz="4000" dirty="0">
+              <a:solidFill>
+                <a:srgbClr val="0070C0"/>
+              </a:solidFill>
+              <a:latin typeface="Impact" panose="020B0806030902050204" pitchFamily="34" charset="0"/>
+            </a:endParaRPr>
+          </a:p>
+        </p:txBody>
+      </p:sp>
+      <p:sp>
+        <p:nvSpPr>
+          <p:cNvPr id="8" name="Cross 7"/>
+          <p:cNvSpPr/>
+          <p:nvPr/>
+        </p:nvSpPr>
+        <p:spPr>
+          <a:xfrm>
+            <a:off x="5830559" y="2175903"/>
+            <a:ext cx="545586" cy="545586"/>
+          </a:xfrm>
+          <a:prstGeom prst="plus">
+            <a:avLst>
+              <a:gd name="adj" fmla="val 36765"/>
+            </a:avLst>
+          </a:prstGeom>
+        </p:spPr>
+        <p:style>
+          <a:lnRef idx="0">
+            <a:schemeClr val="accent6"/>
+          </a:lnRef>
+          <a:fillRef idx="3">
+            <a:schemeClr val="accent6"/>
+          </a:fillRef>
+          <a:effectRef idx="3">
+            <a:schemeClr val="accent6"/>
+          </a:effectRef>
+          <a:fontRef idx="minor">
+            <a:schemeClr val="lt1"/>
+          </a:fontRef>
+        </p:style>
+        <p:txBody>
+          <a:bodyPr rtlCol="0" anchor="ctr"/>
+          <a:lstStyle/>
+          <a:p>
+            <a:pPr algn="ctr"/>
+            <a:endParaRPr lang="zh-CN" altLang="en-US"/>
+          </a:p>
+        </p:txBody>
+      </p:sp>
+      <p:sp>
+        <p:nvSpPr>
+          <p:cNvPr id="9" name="TextBox 8"/>
+          <p:cNvSpPr txBox="1"/>
+          <p:nvPr/>
+        </p:nvSpPr>
+        <p:spPr>
+          <a:xfrm>
+            <a:off x="7577505" y="2094753"/>
+            <a:ext cx="748923" cy="707886"/>
+          </a:xfrm>
+          <a:prstGeom prst="rect">
+            <a:avLst/>
+          </a:prstGeom>
+          <a:noFill/>
+        </p:spPr>
+        <p:txBody>
+          <a:bodyPr wrap="none" rtlCol="0">
+            <a:spAutoFit/>
+          </a:bodyPr>
+          <a:lstStyle/>
+          <a:p>
+            <a:r>
+              <a:rPr lang="en-US" altLang="zh-CN" sz="4000" dirty="0" err="1" smtClean="0">
+                <a:solidFill>
+                  <a:schemeClr val="accent2"/>
+                </a:solidFill>
+                <a:latin typeface="Impact" panose="020B0806030902050204" pitchFamily="34" charset="0"/>
+              </a:rPr>
+              <a:t>git</a:t>
+            </a:r>
+            <a:endParaRPr lang="zh-CN" altLang="en-US" sz="4000" dirty="0">
+              <a:solidFill>
+                <a:schemeClr val="accent2"/>
+              </a:solidFill>
+              <a:latin typeface="Impact" panose="020B0806030902050204" pitchFamily="34" charset="0"/>
+            </a:endParaRPr>
+          </a:p>
+        </p:txBody>
+      </p:sp>
+      <p:sp>
+        <p:nvSpPr>
+          <p:cNvPr id="10" name="Rectangle 9"/>
+          <p:cNvSpPr/>
+          <p:nvPr/>
+        </p:nvSpPr>
+        <p:spPr>
+          <a:xfrm>
+            <a:off x="1117789" y="2799651"/>
+            <a:ext cx="4395178" cy="523220"/>
+          </a:xfrm>
+          <a:prstGeom prst="rect">
+            <a:avLst/>
+          </a:prstGeom>
+        </p:spPr>
+        <p:txBody>
+          <a:bodyPr wrap="none">
+            <a:spAutoFit/>
+          </a:bodyPr>
+          <a:lstStyle/>
+          <a:p>
+            <a:r>
+              <a:rPr lang="en-US" altLang="zh-CN" sz="2800" i="1" dirty="0" smtClean="0">
+                <a:solidFill>
+                  <a:srgbClr val="0070C0"/>
+                </a:solidFill>
                 <a:latin typeface="微软雅黑" panose="020B0503020204020204" pitchFamily="34" charset="-122"/>
                 <a:ea typeface="微软雅黑" panose="020B0503020204020204" pitchFamily="34" charset="-122"/>
               </a:rPr>
-              <a:t>SourceTree</a:t>
-            </a:r>
-            <a:r>
-              <a:rPr lang="zh-CN" altLang="en-US" sz="4000" dirty="0" smtClean="0">
-                <a:solidFill>
-                  <a:srgbClr val="0070C0"/>
-                </a:solidFill>
-                <a:latin typeface="微软雅黑" panose="020B0503020204020204" pitchFamily="34" charset="-122"/>
-                <a:ea typeface="微软雅黑" panose="020B0503020204020204" pitchFamily="34" charset="-122"/>
-              </a:rPr>
-              <a:t>简单教程</a:t>
-            </a:r>
-            <a:endParaRPr lang="zh-CN" altLang="en-US" sz="4000" dirty="0">
+              <a:t>www.sourcetreeapp.com</a:t>
+            </a:r>
+            <a:endParaRPr lang="zh-CN" altLang="en-US" sz="2800" i="1" dirty="0">
               <a:solidFill>
                 <a:srgbClr val="0070C0"/>
               </a:solidFill>
@@ -6664,14 +6843,14 @@
       </p:sp>
       <p:sp>
         <p:nvSpPr>
-          <p:cNvPr id="4" name="TextBox 3"/>
+          <p:cNvPr id="11" name="TextBox 10"/>
           <p:cNvSpPr txBox="1"/>
           <p:nvPr/>
         </p:nvSpPr>
         <p:spPr>
           <a:xfrm>
-            <a:off x="849651" y="1483445"/>
-            <a:ext cx="1495922" cy="369332"/>
+            <a:off x="6806748" y="2799651"/>
+            <a:ext cx="2290435" cy="523220"/>
           </a:xfrm>
           <a:prstGeom prst="rect">
             <a:avLst/>
@@ -6685,48 +6864,18 @@
           <a:lstStyle/>
           <a:p>
             <a:r>
-              <a:rPr lang="en-US" altLang="zh-CN" b="1" dirty="0">
-                <a:solidFill>
-                  <a:srgbClr val="7030A0"/>
+              <a:rPr lang="en-US" altLang="zh-CN" sz="2800" i="1" dirty="0" smtClean="0">
+                <a:solidFill>
+                  <a:schemeClr val="accent2"/>
                 </a:solidFill>
                 <a:latin typeface="微软雅黑" panose="020B0503020204020204" pitchFamily="34" charset="-122"/>
                 <a:ea typeface="微软雅黑" panose="020B0503020204020204" pitchFamily="34" charset="-122"/>
               </a:rPr>
-              <a:t>3</a:t>
-            </a:r>
-            <a:r>
-              <a:rPr lang="en-US" altLang="zh-CN" b="1" dirty="0" smtClean="0">
-                <a:solidFill>
-                  <a:srgbClr val="7030A0"/>
-                </a:solidFill>
-                <a:latin typeface="微软雅黑" panose="020B0503020204020204" pitchFamily="34" charset="-122"/>
-                <a:ea typeface="微软雅黑" panose="020B0503020204020204" pitchFamily="34" charset="-122"/>
-              </a:rPr>
-              <a:t>. </a:t>
-            </a:r>
-            <a:r>
-              <a:rPr lang="en-US" altLang="zh-CN" b="1" dirty="0" err="1" smtClean="0">
-                <a:solidFill>
-                  <a:srgbClr val="7030A0"/>
-                </a:solidFill>
-                <a:latin typeface="微软雅黑" panose="020B0503020204020204" pitchFamily="34" charset="-122"/>
-                <a:ea typeface="微软雅黑" panose="020B0503020204020204" pitchFamily="34" charset="-122"/>
-              </a:rPr>
-              <a:t>Git</a:t>
-            </a:r>
-            <a:r>
-              <a:rPr lang="zh-CN" altLang="en-US" b="1" dirty="0" smtClean="0">
-                <a:solidFill>
-                  <a:srgbClr val="7030A0"/>
-                </a:solidFill>
-                <a:latin typeface="微软雅黑" panose="020B0503020204020204" pitchFamily="34" charset="-122"/>
-                <a:ea typeface="微软雅黑" panose="020B0503020204020204" pitchFamily="34" charset="-122"/>
-              </a:rPr>
-              <a:t>工作流</a:t>
-            </a:r>
-            <a:endParaRPr lang="zh-CN" altLang="en-US" b="1" dirty="0">
+              <a:t>git-scm.com</a:t>
+            </a:r>
+            <a:endParaRPr lang="zh-CN" altLang="en-US" sz="2800" i="1" dirty="0">
               <a:solidFill>
-                <a:srgbClr val="7030A0"/>
+                <a:schemeClr val="accent2"/>
               </a:solidFill>
               <a:latin typeface="微软雅黑" panose="020B0503020204020204" pitchFamily="34" charset="-122"/>
               <a:ea typeface="微软雅黑" panose="020B0503020204020204" pitchFamily="34" charset="-122"/>
@@ -6736,14 +6885,14 @@
       </p:sp>
       <p:pic>
         <p:nvPicPr>
-          <p:cNvPr id="6" name="Picture 5" descr="Screen Clipping"/>
+          <p:cNvPr id="14" name="Picture 13" descr="Screen Clipping"/>
           <p:cNvPicPr>
             <a:picLocks noChangeAspect="1"/>
           </p:cNvPicPr>
           <p:nvPr/>
         </p:nvPicPr>
         <p:blipFill>
-          <a:blip r:embed="rId2">
+          <a:blip r:embed="rId3" cstate="print">
             <a:extLst>
               <a:ext uri="{28A0092B-C50C-407E-A947-70E740481C1C}">
                 <a14:useLocalDpi xmlns:a14="http://schemas.microsoft.com/office/drawing/2010/main" val="0"/>
@@ -6756,350 +6905,53 @@
         </p:blipFill>
         <p:spPr>
           <a:xfrm>
-            <a:off x="1075562" y="2049637"/>
-            <a:ext cx="676369" cy="714475"/>
+            <a:off x="1202097" y="3507537"/>
+            <a:ext cx="4310870" cy="2469580"/>
           </a:xfrm>
           <a:prstGeom prst="rect">
             <a:avLst/>
           </a:prstGeom>
+          <a:ln>
+            <a:solidFill>
+              <a:srgbClr val="0070C0"/>
+            </a:solidFill>
+          </a:ln>
         </p:spPr>
       </p:pic>
       <p:pic>
         <p:nvPicPr>
-          <p:cNvPr id="7" name="Picture 6" descr="Screen Clipping"/>
+          <p:cNvPr id="15" name="Picture 14"/>
           <p:cNvPicPr>
             <a:picLocks noChangeAspect="1"/>
           </p:cNvPicPr>
           <p:nvPr/>
         </p:nvPicPr>
         <p:blipFill>
-          <a:blip r:embed="rId3">
-            <a:extLst>
-              <a:ext uri="{28A0092B-C50C-407E-A947-70E740481C1C}">
-                <a14:useLocalDpi xmlns:a14="http://schemas.microsoft.com/office/drawing/2010/main" val="0"/>
-              </a:ext>
-            </a:extLst>
-          </a:blip>
+          <a:blip r:embed="rId4"/>
           <a:stretch>
             <a:fillRect/>
           </a:stretch>
         </p:blipFill>
         <p:spPr>
           <a:xfrm>
-            <a:off x="2858908" y="2023673"/>
-            <a:ext cx="2038635" cy="2162477"/>
+            <a:off x="6904215" y="3507537"/>
+            <a:ext cx="2095500" cy="2095500"/>
           </a:xfrm>
           <a:prstGeom prst="rect">
             <a:avLst/>
           </a:prstGeom>
         </p:spPr>
       </p:pic>
-      <p:sp>
-        <p:nvSpPr>
-          <p:cNvPr id="8" name="Right Arrow 7"/>
-          <p:cNvSpPr/>
-          <p:nvPr/>
-        </p:nvSpPr>
-        <p:spPr>
-          <a:xfrm rot="1060748">
-            <a:off x="1730290" y="2382358"/>
-            <a:ext cx="1478924" cy="262666"/>
-          </a:xfrm>
-          <a:prstGeom prst="rightArrow">
-            <a:avLst>
-              <a:gd name="adj1" fmla="val 20494"/>
-              <a:gd name="adj2" fmla="val 113565"/>
-            </a:avLst>
-          </a:prstGeom>
-          <a:solidFill>
-            <a:schemeClr val="accent2"/>
-          </a:solidFill>
-          <a:ln>
-            <a:solidFill>
-              <a:srgbClr val="FFC000"/>
-            </a:solidFill>
-          </a:ln>
-        </p:spPr>
-        <p:style>
-          <a:lnRef idx="2">
-            <a:schemeClr val="accent1">
-              <a:shade val="50000"/>
-            </a:schemeClr>
-          </a:lnRef>
-          <a:fillRef idx="1">
-            <a:schemeClr val="accent1"/>
-          </a:fillRef>
-          <a:effectRef idx="0">
-            <a:schemeClr val="accent1"/>
-          </a:effectRef>
-          <a:fontRef idx="minor">
-            <a:schemeClr val="lt1"/>
-          </a:fontRef>
-        </p:style>
-        <p:txBody>
-          <a:bodyPr rtlCol="0" anchor="ctr"/>
-          <a:lstStyle/>
-          <a:p>
-            <a:pPr algn="ctr"/>
-            <a:endParaRPr lang="zh-CN" altLang="en-US">
-              <a:solidFill>
-                <a:srgbClr val="00B050"/>
-              </a:solidFill>
-            </a:endParaRPr>
-          </a:p>
-        </p:txBody>
-      </p:sp>
-      <p:pic>
-        <p:nvPicPr>
-          <p:cNvPr id="9" name="Picture 8" descr="Screen Clipping"/>
-          <p:cNvPicPr>
-            <a:picLocks noChangeAspect="1"/>
-          </p:cNvPicPr>
-          <p:nvPr/>
-        </p:nvPicPr>
-        <p:blipFill>
-          <a:blip r:embed="rId4">
-            <a:extLst>
-              <a:ext uri="{28A0092B-C50C-407E-A947-70E740481C1C}">
-                <a14:useLocalDpi xmlns:a14="http://schemas.microsoft.com/office/drawing/2010/main" val="0"/>
-              </a:ext>
-            </a:extLst>
-          </a:blip>
-          <a:stretch>
-            <a:fillRect/>
-          </a:stretch>
-        </p:blipFill>
-        <p:spPr>
-          <a:xfrm>
-            <a:off x="6311426" y="1673574"/>
-            <a:ext cx="4867954" cy="2438740"/>
-          </a:xfrm>
-          <a:prstGeom prst="rect">
-            <a:avLst/>
-          </a:prstGeom>
-        </p:spPr>
-      </p:pic>
-      <p:sp>
-        <p:nvSpPr>
-          <p:cNvPr id="13" name="Right Arrow 12"/>
-          <p:cNvSpPr/>
-          <p:nvPr/>
-        </p:nvSpPr>
-        <p:spPr>
-          <a:xfrm rot="20496448">
-            <a:off x="4452033" y="2289684"/>
-            <a:ext cx="1861608" cy="287348"/>
-          </a:xfrm>
-          <a:prstGeom prst="rightArrow">
-            <a:avLst>
-              <a:gd name="adj1" fmla="val 20494"/>
-              <a:gd name="adj2" fmla="val 113565"/>
-            </a:avLst>
-          </a:prstGeom>
-          <a:solidFill>
-            <a:schemeClr val="accent2"/>
-          </a:solidFill>
-          <a:ln>
-            <a:solidFill>
-              <a:srgbClr val="FFC000"/>
-            </a:solidFill>
-          </a:ln>
-        </p:spPr>
-        <p:style>
-          <a:lnRef idx="2">
-            <a:schemeClr val="accent1">
-              <a:shade val="50000"/>
-            </a:schemeClr>
-          </a:lnRef>
-          <a:fillRef idx="1">
-            <a:schemeClr val="accent1"/>
-          </a:fillRef>
-          <a:effectRef idx="0">
-            <a:schemeClr val="accent1"/>
-          </a:effectRef>
-          <a:fontRef idx="minor">
-            <a:schemeClr val="lt1"/>
-          </a:fontRef>
-        </p:style>
-        <p:txBody>
-          <a:bodyPr rtlCol="0" anchor="ctr"/>
-          <a:lstStyle/>
-          <a:p>
-            <a:pPr algn="ctr"/>
-            <a:endParaRPr lang="zh-CN" altLang="en-US">
-              <a:solidFill>
-                <a:srgbClr val="00B050"/>
-              </a:solidFill>
-            </a:endParaRPr>
-          </a:p>
-        </p:txBody>
-      </p:sp>
-      <p:sp>
-        <p:nvSpPr>
-          <p:cNvPr id="11" name="TextBox 10"/>
-          <p:cNvSpPr txBox="1"/>
-          <p:nvPr/>
-        </p:nvSpPr>
-        <p:spPr>
-          <a:xfrm>
-            <a:off x="5545648" y="4257404"/>
-            <a:ext cx="6399509" cy="369332"/>
-          </a:xfrm>
-          <a:prstGeom prst="rect">
-            <a:avLst/>
-          </a:prstGeom>
-          <a:noFill/>
-        </p:spPr>
-        <p:txBody>
-          <a:bodyPr wrap="none" rtlCol="0">
-            <a:spAutoFit/>
-          </a:bodyPr>
-          <a:lstStyle/>
-          <a:p>
-            <a:r>
-              <a:rPr lang="zh-CN" altLang="en-US" b="1" dirty="0" smtClean="0">
-                <a:solidFill>
-                  <a:schemeClr val="tx1">
-                    <a:lumMod val="75000"/>
-                    <a:lumOff val="25000"/>
-                  </a:schemeClr>
-                </a:solidFill>
-              </a:rPr>
-              <a:t>功能名称处输入新的子课题名称，如</a:t>
-            </a:r>
-            <a:r>
-              <a:rPr lang="en-US" altLang="zh-CN" b="1" dirty="0" smtClean="0">
-                <a:solidFill>
-                  <a:srgbClr val="FF0000"/>
-                </a:solidFill>
-              </a:rPr>
-              <a:t>G7U2</a:t>
-            </a:r>
-            <a:r>
-              <a:rPr lang="zh-CN" altLang="en-US" b="1" dirty="0" smtClean="0">
-                <a:solidFill>
-                  <a:schemeClr val="tx1">
-                    <a:lumMod val="75000"/>
-                    <a:lumOff val="25000"/>
-                  </a:schemeClr>
-                </a:solidFill>
-              </a:rPr>
-              <a:t>表示</a:t>
-            </a:r>
-            <a:r>
-              <a:rPr lang="en-US" altLang="zh-CN" b="1" dirty="0" smtClean="0">
-                <a:solidFill>
-                  <a:schemeClr val="tx1">
-                    <a:lumMod val="75000"/>
-                    <a:lumOff val="25000"/>
-                  </a:schemeClr>
-                </a:solidFill>
-              </a:rPr>
-              <a:t>7</a:t>
-            </a:r>
-            <a:r>
-              <a:rPr lang="zh-CN" altLang="en-US" b="1" dirty="0" smtClean="0">
-                <a:solidFill>
-                  <a:schemeClr val="tx1">
-                    <a:lumMod val="75000"/>
-                    <a:lumOff val="25000"/>
-                  </a:schemeClr>
-                </a:solidFill>
-              </a:rPr>
-              <a:t>年级第</a:t>
-            </a:r>
-            <a:r>
-              <a:rPr lang="en-US" altLang="zh-CN" b="1" dirty="0" smtClean="0">
-                <a:solidFill>
-                  <a:schemeClr val="tx1">
-                    <a:lumMod val="75000"/>
-                    <a:lumOff val="25000"/>
-                  </a:schemeClr>
-                </a:solidFill>
-              </a:rPr>
-              <a:t>2</a:t>
-            </a:r>
-            <a:r>
-              <a:rPr lang="zh-CN" altLang="en-US" b="1" dirty="0" smtClean="0">
-                <a:solidFill>
-                  <a:schemeClr val="tx1">
-                    <a:lumMod val="75000"/>
-                    <a:lumOff val="25000"/>
-                  </a:schemeClr>
-                </a:solidFill>
-              </a:rPr>
-              <a:t>单元</a:t>
-            </a:r>
-            <a:endParaRPr lang="zh-CN" altLang="en-US" b="1" dirty="0">
-              <a:solidFill>
-                <a:schemeClr val="tx1">
-                  <a:lumMod val="75000"/>
-                  <a:lumOff val="25000"/>
-                </a:schemeClr>
-              </a:solidFill>
-            </a:endParaRPr>
-          </a:p>
-        </p:txBody>
-      </p:sp>
-      <p:sp>
-        <p:nvSpPr>
-          <p:cNvPr id="14" name="TextBox 13"/>
-          <p:cNvSpPr txBox="1"/>
-          <p:nvPr/>
-        </p:nvSpPr>
-        <p:spPr>
-          <a:xfrm>
-            <a:off x="6957853" y="1961864"/>
-            <a:ext cx="561372" cy="261610"/>
-          </a:xfrm>
-          <a:prstGeom prst="rect">
-            <a:avLst/>
-          </a:prstGeom>
-          <a:noFill/>
-        </p:spPr>
-        <p:txBody>
-          <a:bodyPr wrap="none" rtlCol="0">
-            <a:spAutoFit/>
-          </a:bodyPr>
-          <a:lstStyle/>
-          <a:p>
-            <a:r>
-              <a:rPr lang="en-US" altLang="zh-CN" sz="1100" dirty="0" smtClean="0">
-                <a:solidFill>
-                  <a:srgbClr val="FF0000"/>
-                </a:solidFill>
-                <a:latin typeface="微软雅黑" panose="020B0503020204020204" pitchFamily="34" charset="-122"/>
-                <a:ea typeface="微软雅黑" panose="020B0503020204020204" pitchFamily="34" charset="-122"/>
-              </a:rPr>
-              <a:t>G7U2</a:t>
-            </a:r>
-            <a:endParaRPr lang="zh-CN" altLang="en-US" sz="1100" dirty="0">
-              <a:solidFill>
-                <a:srgbClr val="FF0000"/>
-              </a:solidFill>
-              <a:latin typeface="微软雅黑" panose="020B0503020204020204" pitchFamily="34" charset="-122"/>
-              <a:ea typeface="微软雅黑" panose="020B0503020204020204" pitchFamily="34" charset="-122"/>
-            </a:endParaRPr>
-          </a:p>
-        </p:txBody>
-      </p:sp>
     </p:spTree>
     <p:extLst>
       <p:ext uri="{BB962C8B-B14F-4D97-AF65-F5344CB8AC3E}">
-        <p14:creationId xmlns:p14="http://schemas.microsoft.com/office/powerpoint/2010/main" val="1956280465"/>
+        <p14:creationId xmlns:p14="http://schemas.microsoft.com/office/powerpoint/2010/main" val="3244196939"/>
       </p:ext>
     </p:extLst>
   </p:cSld>
   <p:clrMapOvr>
     <a:masterClrMapping/>
   </p:clrMapOvr>
-  <p:timing>
-    <p:tnLst>
-      <p:par>
-        <p:cTn id="1" dur="indefinite" restart="never" nodeType="tmRoot"/>
-      </p:par>
-    </p:tnLst>
-  </p:timing>
 </p:sld>
 </file>
 
@@ -7122,8 +6974,8 @@
       </p:grpSpPr>
       <p:sp>
         <p:nvSpPr>
-          <p:cNvPr id="3" name="Title 2"/>
-          <p:cNvSpPr txBox="1">
+          <p:cNvPr id="2" name="Title 1"/>
+          <p:cNvSpPr>
             <a:spLocks noGrp="1"/>
           </p:cNvSpPr>
           <p:nvPr>
@@ -7132,39 +6984,65 @@
         </p:nvSpPr>
         <p:spPr>
           <a:xfrm>
-            <a:off x="849651" y="672236"/>
-            <a:ext cx="4927887" cy="646331"/>
-          </a:xfrm>
-          <a:prstGeom prst="rect">
-            <a:avLst/>
-          </a:prstGeom>
-          <a:noFill/>
-        </p:spPr>
-        <p:txBody>
-          <a:bodyPr wrap="none" rtlCol="0">
-            <a:spAutoFit/>
+            <a:off x="838200" y="365125"/>
+            <a:ext cx="10515600" cy="1399129"/>
+          </a:xfrm>
+        </p:spPr>
+        <p:txBody>
+          <a:bodyPr>
+            <a:normAutofit/>
           </a:bodyPr>
           <a:lstStyle/>
           <a:p>
             <a:r>
-              <a:rPr lang="en-US" altLang="zh-CN" sz="4000" dirty="0" err="1" smtClean="0">
-                <a:solidFill>
-                  <a:srgbClr val="0070C0"/>
+              <a:rPr lang="zh-CN" altLang="en-US" sz="3200" dirty="0" smtClean="0">
+                <a:solidFill>
+                  <a:schemeClr val="accent2"/>
                 </a:solidFill>
                 <a:latin typeface="微软雅黑" panose="020B0503020204020204" pitchFamily="34" charset="-122"/>
                 <a:ea typeface="微软雅黑" panose="020B0503020204020204" pitchFamily="34" charset="-122"/>
               </a:rPr>
-              <a:t>SourceTree</a:t>
-            </a:r>
-            <a:r>
-              <a:rPr lang="zh-CN" altLang="en-US" sz="4000" dirty="0" smtClean="0">
+              <a:t>注：</a:t>
+            </a:r>
+            <a:r>
+              <a:rPr lang="en-US" altLang="zh-CN" sz="2800" dirty="0" err="1" smtClean="0">
                 <a:solidFill>
                   <a:srgbClr val="0070C0"/>
                 </a:solidFill>
                 <a:latin typeface="微软雅黑" panose="020B0503020204020204" pitchFamily="34" charset="-122"/>
                 <a:ea typeface="微软雅黑" panose="020B0503020204020204" pitchFamily="34" charset="-122"/>
               </a:rPr>
-              <a:t>简单教程</a:t>
+              <a:t>SourceTree</a:t>
+            </a:r>
+            <a:r>
+              <a:rPr lang="zh-CN" altLang="en-US" sz="2800" dirty="0" smtClean="0">
+                <a:solidFill>
+                  <a:srgbClr val="0070C0"/>
+                </a:solidFill>
+                <a:latin typeface="微软雅黑" panose="020B0503020204020204" pitchFamily="34" charset="-122"/>
+                <a:ea typeface="微软雅黑" panose="020B0503020204020204" pitchFamily="34" charset="-122"/>
+              </a:rPr>
+              <a:t>也可以使用内嵌的</a:t>
+            </a:r>
+            <a:r>
+              <a:rPr lang="en-US" altLang="zh-CN" sz="2800" dirty="0" err="1" smtClean="0">
+                <a:solidFill>
+                  <a:srgbClr val="0070C0"/>
+                </a:solidFill>
+                <a:latin typeface="微软雅黑" panose="020B0503020204020204" pitchFamily="34" charset="-122"/>
+                <a:ea typeface="微软雅黑" panose="020B0503020204020204" pitchFamily="34" charset="-122"/>
+              </a:rPr>
+              <a:t>git</a:t>
+            </a:r>
+            <a:r>
+              <a:rPr lang="zh-CN" altLang="en-US" sz="2800" dirty="0" smtClean="0">
+                <a:solidFill>
+                  <a:srgbClr val="0070C0"/>
+                </a:solidFill>
+                <a:latin typeface="微软雅黑" panose="020B0503020204020204" pitchFamily="34" charset="-122"/>
+                <a:ea typeface="微软雅黑" panose="020B0503020204020204" pitchFamily="34" charset="-122"/>
+              </a:rPr>
+              <a:t>，需要下载，网速略慢</a:t>
             </a:r>
             <a:endParaRPr lang="zh-CN" altLang="en-US" sz="4000" dirty="0">
               <a:solidFill>
@@ -7176,68 +7054,16 @@
           </a:p>
         </p:txBody>
       </p:sp>
-      <p:sp>
-        <p:nvSpPr>
-          <p:cNvPr id="4" name="TextBox 3"/>
-          <p:cNvSpPr txBox="1"/>
-          <p:nvPr/>
-        </p:nvSpPr>
-        <p:spPr>
-          <a:xfrm>
-            <a:off x="849651" y="1483445"/>
-            <a:ext cx="1385316" cy="369332"/>
-          </a:xfrm>
-          <a:prstGeom prst="rect">
-            <a:avLst/>
-          </a:prstGeom>
-          <a:noFill/>
-        </p:spPr>
-        <p:txBody>
-          <a:bodyPr wrap="none" rtlCol="0">
-            <a:spAutoFit/>
-          </a:bodyPr>
-          <a:lstStyle/>
-          <a:p>
-            <a:r>
-              <a:rPr lang="en-US" altLang="zh-CN" b="1" dirty="0" smtClean="0">
-                <a:solidFill>
-                  <a:srgbClr val="C00000"/>
-                </a:solidFill>
-                <a:latin typeface="微软雅黑" panose="020B0503020204020204" pitchFamily="34" charset="-122"/>
-                <a:ea typeface="微软雅黑" panose="020B0503020204020204" pitchFamily="34" charset="-122"/>
-              </a:rPr>
-              <a:t>4. </a:t>
-            </a:r>
-            <a:r>
-              <a:rPr lang="zh-CN" altLang="en-US" b="1" dirty="0" smtClean="0">
-                <a:solidFill>
-                  <a:srgbClr val="C00000"/>
-                </a:solidFill>
-                <a:latin typeface="微软雅黑" panose="020B0503020204020204" pitchFamily="34" charset="-122"/>
-                <a:ea typeface="微软雅黑" panose="020B0503020204020204" pitchFamily="34" charset="-122"/>
-              </a:rPr>
-              <a:t>本地编辑</a:t>
-            </a:r>
-            <a:endParaRPr lang="zh-CN" altLang="en-US" b="1" dirty="0">
-              <a:solidFill>
-                <a:srgbClr val="C00000"/>
-              </a:solidFill>
-              <a:latin typeface="微软雅黑" panose="020B0503020204020204" pitchFamily="34" charset="-122"/>
-              <a:ea typeface="微软雅黑" panose="020B0503020204020204" pitchFamily="34" charset="-122"/>
-            </a:endParaRPr>
-          </a:p>
-        </p:txBody>
-      </p:sp>
       <p:pic>
         <p:nvPicPr>
-          <p:cNvPr id="2" name="Picture 1" descr="SourceTree"/>
+          <p:cNvPr id="5" name="Picture 4" descr="选项"/>
           <p:cNvPicPr>
             <a:picLocks noChangeAspect="1"/>
           </p:cNvPicPr>
           <p:nvPr/>
         </p:nvPicPr>
         <p:blipFill>
-          <a:blip r:embed="rId2" cstate="print">
+          <a:blip r:embed="rId2">
             <a:extLst>
               <a:ext uri="{28A0092B-C50C-407E-A947-70E740481C1C}">
                 <a14:useLocalDpi xmlns:a14="http://schemas.microsoft.com/office/drawing/2010/main" val="0"/>
@@ -7250,232 +7076,24 @@
         </p:blipFill>
         <p:spPr>
           <a:xfrm>
-            <a:off x="929123" y="2003330"/>
-            <a:ext cx="4251758" cy="3041642"/>
+            <a:off x="3623917" y="1764254"/>
+            <a:ext cx="4944165" cy="4324954"/>
           </a:xfrm>
           <a:prstGeom prst="rect">
             <a:avLst/>
           </a:prstGeom>
         </p:spPr>
       </p:pic>
-      <p:sp>
-        <p:nvSpPr>
-          <p:cNvPr id="12" name="Rounded Rectangular Callout 11"/>
-          <p:cNvSpPr/>
-          <p:nvPr/>
-        </p:nvSpPr>
-        <p:spPr>
-          <a:xfrm>
-            <a:off x="2234967" y="4765638"/>
-            <a:ext cx="422172" cy="279334"/>
-          </a:xfrm>
-          <a:prstGeom prst="wedgeRoundRectCallout">
-            <a:avLst>
-              <a:gd name="adj1" fmla="val -104922"/>
-              <a:gd name="adj2" fmla="val 251208"/>
-              <a:gd name="adj3" fmla="val 16667"/>
-            </a:avLst>
-          </a:prstGeom>
-          <a:noFill/>
-          <a:ln w="19050">
-            <a:solidFill>
-              <a:srgbClr val="FF0000"/>
-            </a:solidFill>
-          </a:ln>
-        </p:spPr>
-        <p:style>
-          <a:lnRef idx="2">
-            <a:schemeClr val="accent1">
-              <a:shade val="50000"/>
-            </a:schemeClr>
-          </a:lnRef>
-          <a:fillRef idx="1">
-            <a:schemeClr val="accent1"/>
-          </a:fillRef>
-          <a:effectRef idx="0">
-            <a:schemeClr val="accent1"/>
-          </a:effectRef>
-          <a:fontRef idx="minor">
-            <a:schemeClr val="lt1"/>
-          </a:fontRef>
-        </p:style>
-        <p:txBody>
-          <a:bodyPr rtlCol="0" anchor="ctr"/>
-          <a:lstStyle/>
-          <a:p>
-            <a:pPr algn="ctr"/>
-            <a:endParaRPr lang="zh-CN" altLang="en-US"/>
-          </a:p>
-        </p:txBody>
-      </p:sp>
-      <p:sp>
-        <p:nvSpPr>
-          <p:cNvPr id="15" name="TextBox 14"/>
-          <p:cNvSpPr txBox="1"/>
-          <p:nvPr/>
-        </p:nvSpPr>
-        <p:spPr>
-          <a:xfrm>
-            <a:off x="1389222" y="5714886"/>
-            <a:ext cx="1107996" cy="369332"/>
-          </a:xfrm>
-          <a:prstGeom prst="rect">
-            <a:avLst/>
-          </a:prstGeom>
-          <a:noFill/>
-        </p:spPr>
-        <p:txBody>
-          <a:bodyPr wrap="none" rtlCol="0">
-            <a:spAutoFit/>
-          </a:bodyPr>
-          <a:lstStyle/>
-          <a:p>
-            <a:r>
-              <a:rPr lang="zh-CN" altLang="en-US" dirty="0">
-                <a:solidFill>
-                  <a:srgbClr val="0070C0"/>
-                </a:solidFill>
-              </a:rPr>
-              <a:t>文件状态</a:t>
-            </a:r>
-          </a:p>
-        </p:txBody>
-      </p:sp>
-      <p:pic>
-        <p:nvPicPr>
-          <p:cNvPr id="16" name="Picture 15" descr="SourceTree"/>
-          <p:cNvPicPr>
-            <a:picLocks noChangeAspect="1"/>
-          </p:cNvPicPr>
-          <p:nvPr/>
-        </p:nvPicPr>
-        <p:blipFill>
-          <a:blip r:embed="rId3" cstate="print">
-            <a:extLst>
-              <a:ext uri="{28A0092B-C50C-407E-A947-70E740481C1C}">
-                <a14:useLocalDpi xmlns:a14="http://schemas.microsoft.com/office/drawing/2010/main" val="0"/>
-              </a:ext>
-            </a:extLst>
-          </a:blip>
-          <a:stretch>
-            <a:fillRect/>
-          </a:stretch>
-        </p:blipFill>
-        <p:spPr>
-          <a:xfrm>
-            <a:off x="6096000" y="2003331"/>
-            <a:ext cx="4251757" cy="3041641"/>
-          </a:xfrm>
-          <a:prstGeom prst="rect">
-            <a:avLst/>
-          </a:prstGeom>
-        </p:spPr>
-      </p:pic>
-      <p:sp>
-        <p:nvSpPr>
-          <p:cNvPr id="17" name="Rounded Rectangular Callout 16"/>
-          <p:cNvSpPr/>
-          <p:nvPr/>
-        </p:nvSpPr>
-        <p:spPr>
-          <a:xfrm>
-            <a:off x="8368618" y="3627120"/>
-            <a:ext cx="1012049" cy="279334"/>
-          </a:xfrm>
-          <a:prstGeom prst="wedgeRoundRectCallout">
-            <a:avLst>
-              <a:gd name="adj1" fmla="val -12445"/>
-              <a:gd name="adj2" fmla="val 593963"/>
-              <a:gd name="adj3" fmla="val 16667"/>
-            </a:avLst>
-          </a:prstGeom>
-          <a:noFill/>
-          <a:ln w="19050">
-            <a:solidFill>
-              <a:srgbClr val="FF0000"/>
-            </a:solidFill>
-          </a:ln>
-        </p:spPr>
-        <p:style>
-          <a:lnRef idx="2">
-            <a:schemeClr val="accent1">
-              <a:shade val="50000"/>
-            </a:schemeClr>
-          </a:lnRef>
-          <a:fillRef idx="1">
-            <a:schemeClr val="accent1"/>
-          </a:fillRef>
-          <a:effectRef idx="0">
-            <a:schemeClr val="accent1"/>
-          </a:effectRef>
-          <a:fontRef idx="minor">
-            <a:schemeClr val="lt1"/>
-          </a:fontRef>
-        </p:style>
-        <p:txBody>
-          <a:bodyPr rtlCol="0" anchor="ctr"/>
-          <a:lstStyle/>
-          <a:p>
-            <a:pPr algn="ctr"/>
-            <a:endParaRPr lang="zh-CN" altLang="en-US"/>
-          </a:p>
-        </p:txBody>
-      </p:sp>
-      <p:sp>
-        <p:nvSpPr>
-          <p:cNvPr id="18" name="TextBox 17"/>
-          <p:cNvSpPr txBox="1"/>
-          <p:nvPr/>
-        </p:nvSpPr>
-        <p:spPr>
-          <a:xfrm>
-            <a:off x="7426055" y="5530243"/>
-            <a:ext cx="2723823" cy="369332"/>
-          </a:xfrm>
-          <a:prstGeom prst="rect">
-            <a:avLst/>
-          </a:prstGeom>
-          <a:noFill/>
-        </p:spPr>
-        <p:txBody>
-          <a:bodyPr wrap="none" rtlCol="0">
-            <a:spAutoFit/>
-          </a:bodyPr>
-          <a:lstStyle/>
-          <a:p>
-            <a:r>
-              <a:rPr lang="zh-CN" altLang="en-US" dirty="0" smtClean="0">
-                <a:solidFill>
-                  <a:srgbClr val="0070C0"/>
-                </a:solidFill>
-              </a:rPr>
-              <a:t>在文件资源管理器中打开</a:t>
-            </a:r>
-            <a:endParaRPr lang="zh-CN" altLang="en-US" dirty="0">
-              <a:solidFill>
-                <a:srgbClr val="0070C0"/>
-              </a:solidFill>
-            </a:endParaRPr>
-          </a:p>
-        </p:txBody>
-      </p:sp>
     </p:spTree>
     <p:extLst>
       <p:ext uri="{BB962C8B-B14F-4D97-AF65-F5344CB8AC3E}">
-        <p14:creationId xmlns:p14="http://schemas.microsoft.com/office/powerpoint/2010/main" val="1450396407"/>
+        <p14:creationId xmlns:p14="http://schemas.microsoft.com/office/powerpoint/2010/main" val="1860577185"/>
       </p:ext>
     </p:extLst>
   </p:cSld>
   <p:clrMapOvr>
     <a:masterClrMapping/>
   </p:clrMapOvr>
-  <p:timing>
-    <p:tnLst>
-      <p:par>
-        <p:cTn id="1" dur="indefinite" restart="never" nodeType="tmRoot"/>
-      </p:par>
-    </p:tnLst>
-  </p:timing>
 </p:sld>
 </file>
 
@@ -7498,696 +7116,6 @@
       </p:grpSpPr>
       <p:sp>
         <p:nvSpPr>
-          <p:cNvPr id="3" name="Title 2"/>
-          <p:cNvSpPr txBox="1">
-            <a:spLocks noGrp="1"/>
-          </p:cNvSpPr>
-          <p:nvPr>
-            <p:ph type="title"/>
-          </p:nvPr>
-        </p:nvSpPr>
-        <p:spPr>
-          <a:xfrm>
-            <a:off x="849651" y="672236"/>
-            <a:ext cx="4927887" cy="646331"/>
-          </a:xfrm>
-          <a:prstGeom prst="rect">
-            <a:avLst/>
-          </a:prstGeom>
-          <a:noFill/>
-        </p:spPr>
-        <p:txBody>
-          <a:bodyPr wrap="none" rtlCol="0">
-            <a:spAutoFit/>
-          </a:bodyPr>
-          <a:lstStyle/>
-          <a:p>
-            <a:r>
-              <a:rPr lang="en-US" altLang="zh-CN" sz="4000" dirty="0" err="1" smtClean="0">
-                <a:solidFill>
-                  <a:srgbClr val="0070C0"/>
-                </a:solidFill>
-                <a:latin typeface="微软雅黑" panose="020B0503020204020204" pitchFamily="34" charset="-122"/>
-                <a:ea typeface="微软雅黑" panose="020B0503020204020204" pitchFamily="34" charset="-122"/>
-              </a:rPr>
-              <a:t>SourceTree</a:t>
-            </a:r>
-            <a:r>
-              <a:rPr lang="zh-CN" altLang="en-US" sz="4000" dirty="0" smtClean="0">
-                <a:solidFill>
-                  <a:srgbClr val="0070C0"/>
-                </a:solidFill>
-                <a:latin typeface="微软雅黑" panose="020B0503020204020204" pitchFamily="34" charset="-122"/>
-                <a:ea typeface="微软雅黑" panose="020B0503020204020204" pitchFamily="34" charset="-122"/>
-              </a:rPr>
-              <a:t>简单教程</a:t>
-            </a:r>
-            <a:endParaRPr lang="zh-CN" altLang="en-US" sz="4000" dirty="0">
-              <a:solidFill>
-                <a:srgbClr val="0070C0"/>
-              </a:solidFill>
-              <a:latin typeface="微软雅黑" panose="020B0503020204020204" pitchFamily="34" charset="-122"/>
-              <a:ea typeface="微软雅黑" panose="020B0503020204020204" pitchFamily="34" charset="-122"/>
-            </a:endParaRPr>
-          </a:p>
-        </p:txBody>
-      </p:sp>
-      <p:sp>
-        <p:nvSpPr>
-          <p:cNvPr id="4" name="TextBox 3"/>
-          <p:cNvSpPr txBox="1"/>
-          <p:nvPr/>
-        </p:nvSpPr>
-        <p:spPr>
-          <a:xfrm>
-            <a:off x="849651" y="1483445"/>
-            <a:ext cx="1385316" cy="369332"/>
-          </a:xfrm>
-          <a:prstGeom prst="rect">
-            <a:avLst/>
-          </a:prstGeom>
-          <a:noFill/>
-        </p:spPr>
-        <p:txBody>
-          <a:bodyPr wrap="none" rtlCol="0">
-            <a:spAutoFit/>
-          </a:bodyPr>
-          <a:lstStyle/>
-          <a:p>
-            <a:r>
-              <a:rPr lang="en-US" altLang="zh-CN" b="1" dirty="0" smtClean="0">
-                <a:solidFill>
-                  <a:srgbClr val="C00000"/>
-                </a:solidFill>
-                <a:latin typeface="微软雅黑" panose="020B0503020204020204" pitchFamily="34" charset="-122"/>
-                <a:ea typeface="微软雅黑" panose="020B0503020204020204" pitchFamily="34" charset="-122"/>
-              </a:rPr>
-              <a:t>4. </a:t>
-            </a:r>
-            <a:r>
-              <a:rPr lang="zh-CN" altLang="en-US" b="1" dirty="0" smtClean="0">
-                <a:solidFill>
-                  <a:srgbClr val="C00000"/>
-                </a:solidFill>
-                <a:latin typeface="微软雅黑" panose="020B0503020204020204" pitchFamily="34" charset="-122"/>
-                <a:ea typeface="微软雅黑" panose="020B0503020204020204" pitchFamily="34" charset="-122"/>
-              </a:rPr>
-              <a:t>本地编辑</a:t>
-            </a:r>
-            <a:endParaRPr lang="zh-CN" altLang="en-US" b="1" dirty="0">
-              <a:solidFill>
-                <a:srgbClr val="C00000"/>
-              </a:solidFill>
-              <a:latin typeface="微软雅黑" panose="020B0503020204020204" pitchFamily="34" charset="-122"/>
-              <a:ea typeface="微软雅黑" panose="020B0503020204020204" pitchFamily="34" charset="-122"/>
-            </a:endParaRPr>
-          </a:p>
-        </p:txBody>
-      </p:sp>
-      <p:pic>
-        <p:nvPicPr>
-          <p:cNvPr id="6" name="Picture 5" descr="kaixian-is-course - [C:\Users\Wuxf\Dropbox\kaixian-is-course] - ...\template\task.html - PyCharm Community Edition 4.5.1"/>
-          <p:cNvPicPr>
-            <a:picLocks noChangeAspect="1"/>
-          </p:cNvPicPr>
-          <p:nvPr/>
-        </p:nvPicPr>
-        <p:blipFill>
-          <a:blip r:embed="rId2">
-            <a:extLst>
-              <a:ext uri="{28A0092B-C50C-407E-A947-70E740481C1C}">
-                <a14:useLocalDpi xmlns:a14="http://schemas.microsoft.com/office/drawing/2010/main" val="0"/>
-              </a:ext>
-            </a:extLst>
-          </a:blip>
-          <a:stretch>
-            <a:fillRect/>
-          </a:stretch>
-        </p:blipFill>
-        <p:spPr>
-          <a:xfrm>
-            <a:off x="3894543" y="1852777"/>
-            <a:ext cx="4402913" cy="3149777"/>
-          </a:xfrm>
-          <a:prstGeom prst="rect">
-            <a:avLst/>
-          </a:prstGeom>
-        </p:spPr>
-      </p:pic>
-      <p:sp>
-        <p:nvSpPr>
-          <p:cNvPr id="7" name="TextBox 6"/>
-          <p:cNvSpPr txBox="1"/>
-          <p:nvPr/>
-        </p:nvSpPr>
-        <p:spPr>
-          <a:xfrm>
-            <a:off x="3132688" y="5120640"/>
-            <a:ext cx="6003567" cy="646331"/>
-          </a:xfrm>
-          <a:prstGeom prst="rect">
-            <a:avLst/>
-          </a:prstGeom>
-          <a:noFill/>
-        </p:spPr>
-        <p:txBody>
-          <a:bodyPr wrap="none" rtlCol="0">
-            <a:spAutoFit/>
-          </a:bodyPr>
-          <a:lstStyle/>
-          <a:p>
-            <a:r>
-              <a:rPr lang="zh-CN" altLang="en-US" sz="3600" dirty="0" smtClean="0">
-                <a:solidFill>
-                  <a:srgbClr val="C00000"/>
-                </a:solidFill>
-                <a:latin typeface="微软雅黑" panose="020B0503020204020204" pitchFamily="34" charset="-122"/>
-                <a:ea typeface="微软雅黑" panose="020B0503020204020204" pitchFamily="34" charset="-122"/>
-              </a:rPr>
-              <a:t>什么编辑器、</a:t>
-            </a:r>
-            <a:r>
-              <a:rPr lang="en-US" altLang="zh-CN" sz="3600" dirty="0" smtClean="0">
-                <a:solidFill>
-                  <a:srgbClr val="C00000"/>
-                </a:solidFill>
-                <a:latin typeface="微软雅黑" panose="020B0503020204020204" pitchFamily="34" charset="-122"/>
-                <a:ea typeface="微软雅黑" panose="020B0503020204020204" pitchFamily="34" charset="-122"/>
-              </a:rPr>
-              <a:t>IDE</a:t>
-            </a:r>
-            <a:r>
-              <a:rPr lang="zh-CN" altLang="en-US" sz="3600" dirty="0" smtClean="0">
-                <a:solidFill>
-                  <a:srgbClr val="C00000"/>
-                </a:solidFill>
-                <a:latin typeface="微软雅黑" panose="020B0503020204020204" pitchFamily="34" charset="-122"/>
-                <a:ea typeface="微软雅黑" panose="020B0503020204020204" pitchFamily="34" charset="-122"/>
-              </a:rPr>
-              <a:t>顺手用什么</a:t>
-            </a:r>
-            <a:endParaRPr lang="zh-CN" altLang="en-US" sz="3600" dirty="0">
-              <a:solidFill>
-                <a:srgbClr val="C00000"/>
-              </a:solidFill>
-              <a:latin typeface="微软雅黑" panose="020B0503020204020204" pitchFamily="34" charset="-122"/>
-              <a:ea typeface="微软雅黑" panose="020B0503020204020204" pitchFamily="34" charset="-122"/>
-            </a:endParaRPr>
-          </a:p>
-        </p:txBody>
-      </p:sp>
-    </p:spTree>
-    <p:extLst>
-      <p:ext uri="{BB962C8B-B14F-4D97-AF65-F5344CB8AC3E}">
-        <p14:creationId xmlns:p14="http://schemas.microsoft.com/office/powerpoint/2010/main" val="3004309636"/>
-      </p:ext>
-    </p:extLst>
-  </p:cSld>
-  <p:clrMapOvr>
-    <a:masterClrMapping/>
-  </p:clrMapOvr>
-  <p:timing>
-    <p:tnLst>
-      <p:par>
-        <p:cTn id="1" dur="indefinite" restart="never" nodeType="tmRoot"/>
-      </p:par>
-    </p:tnLst>
-  </p:timing>
-</p:sld>
-</file>
-
-<file path=ppt/slides/slide14.xml><?xml version="1.0" encoding="utf-8"?>
-<p:sld xmlns:a="http://schemas.openxmlformats.org/drawingml/2006/main" xmlns:r="http://schemas.openxmlformats.org/officeDocument/2006/relationships" xmlns:p="http://schemas.openxmlformats.org/presentationml/2006/main">
-  <p:cSld>
-    <p:spTree>
-      <p:nvGrpSpPr>
-        <p:cNvPr id="1" name=""/>
-        <p:cNvGrpSpPr/>
-        <p:nvPr/>
-      </p:nvGrpSpPr>
-      <p:grpSpPr>
-        <a:xfrm>
-          <a:off x="0" y="0"/>
-          <a:ext cx="0" cy="0"/>
-          <a:chOff x="0" y="0"/>
-          <a:chExt cx="0" cy="0"/>
-        </a:xfrm>
-      </p:grpSpPr>
-      <p:sp>
-        <p:nvSpPr>
-          <p:cNvPr id="3" name="Title 2"/>
-          <p:cNvSpPr txBox="1">
-            <a:spLocks noGrp="1"/>
-          </p:cNvSpPr>
-          <p:nvPr>
-            <p:ph type="title"/>
-          </p:nvPr>
-        </p:nvSpPr>
-        <p:spPr>
-          <a:xfrm>
-            <a:off x="849651" y="672236"/>
-            <a:ext cx="4927887" cy="646331"/>
-          </a:xfrm>
-          <a:prstGeom prst="rect">
-            <a:avLst/>
-          </a:prstGeom>
-          <a:noFill/>
-        </p:spPr>
-        <p:txBody>
-          <a:bodyPr wrap="none" rtlCol="0">
-            <a:spAutoFit/>
-          </a:bodyPr>
-          <a:lstStyle/>
-          <a:p>
-            <a:r>
-              <a:rPr lang="en-US" altLang="zh-CN" sz="4000" dirty="0" err="1" smtClean="0">
-                <a:solidFill>
-                  <a:srgbClr val="0070C0"/>
-                </a:solidFill>
-                <a:latin typeface="微软雅黑" panose="020B0503020204020204" pitchFamily="34" charset="-122"/>
-                <a:ea typeface="微软雅黑" panose="020B0503020204020204" pitchFamily="34" charset="-122"/>
-              </a:rPr>
-              <a:t>SourceTree</a:t>
-            </a:r>
-            <a:r>
-              <a:rPr lang="zh-CN" altLang="en-US" sz="4000" dirty="0" smtClean="0">
-                <a:solidFill>
-                  <a:srgbClr val="0070C0"/>
-                </a:solidFill>
-                <a:latin typeface="微软雅黑" panose="020B0503020204020204" pitchFamily="34" charset="-122"/>
-                <a:ea typeface="微软雅黑" panose="020B0503020204020204" pitchFamily="34" charset="-122"/>
-              </a:rPr>
-              <a:t>简单教程</a:t>
-            </a:r>
-            <a:endParaRPr lang="zh-CN" altLang="en-US" sz="4000" dirty="0">
-              <a:solidFill>
-                <a:srgbClr val="0070C0"/>
-              </a:solidFill>
-              <a:latin typeface="微软雅黑" panose="020B0503020204020204" pitchFamily="34" charset="-122"/>
-              <a:ea typeface="微软雅黑" panose="020B0503020204020204" pitchFamily="34" charset="-122"/>
-            </a:endParaRPr>
-          </a:p>
-        </p:txBody>
-      </p:sp>
-      <p:sp>
-        <p:nvSpPr>
-          <p:cNvPr id="4" name="TextBox 3"/>
-          <p:cNvSpPr txBox="1"/>
-          <p:nvPr/>
-        </p:nvSpPr>
-        <p:spPr>
-          <a:xfrm>
-            <a:off x="849651" y="1483445"/>
-            <a:ext cx="1385316" cy="369332"/>
-          </a:xfrm>
-          <a:prstGeom prst="rect">
-            <a:avLst/>
-          </a:prstGeom>
-          <a:noFill/>
-        </p:spPr>
-        <p:txBody>
-          <a:bodyPr wrap="none" rtlCol="0">
-            <a:spAutoFit/>
-          </a:bodyPr>
-          <a:lstStyle/>
-          <a:p>
-            <a:r>
-              <a:rPr lang="en-US" altLang="zh-CN" b="1" dirty="0">
-                <a:solidFill>
-                  <a:srgbClr val="C00000"/>
-                </a:solidFill>
-                <a:latin typeface="微软雅黑" panose="020B0503020204020204" pitchFamily="34" charset="-122"/>
-                <a:ea typeface="微软雅黑" panose="020B0503020204020204" pitchFamily="34" charset="-122"/>
-              </a:rPr>
-              <a:t>5</a:t>
-            </a:r>
-            <a:r>
-              <a:rPr lang="en-US" altLang="zh-CN" b="1" dirty="0" smtClean="0">
-                <a:solidFill>
-                  <a:srgbClr val="C00000"/>
-                </a:solidFill>
-                <a:latin typeface="微软雅黑" panose="020B0503020204020204" pitchFamily="34" charset="-122"/>
-                <a:ea typeface="微软雅黑" panose="020B0503020204020204" pitchFamily="34" charset="-122"/>
-              </a:rPr>
-              <a:t>. </a:t>
-            </a:r>
-            <a:r>
-              <a:rPr lang="zh-CN" altLang="en-US" b="1" dirty="0" smtClean="0">
-                <a:solidFill>
-                  <a:srgbClr val="C00000"/>
-                </a:solidFill>
-                <a:latin typeface="微软雅黑" panose="020B0503020204020204" pitchFamily="34" charset="-122"/>
-                <a:ea typeface="微软雅黑" panose="020B0503020204020204" pitchFamily="34" charset="-122"/>
-              </a:rPr>
-              <a:t>提交修改</a:t>
-            </a:r>
-            <a:endParaRPr lang="zh-CN" altLang="en-US" b="1" dirty="0">
-              <a:solidFill>
-                <a:srgbClr val="C00000"/>
-              </a:solidFill>
-              <a:latin typeface="微软雅黑" panose="020B0503020204020204" pitchFamily="34" charset="-122"/>
-              <a:ea typeface="微软雅黑" panose="020B0503020204020204" pitchFamily="34" charset="-122"/>
-            </a:endParaRPr>
-          </a:p>
-        </p:txBody>
-      </p:sp>
-    </p:spTree>
-    <p:extLst>
-      <p:ext uri="{BB962C8B-B14F-4D97-AF65-F5344CB8AC3E}">
-        <p14:creationId xmlns:p14="http://schemas.microsoft.com/office/powerpoint/2010/main" val="3755850747"/>
-      </p:ext>
-    </p:extLst>
-  </p:cSld>
-  <p:clrMapOvr>
-    <a:masterClrMapping/>
-  </p:clrMapOvr>
-  <p:timing>
-    <p:tnLst>
-      <p:par>
-        <p:cTn id="1" dur="indefinite" restart="never" nodeType="tmRoot"/>
-      </p:par>
-    </p:tnLst>
-  </p:timing>
-</p:sld>
-</file>
-
-<file path=ppt/slides/slide15.xml><?xml version="1.0" encoding="utf-8"?>
-<p:sld xmlns:a="http://schemas.openxmlformats.org/drawingml/2006/main" xmlns:r="http://schemas.openxmlformats.org/officeDocument/2006/relationships" xmlns:p="http://schemas.openxmlformats.org/presentationml/2006/main">
-  <p:cSld>
-    <p:spTree>
-      <p:nvGrpSpPr>
-        <p:cNvPr id="1" name=""/>
-        <p:cNvGrpSpPr/>
-        <p:nvPr/>
-      </p:nvGrpSpPr>
-      <p:grpSpPr>
-        <a:xfrm>
-          <a:off x="0" y="0"/>
-          <a:ext cx="0" cy="0"/>
-          <a:chOff x="0" y="0"/>
-          <a:chExt cx="0" cy="0"/>
-        </a:xfrm>
-      </p:grpSpPr>
-      <p:sp>
-        <p:nvSpPr>
-          <p:cNvPr id="3" name="Title 2"/>
-          <p:cNvSpPr txBox="1">
-            <a:spLocks noGrp="1"/>
-          </p:cNvSpPr>
-          <p:nvPr>
-            <p:ph type="title"/>
-          </p:nvPr>
-        </p:nvSpPr>
-        <p:spPr>
-          <a:xfrm>
-            <a:off x="849651" y="672236"/>
-            <a:ext cx="2892138" cy="646331"/>
-          </a:xfrm>
-          <a:prstGeom prst="rect">
-            <a:avLst/>
-          </a:prstGeom>
-          <a:noFill/>
-        </p:spPr>
-        <p:txBody>
-          <a:bodyPr wrap="none" rtlCol="0">
-            <a:spAutoFit/>
-          </a:bodyPr>
-          <a:lstStyle/>
-          <a:p>
-            <a:r>
-              <a:rPr lang="en-US" altLang="zh-CN" sz="4000" dirty="0" err="1" smtClean="0">
-                <a:solidFill>
-                  <a:srgbClr val="0070C0"/>
-                </a:solidFill>
-                <a:latin typeface="微软雅黑" panose="020B0503020204020204" pitchFamily="34" charset="-122"/>
-                <a:ea typeface="微软雅黑" panose="020B0503020204020204" pitchFamily="34" charset="-122"/>
-              </a:rPr>
-              <a:t>git</a:t>
-            </a:r>
-            <a:r>
-              <a:rPr lang="zh-CN" altLang="en-US" sz="4000" dirty="0" smtClean="0">
-                <a:solidFill>
-                  <a:srgbClr val="0070C0"/>
-                </a:solidFill>
-                <a:latin typeface="微软雅黑" panose="020B0503020204020204" pitchFamily="34" charset="-122"/>
-                <a:ea typeface="微软雅黑" panose="020B0503020204020204" pitchFamily="34" charset="-122"/>
-              </a:rPr>
-              <a:t>简单教程</a:t>
-            </a:r>
-            <a:endParaRPr lang="zh-CN" altLang="en-US" sz="4000" dirty="0">
-              <a:solidFill>
-                <a:srgbClr val="0070C0"/>
-              </a:solidFill>
-              <a:latin typeface="微软雅黑" panose="020B0503020204020204" pitchFamily="34" charset="-122"/>
-              <a:ea typeface="微软雅黑" panose="020B0503020204020204" pitchFamily="34" charset="-122"/>
-            </a:endParaRPr>
-          </a:p>
-        </p:txBody>
-      </p:sp>
-      <p:sp>
-        <p:nvSpPr>
-          <p:cNvPr id="7" name="TextBox 6"/>
-          <p:cNvSpPr txBox="1"/>
-          <p:nvPr/>
-        </p:nvSpPr>
-        <p:spPr>
-          <a:xfrm>
-            <a:off x="3741789" y="672235"/>
-            <a:ext cx="2031325" cy="646331"/>
-          </a:xfrm>
-          <a:prstGeom prst="rect">
-            <a:avLst/>
-          </a:prstGeom>
-          <a:noFill/>
-        </p:spPr>
-        <p:txBody>
-          <a:bodyPr wrap="none" rtlCol="0">
-            <a:spAutoFit/>
-          </a:bodyPr>
-          <a:lstStyle/>
-          <a:p>
-            <a:r>
-              <a:rPr lang="zh-CN" altLang="en-US" sz="3600" dirty="0" smtClean="0">
-                <a:solidFill>
-                  <a:srgbClr val="C00000"/>
-                </a:solidFill>
-                <a:latin typeface="微软雅黑" panose="020B0503020204020204" pitchFamily="34" charset="-122"/>
-                <a:ea typeface="微软雅黑" panose="020B0503020204020204" pitchFamily="34" charset="-122"/>
-                <a:hlinkClick r:id="rId2"/>
-              </a:rPr>
-              <a:t>一个链接</a:t>
-            </a:r>
-            <a:endParaRPr lang="zh-CN" altLang="en-US" sz="3600" dirty="0">
-              <a:solidFill>
-                <a:srgbClr val="C00000"/>
-              </a:solidFill>
-              <a:latin typeface="微软雅黑" panose="020B0503020204020204" pitchFamily="34" charset="-122"/>
-              <a:ea typeface="微软雅黑" panose="020B0503020204020204" pitchFamily="34" charset="-122"/>
-            </a:endParaRPr>
-          </a:p>
-        </p:txBody>
-      </p:sp>
-    </p:spTree>
-    <p:extLst>
-      <p:ext uri="{BB962C8B-B14F-4D97-AF65-F5344CB8AC3E}">
-        <p14:creationId xmlns:p14="http://schemas.microsoft.com/office/powerpoint/2010/main" val="1892473785"/>
-      </p:ext>
-    </p:extLst>
-  </p:cSld>
-  <p:clrMapOvr>
-    <a:masterClrMapping/>
-  </p:clrMapOvr>
-  <p:timing>
-    <p:tnLst>
-      <p:par>
-        <p:cTn id="1" dur="indefinite" restart="never" nodeType="tmRoot"/>
-      </p:par>
-    </p:tnLst>
-  </p:timing>
-</p:sld>
-</file>
-
-<file path=ppt/slides/slide2.xml><?xml version="1.0" encoding="utf-8"?>
-<p:sld xmlns:a="http://schemas.openxmlformats.org/drawingml/2006/main" xmlns:r="http://schemas.openxmlformats.org/officeDocument/2006/relationships" xmlns:p="http://schemas.openxmlformats.org/presentationml/2006/main">
-  <p:cSld>
-    <p:spTree>
-      <p:nvGrpSpPr>
-        <p:cNvPr id="1" name=""/>
-        <p:cNvGrpSpPr/>
-        <p:nvPr/>
-      </p:nvGrpSpPr>
-      <p:grpSpPr>
-        <a:xfrm>
-          <a:off x="0" y="0"/>
-          <a:ext cx="0" cy="0"/>
-          <a:chOff x="0" y="0"/>
-          <a:chExt cx="0" cy="0"/>
-        </a:xfrm>
-      </p:grpSpPr>
-      <p:sp>
-        <p:nvSpPr>
-          <p:cNvPr id="2" name="Title 1"/>
-          <p:cNvSpPr>
-            <a:spLocks noGrp="1"/>
-          </p:cNvSpPr>
-          <p:nvPr>
-            <p:ph type="title"/>
-          </p:nvPr>
-        </p:nvSpPr>
-        <p:spPr/>
-        <p:txBody>
-          <a:bodyPr/>
-          <a:lstStyle/>
-          <a:p>
-            <a:r>
-              <a:rPr lang="zh-CN" altLang="en-US" b="1" dirty="0" smtClean="0">
-                <a:solidFill>
-                  <a:schemeClr val="accent2"/>
-                </a:solidFill>
-                <a:latin typeface="微软雅黑" panose="020B0503020204020204" pitchFamily="34" charset="-122"/>
-                <a:ea typeface="微软雅黑" panose="020B0503020204020204" pitchFamily="34" charset="-122"/>
-              </a:rPr>
-              <a:t>工作流程</a:t>
-            </a:r>
-            <a:endParaRPr lang="zh-CN" altLang="en-US" b="1" dirty="0">
-              <a:solidFill>
-                <a:schemeClr val="accent2"/>
-              </a:solidFill>
-              <a:latin typeface="微软雅黑" panose="020B0503020204020204" pitchFamily="34" charset="-122"/>
-              <a:ea typeface="微软雅黑" panose="020B0503020204020204" pitchFamily="34" charset="-122"/>
-            </a:endParaRPr>
-          </a:p>
-        </p:txBody>
-      </p:sp>
-      <p:graphicFrame>
-        <p:nvGraphicFramePr>
-          <p:cNvPr id="8" name="Diagram 7"/>
-          <p:cNvGraphicFramePr/>
-          <p:nvPr>
-            <p:extLst>
-              <p:ext uri="{D42A27DB-BD31-4B8C-83A1-F6EECF244321}">
-                <p14:modId xmlns:p14="http://schemas.microsoft.com/office/powerpoint/2010/main" val="1696466478"/>
-              </p:ext>
-            </p:extLst>
-          </p:nvPr>
-        </p:nvGraphicFramePr>
-        <p:xfrm>
-          <a:off x="2648856" y="2005400"/>
-          <a:ext cx="6894288" cy="4633659"/>
-        </p:xfrm>
-        <a:graphic>
-          <a:graphicData uri="http://schemas.openxmlformats.org/drawingml/2006/diagram">
-            <dgm:relIds xmlns:dgm="http://schemas.openxmlformats.org/drawingml/2006/diagram" xmlns:r="http://schemas.openxmlformats.org/officeDocument/2006/relationships" r:dm="rId2" r:lo="rId3" r:qs="rId4" r:cs="rId5"/>
-          </a:graphicData>
-        </a:graphic>
-      </p:graphicFrame>
-      <p:sp>
-        <p:nvSpPr>
-          <p:cNvPr id="3" name="圆角矩形 2"/>
-          <p:cNvSpPr/>
-          <p:nvPr/>
-        </p:nvSpPr>
-        <p:spPr>
-          <a:xfrm>
-            <a:off x="5270678" y="630916"/>
-            <a:ext cx="1650643" cy="1059772"/>
-          </a:xfrm>
-          <a:prstGeom prst="roundRect">
-            <a:avLst/>
-          </a:prstGeom>
-        </p:spPr>
-        <p:style>
-          <a:lnRef idx="3">
-            <a:schemeClr val="lt1"/>
-          </a:lnRef>
-          <a:fillRef idx="1">
-            <a:schemeClr val="accent1"/>
-          </a:fillRef>
-          <a:effectRef idx="1">
-            <a:schemeClr val="accent1"/>
-          </a:effectRef>
-          <a:fontRef idx="minor">
-            <a:schemeClr val="lt1"/>
-          </a:fontRef>
-        </p:style>
-        <p:txBody>
-          <a:bodyPr rtlCol="0" anchor="ctr"/>
-          <a:lstStyle/>
-          <a:p>
-            <a:pPr algn="ctr"/>
-            <a:r>
-              <a:rPr lang="en-US" altLang="zh-CN" dirty="0" smtClean="0"/>
-              <a:t>Fork</a:t>
-            </a:r>
-            <a:endParaRPr lang="zh-CN" altLang="en-US" dirty="0"/>
-          </a:p>
-        </p:txBody>
-      </p:sp>
-      <p:cxnSp>
-        <p:nvCxnSpPr>
-          <p:cNvPr id="5" name="直接连接符 4"/>
-          <p:cNvCxnSpPr>
-            <a:stCxn id="3" idx="2"/>
-            <a:endCxn id="8" idx="0"/>
-          </p:cNvCxnSpPr>
-          <p:nvPr/>
-        </p:nvCxnSpPr>
-        <p:spPr>
-          <a:xfrm>
-            <a:off x="6096000" y="1690688"/>
-            <a:ext cx="0" cy="314712"/>
-          </a:xfrm>
-          <a:prstGeom prst="line">
-            <a:avLst/>
-          </a:prstGeom>
-        </p:spPr>
-        <p:style>
-          <a:lnRef idx="1">
-            <a:schemeClr val="accent1"/>
-          </a:lnRef>
-          <a:fillRef idx="0">
-            <a:schemeClr val="accent1"/>
-          </a:fillRef>
-          <a:effectRef idx="0">
-            <a:schemeClr val="accent1"/>
-          </a:effectRef>
-          <a:fontRef idx="minor">
-            <a:schemeClr val="tx1"/>
-          </a:fontRef>
-        </p:style>
-      </p:cxnSp>
-    </p:spTree>
-    <p:extLst>
-      <p:ext uri="{BB962C8B-B14F-4D97-AF65-F5344CB8AC3E}">
-        <p14:creationId xmlns:p14="http://schemas.microsoft.com/office/powerpoint/2010/main" val="3165166310"/>
-      </p:ext>
-    </p:extLst>
-  </p:cSld>
-  <p:clrMapOvr>
-    <a:masterClrMapping/>
-  </p:clrMapOvr>
-</p:sld>
-</file>
-
-<file path=ppt/slides/slide3.xml><?xml version="1.0" encoding="utf-8"?>
-<p:sld xmlns:a="http://schemas.openxmlformats.org/drawingml/2006/main" xmlns:r="http://schemas.openxmlformats.org/officeDocument/2006/relationships" xmlns:p="http://schemas.openxmlformats.org/presentationml/2006/main">
-  <p:cSld>
-    <p:spTree>
-      <p:nvGrpSpPr>
-        <p:cNvPr id="1" name=""/>
-        <p:cNvGrpSpPr/>
-        <p:nvPr/>
-      </p:nvGrpSpPr>
-      <p:grpSpPr>
-        <a:xfrm>
-          <a:off x="0" y="0"/>
-          <a:ext cx="0" cy="0"/>
-          <a:chOff x="0" y="0"/>
-          <a:chExt cx="0" cy="0"/>
-        </a:xfrm>
-      </p:grpSpPr>
-      <p:sp>
-        <p:nvSpPr>
           <p:cNvPr id="4" name="Title 3"/>
           <p:cNvSpPr>
             <a:spLocks noGrp="1"/>
@@ -8213,7 +7141,7 @@
                 <a:latin typeface="微软雅黑" panose="020B0503020204020204" pitchFamily="34" charset="-122"/>
                 <a:ea typeface="微软雅黑" panose="020B0503020204020204" pitchFamily="34" charset="-122"/>
               </a:rPr>
-              <a:t>工具方案一</a:t>
+              <a:t>工具方案二</a:t>
             </a:r>
             <a:endParaRPr lang="zh-CN" altLang="en-US" dirty="0">
               <a:latin typeface="微软雅黑" panose="020B0503020204020204" pitchFamily="34" charset="-122"/>
@@ -8255,7 +7183,7 @@
         <p:spPr>
           <a:xfrm>
             <a:off x="2001557" y="2091765"/>
-            <a:ext cx="2627642" cy="707886"/>
+            <a:ext cx="2524730" cy="707886"/>
           </a:xfrm>
           <a:prstGeom prst="rect">
             <a:avLst/>
@@ -8275,7 +7203,7 @@
                 </a:solidFill>
                 <a:latin typeface="Impact" panose="020B0806030902050204" pitchFamily="34" charset="0"/>
               </a:rPr>
-              <a:t>SourceTree</a:t>
+              <a:t>TortoiseGit</a:t>
             </a:r>
             <a:endParaRPr lang="zh-CN" altLang="en-US" sz="4000" dirty="0">
               <a:solidFill>
@@ -8374,500 +7302,6 @@
         </p:nvSpPr>
         <p:spPr>
           <a:xfrm>
-            <a:off x="1117789" y="2799651"/>
-            <a:ext cx="4395178" cy="523220"/>
-          </a:xfrm>
-          <a:prstGeom prst="rect">
-            <a:avLst/>
-          </a:prstGeom>
-        </p:spPr>
-        <p:txBody>
-          <a:bodyPr wrap="none">
-            <a:spAutoFit/>
-          </a:bodyPr>
-          <a:lstStyle/>
-          <a:p>
-            <a:r>
-              <a:rPr lang="en-US" altLang="zh-CN" sz="2800" i="1" dirty="0" smtClean="0">
-                <a:solidFill>
-                  <a:srgbClr val="0070C0"/>
-                </a:solidFill>
-                <a:latin typeface="微软雅黑" panose="020B0503020204020204" pitchFamily="34" charset="-122"/>
-                <a:ea typeface="微软雅黑" panose="020B0503020204020204" pitchFamily="34" charset="-122"/>
-              </a:rPr>
-              <a:t>www.sourcetreeapp.com</a:t>
-            </a:r>
-            <a:endParaRPr lang="zh-CN" altLang="en-US" sz="2800" i="1" dirty="0">
-              <a:solidFill>
-                <a:srgbClr val="0070C0"/>
-              </a:solidFill>
-              <a:latin typeface="微软雅黑" panose="020B0503020204020204" pitchFamily="34" charset="-122"/>
-              <a:ea typeface="微软雅黑" panose="020B0503020204020204" pitchFamily="34" charset="-122"/>
-            </a:endParaRPr>
-          </a:p>
-        </p:txBody>
-      </p:sp>
-      <p:sp>
-        <p:nvSpPr>
-          <p:cNvPr id="11" name="TextBox 10"/>
-          <p:cNvSpPr txBox="1"/>
-          <p:nvPr/>
-        </p:nvSpPr>
-        <p:spPr>
-          <a:xfrm>
-            <a:off x="6806748" y="2799651"/>
-            <a:ext cx="2290435" cy="523220"/>
-          </a:xfrm>
-          <a:prstGeom prst="rect">
-            <a:avLst/>
-          </a:prstGeom>
-          <a:noFill/>
-        </p:spPr>
-        <p:txBody>
-          <a:bodyPr wrap="none" rtlCol="0">
-            <a:spAutoFit/>
-          </a:bodyPr>
-          <a:lstStyle/>
-          <a:p>
-            <a:r>
-              <a:rPr lang="en-US" altLang="zh-CN" sz="2800" i="1" dirty="0" smtClean="0">
-                <a:solidFill>
-                  <a:schemeClr val="accent2"/>
-                </a:solidFill>
-                <a:latin typeface="微软雅黑" panose="020B0503020204020204" pitchFamily="34" charset="-122"/>
-                <a:ea typeface="微软雅黑" panose="020B0503020204020204" pitchFamily="34" charset="-122"/>
-              </a:rPr>
-              <a:t>git-scm.com</a:t>
-            </a:r>
-            <a:endParaRPr lang="zh-CN" altLang="en-US" sz="2800" i="1" dirty="0">
-              <a:solidFill>
-                <a:schemeClr val="accent2"/>
-              </a:solidFill>
-              <a:latin typeface="微软雅黑" panose="020B0503020204020204" pitchFamily="34" charset="-122"/>
-              <a:ea typeface="微软雅黑" panose="020B0503020204020204" pitchFamily="34" charset="-122"/>
-            </a:endParaRPr>
-          </a:p>
-        </p:txBody>
-      </p:sp>
-      <p:pic>
-        <p:nvPicPr>
-          <p:cNvPr id="14" name="Picture 13" descr="Screen Clipping"/>
-          <p:cNvPicPr>
-            <a:picLocks noChangeAspect="1"/>
-          </p:cNvPicPr>
-          <p:nvPr/>
-        </p:nvPicPr>
-        <p:blipFill>
-          <a:blip r:embed="rId3" cstate="print">
-            <a:extLst>
-              <a:ext uri="{28A0092B-C50C-407E-A947-70E740481C1C}">
-                <a14:useLocalDpi xmlns:a14="http://schemas.microsoft.com/office/drawing/2010/main" val="0"/>
-              </a:ext>
-            </a:extLst>
-          </a:blip>
-          <a:stretch>
-            <a:fillRect/>
-          </a:stretch>
-        </p:blipFill>
-        <p:spPr>
-          <a:xfrm>
-            <a:off x="1202097" y="3507537"/>
-            <a:ext cx="4310870" cy="2469580"/>
-          </a:xfrm>
-          <a:prstGeom prst="rect">
-            <a:avLst/>
-          </a:prstGeom>
-          <a:ln>
-            <a:solidFill>
-              <a:srgbClr val="0070C0"/>
-            </a:solidFill>
-          </a:ln>
-        </p:spPr>
-      </p:pic>
-      <p:pic>
-        <p:nvPicPr>
-          <p:cNvPr id="15" name="Picture 14"/>
-          <p:cNvPicPr>
-            <a:picLocks noChangeAspect="1"/>
-          </p:cNvPicPr>
-          <p:nvPr/>
-        </p:nvPicPr>
-        <p:blipFill>
-          <a:blip r:embed="rId4"/>
-          <a:stretch>
-            <a:fillRect/>
-          </a:stretch>
-        </p:blipFill>
-        <p:spPr>
-          <a:xfrm>
-            <a:off x="6904215" y="3507537"/>
-            <a:ext cx="2095500" cy="2095500"/>
-          </a:xfrm>
-          <a:prstGeom prst="rect">
-            <a:avLst/>
-          </a:prstGeom>
-        </p:spPr>
-      </p:pic>
-    </p:spTree>
-    <p:extLst>
-      <p:ext uri="{BB962C8B-B14F-4D97-AF65-F5344CB8AC3E}">
-        <p14:creationId xmlns:p14="http://schemas.microsoft.com/office/powerpoint/2010/main" val="3244196939"/>
-      </p:ext>
-    </p:extLst>
-  </p:cSld>
-  <p:clrMapOvr>
-    <a:masterClrMapping/>
-  </p:clrMapOvr>
-</p:sld>
-</file>
-
-<file path=ppt/slides/slide4.xml><?xml version="1.0" encoding="utf-8"?>
-<p:sld xmlns:a="http://schemas.openxmlformats.org/drawingml/2006/main" xmlns:r="http://schemas.openxmlformats.org/officeDocument/2006/relationships" xmlns:p="http://schemas.openxmlformats.org/presentationml/2006/main">
-  <p:cSld>
-    <p:spTree>
-      <p:nvGrpSpPr>
-        <p:cNvPr id="1" name=""/>
-        <p:cNvGrpSpPr/>
-        <p:nvPr/>
-      </p:nvGrpSpPr>
-      <p:grpSpPr>
-        <a:xfrm>
-          <a:off x="0" y="0"/>
-          <a:ext cx="0" cy="0"/>
-          <a:chOff x="0" y="0"/>
-          <a:chExt cx="0" cy="0"/>
-        </a:xfrm>
-      </p:grpSpPr>
-      <p:sp>
-        <p:nvSpPr>
-          <p:cNvPr id="2" name="Title 1"/>
-          <p:cNvSpPr>
-            <a:spLocks noGrp="1"/>
-          </p:cNvSpPr>
-          <p:nvPr>
-            <p:ph type="title"/>
-          </p:nvPr>
-        </p:nvSpPr>
-        <p:spPr>
-          <a:xfrm>
-            <a:off x="838200" y="365125"/>
-            <a:ext cx="10515600" cy="1399129"/>
-          </a:xfrm>
-        </p:spPr>
-        <p:txBody>
-          <a:bodyPr>
-            <a:normAutofit/>
-          </a:bodyPr>
-          <a:lstStyle/>
-          <a:p>
-            <a:r>
-              <a:rPr lang="zh-CN" altLang="en-US" sz="3200" dirty="0" smtClean="0">
-                <a:solidFill>
-                  <a:schemeClr val="accent2"/>
-                </a:solidFill>
-                <a:latin typeface="微软雅黑" panose="020B0503020204020204" pitchFamily="34" charset="-122"/>
-                <a:ea typeface="微软雅黑" panose="020B0503020204020204" pitchFamily="34" charset="-122"/>
-              </a:rPr>
-              <a:t>注：</a:t>
-            </a:r>
-            <a:r>
-              <a:rPr lang="en-US" altLang="zh-CN" sz="2800" dirty="0" err="1" smtClean="0">
-                <a:solidFill>
-                  <a:srgbClr val="0070C0"/>
-                </a:solidFill>
-                <a:latin typeface="微软雅黑" panose="020B0503020204020204" pitchFamily="34" charset="-122"/>
-                <a:ea typeface="微软雅黑" panose="020B0503020204020204" pitchFamily="34" charset="-122"/>
-              </a:rPr>
-              <a:t>SourceTree</a:t>
-            </a:r>
-            <a:r>
-              <a:rPr lang="zh-CN" altLang="en-US" sz="2800" dirty="0" smtClean="0">
-                <a:solidFill>
-                  <a:srgbClr val="0070C0"/>
-                </a:solidFill>
-                <a:latin typeface="微软雅黑" panose="020B0503020204020204" pitchFamily="34" charset="-122"/>
-                <a:ea typeface="微软雅黑" panose="020B0503020204020204" pitchFamily="34" charset="-122"/>
-              </a:rPr>
-              <a:t>也可以使用内嵌的</a:t>
-            </a:r>
-            <a:r>
-              <a:rPr lang="en-US" altLang="zh-CN" sz="2800" dirty="0" err="1" smtClean="0">
-                <a:solidFill>
-                  <a:srgbClr val="0070C0"/>
-                </a:solidFill>
-                <a:latin typeface="微软雅黑" panose="020B0503020204020204" pitchFamily="34" charset="-122"/>
-                <a:ea typeface="微软雅黑" panose="020B0503020204020204" pitchFamily="34" charset="-122"/>
-              </a:rPr>
-              <a:t>git</a:t>
-            </a:r>
-            <a:r>
-              <a:rPr lang="zh-CN" altLang="en-US" sz="2800" dirty="0" smtClean="0">
-                <a:solidFill>
-                  <a:srgbClr val="0070C0"/>
-                </a:solidFill>
-                <a:latin typeface="微软雅黑" panose="020B0503020204020204" pitchFamily="34" charset="-122"/>
-                <a:ea typeface="微软雅黑" panose="020B0503020204020204" pitchFamily="34" charset="-122"/>
-              </a:rPr>
-              <a:t>，需要下载，网速略慢</a:t>
-            </a:r>
-            <a:endParaRPr lang="zh-CN" altLang="en-US" sz="4000" dirty="0">
-              <a:solidFill>
-                <a:srgbClr val="0070C0"/>
-              </a:solidFill>
-              <a:latin typeface="微软雅黑" panose="020B0503020204020204" pitchFamily="34" charset="-122"/>
-              <a:ea typeface="微软雅黑" panose="020B0503020204020204" pitchFamily="34" charset="-122"/>
-            </a:endParaRPr>
-          </a:p>
-        </p:txBody>
-      </p:sp>
-      <p:pic>
-        <p:nvPicPr>
-          <p:cNvPr id="5" name="Picture 4" descr="选项"/>
-          <p:cNvPicPr>
-            <a:picLocks noChangeAspect="1"/>
-          </p:cNvPicPr>
-          <p:nvPr/>
-        </p:nvPicPr>
-        <p:blipFill>
-          <a:blip r:embed="rId2">
-            <a:extLst>
-              <a:ext uri="{28A0092B-C50C-407E-A947-70E740481C1C}">
-                <a14:useLocalDpi xmlns:a14="http://schemas.microsoft.com/office/drawing/2010/main" val="0"/>
-              </a:ext>
-            </a:extLst>
-          </a:blip>
-          <a:stretch>
-            <a:fillRect/>
-          </a:stretch>
-        </p:blipFill>
-        <p:spPr>
-          <a:xfrm>
-            <a:off x="3623917" y="1764254"/>
-            <a:ext cx="4944165" cy="4324954"/>
-          </a:xfrm>
-          <a:prstGeom prst="rect">
-            <a:avLst/>
-          </a:prstGeom>
-        </p:spPr>
-      </p:pic>
-    </p:spTree>
-    <p:extLst>
-      <p:ext uri="{BB962C8B-B14F-4D97-AF65-F5344CB8AC3E}">
-        <p14:creationId xmlns:p14="http://schemas.microsoft.com/office/powerpoint/2010/main" val="1860577185"/>
-      </p:ext>
-    </p:extLst>
-  </p:cSld>
-  <p:clrMapOvr>
-    <a:masterClrMapping/>
-  </p:clrMapOvr>
-</p:sld>
-</file>
-
-<file path=ppt/slides/slide5.xml><?xml version="1.0" encoding="utf-8"?>
-<p:sld xmlns:a="http://schemas.openxmlformats.org/drawingml/2006/main" xmlns:r="http://schemas.openxmlformats.org/officeDocument/2006/relationships" xmlns:p="http://schemas.openxmlformats.org/presentationml/2006/main">
-  <p:cSld>
-    <p:spTree>
-      <p:nvGrpSpPr>
-        <p:cNvPr id="1" name=""/>
-        <p:cNvGrpSpPr/>
-        <p:nvPr/>
-      </p:nvGrpSpPr>
-      <p:grpSpPr>
-        <a:xfrm>
-          <a:off x="0" y="0"/>
-          <a:ext cx="0" cy="0"/>
-          <a:chOff x="0" y="0"/>
-          <a:chExt cx="0" cy="0"/>
-        </a:xfrm>
-      </p:grpSpPr>
-      <p:sp>
-        <p:nvSpPr>
-          <p:cNvPr id="4" name="Title 3"/>
-          <p:cNvSpPr>
-            <a:spLocks noGrp="1"/>
-          </p:cNvSpPr>
-          <p:nvPr>
-            <p:ph type="title"/>
-          </p:nvPr>
-        </p:nvSpPr>
-        <p:spPr/>
-        <p:txBody>
-          <a:bodyPr/>
-          <a:lstStyle/>
-          <a:p>
-            <a:r>
-              <a:rPr lang="en-US" altLang="zh-CN" dirty="0" err="1" smtClean="0">
-                <a:latin typeface="微软雅黑" panose="020B0503020204020204" pitchFamily="34" charset="-122"/>
-                <a:ea typeface="微软雅黑" panose="020B0503020204020204" pitchFamily="34" charset="-122"/>
-              </a:rPr>
-              <a:t>git</a:t>
-            </a:r>
-            <a:r>
-              <a:rPr lang="zh-CN" altLang="en-US" dirty="0" smtClean="0">
-                <a:latin typeface="微软雅黑" panose="020B0503020204020204" pitchFamily="34" charset="-122"/>
-                <a:ea typeface="微软雅黑" panose="020B0503020204020204" pitchFamily="34" charset="-122"/>
-              </a:rPr>
-              <a:t>工具方案二</a:t>
-            </a:r>
-            <a:endParaRPr lang="zh-CN" altLang="en-US" dirty="0">
-              <a:latin typeface="微软雅黑" panose="020B0503020204020204" pitchFamily="34" charset="-122"/>
-              <a:ea typeface="微软雅黑" panose="020B0503020204020204" pitchFamily="34" charset="-122"/>
-            </a:endParaRPr>
-          </a:p>
-        </p:txBody>
-      </p:sp>
-      <p:pic>
-        <p:nvPicPr>
-          <p:cNvPr id="5" name="Picture 4"/>
-          <p:cNvPicPr>
-            <a:picLocks noChangeAspect="1"/>
-          </p:cNvPicPr>
-          <p:nvPr/>
-        </p:nvPicPr>
-        <p:blipFill>
-          <a:blip r:embed="rId2"/>
-          <a:stretch>
-            <a:fillRect/>
-          </a:stretch>
-        </p:blipFill>
-        <p:spPr>
-          <a:xfrm>
-            <a:off x="8874218" y="365125"/>
-            <a:ext cx="2619375" cy="1743075"/>
-          </a:xfrm>
-          <a:prstGeom prst="rect">
-            <a:avLst/>
-          </a:prstGeom>
-        </p:spPr>
-      </p:pic>
-      <p:sp>
-        <p:nvSpPr>
-          <p:cNvPr id="7" name="TextBox 6"/>
-          <p:cNvSpPr txBox="1"/>
-          <p:nvPr/>
-        </p:nvSpPr>
-        <p:spPr>
-          <a:xfrm>
-            <a:off x="2001557" y="2091765"/>
-            <a:ext cx="2524730" cy="707886"/>
-          </a:xfrm>
-          <a:prstGeom prst="rect">
-            <a:avLst/>
-          </a:prstGeom>
-          <a:noFill/>
-        </p:spPr>
-        <p:txBody>
-          <a:bodyPr wrap="none" rtlCol="0">
-            <a:spAutoFit/>
-          </a:bodyPr>
-          <a:lstStyle/>
-          <a:p>
-            <a:r>
-              <a:rPr lang="en-US" altLang="zh-CN" sz="4000" dirty="0" err="1" smtClean="0">
-                <a:solidFill>
-                  <a:srgbClr val="0070C0"/>
-                </a:solidFill>
-                <a:latin typeface="Impact" panose="020B0806030902050204" pitchFamily="34" charset="0"/>
-              </a:rPr>
-              <a:t>TortoiseGit</a:t>
-            </a:r>
-            <a:endParaRPr lang="zh-CN" altLang="en-US" sz="4000" dirty="0">
-              <a:solidFill>
-                <a:srgbClr val="0070C0"/>
-              </a:solidFill>
-              <a:latin typeface="Impact" panose="020B0806030902050204" pitchFamily="34" charset="0"/>
-            </a:endParaRPr>
-          </a:p>
-        </p:txBody>
-      </p:sp>
-      <p:sp>
-        <p:nvSpPr>
-          <p:cNvPr id="8" name="Cross 7"/>
-          <p:cNvSpPr/>
-          <p:nvPr/>
-        </p:nvSpPr>
-        <p:spPr>
-          <a:xfrm>
-            <a:off x="5830559" y="2175903"/>
-            <a:ext cx="545586" cy="545586"/>
-          </a:xfrm>
-          <a:prstGeom prst="plus">
-            <a:avLst>
-              <a:gd name="adj" fmla="val 36765"/>
-            </a:avLst>
-          </a:prstGeom>
-        </p:spPr>
-        <p:style>
-          <a:lnRef idx="0">
-            <a:schemeClr val="accent6"/>
-          </a:lnRef>
-          <a:fillRef idx="3">
-            <a:schemeClr val="accent6"/>
-          </a:fillRef>
-          <a:effectRef idx="3">
-            <a:schemeClr val="accent6"/>
-          </a:effectRef>
-          <a:fontRef idx="minor">
-            <a:schemeClr val="lt1"/>
-          </a:fontRef>
-        </p:style>
-        <p:txBody>
-          <a:bodyPr rtlCol="0" anchor="ctr"/>
-          <a:lstStyle/>
-          <a:p>
-            <a:pPr algn="ctr"/>
-            <a:endParaRPr lang="zh-CN" altLang="en-US"/>
-          </a:p>
-        </p:txBody>
-      </p:sp>
-      <p:sp>
-        <p:nvSpPr>
-          <p:cNvPr id="9" name="TextBox 8"/>
-          <p:cNvSpPr txBox="1"/>
-          <p:nvPr/>
-        </p:nvSpPr>
-        <p:spPr>
-          <a:xfrm>
-            <a:off x="7577505" y="2094753"/>
-            <a:ext cx="748923" cy="707886"/>
-          </a:xfrm>
-          <a:prstGeom prst="rect">
-            <a:avLst/>
-          </a:prstGeom>
-          <a:noFill/>
-        </p:spPr>
-        <p:txBody>
-          <a:bodyPr wrap="none" rtlCol="0">
-            <a:spAutoFit/>
-          </a:bodyPr>
-          <a:lstStyle/>
-          <a:p>
-            <a:r>
-              <a:rPr lang="en-US" altLang="zh-CN" sz="4000" dirty="0" err="1" smtClean="0">
-                <a:solidFill>
-                  <a:schemeClr val="accent2"/>
-                </a:solidFill>
-                <a:latin typeface="Impact" panose="020B0806030902050204" pitchFamily="34" charset="0"/>
-              </a:rPr>
-              <a:t>git</a:t>
-            </a:r>
-            <a:endParaRPr lang="zh-CN" altLang="en-US" sz="4000" dirty="0">
-              <a:solidFill>
-                <a:schemeClr val="accent2"/>
-              </a:solidFill>
-              <a:latin typeface="Impact" panose="020B0806030902050204" pitchFamily="34" charset="0"/>
-            </a:endParaRPr>
-          </a:p>
-        </p:txBody>
-      </p:sp>
-      <p:sp>
-        <p:nvSpPr>
-          <p:cNvPr id="10" name="Rectangle 9"/>
-          <p:cNvSpPr/>
-          <p:nvPr/>
-        </p:nvSpPr>
-        <p:spPr>
-          <a:xfrm>
             <a:off x="1901946" y="2799651"/>
             <a:ext cx="2723951" cy="523220"/>
           </a:xfrm>
@@ -9004,7 +7438,7 @@
 </p:sld>
 </file>
 
-<file path=ppt/slides/slide6.xml><?xml version="1.0" encoding="utf-8"?>
+<file path=ppt/slides/slide14.xml><?xml version="1.0" encoding="utf-8"?>
 <p:sld xmlns:a="http://schemas.openxmlformats.org/drawingml/2006/main" xmlns:r="http://schemas.openxmlformats.org/officeDocument/2006/relationships" xmlns:p="http://schemas.openxmlformats.org/presentationml/2006/main">
   <p:cSld>
     <p:spTree>
@@ -9373,6 +7807,5583 @@
 </p:sld>
 </file>
 
+<file path=ppt/slides/slide15.xml><?xml version="1.0" encoding="utf-8"?>
+<p:sld xmlns:a="http://schemas.openxmlformats.org/drawingml/2006/main" xmlns:r="http://schemas.openxmlformats.org/officeDocument/2006/relationships" xmlns:p="http://schemas.openxmlformats.org/presentationml/2006/main">
+  <p:cSld>
+    <p:spTree>
+      <p:nvGrpSpPr>
+        <p:cNvPr id="1" name=""/>
+        <p:cNvGrpSpPr/>
+        <p:nvPr/>
+      </p:nvGrpSpPr>
+      <p:grpSpPr>
+        <a:xfrm>
+          <a:off x="0" y="0"/>
+          <a:ext cx="0" cy="0"/>
+          <a:chOff x="0" y="0"/>
+          <a:chExt cx="0" cy="0"/>
+        </a:xfrm>
+      </p:grpSpPr>
+      <p:sp>
+        <p:nvSpPr>
+          <p:cNvPr id="2" name="Title 1"/>
+          <p:cNvSpPr>
+            <a:spLocks noGrp="1"/>
+          </p:cNvSpPr>
+          <p:nvPr>
+            <p:ph type="title"/>
+          </p:nvPr>
+        </p:nvSpPr>
+        <p:spPr>
+          <a:xfrm>
+            <a:off x="838200" y="2694781"/>
+            <a:ext cx="10515600" cy="1325563"/>
+          </a:xfrm>
+        </p:spPr>
+        <p:txBody>
+          <a:bodyPr/>
+          <a:lstStyle/>
+          <a:p>
+            <a:pPr algn="ctr"/>
+            <a:r>
+              <a:rPr lang="zh-CN" altLang="en-US" dirty="0" smtClean="0">
+                <a:solidFill>
+                  <a:srgbClr val="C00000"/>
+                </a:solidFill>
+                <a:latin typeface="微软雅黑" panose="020B0503020204020204" pitchFamily="34" charset="-122"/>
+                <a:ea typeface="微软雅黑" panose="020B0503020204020204" pitchFamily="34" charset="-122"/>
+              </a:rPr>
+              <a:t>为了简单，我们就选择</a:t>
+            </a:r>
+            <a:r>
+              <a:rPr lang="en-US" altLang="zh-CN" dirty="0" err="1" smtClean="0">
+                <a:solidFill>
+                  <a:srgbClr val="C00000"/>
+                </a:solidFill>
+                <a:latin typeface="微软雅黑" panose="020B0503020204020204" pitchFamily="34" charset="-122"/>
+                <a:ea typeface="微软雅黑" panose="020B0503020204020204" pitchFamily="34" charset="-122"/>
+              </a:rPr>
+              <a:t>SourceTree</a:t>
+            </a:r>
+            <a:r>
+              <a:rPr lang="zh-CN" altLang="en-US" dirty="0">
+                <a:solidFill>
+                  <a:srgbClr val="C00000"/>
+                </a:solidFill>
+                <a:latin typeface="微软雅黑" panose="020B0503020204020204" pitchFamily="34" charset="-122"/>
+                <a:ea typeface="微软雅黑" panose="020B0503020204020204" pitchFamily="34" charset="-122"/>
+              </a:rPr>
+              <a:t>了</a:t>
+            </a:r>
+          </a:p>
+        </p:txBody>
+      </p:sp>
+    </p:spTree>
+    <p:extLst>
+      <p:ext uri="{BB962C8B-B14F-4D97-AF65-F5344CB8AC3E}">
+        <p14:creationId xmlns:p14="http://schemas.microsoft.com/office/powerpoint/2010/main" val="2247119750"/>
+      </p:ext>
+    </p:extLst>
+  </p:cSld>
+  <p:clrMapOvr>
+    <a:masterClrMapping/>
+  </p:clrMapOvr>
+</p:sld>
+</file>
+
+<file path=ppt/slides/slide16.xml><?xml version="1.0" encoding="utf-8"?>
+<p:sld xmlns:a="http://schemas.openxmlformats.org/drawingml/2006/main" xmlns:r="http://schemas.openxmlformats.org/officeDocument/2006/relationships" xmlns:p="http://schemas.openxmlformats.org/presentationml/2006/main">
+  <p:cSld>
+    <p:spTree>
+      <p:nvGrpSpPr>
+        <p:cNvPr id="1" name=""/>
+        <p:cNvGrpSpPr/>
+        <p:nvPr/>
+      </p:nvGrpSpPr>
+      <p:grpSpPr>
+        <a:xfrm>
+          <a:off x="0" y="0"/>
+          <a:ext cx="0" cy="0"/>
+          <a:chOff x="0" y="0"/>
+          <a:chExt cx="0" cy="0"/>
+        </a:xfrm>
+      </p:grpSpPr>
+      <p:sp>
+        <p:nvSpPr>
+          <p:cNvPr id="3" name="Title 2"/>
+          <p:cNvSpPr txBox="1">
+            <a:spLocks noGrp="1"/>
+          </p:cNvSpPr>
+          <p:nvPr>
+            <p:ph type="title"/>
+          </p:nvPr>
+        </p:nvSpPr>
+        <p:spPr>
+          <a:xfrm>
+            <a:off x="838200" y="704741"/>
+            <a:ext cx="4927887" cy="646331"/>
+          </a:xfrm>
+          <a:prstGeom prst="rect">
+            <a:avLst/>
+          </a:prstGeom>
+          <a:noFill/>
+        </p:spPr>
+        <p:txBody>
+          <a:bodyPr wrap="none" rtlCol="0">
+            <a:spAutoFit/>
+          </a:bodyPr>
+          <a:lstStyle/>
+          <a:p>
+            <a:r>
+              <a:rPr lang="en-US" altLang="zh-CN" sz="4000" dirty="0" err="1" smtClean="0">
+                <a:solidFill>
+                  <a:srgbClr val="0070C0"/>
+                </a:solidFill>
+                <a:latin typeface="微软雅黑" panose="020B0503020204020204" pitchFamily="34" charset="-122"/>
+                <a:ea typeface="微软雅黑" panose="020B0503020204020204" pitchFamily="34" charset="-122"/>
+              </a:rPr>
+              <a:t>SourceTree</a:t>
+            </a:r>
+            <a:r>
+              <a:rPr lang="zh-CN" altLang="en-US" sz="4000" dirty="0" smtClean="0">
+                <a:solidFill>
+                  <a:srgbClr val="0070C0"/>
+                </a:solidFill>
+                <a:latin typeface="微软雅黑" panose="020B0503020204020204" pitchFamily="34" charset="-122"/>
+                <a:ea typeface="微软雅黑" panose="020B0503020204020204" pitchFamily="34" charset="-122"/>
+              </a:rPr>
+              <a:t>简单教程</a:t>
+            </a:r>
+            <a:endParaRPr lang="zh-CN" altLang="en-US" sz="4000" dirty="0">
+              <a:solidFill>
+                <a:srgbClr val="0070C0"/>
+              </a:solidFill>
+              <a:latin typeface="微软雅黑" panose="020B0503020204020204" pitchFamily="34" charset="-122"/>
+              <a:ea typeface="微软雅黑" panose="020B0503020204020204" pitchFamily="34" charset="-122"/>
+            </a:endParaRPr>
+          </a:p>
+        </p:txBody>
+      </p:sp>
+      <p:sp>
+        <p:nvSpPr>
+          <p:cNvPr id="7" name="TextBox 6"/>
+          <p:cNvSpPr txBox="1"/>
+          <p:nvPr/>
+        </p:nvSpPr>
+        <p:spPr>
+          <a:xfrm>
+            <a:off x="838200" y="3161655"/>
+            <a:ext cx="10520829" cy="461665"/>
+          </a:xfrm>
+          <a:prstGeom prst="rect">
+            <a:avLst/>
+          </a:prstGeom>
+          <a:noFill/>
+        </p:spPr>
+        <p:txBody>
+          <a:bodyPr wrap="none" rtlCol="0">
+            <a:spAutoFit/>
+          </a:bodyPr>
+          <a:lstStyle/>
+          <a:p>
+            <a:r>
+              <a:rPr lang="en-US" altLang="zh-CN" sz="2400" dirty="0" smtClean="0">
+                <a:solidFill>
+                  <a:schemeClr val="accent2"/>
+                </a:solidFill>
+                <a:hlinkClick r:id="rId2"/>
+              </a:rPr>
+              <a:t>http://jingyan.baidu.com/album/c45ad29cdf274e051753e22c.html?picindex=2</a:t>
+            </a:r>
+            <a:endParaRPr lang="zh-CN" altLang="en-US" sz="2400" dirty="0">
+              <a:solidFill>
+                <a:schemeClr val="accent2"/>
+              </a:solidFill>
+            </a:endParaRPr>
+          </a:p>
+        </p:txBody>
+      </p:sp>
+      <p:sp>
+        <p:nvSpPr>
+          <p:cNvPr id="2" name="TextBox 1"/>
+          <p:cNvSpPr txBox="1"/>
+          <p:nvPr/>
+        </p:nvSpPr>
+        <p:spPr>
+          <a:xfrm>
+            <a:off x="838200" y="2638435"/>
+            <a:ext cx="1620957" cy="523220"/>
+          </a:xfrm>
+          <a:prstGeom prst="rect">
+            <a:avLst/>
+          </a:prstGeom>
+          <a:noFill/>
+        </p:spPr>
+        <p:txBody>
+          <a:bodyPr wrap="none" rtlCol="0">
+            <a:spAutoFit/>
+          </a:bodyPr>
+          <a:lstStyle/>
+          <a:p>
+            <a:r>
+              <a:rPr lang="zh-CN" altLang="en-US" sz="2800" dirty="0" smtClean="0">
+                <a:solidFill>
+                  <a:srgbClr val="00B050"/>
+                </a:solidFill>
+                <a:latin typeface="微软雅黑" panose="020B0503020204020204" pitchFamily="34" charset="-122"/>
+                <a:ea typeface="微软雅黑" panose="020B0503020204020204" pitchFamily="34" charset="-122"/>
+              </a:rPr>
+              <a:t>百度经验</a:t>
+            </a:r>
+            <a:endParaRPr lang="zh-CN" altLang="en-US" sz="2800" dirty="0">
+              <a:solidFill>
+                <a:srgbClr val="00B050"/>
+              </a:solidFill>
+              <a:latin typeface="微软雅黑" panose="020B0503020204020204" pitchFamily="34" charset="-122"/>
+              <a:ea typeface="微软雅黑" panose="020B0503020204020204" pitchFamily="34" charset="-122"/>
+            </a:endParaRPr>
+          </a:p>
+        </p:txBody>
+      </p:sp>
+      <p:sp>
+        <p:nvSpPr>
+          <p:cNvPr id="4" name="TextBox 3"/>
+          <p:cNvSpPr txBox="1"/>
+          <p:nvPr/>
+        </p:nvSpPr>
+        <p:spPr>
+          <a:xfrm>
+            <a:off x="1021080" y="4648200"/>
+            <a:ext cx="7366119" cy="523220"/>
+          </a:xfrm>
+          <a:prstGeom prst="rect">
+            <a:avLst/>
+          </a:prstGeom>
+          <a:noFill/>
+        </p:spPr>
+        <p:txBody>
+          <a:bodyPr wrap="none" rtlCol="0">
+            <a:spAutoFit/>
+          </a:bodyPr>
+          <a:lstStyle/>
+          <a:p>
+            <a:r>
+              <a:rPr lang="zh-CN" altLang="en-US" sz="2800" dirty="0" smtClean="0">
+                <a:solidFill>
+                  <a:srgbClr val="C00000"/>
+                </a:solidFill>
+                <a:latin typeface="微软雅黑" panose="020B0503020204020204" pitchFamily="34" charset="-122"/>
+                <a:ea typeface="微软雅黑" panose="020B0503020204020204" pitchFamily="34" charset="-122"/>
+              </a:rPr>
+              <a:t>当然你也可以直接跳过，看我准备的简要指南</a:t>
+            </a:r>
+            <a:endParaRPr lang="zh-CN" altLang="en-US" sz="2800" dirty="0">
+              <a:solidFill>
+                <a:srgbClr val="C00000"/>
+              </a:solidFill>
+              <a:latin typeface="微软雅黑" panose="020B0503020204020204" pitchFamily="34" charset="-122"/>
+              <a:ea typeface="微软雅黑" panose="020B0503020204020204" pitchFamily="34" charset="-122"/>
+            </a:endParaRPr>
+          </a:p>
+        </p:txBody>
+      </p:sp>
+    </p:spTree>
+    <p:extLst>
+      <p:ext uri="{BB962C8B-B14F-4D97-AF65-F5344CB8AC3E}">
+        <p14:creationId xmlns:p14="http://schemas.microsoft.com/office/powerpoint/2010/main" val="1228113837"/>
+      </p:ext>
+    </p:extLst>
+  </p:cSld>
+  <p:clrMapOvr>
+    <a:masterClrMapping/>
+  </p:clrMapOvr>
+</p:sld>
+</file>
+
+<file path=ppt/slides/slide17.xml><?xml version="1.0" encoding="utf-8"?>
+<p:sld xmlns:a="http://schemas.openxmlformats.org/drawingml/2006/main" xmlns:r="http://schemas.openxmlformats.org/officeDocument/2006/relationships" xmlns:p="http://schemas.openxmlformats.org/presentationml/2006/main">
+  <p:cSld>
+    <p:spTree>
+      <p:nvGrpSpPr>
+        <p:cNvPr id="1" name=""/>
+        <p:cNvGrpSpPr/>
+        <p:nvPr/>
+      </p:nvGrpSpPr>
+      <p:grpSpPr>
+        <a:xfrm>
+          <a:off x="0" y="0"/>
+          <a:ext cx="0" cy="0"/>
+          <a:chOff x="0" y="0"/>
+          <a:chExt cx="0" cy="0"/>
+        </a:xfrm>
+      </p:grpSpPr>
+      <p:sp>
+        <p:nvSpPr>
+          <p:cNvPr id="3" name="Title 2"/>
+          <p:cNvSpPr txBox="1">
+            <a:spLocks noGrp="1"/>
+          </p:cNvSpPr>
+          <p:nvPr>
+            <p:ph type="title"/>
+          </p:nvPr>
+        </p:nvSpPr>
+        <p:spPr>
+          <a:xfrm>
+            <a:off x="838200" y="704741"/>
+            <a:ext cx="4927887" cy="646331"/>
+          </a:xfrm>
+          <a:prstGeom prst="rect">
+            <a:avLst/>
+          </a:prstGeom>
+          <a:noFill/>
+        </p:spPr>
+        <p:txBody>
+          <a:bodyPr wrap="none" rtlCol="0">
+            <a:spAutoFit/>
+          </a:bodyPr>
+          <a:lstStyle/>
+          <a:p>
+            <a:r>
+              <a:rPr lang="en-US" altLang="zh-CN" sz="4000" dirty="0" err="1" smtClean="0">
+                <a:solidFill>
+                  <a:srgbClr val="0070C0"/>
+                </a:solidFill>
+                <a:latin typeface="微软雅黑" panose="020B0503020204020204" pitchFamily="34" charset="-122"/>
+                <a:ea typeface="微软雅黑" panose="020B0503020204020204" pitchFamily="34" charset="-122"/>
+              </a:rPr>
+              <a:t>SourceTree</a:t>
+            </a:r>
+            <a:r>
+              <a:rPr lang="zh-CN" altLang="en-US" sz="4000" dirty="0" smtClean="0">
+                <a:solidFill>
+                  <a:srgbClr val="0070C0"/>
+                </a:solidFill>
+                <a:latin typeface="微软雅黑" panose="020B0503020204020204" pitchFamily="34" charset="-122"/>
+                <a:ea typeface="微软雅黑" panose="020B0503020204020204" pitchFamily="34" charset="-122"/>
+              </a:rPr>
+              <a:t>简单教程</a:t>
+            </a:r>
+            <a:endParaRPr lang="zh-CN" altLang="en-US" sz="4000" dirty="0">
+              <a:solidFill>
+                <a:srgbClr val="0070C0"/>
+              </a:solidFill>
+              <a:latin typeface="微软雅黑" panose="020B0503020204020204" pitchFamily="34" charset="-122"/>
+              <a:ea typeface="微软雅黑" panose="020B0503020204020204" pitchFamily="34" charset="-122"/>
+            </a:endParaRPr>
+          </a:p>
+        </p:txBody>
+      </p:sp>
+      <p:sp>
+        <p:nvSpPr>
+          <p:cNvPr id="4" name="TextBox 3"/>
+          <p:cNvSpPr txBox="1"/>
+          <p:nvPr/>
+        </p:nvSpPr>
+        <p:spPr>
+          <a:xfrm>
+            <a:off x="1882588" y="1785770"/>
+            <a:ext cx="2335896" cy="523220"/>
+          </a:xfrm>
+          <a:prstGeom prst="rect">
+            <a:avLst/>
+          </a:prstGeom>
+          <a:noFill/>
+        </p:spPr>
+        <p:txBody>
+          <a:bodyPr wrap="none" rtlCol="0">
+            <a:spAutoFit/>
+          </a:bodyPr>
+          <a:lstStyle/>
+          <a:p>
+            <a:r>
+              <a:rPr lang="en-US" altLang="zh-CN" sz="2800" dirty="0" smtClean="0">
+                <a:solidFill>
+                  <a:srgbClr val="00B050"/>
+                </a:solidFill>
+                <a:latin typeface="微软雅黑" panose="020B0503020204020204" pitchFamily="34" charset="-122"/>
+                <a:ea typeface="微软雅黑" panose="020B0503020204020204" pitchFamily="34" charset="-122"/>
+              </a:rPr>
+              <a:t>1. </a:t>
+            </a:r>
+            <a:r>
+              <a:rPr lang="zh-CN" altLang="en-US" sz="2800" dirty="0" smtClean="0">
+                <a:solidFill>
+                  <a:srgbClr val="00B050"/>
+                </a:solidFill>
+                <a:latin typeface="微软雅黑" panose="020B0503020204020204" pitchFamily="34" charset="-122"/>
+                <a:ea typeface="微软雅黑" panose="020B0503020204020204" pitchFamily="34" charset="-122"/>
+              </a:rPr>
+              <a:t>下载</a:t>
+            </a:r>
+            <a:r>
+              <a:rPr lang="en-US" altLang="zh-CN" sz="2800" dirty="0" smtClean="0">
+                <a:solidFill>
+                  <a:srgbClr val="00B050"/>
+                </a:solidFill>
+                <a:latin typeface="微软雅黑" panose="020B0503020204020204" pitchFamily="34" charset="-122"/>
+                <a:ea typeface="微软雅黑" panose="020B0503020204020204" pitchFamily="34" charset="-122"/>
+              </a:rPr>
+              <a:t>&amp;</a:t>
+            </a:r>
+            <a:r>
+              <a:rPr lang="zh-CN" altLang="en-US" sz="2800" dirty="0" smtClean="0">
+                <a:solidFill>
+                  <a:srgbClr val="00B050"/>
+                </a:solidFill>
+                <a:latin typeface="微软雅黑" panose="020B0503020204020204" pitchFamily="34" charset="-122"/>
+                <a:ea typeface="微软雅黑" panose="020B0503020204020204" pitchFamily="34" charset="-122"/>
+              </a:rPr>
+              <a:t>安装</a:t>
+            </a:r>
+            <a:endParaRPr lang="zh-CN" altLang="en-US" sz="2800" dirty="0">
+              <a:solidFill>
+                <a:srgbClr val="00B050"/>
+              </a:solidFill>
+              <a:latin typeface="微软雅黑" panose="020B0503020204020204" pitchFamily="34" charset="-122"/>
+              <a:ea typeface="微软雅黑" panose="020B0503020204020204" pitchFamily="34" charset="-122"/>
+            </a:endParaRPr>
+          </a:p>
+        </p:txBody>
+      </p:sp>
+      <p:sp>
+        <p:nvSpPr>
+          <p:cNvPr id="5" name="TextBox 4"/>
+          <p:cNvSpPr txBox="1"/>
+          <p:nvPr/>
+        </p:nvSpPr>
+        <p:spPr>
+          <a:xfrm>
+            <a:off x="3302143" y="2807713"/>
+            <a:ext cx="5969904" cy="584775"/>
+          </a:xfrm>
+          <a:prstGeom prst="rect">
+            <a:avLst/>
+          </a:prstGeom>
+          <a:noFill/>
+        </p:spPr>
+        <p:txBody>
+          <a:bodyPr wrap="none" rtlCol="0">
+            <a:spAutoFit/>
+          </a:bodyPr>
+          <a:lstStyle/>
+          <a:p>
+            <a:r>
+              <a:rPr lang="en-US" altLang="zh-CN" sz="3200" dirty="0" smtClean="0">
+                <a:hlinkClick r:id="rId2"/>
+              </a:rPr>
+              <a:t>https://www.sourcetreeapp.com/</a:t>
+            </a:r>
+            <a:endParaRPr lang="zh-CN" altLang="en-US" sz="3200" dirty="0"/>
+          </a:p>
+        </p:txBody>
+      </p:sp>
+      <p:sp>
+        <p:nvSpPr>
+          <p:cNvPr id="6" name="TextBox 5"/>
+          <p:cNvSpPr txBox="1"/>
+          <p:nvPr/>
+        </p:nvSpPr>
+        <p:spPr>
+          <a:xfrm>
+            <a:off x="1886371" y="2869267"/>
+            <a:ext cx="1415772" cy="461665"/>
+          </a:xfrm>
+          <a:prstGeom prst="rect">
+            <a:avLst/>
+          </a:prstGeom>
+          <a:noFill/>
+        </p:spPr>
+        <p:txBody>
+          <a:bodyPr wrap="none" rtlCol="0">
+            <a:spAutoFit/>
+          </a:bodyPr>
+          <a:lstStyle/>
+          <a:p>
+            <a:r>
+              <a:rPr lang="zh-CN" altLang="en-US" sz="2400" dirty="0" smtClean="0">
+                <a:latin typeface="微软雅黑" panose="020B0503020204020204" pitchFamily="34" charset="-122"/>
+                <a:ea typeface="微软雅黑" panose="020B0503020204020204" pitchFamily="34" charset="-122"/>
+              </a:rPr>
+              <a:t>下载地址</a:t>
+            </a:r>
+            <a:endParaRPr lang="zh-CN" altLang="en-US" sz="2400" dirty="0">
+              <a:latin typeface="微软雅黑" panose="020B0503020204020204" pitchFamily="34" charset="-122"/>
+              <a:ea typeface="微软雅黑" panose="020B0503020204020204" pitchFamily="34" charset="-122"/>
+            </a:endParaRPr>
+          </a:p>
+        </p:txBody>
+      </p:sp>
+      <p:sp>
+        <p:nvSpPr>
+          <p:cNvPr id="7" name="TextBox 6"/>
+          <p:cNvSpPr txBox="1"/>
+          <p:nvPr/>
+        </p:nvSpPr>
+        <p:spPr>
+          <a:xfrm>
+            <a:off x="1441524" y="3891209"/>
+            <a:ext cx="9087744" cy="369332"/>
+          </a:xfrm>
+          <a:prstGeom prst="rect">
+            <a:avLst/>
+          </a:prstGeom>
+          <a:noFill/>
+        </p:spPr>
+        <p:txBody>
+          <a:bodyPr wrap="none" rtlCol="0">
+            <a:spAutoFit/>
+          </a:bodyPr>
+          <a:lstStyle/>
+          <a:p>
+            <a:r>
+              <a:rPr lang="zh-CN" altLang="en-US" dirty="0" smtClean="0">
+                <a:solidFill>
+                  <a:schemeClr val="accent2"/>
+                </a:solidFill>
+              </a:rPr>
+              <a:t>在线教程：</a:t>
+            </a:r>
+            <a:r>
+              <a:rPr lang="en-US" altLang="zh-CN" dirty="0" smtClean="0">
+                <a:solidFill>
+                  <a:schemeClr val="accent2"/>
+                </a:solidFill>
+              </a:rPr>
+              <a:t>http://jingyan.baidu.com/album/c45ad29cdf274e051753e22c.html?picindex=2</a:t>
+            </a:r>
+            <a:endParaRPr lang="zh-CN" altLang="en-US" dirty="0">
+              <a:solidFill>
+                <a:schemeClr val="accent2"/>
+              </a:solidFill>
+            </a:endParaRPr>
+          </a:p>
+        </p:txBody>
+      </p:sp>
+    </p:spTree>
+    <p:extLst>
+      <p:ext uri="{BB962C8B-B14F-4D97-AF65-F5344CB8AC3E}">
+        <p14:creationId xmlns:p14="http://schemas.microsoft.com/office/powerpoint/2010/main" val="4079815821"/>
+      </p:ext>
+    </p:extLst>
+  </p:cSld>
+  <p:clrMapOvr>
+    <a:masterClrMapping/>
+  </p:clrMapOvr>
+</p:sld>
+</file>
+
+<file path=ppt/slides/slide18.xml><?xml version="1.0" encoding="utf-8"?>
+<p:sld xmlns:a="http://schemas.openxmlformats.org/drawingml/2006/main" xmlns:r="http://schemas.openxmlformats.org/officeDocument/2006/relationships" xmlns:p="http://schemas.openxmlformats.org/presentationml/2006/main">
+  <p:cSld>
+    <p:spTree>
+      <p:nvGrpSpPr>
+        <p:cNvPr id="1" name=""/>
+        <p:cNvGrpSpPr/>
+        <p:nvPr/>
+      </p:nvGrpSpPr>
+      <p:grpSpPr>
+        <a:xfrm>
+          <a:off x="0" y="0"/>
+          <a:ext cx="0" cy="0"/>
+          <a:chOff x="0" y="0"/>
+          <a:chExt cx="0" cy="0"/>
+        </a:xfrm>
+      </p:grpSpPr>
+      <p:sp>
+        <p:nvSpPr>
+          <p:cNvPr id="3" name="Title 2"/>
+          <p:cNvSpPr txBox="1">
+            <a:spLocks noGrp="1"/>
+          </p:cNvSpPr>
+          <p:nvPr>
+            <p:ph type="title"/>
+          </p:nvPr>
+        </p:nvSpPr>
+        <p:spPr>
+          <a:xfrm>
+            <a:off x="838200" y="704741"/>
+            <a:ext cx="4927887" cy="646331"/>
+          </a:xfrm>
+          <a:prstGeom prst="rect">
+            <a:avLst/>
+          </a:prstGeom>
+          <a:noFill/>
+        </p:spPr>
+        <p:txBody>
+          <a:bodyPr wrap="none" rtlCol="0">
+            <a:spAutoFit/>
+          </a:bodyPr>
+          <a:lstStyle/>
+          <a:p>
+            <a:r>
+              <a:rPr lang="en-US" altLang="zh-CN" sz="4000" dirty="0" err="1" smtClean="0">
+                <a:solidFill>
+                  <a:srgbClr val="0070C0"/>
+                </a:solidFill>
+                <a:latin typeface="微软雅黑" panose="020B0503020204020204" pitchFamily="34" charset="-122"/>
+                <a:ea typeface="微软雅黑" panose="020B0503020204020204" pitchFamily="34" charset="-122"/>
+              </a:rPr>
+              <a:t>SourceTree</a:t>
+            </a:r>
+            <a:r>
+              <a:rPr lang="zh-CN" altLang="en-US" sz="4000" dirty="0" smtClean="0">
+                <a:solidFill>
+                  <a:srgbClr val="0070C0"/>
+                </a:solidFill>
+                <a:latin typeface="微软雅黑" panose="020B0503020204020204" pitchFamily="34" charset="-122"/>
+                <a:ea typeface="微软雅黑" panose="020B0503020204020204" pitchFamily="34" charset="-122"/>
+              </a:rPr>
+              <a:t>简单教程</a:t>
+            </a:r>
+            <a:endParaRPr lang="zh-CN" altLang="en-US" sz="4000" dirty="0">
+              <a:solidFill>
+                <a:srgbClr val="0070C0"/>
+              </a:solidFill>
+              <a:latin typeface="微软雅黑" panose="020B0503020204020204" pitchFamily="34" charset="-122"/>
+              <a:ea typeface="微软雅黑" panose="020B0503020204020204" pitchFamily="34" charset="-122"/>
+            </a:endParaRPr>
+          </a:p>
+        </p:txBody>
+      </p:sp>
+      <p:sp>
+        <p:nvSpPr>
+          <p:cNvPr id="4" name="TextBox 3"/>
+          <p:cNvSpPr txBox="1"/>
+          <p:nvPr/>
+        </p:nvSpPr>
+        <p:spPr>
+          <a:xfrm>
+            <a:off x="1527380" y="1483445"/>
+            <a:ext cx="4440639" cy="369332"/>
+          </a:xfrm>
+          <a:prstGeom prst="rect">
+            <a:avLst/>
+          </a:prstGeom>
+          <a:noFill/>
+        </p:spPr>
+        <p:txBody>
+          <a:bodyPr wrap="none" rtlCol="0">
+            <a:spAutoFit/>
+          </a:bodyPr>
+          <a:lstStyle/>
+          <a:p>
+            <a:r>
+              <a:rPr lang="en-US" altLang="zh-CN" b="1" dirty="0" smtClean="0">
+                <a:solidFill>
+                  <a:srgbClr val="7030A0"/>
+                </a:solidFill>
+                <a:latin typeface="微软雅黑" panose="020B0503020204020204" pitchFamily="34" charset="-122"/>
+                <a:ea typeface="微软雅黑" panose="020B0503020204020204" pitchFamily="34" charset="-122"/>
+              </a:rPr>
+              <a:t>2. </a:t>
+            </a:r>
+            <a:r>
+              <a:rPr lang="zh-CN" altLang="en-US" b="1" dirty="0" smtClean="0">
+                <a:solidFill>
+                  <a:srgbClr val="7030A0"/>
+                </a:solidFill>
+                <a:latin typeface="微软雅黑" panose="020B0503020204020204" pitchFamily="34" charset="-122"/>
+                <a:ea typeface="微软雅黑" panose="020B0503020204020204" pitchFamily="34" charset="-122"/>
+              </a:rPr>
+              <a:t>拉取远程仓库到本地（事先请先</a:t>
+            </a:r>
+            <a:r>
+              <a:rPr lang="en-US" altLang="zh-CN" b="1" dirty="0" smtClean="0">
+                <a:solidFill>
+                  <a:srgbClr val="7030A0"/>
+                </a:solidFill>
+                <a:latin typeface="微软雅黑" panose="020B0503020204020204" pitchFamily="34" charset="-122"/>
+                <a:ea typeface="微软雅黑" panose="020B0503020204020204" pitchFamily="34" charset="-122"/>
+              </a:rPr>
+              <a:t>Fork</a:t>
+            </a:r>
+            <a:r>
+              <a:rPr lang="zh-CN" altLang="en-US" b="1" dirty="0" smtClean="0">
+                <a:solidFill>
+                  <a:srgbClr val="7030A0"/>
+                </a:solidFill>
+                <a:latin typeface="微软雅黑" panose="020B0503020204020204" pitchFamily="34" charset="-122"/>
+                <a:ea typeface="微软雅黑" panose="020B0503020204020204" pitchFamily="34" charset="-122"/>
+              </a:rPr>
+              <a:t>）</a:t>
+            </a:r>
+            <a:endParaRPr lang="zh-CN" altLang="en-US" b="1" dirty="0">
+              <a:solidFill>
+                <a:srgbClr val="7030A0"/>
+              </a:solidFill>
+              <a:latin typeface="微软雅黑" panose="020B0503020204020204" pitchFamily="34" charset="-122"/>
+              <a:ea typeface="微软雅黑" panose="020B0503020204020204" pitchFamily="34" charset="-122"/>
+            </a:endParaRPr>
+          </a:p>
+        </p:txBody>
+      </p:sp>
+      <p:pic>
+        <p:nvPicPr>
+          <p:cNvPr id="7" name="Picture 6" descr="Screen Clipping"/>
+          <p:cNvPicPr>
+            <a:picLocks noChangeAspect="1"/>
+          </p:cNvPicPr>
+          <p:nvPr/>
+        </p:nvPicPr>
+        <p:blipFill>
+          <a:blip r:embed="rId2">
+            <a:extLst>
+              <a:ext uri="{28A0092B-C50C-407E-A947-70E740481C1C}">
+                <a14:useLocalDpi xmlns:a14="http://schemas.microsoft.com/office/drawing/2010/main" val="0"/>
+              </a:ext>
+            </a:extLst>
+          </a:blip>
+          <a:stretch>
+            <a:fillRect/>
+          </a:stretch>
+        </p:blipFill>
+        <p:spPr>
+          <a:xfrm>
+            <a:off x="1527380" y="1852777"/>
+            <a:ext cx="9373908" cy="4801270"/>
+          </a:xfrm>
+          <a:prstGeom prst="rect">
+            <a:avLst/>
+          </a:prstGeom>
+        </p:spPr>
+      </p:pic>
+      <p:sp>
+        <p:nvSpPr>
+          <p:cNvPr id="8" name="Oval Callout 7"/>
+          <p:cNvSpPr/>
+          <p:nvPr/>
+        </p:nvSpPr>
+        <p:spPr>
+          <a:xfrm>
+            <a:off x="1301675" y="1852777"/>
+            <a:ext cx="1118796" cy="1344030"/>
+          </a:xfrm>
+          <a:prstGeom prst="wedgeEllipseCallout">
+            <a:avLst>
+              <a:gd name="adj1" fmla="val 166667"/>
+              <a:gd name="adj2" fmla="val 44891"/>
+            </a:avLst>
+          </a:prstGeom>
+          <a:noFill/>
+          <a:ln w="38100">
+            <a:solidFill>
+              <a:schemeClr val="accent2"/>
+            </a:solidFill>
+          </a:ln>
+        </p:spPr>
+        <p:style>
+          <a:lnRef idx="2">
+            <a:schemeClr val="accent2"/>
+          </a:lnRef>
+          <a:fillRef idx="1">
+            <a:schemeClr val="lt1"/>
+          </a:fillRef>
+          <a:effectRef idx="0">
+            <a:schemeClr val="accent2"/>
+          </a:effectRef>
+          <a:fontRef idx="minor">
+            <a:schemeClr val="dk1"/>
+          </a:fontRef>
+        </p:style>
+        <p:txBody>
+          <a:bodyPr rtlCol="0" anchor="ctr"/>
+          <a:lstStyle/>
+          <a:p>
+            <a:pPr algn="ctr"/>
+            <a:endParaRPr lang="zh-CN" altLang="en-US"/>
+          </a:p>
+        </p:txBody>
+      </p:sp>
+      <p:sp>
+        <p:nvSpPr>
+          <p:cNvPr id="9" name="TextBox 8"/>
+          <p:cNvSpPr txBox="1"/>
+          <p:nvPr/>
+        </p:nvSpPr>
+        <p:spPr>
+          <a:xfrm>
+            <a:off x="801217" y="2170849"/>
+            <a:ext cx="500458" cy="707886"/>
+          </a:xfrm>
+          <a:prstGeom prst="rect">
+            <a:avLst/>
+          </a:prstGeom>
+          <a:noFill/>
+        </p:spPr>
+        <p:txBody>
+          <a:bodyPr wrap="none" rtlCol="0">
+            <a:spAutoFit/>
+          </a:bodyPr>
+          <a:lstStyle/>
+          <a:p>
+            <a:r>
+              <a:rPr lang="en-US" altLang="zh-CN" sz="4000" b="1" dirty="0" smtClean="0">
+                <a:solidFill>
+                  <a:schemeClr val="accent2"/>
+                </a:solidFill>
+                <a:latin typeface="微软雅黑" panose="020B0503020204020204" pitchFamily="34" charset="-122"/>
+                <a:ea typeface="微软雅黑" panose="020B0503020204020204" pitchFamily="34" charset="-122"/>
+              </a:rPr>
+              <a:t>1</a:t>
+            </a:r>
+            <a:endParaRPr lang="zh-CN" altLang="en-US" sz="4000" b="1" dirty="0">
+              <a:solidFill>
+                <a:schemeClr val="accent2"/>
+              </a:solidFill>
+              <a:latin typeface="微软雅黑" panose="020B0503020204020204" pitchFamily="34" charset="-122"/>
+              <a:ea typeface="微软雅黑" panose="020B0503020204020204" pitchFamily="34" charset="-122"/>
+            </a:endParaRPr>
+          </a:p>
+        </p:txBody>
+      </p:sp>
+      <p:sp>
+        <p:nvSpPr>
+          <p:cNvPr id="10" name="Rectangle 9"/>
+          <p:cNvSpPr/>
+          <p:nvPr/>
+        </p:nvSpPr>
+        <p:spPr>
+          <a:xfrm>
+            <a:off x="4049224" y="3926541"/>
+            <a:ext cx="7192517" cy="1108038"/>
+          </a:xfrm>
+          <a:prstGeom prst="rect">
+            <a:avLst/>
+          </a:prstGeom>
+          <a:noFill/>
+          <a:ln w="28575">
+            <a:solidFill>
+              <a:schemeClr val="accent2"/>
+            </a:solidFill>
+          </a:ln>
+        </p:spPr>
+        <p:style>
+          <a:lnRef idx="2">
+            <a:schemeClr val="accent1">
+              <a:shade val="50000"/>
+            </a:schemeClr>
+          </a:lnRef>
+          <a:fillRef idx="1">
+            <a:schemeClr val="accent1"/>
+          </a:fillRef>
+          <a:effectRef idx="0">
+            <a:schemeClr val="accent1"/>
+          </a:effectRef>
+          <a:fontRef idx="minor">
+            <a:schemeClr val="lt1"/>
+          </a:fontRef>
+        </p:style>
+        <p:txBody>
+          <a:bodyPr rtlCol="0" anchor="ctr"/>
+          <a:lstStyle/>
+          <a:p>
+            <a:pPr algn="ctr"/>
+            <a:endParaRPr lang="zh-CN" altLang="en-US"/>
+          </a:p>
+        </p:txBody>
+      </p:sp>
+      <p:sp>
+        <p:nvSpPr>
+          <p:cNvPr id="11" name="TextBox 10"/>
+          <p:cNvSpPr txBox="1"/>
+          <p:nvPr/>
+        </p:nvSpPr>
+        <p:spPr>
+          <a:xfrm>
+            <a:off x="3435914" y="4126617"/>
+            <a:ext cx="500458" cy="707886"/>
+          </a:xfrm>
+          <a:prstGeom prst="rect">
+            <a:avLst/>
+          </a:prstGeom>
+          <a:noFill/>
+        </p:spPr>
+        <p:txBody>
+          <a:bodyPr wrap="none" rtlCol="0">
+            <a:spAutoFit/>
+          </a:bodyPr>
+          <a:lstStyle/>
+          <a:p>
+            <a:r>
+              <a:rPr lang="en-US" altLang="zh-CN" sz="4000" b="1" dirty="0" smtClean="0">
+                <a:solidFill>
+                  <a:schemeClr val="accent2"/>
+                </a:solidFill>
+                <a:latin typeface="微软雅黑" panose="020B0503020204020204" pitchFamily="34" charset="-122"/>
+                <a:ea typeface="微软雅黑" panose="020B0503020204020204" pitchFamily="34" charset="-122"/>
+              </a:rPr>
+              <a:t>2</a:t>
+            </a:r>
+            <a:endParaRPr lang="zh-CN" altLang="en-US" sz="4000" b="1" dirty="0">
+              <a:solidFill>
+                <a:schemeClr val="accent2"/>
+              </a:solidFill>
+              <a:latin typeface="微软雅黑" panose="020B0503020204020204" pitchFamily="34" charset="-122"/>
+              <a:ea typeface="微软雅黑" panose="020B0503020204020204" pitchFamily="34" charset="-122"/>
+            </a:endParaRPr>
+          </a:p>
+        </p:txBody>
+      </p:sp>
+      <p:sp>
+        <p:nvSpPr>
+          <p:cNvPr id="2" name="文本框 1"/>
+          <p:cNvSpPr txBox="1"/>
+          <p:nvPr/>
+        </p:nvSpPr>
+        <p:spPr>
+          <a:xfrm>
+            <a:off x="5263305" y="4142006"/>
+            <a:ext cx="4717822" cy="338554"/>
+          </a:xfrm>
+          <a:prstGeom prst="rect">
+            <a:avLst/>
+          </a:prstGeom>
+        </p:spPr>
+        <p:style>
+          <a:lnRef idx="2">
+            <a:schemeClr val="accent1"/>
+          </a:lnRef>
+          <a:fillRef idx="1">
+            <a:schemeClr val="lt1"/>
+          </a:fillRef>
+          <a:effectRef idx="0">
+            <a:schemeClr val="accent1"/>
+          </a:effectRef>
+          <a:fontRef idx="minor">
+            <a:schemeClr val="dk1"/>
+          </a:fontRef>
+        </p:style>
+        <p:txBody>
+          <a:bodyPr wrap="square" rtlCol="0">
+            <a:spAutoFit/>
+          </a:bodyPr>
+          <a:lstStyle/>
+          <a:p>
+            <a:r>
+              <a:rPr lang="en-US" altLang="zh-CN" sz="1600" dirty="0"/>
+              <a:t>https://github.com/KaixianTeachers/IS-Courses</a:t>
+            </a:r>
+            <a:endParaRPr lang="zh-CN" altLang="en-US" sz="1600" dirty="0"/>
+          </a:p>
+        </p:txBody>
+      </p:sp>
+    </p:spTree>
+    <p:extLst>
+      <p:ext uri="{BB962C8B-B14F-4D97-AF65-F5344CB8AC3E}">
+        <p14:creationId xmlns:p14="http://schemas.microsoft.com/office/powerpoint/2010/main" val="3106753974"/>
+      </p:ext>
+    </p:extLst>
+  </p:cSld>
+  <p:clrMapOvr>
+    <a:masterClrMapping/>
+  </p:clrMapOvr>
+  <p:timing>
+    <p:tnLst>
+      <p:par>
+        <p:cTn id="1" dur="indefinite" restart="never" nodeType="tmRoot"/>
+      </p:par>
+    </p:tnLst>
+  </p:timing>
+</p:sld>
+</file>
+
+<file path=ppt/slides/slide19.xml><?xml version="1.0" encoding="utf-8"?>
+<p:sld xmlns:a="http://schemas.openxmlformats.org/drawingml/2006/main" xmlns:r="http://schemas.openxmlformats.org/officeDocument/2006/relationships" xmlns:p="http://schemas.openxmlformats.org/presentationml/2006/main">
+  <p:cSld>
+    <p:spTree>
+      <p:nvGrpSpPr>
+        <p:cNvPr id="1" name=""/>
+        <p:cNvGrpSpPr/>
+        <p:nvPr/>
+      </p:nvGrpSpPr>
+      <p:grpSpPr>
+        <a:xfrm>
+          <a:off x="0" y="0"/>
+          <a:ext cx="0" cy="0"/>
+          <a:chOff x="0" y="0"/>
+          <a:chExt cx="0" cy="0"/>
+        </a:xfrm>
+      </p:grpSpPr>
+      <p:sp>
+        <p:nvSpPr>
+          <p:cNvPr id="3" name="Title 2"/>
+          <p:cNvSpPr txBox="1">
+            <a:spLocks noGrp="1"/>
+          </p:cNvSpPr>
+          <p:nvPr>
+            <p:ph type="title"/>
+          </p:nvPr>
+        </p:nvSpPr>
+        <p:spPr>
+          <a:xfrm>
+            <a:off x="838200" y="704741"/>
+            <a:ext cx="4927887" cy="646331"/>
+          </a:xfrm>
+          <a:prstGeom prst="rect">
+            <a:avLst/>
+          </a:prstGeom>
+          <a:noFill/>
+        </p:spPr>
+        <p:txBody>
+          <a:bodyPr wrap="none" rtlCol="0">
+            <a:spAutoFit/>
+          </a:bodyPr>
+          <a:lstStyle/>
+          <a:p>
+            <a:r>
+              <a:rPr lang="en-US" altLang="zh-CN" sz="4000" dirty="0" err="1" smtClean="0">
+                <a:solidFill>
+                  <a:srgbClr val="0070C0"/>
+                </a:solidFill>
+                <a:latin typeface="微软雅黑" panose="020B0503020204020204" pitchFamily="34" charset="-122"/>
+                <a:ea typeface="微软雅黑" panose="020B0503020204020204" pitchFamily="34" charset="-122"/>
+              </a:rPr>
+              <a:t>SourceTree</a:t>
+            </a:r>
+            <a:r>
+              <a:rPr lang="zh-CN" altLang="en-US" sz="4000" dirty="0" smtClean="0">
+                <a:solidFill>
+                  <a:srgbClr val="0070C0"/>
+                </a:solidFill>
+                <a:latin typeface="微软雅黑" panose="020B0503020204020204" pitchFamily="34" charset="-122"/>
+                <a:ea typeface="微软雅黑" panose="020B0503020204020204" pitchFamily="34" charset="-122"/>
+              </a:rPr>
+              <a:t>简单教程</a:t>
+            </a:r>
+            <a:endParaRPr lang="zh-CN" altLang="en-US" sz="4000" dirty="0">
+              <a:solidFill>
+                <a:srgbClr val="0070C0"/>
+              </a:solidFill>
+              <a:latin typeface="微软雅黑" panose="020B0503020204020204" pitchFamily="34" charset="-122"/>
+              <a:ea typeface="微软雅黑" panose="020B0503020204020204" pitchFamily="34" charset="-122"/>
+            </a:endParaRPr>
+          </a:p>
+        </p:txBody>
+      </p:sp>
+      <p:sp>
+        <p:nvSpPr>
+          <p:cNvPr id="4" name="TextBox 3"/>
+          <p:cNvSpPr txBox="1"/>
+          <p:nvPr/>
+        </p:nvSpPr>
+        <p:spPr>
+          <a:xfrm>
+            <a:off x="1527380" y="1483445"/>
+            <a:ext cx="3342582" cy="369332"/>
+          </a:xfrm>
+          <a:prstGeom prst="rect">
+            <a:avLst/>
+          </a:prstGeom>
+          <a:noFill/>
+        </p:spPr>
+        <p:txBody>
+          <a:bodyPr wrap="none" rtlCol="0">
+            <a:spAutoFit/>
+          </a:bodyPr>
+          <a:lstStyle/>
+          <a:p>
+            <a:r>
+              <a:rPr lang="en-US" altLang="zh-CN" b="1" dirty="0">
+                <a:solidFill>
+                  <a:srgbClr val="7030A0"/>
+                </a:solidFill>
+                <a:latin typeface="微软雅黑" panose="020B0503020204020204" pitchFamily="34" charset="-122"/>
+                <a:ea typeface="微软雅黑" panose="020B0503020204020204" pitchFamily="34" charset="-122"/>
+              </a:rPr>
+              <a:t>3</a:t>
+            </a:r>
+            <a:r>
+              <a:rPr lang="en-US" altLang="zh-CN" b="1" dirty="0" smtClean="0">
+                <a:solidFill>
+                  <a:srgbClr val="7030A0"/>
+                </a:solidFill>
+                <a:latin typeface="微软雅黑" panose="020B0503020204020204" pitchFamily="34" charset="-122"/>
+                <a:ea typeface="微软雅黑" panose="020B0503020204020204" pitchFamily="34" charset="-122"/>
+              </a:rPr>
+              <a:t>. </a:t>
+            </a:r>
+            <a:r>
+              <a:rPr lang="zh-CN" altLang="en-US" b="1" dirty="0" smtClean="0">
+                <a:solidFill>
+                  <a:srgbClr val="7030A0"/>
+                </a:solidFill>
+                <a:latin typeface="微软雅黑" panose="020B0503020204020204" pitchFamily="34" charset="-122"/>
+                <a:ea typeface="微软雅黑" panose="020B0503020204020204" pitchFamily="34" charset="-122"/>
+              </a:rPr>
+              <a:t>用</a:t>
+            </a:r>
+            <a:r>
+              <a:rPr lang="en-US" altLang="zh-CN" b="1" dirty="0" err="1" smtClean="0">
+                <a:solidFill>
+                  <a:srgbClr val="7030A0"/>
+                </a:solidFill>
+                <a:latin typeface="微软雅黑" panose="020B0503020204020204" pitchFamily="34" charset="-122"/>
+                <a:ea typeface="微软雅黑" panose="020B0503020204020204" pitchFamily="34" charset="-122"/>
+              </a:rPr>
+              <a:t>Git</a:t>
+            </a:r>
+            <a:r>
+              <a:rPr lang="zh-CN" altLang="en-US" b="1" dirty="0" smtClean="0">
+                <a:solidFill>
+                  <a:srgbClr val="7030A0"/>
+                </a:solidFill>
+                <a:latin typeface="微软雅黑" panose="020B0503020204020204" pitchFamily="34" charset="-122"/>
+                <a:ea typeface="微软雅黑" panose="020B0503020204020204" pitchFamily="34" charset="-122"/>
+              </a:rPr>
+              <a:t>工作流初始化本地仓库</a:t>
+            </a:r>
+            <a:endParaRPr lang="zh-CN" altLang="en-US" b="1" dirty="0">
+              <a:solidFill>
+                <a:srgbClr val="7030A0"/>
+              </a:solidFill>
+              <a:latin typeface="微软雅黑" panose="020B0503020204020204" pitchFamily="34" charset="-122"/>
+              <a:ea typeface="微软雅黑" panose="020B0503020204020204" pitchFamily="34" charset="-122"/>
+            </a:endParaRPr>
+          </a:p>
+        </p:txBody>
+      </p:sp>
+      <p:pic>
+        <p:nvPicPr>
+          <p:cNvPr id="5" name="Picture 4" descr="Screen Clipping"/>
+          <p:cNvPicPr>
+            <a:picLocks noChangeAspect="1"/>
+          </p:cNvPicPr>
+          <p:nvPr/>
+        </p:nvPicPr>
+        <p:blipFill>
+          <a:blip r:embed="rId2">
+            <a:extLst>
+              <a:ext uri="{28A0092B-C50C-407E-A947-70E740481C1C}">
+                <a14:useLocalDpi xmlns:a14="http://schemas.microsoft.com/office/drawing/2010/main" val="0"/>
+              </a:ext>
+            </a:extLst>
+          </a:blip>
+          <a:stretch>
+            <a:fillRect/>
+          </a:stretch>
+        </p:blipFill>
+        <p:spPr>
+          <a:xfrm>
+            <a:off x="4104997" y="1985150"/>
+            <a:ext cx="3982006" cy="2848373"/>
+          </a:xfrm>
+          <a:prstGeom prst="rect">
+            <a:avLst/>
+          </a:prstGeom>
+        </p:spPr>
+      </p:pic>
+      <p:pic>
+        <p:nvPicPr>
+          <p:cNvPr id="6" name="Picture 5" descr="Screen Clipping"/>
+          <p:cNvPicPr>
+            <a:picLocks noChangeAspect="1"/>
+          </p:cNvPicPr>
+          <p:nvPr/>
+        </p:nvPicPr>
+        <p:blipFill>
+          <a:blip r:embed="rId3">
+            <a:extLst>
+              <a:ext uri="{28A0092B-C50C-407E-A947-70E740481C1C}">
+                <a14:useLocalDpi xmlns:a14="http://schemas.microsoft.com/office/drawing/2010/main" val="0"/>
+              </a:ext>
+            </a:extLst>
+          </a:blip>
+          <a:stretch>
+            <a:fillRect/>
+          </a:stretch>
+        </p:blipFill>
+        <p:spPr>
+          <a:xfrm>
+            <a:off x="1527380" y="3035250"/>
+            <a:ext cx="676369" cy="714475"/>
+          </a:xfrm>
+          <a:prstGeom prst="rect">
+            <a:avLst/>
+          </a:prstGeom>
+        </p:spPr>
+      </p:pic>
+      <p:sp>
+        <p:nvSpPr>
+          <p:cNvPr id="12" name="Right Arrow 11"/>
+          <p:cNvSpPr/>
+          <p:nvPr/>
+        </p:nvSpPr>
+        <p:spPr>
+          <a:xfrm>
+            <a:off x="2955155" y="3160723"/>
+            <a:ext cx="398436" cy="463527"/>
+          </a:xfrm>
+          <a:prstGeom prst="rightArrow">
+            <a:avLst/>
+          </a:prstGeom>
+        </p:spPr>
+        <p:style>
+          <a:lnRef idx="1">
+            <a:schemeClr val="accent3"/>
+          </a:lnRef>
+          <a:fillRef idx="2">
+            <a:schemeClr val="accent3"/>
+          </a:fillRef>
+          <a:effectRef idx="1">
+            <a:schemeClr val="accent3"/>
+          </a:effectRef>
+          <a:fontRef idx="minor">
+            <a:schemeClr val="dk1"/>
+          </a:fontRef>
+        </p:style>
+        <p:txBody>
+          <a:bodyPr rtlCol="0" anchor="ctr"/>
+          <a:lstStyle/>
+          <a:p>
+            <a:pPr algn="ctr"/>
+            <a:endParaRPr lang="zh-CN" altLang="en-US"/>
+          </a:p>
+        </p:txBody>
+      </p:sp>
+      <p:sp>
+        <p:nvSpPr>
+          <p:cNvPr id="7" name="TextBox 6"/>
+          <p:cNvSpPr txBox="1"/>
+          <p:nvPr/>
+        </p:nvSpPr>
+        <p:spPr>
+          <a:xfrm>
+            <a:off x="838200" y="5205991"/>
+            <a:ext cx="9197904" cy="523220"/>
+          </a:xfrm>
+          <a:prstGeom prst="rect">
+            <a:avLst/>
+          </a:prstGeom>
+          <a:noFill/>
+        </p:spPr>
+        <p:txBody>
+          <a:bodyPr wrap="none" rtlCol="0">
+            <a:spAutoFit/>
+          </a:bodyPr>
+          <a:lstStyle/>
+          <a:p>
+            <a:pPr algn="ctr"/>
+            <a:r>
+              <a:rPr lang="zh-CN" altLang="en-US" sz="2800" dirty="0" smtClean="0">
+                <a:solidFill>
+                  <a:srgbClr val="C00000"/>
+                </a:solidFill>
+                <a:latin typeface="微软雅黑" panose="020B0503020204020204" pitchFamily="34" charset="-122"/>
+                <a:ea typeface="微软雅黑" panose="020B0503020204020204" pitchFamily="34" charset="-122"/>
+              </a:rPr>
+              <a:t>初始化成功之后本地仓库会有</a:t>
+            </a:r>
+            <a:r>
+              <a:rPr lang="en-US" altLang="zh-CN" sz="2800" dirty="0" smtClean="0">
+                <a:solidFill>
+                  <a:srgbClr val="C00000"/>
+                </a:solidFill>
+                <a:latin typeface="微软雅黑" panose="020B0503020204020204" pitchFamily="34" charset="-122"/>
+                <a:ea typeface="微软雅黑" panose="020B0503020204020204" pitchFamily="34" charset="-122"/>
+              </a:rPr>
+              <a:t>develop</a:t>
+            </a:r>
+            <a:r>
+              <a:rPr lang="zh-CN" altLang="en-US" sz="2800" dirty="0" smtClean="0">
+                <a:solidFill>
+                  <a:srgbClr val="C00000"/>
+                </a:solidFill>
+                <a:latin typeface="微软雅黑" panose="020B0503020204020204" pitchFamily="34" charset="-122"/>
+                <a:ea typeface="微软雅黑" panose="020B0503020204020204" pitchFamily="34" charset="-122"/>
+              </a:rPr>
+              <a:t>和</a:t>
+            </a:r>
+            <a:r>
+              <a:rPr lang="en-US" altLang="zh-CN" sz="2800" dirty="0" smtClean="0">
+                <a:solidFill>
+                  <a:srgbClr val="C00000"/>
+                </a:solidFill>
+                <a:latin typeface="微软雅黑" panose="020B0503020204020204" pitchFamily="34" charset="-122"/>
+                <a:ea typeface="微软雅黑" panose="020B0503020204020204" pitchFamily="34" charset="-122"/>
+              </a:rPr>
+              <a:t>master</a:t>
+            </a:r>
+            <a:r>
+              <a:rPr lang="zh-CN" altLang="en-US" sz="2800" dirty="0" smtClean="0">
+                <a:solidFill>
+                  <a:srgbClr val="C00000"/>
+                </a:solidFill>
+                <a:latin typeface="微软雅黑" panose="020B0503020204020204" pitchFamily="34" charset="-122"/>
+                <a:ea typeface="微软雅黑" panose="020B0503020204020204" pitchFamily="34" charset="-122"/>
+              </a:rPr>
+              <a:t>两个分支</a:t>
+            </a:r>
+            <a:endParaRPr lang="zh-CN" altLang="en-US" sz="2800" dirty="0">
+              <a:solidFill>
+                <a:srgbClr val="C00000"/>
+              </a:solidFill>
+              <a:latin typeface="微软雅黑" panose="020B0503020204020204" pitchFamily="34" charset="-122"/>
+              <a:ea typeface="微软雅黑" panose="020B0503020204020204" pitchFamily="34" charset="-122"/>
+            </a:endParaRPr>
+          </a:p>
+        </p:txBody>
+      </p:sp>
+      <p:pic>
+        <p:nvPicPr>
+          <p:cNvPr id="8" name="Picture 7" descr="Screen Clipping"/>
+          <p:cNvPicPr>
+            <a:picLocks noChangeAspect="1"/>
+          </p:cNvPicPr>
+          <p:nvPr/>
+        </p:nvPicPr>
+        <p:blipFill>
+          <a:blip r:embed="rId4">
+            <a:extLst>
+              <a:ext uri="{28A0092B-C50C-407E-A947-70E740481C1C}">
+                <a14:useLocalDpi xmlns:a14="http://schemas.microsoft.com/office/drawing/2010/main" val="0"/>
+              </a:ext>
+            </a:extLst>
+          </a:blip>
+          <a:stretch>
+            <a:fillRect/>
+          </a:stretch>
+        </p:blipFill>
+        <p:spPr>
+          <a:xfrm>
+            <a:off x="10036104" y="5081421"/>
+            <a:ext cx="1057423" cy="647790"/>
+          </a:xfrm>
+          <a:prstGeom prst="rect">
+            <a:avLst/>
+          </a:prstGeom>
+        </p:spPr>
+      </p:pic>
+    </p:spTree>
+    <p:extLst>
+      <p:ext uri="{BB962C8B-B14F-4D97-AF65-F5344CB8AC3E}">
+        <p14:creationId xmlns:p14="http://schemas.microsoft.com/office/powerpoint/2010/main" val="3082180653"/>
+      </p:ext>
+    </p:extLst>
+  </p:cSld>
+  <p:clrMapOvr>
+    <a:masterClrMapping/>
+  </p:clrMapOvr>
+  <p:timing>
+    <p:tnLst>
+      <p:par>
+        <p:cTn id="1" dur="indefinite" restart="never" nodeType="tmRoot"/>
+      </p:par>
+    </p:tnLst>
+  </p:timing>
+</p:sld>
+</file>
+
+<file path=ppt/slides/slide2.xml><?xml version="1.0" encoding="utf-8"?>
+<p:sld xmlns:a="http://schemas.openxmlformats.org/drawingml/2006/main" xmlns:r="http://schemas.openxmlformats.org/officeDocument/2006/relationships" xmlns:p="http://schemas.openxmlformats.org/presentationml/2006/main">
+  <p:cSld>
+    <p:spTree>
+      <p:nvGrpSpPr>
+        <p:cNvPr id="1" name=""/>
+        <p:cNvGrpSpPr/>
+        <p:nvPr/>
+      </p:nvGrpSpPr>
+      <p:grpSpPr>
+        <a:xfrm>
+          <a:off x="0" y="0"/>
+          <a:ext cx="0" cy="0"/>
+          <a:chOff x="0" y="0"/>
+          <a:chExt cx="0" cy="0"/>
+        </a:xfrm>
+      </p:grpSpPr>
+      <p:sp>
+        <p:nvSpPr>
+          <p:cNvPr id="2" name="Title 1"/>
+          <p:cNvSpPr>
+            <a:spLocks noGrp="1"/>
+          </p:cNvSpPr>
+          <p:nvPr>
+            <p:ph type="title"/>
+          </p:nvPr>
+        </p:nvSpPr>
+        <p:spPr/>
+        <p:txBody>
+          <a:bodyPr/>
+          <a:lstStyle/>
+          <a:p>
+            <a:r>
+              <a:rPr lang="zh-CN" altLang="en-US" b="1" dirty="0" smtClean="0">
+                <a:solidFill>
+                  <a:schemeClr val="accent2"/>
+                </a:solidFill>
+                <a:latin typeface="微软雅黑" panose="020B0503020204020204" pitchFamily="34" charset="-122"/>
+                <a:ea typeface="微软雅黑" panose="020B0503020204020204" pitchFamily="34" charset="-122"/>
+              </a:rPr>
+              <a:t>工作流程</a:t>
+            </a:r>
+            <a:endParaRPr lang="zh-CN" altLang="en-US" b="1" dirty="0">
+              <a:solidFill>
+                <a:schemeClr val="accent2"/>
+              </a:solidFill>
+              <a:latin typeface="微软雅黑" panose="020B0503020204020204" pitchFamily="34" charset="-122"/>
+              <a:ea typeface="微软雅黑" panose="020B0503020204020204" pitchFamily="34" charset="-122"/>
+            </a:endParaRPr>
+          </a:p>
+        </p:txBody>
+      </p:sp>
+      <p:graphicFrame>
+        <p:nvGraphicFramePr>
+          <p:cNvPr id="8" name="Diagram 7"/>
+          <p:cNvGraphicFramePr/>
+          <p:nvPr>
+            <p:extLst>
+              <p:ext uri="{D42A27DB-BD31-4B8C-83A1-F6EECF244321}">
+                <p14:modId xmlns:p14="http://schemas.microsoft.com/office/powerpoint/2010/main" val="1696466478"/>
+              </p:ext>
+            </p:extLst>
+          </p:nvPr>
+        </p:nvGraphicFramePr>
+        <p:xfrm>
+          <a:off x="2648856" y="2005400"/>
+          <a:ext cx="6894288" cy="4633659"/>
+        </p:xfrm>
+        <a:graphic>
+          <a:graphicData uri="http://schemas.openxmlformats.org/drawingml/2006/diagram">
+            <dgm:relIds xmlns:dgm="http://schemas.openxmlformats.org/drawingml/2006/diagram" xmlns:r="http://schemas.openxmlformats.org/officeDocument/2006/relationships" r:dm="rId2" r:lo="rId3" r:qs="rId4" r:cs="rId5"/>
+          </a:graphicData>
+        </a:graphic>
+      </p:graphicFrame>
+      <p:sp>
+        <p:nvSpPr>
+          <p:cNvPr id="3" name="圆角矩形 2"/>
+          <p:cNvSpPr/>
+          <p:nvPr/>
+        </p:nvSpPr>
+        <p:spPr>
+          <a:xfrm>
+            <a:off x="5270678" y="630916"/>
+            <a:ext cx="1650643" cy="1059772"/>
+          </a:xfrm>
+          <a:prstGeom prst="roundRect">
+            <a:avLst/>
+          </a:prstGeom>
+        </p:spPr>
+        <p:style>
+          <a:lnRef idx="3">
+            <a:schemeClr val="lt1"/>
+          </a:lnRef>
+          <a:fillRef idx="1">
+            <a:schemeClr val="accent1"/>
+          </a:fillRef>
+          <a:effectRef idx="1">
+            <a:schemeClr val="accent1"/>
+          </a:effectRef>
+          <a:fontRef idx="minor">
+            <a:schemeClr val="lt1"/>
+          </a:fontRef>
+        </p:style>
+        <p:txBody>
+          <a:bodyPr rtlCol="0" anchor="ctr"/>
+          <a:lstStyle/>
+          <a:p>
+            <a:pPr algn="ctr"/>
+            <a:r>
+              <a:rPr lang="en-US" altLang="zh-CN" dirty="0" smtClean="0"/>
+              <a:t>Fork</a:t>
+            </a:r>
+            <a:endParaRPr lang="zh-CN" altLang="en-US" dirty="0"/>
+          </a:p>
+        </p:txBody>
+      </p:sp>
+      <p:cxnSp>
+        <p:nvCxnSpPr>
+          <p:cNvPr id="5" name="直接连接符 4"/>
+          <p:cNvCxnSpPr>
+            <a:stCxn id="3" idx="2"/>
+            <a:endCxn id="8" idx="0"/>
+          </p:cNvCxnSpPr>
+          <p:nvPr/>
+        </p:nvCxnSpPr>
+        <p:spPr>
+          <a:xfrm>
+            <a:off x="6096000" y="1690688"/>
+            <a:ext cx="0" cy="314712"/>
+          </a:xfrm>
+          <a:prstGeom prst="line">
+            <a:avLst/>
+          </a:prstGeom>
+        </p:spPr>
+        <p:style>
+          <a:lnRef idx="1">
+            <a:schemeClr val="accent1"/>
+          </a:lnRef>
+          <a:fillRef idx="0">
+            <a:schemeClr val="accent1"/>
+          </a:fillRef>
+          <a:effectRef idx="0">
+            <a:schemeClr val="accent1"/>
+          </a:effectRef>
+          <a:fontRef idx="minor">
+            <a:schemeClr val="tx1"/>
+          </a:fontRef>
+        </p:style>
+      </p:cxnSp>
+    </p:spTree>
+    <p:extLst>
+      <p:ext uri="{BB962C8B-B14F-4D97-AF65-F5344CB8AC3E}">
+        <p14:creationId xmlns:p14="http://schemas.microsoft.com/office/powerpoint/2010/main" val="3165166310"/>
+      </p:ext>
+    </p:extLst>
+  </p:cSld>
+  <p:clrMapOvr>
+    <a:masterClrMapping/>
+  </p:clrMapOvr>
+</p:sld>
+</file>
+
+<file path=ppt/slides/slide20.xml><?xml version="1.0" encoding="utf-8"?>
+<p:sld xmlns:a="http://schemas.openxmlformats.org/drawingml/2006/main" xmlns:r="http://schemas.openxmlformats.org/officeDocument/2006/relationships" xmlns:p="http://schemas.openxmlformats.org/presentationml/2006/main">
+  <p:cSld>
+    <p:spTree>
+      <p:nvGrpSpPr>
+        <p:cNvPr id="1" name=""/>
+        <p:cNvGrpSpPr/>
+        <p:nvPr/>
+      </p:nvGrpSpPr>
+      <p:grpSpPr>
+        <a:xfrm>
+          <a:off x="0" y="0"/>
+          <a:ext cx="0" cy="0"/>
+          <a:chOff x="0" y="0"/>
+          <a:chExt cx="0" cy="0"/>
+        </a:xfrm>
+      </p:grpSpPr>
+      <p:sp>
+        <p:nvSpPr>
+          <p:cNvPr id="3" name="Title 2"/>
+          <p:cNvSpPr txBox="1">
+            <a:spLocks noGrp="1"/>
+          </p:cNvSpPr>
+          <p:nvPr>
+            <p:ph type="title"/>
+          </p:nvPr>
+        </p:nvSpPr>
+        <p:spPr>
+          <a:xfrm>
+            <a:off x="849651" y="672236"/>
+            <a:ext cx="4927887" cy="646331"/>
+          </a:xfrm>
+          <a:prstGeom prst="rect">
+            <a:avLst/>
+          </a:prstGeom>
+          <a:noFill/>
+        </p:spPr>
+        <p:txBody>
+          <a:bodyPr wrap="none" rtlCol="0">
+            <a:spAutoFit/>
+          </a:bodyPr>
+          <a:lstStyle/>
+          <a:p>
+            <a:r>
+              <a:rPr lang="en-US" altLang="zh-CN" sz="4000" dirty="0" err="1" smtClean="0">
+                <a:solidFill>
+                  <a:srgbClr val="0070C0"/>
+                </a:solidFill>
+                <a:latin typeface="微软雅黑" panose="020B0503020204020204" pitchFamily="34" charset="-122"/>
+                <a:ea typeface="微软雅黑" panose="020B0503020204020204" pitchFamily="34" charset="-122"/>
+              </a:rPr>
+              <a:t>SourceTree</a:t>
+            </a:r>
+            <a:r>
+              <a:rPr lang="zh-CN" altLang="en-US" sz="4000" dirty="0" smtClean="0">
+                <a:solidFill>
+                  <a:srgbClr val="0070C0"/>
+                </a:solidFill>
+                <a:latin typeface="微软雅黑" panose="020B0503020204020204" pitchFamily="34" charset="-122"/>
+                <a:ea typeface="微软雅黑" panose="020B0503020204020204" pitchFamily="34" charset="-122"/>
+              </a:rPr>
+              <a:t>简单教程</a:t>
+            </a:r>
+            <a:endParaRPr lang="zh-CN" altLang="en-US" sz="4000" dirty="0">
+              <a:solidFill>
+                <a:srgbClr val="0070C0"/>
+              </a:solidFill>
+              <a:latin typeface="微软雅黑" panose="020B0503020204020204" pitchFamily="34" charset="-122"/>
+              <a:ea typeface="微软雅黑" panose="020B0503020204020204" pitchFamily="34" charset="-122"/>
+            </a:endParaRPr>
+          </a:p>
+        </p:txBody>
+      </p:sp>
+      <p:sp>
+        <p:nvSpPr>
+          <p:cNvPr id="4" name="TextBox 3"/>
+          <p:cNvSpPr txBox="1"/>
+          <p:nvPr/>
+        </p:nvSpPr>
+        <p:spPr>
+          <a:xfrm>
+            <a:off x="849651" y="1483445"/>
+            <a:ext cx="3573414" cy="369332"/>
+          </a:xfrm>
+          <a:prstGeom prst="rect">
+            <a:avLst/>
+          </a:prstGeom>
+          <a:noFill/>
+        </p:spPr>
+        <p:txBody>
+          <a:bodyPr wrap="none" rtlCol="0">
+            <a:spAutoFit/>
+          </a:bodyPr>
+          <a:lstStyle/>
+          <a:p>
+            <a:r>
+              <a:rPr lang="en-US" altLang="zh-CN" b="1" dirty="0">
+                <a:solidFill>
+                  <a:srgbClr val="7030A0"/>
+                </a:solidFill>
+                <a:latin typeface="微软雅黑" panose="020B0503020204020204" pitchFamily="34" charset="-122"/>
+                <a:ea typeface="微软雅黑" panose="020B0503020204020204" pitchFamily="34" charset="-122"/>
+              </a:rPr>
+              <a:t>3</a:t>
+            </a:r>
+            <a:r>
+              <a:rPr lang="en-US" altLang="zh-CN" b="1" dirty="0" smtClean="0">
+                <a:solidFill>
+                  <a:srgbClr val="7030A0"/>
+                </a:solidFill>
+                <a:latin typeface="微软雅黑" panose="020B0503020204020204" pitchFamily="34" charset="-122"/>
+                <a:ea typeface="微软雅黑" panose="020B0503020204020204" pitchFamily="34" charset="-122"/>
+              </a:rPr>
+              <a:t>. </a:t>
+            </a:r>
+            <a:r>
+              <a:rPr lang="zh-CN" altLang="en-US" b="1" dirty="0" smtClean="0">
+                <a:solidFill>
+                  <a:srgbClr val="7030A0"/>
+                </a:solidFill>
+                <a:latin typeface="微软雅黑" panose="020B0503020204020204" pitchFamily="34" charset="-122"/>
+                <a:ea typeface="微软雅黑" panose="020B0503020204020204" pitchFamily="34" charset="-122"/>
+              </a:rPr>
+              <a:t>用</a:t>
+            </a:r>
+            <a:r>
+              <a:rPr lang="en-US" altLang="zh-CN" b="1" dirty="0" err="1" smtClean="0">
+                <a:solidFill>
+                  <a:srgbClr val="7030A0"/>
+                </a:solidFill>
+                <a:latin typeface="微软雅黑" panose="020B0503020204020204" pitchFamily="34" charset="-122"/>
+                <a:ea typeface="微软雅黑" panose="020B0503020204020204" pitchFamily="34" charset="-122"/>
+              </a:rPr>
+              <a:t>Git</a:t>
+            </a:r>
+            <a:r>
+              <a:rPr lang="zh-CN" altLang="en-US" b="1" dirty="0" smtClean="0">
+                <a:solidFill>
+                  <a:srgbClr val="7030A0"/>
+                </a:solidFill>
+                <a:latin typeface="微软雅黑" panose="020B0503020204020204" pitchFamily="34" charset="-122"/>
+                <a:ea typeface="微软雅黑" panose="020B0503020204020204" pitchFamily="34" charset="-122"/>
+              </a:rPr>
+              <a:t>工作流开始建立新的功能</a:t>
+            </a:r>
+            <a:endParaRPr lang="zh-CN" altLang="en-US" b="1" dirty="0">
+              <a:solidFill>
+                <a:srgbClr val="7030A0"/>
+              </a:solidFill>
+              <a:latin typeface="微软雅黑" panose="020B0503020204020204" pitchFamily="34" charset="-122"/>
+              <a:ea typeface="微软雅黑" panose="020B0503020204020204" pitchFamily="34" charset="-122"/>
+            </a:endParaRPr>
+          </a:p>
+        </p:txBody>
+      </p:sp>
+      <p:pic>
+        <p:nvPicPr>
+          <p:cNvPr id="6" name="Picture 5" descr="Screen Clipping"/>
+          <p:cNvPicPr>
+            <a:picLocks noChangeAspect="1"/>
+          </p:cNvPicPr>
+          <p:nvPr/>
+        </p:nvPicPr>
+        <p:blipFill>
+          <a:blip r:embed="rId2">
+            <a:extLst>
+              <a:ext uri="{28A0092B-C50C-407E-A947-70E740481C1C}">
+                <a14:useLocalDpi xmlns:a14="http://schemas.microsoft.com/office/drawing/2010/main" val="0"/>
+              </a:ext>
+            </a:extLst>
+          </a:blip>
+          <a:stretch>
+            <a:fillRect/>
+          </a:stretch>
+        </p:blipFill>
+        <p:spPr>
+          <a:xfrm>
+            <a:off x="1075562" y="2049637"/>
+            <a:ext cx="676369" cy="714475"/>
+          </a:xfrm>
+          <a:prstGeom prst="rect">
+            <a:avLst/>
+          </a:prstGeom>
+        </p:spPr>
+      </p:pic>
+      <p:pic>
+        <p:nvPicPr>
+          <p:cNvPr id="7" name="Picture 6" descr="Screen Clipping"/>
+          <p:cNvPicPr>
+            <a:picLocks noChangeAspect="1"/>
+          </p:cNvPicPr>
+          <p:nvPr/>
+        </p:nvPicPr>
+        <p:blipFill>
+          <a:blip r:embed="rId3">
+            <a:extLst>
+              <a:ext uri="{28A0092B-C50C-407E-A947-70E740481C1C}">
+                <a14:useLocalDpi xmlns:a14="http://schemas.microsoft.com/office/drawing/2010/main" val="0"/>
+              </a:ext>
+            </a:extLst>
+          </a:blip>
+          <a:stretch>
+            <a:fillRect/>
+          </a:stretch>
+        </p:blipFill>
+        <p:spPr>
+          <a:xfrm>
+            <a:off x="2858908" y="2023673"/>
+            <a:ext cx="2038635" cy="2162477"/>
+          </a:xfrm>
+          <a:prstGeom prst="rect">
+            <a:avLst/>
+          </a:prstGeom>
+        </p:spPr>
+      </p:pic>
+      <p:sp>
+        <p:nvSpPr>
+          <p:cNvPr id="8" name="Right Arrow 7"/>
+          <p:cNvSpPr/>
+          <p:nvPr/>
+        </p:nvSpPr>
+        <p:spPr>
+          <a:xfrm rot="1060748">
+            <a:off x="1730290" y="2382358"/>
+            <a:ext cx="1478924" cy="262666"/>
+          </a:xfrm>
+          <a:prstGeom prst="rightArrow">
+            <a:avLst>
+              <a:gd name="adj1" fmla="val 20494"/>
+              <a:gd name="adj2" fmla="val 113565"/>
+            </a:avLst>
+          </a:prstGeom>
+          <a:solidFill>
+            <a:schemeClr val="accent2"/>
+          </a:solidFill>
+          <a:ln>
+            <a:solidFill>
+              <a:srgbClr val="FFC000"/>
+            </a:solidFill>
+          </a:ln>
+        </p:spPr>
+        <p:style>
+          <a:lnRef idx="2">
+            <a:schemeClr val="accent1">
+              <a:shade val="50000"/>
+            </a:schemeClr>
+          </a:lnRef>
+          <a:fillRef idx="1">
+            <a:schemeClr val="accent1"/>
+          </a:fillRef>
+          <a:effectRef idx="0">
+            <a:schemeClr val="accent1"/>
+          </a:effectRef>
+          <a:fontRef idx="minor">
+            <a:schemeClr val="lt1"/>
+          </a:fontRef>
+        </p:style>
+        <p:txBody>
+          <a:bodyPr rtlCol="0" anchor="ctr"/>
+          <a:lstStyle/>
+          <a:p>
+            <a:pPr algn="ctr"/>
+            <a:endParaRPr lang="zh-CN" altLang="en-US">
+              <a:solidFill>
+                <a:srgbClr val="00B050"/>
+              </a:solidFill>
+            </a:endParaRPr>
+          </a:p>
+        </p:txBody>
+      </p:sp>
+      <p:pic>
+        <p:nvPicPr>
+          <p:cNvPr id="9" name="Picture 8" descr="Screen Clipping"/>
+          <p:cNvPicPr>
+            <a:picLocks noChangeAspect="1"/>
+          </p:cNvPicPr>
+          <p:nvPr/>
+        </p:nvPicPr>
+        <p:blipFill>
+          <a:blip r:embed="rId4">
+            <a:extLst>
+              <a:ext uri="{28A0092B-C50C-407E-A947-70E740481C1C}">
+                <a14:useLocalDpi xmlns:a14="http://schemas.microsoft.com/office/drawing/2010/main" val="0"/>
+              </a:ext>
+            </a:extLst>
+          </a:blip>
+          <a:stretch>
+            <a:fillRect/>
+          </a:stretch>
+        </p:blipFill>
+        <p:spPr>
+          <a:xfrm>
+            <a:off x="6311426" y="1673574"/>
+            <a:ext cx="4867954" cy="2438740"/>
+          </a:xfrm>
+          <a:prstGeom prst="rect">
+            <a:avLst/>
+          </a:prstGeom>
+        </p:spPr>
+      </p:pic>
+      <p:sp>
+        <p:nvSpPr>
+          <p:cNvPr id="13" name="Right Arrow 12"/>
+          <p:cNvSpPr/>
+          <p:nvPr/>
+        </p:nvSpPr>
+        <p:spPr>
+          <a:xfrm rot="20496448">
+            <a:off x="4452033" y="2289684"/>
+            <a:ext cx="1861608" cy="287348"/>
+          </a:xfrm>
+          <a:prstGeom prst="rightArrow">
+            <a:avLst>
+              <a:gd name="adj1" fmla="val 20494"/>
+              <a:gd name="adj2" fmla="val 113565"/>
+            </a:avLst>
+          </a:prstGeom>
+          <a:solidFill>
+            <a:schemeClr val="accent2"/>
+          </a:solidFill>
+          <a:ln>
+            <a:solidFill>
+              <a:srgbClr val="FFC000"/>
+            </a:solidFill>
+          </a:ln>
+        </p:spPr>
+        <p:style>
+          <a:lnRef idx="2">
+            <a:schemeClr val="accent1">
+              <a:shade val="50000"/>
+            </a:schemeClr>
+          </a:lnRef>
+          <a:fillRef idx="1">
+            <a:schemeClr val="accent1"/>
+          </a:fillRef>
+          <a:effectRef idx="0">
+            <a:schemeClr val="accent1"/>
+          </a:effectRef>
+          <a:fontRef idx="minor">
+            <a:schemeClr val="lt1"/>
+          </a:fontRef>
+        </p:style>
+        <p:txBody>
+          <a:bodyPr rtlCol="0" anchor="ctr"/>
+          <a:lstStyle/>
+          <a:p>
+            <a:pPr algn="ctr"/>
+            <a:endParaRPr lang="zh-CN" altLang="en-US">
+              <a:solidFill>
+                <a:srgbClr val="00B050"/>
+              </a:solidFill>
+            </a:endParaRPr>
+          </a:p>
+        </p:txBody>
+      </p:sp>
+      <p:sp>
+        <p:nvSpPr>
+          <p:cNvPr id="11" name="TextBox 10"/>
+          <p:cNvSpPr txBox="1"/>
+          <p:nvPr/>
+        </p:nvSpPr>
+        <p:spPr>
+          <a:xfrm>
+            <a:off x="5792491" y="1329455"/>
+            <a:ext cx="6399509" cy="369332"/>
+          </a:xfrm>
+          <a:prstGeom prst="rect">
+            <a:avLst/>
+          </a:prstGeom>
+          <a:noFill/>
+        </p:spPr>
+        <p:txBody>
+          <a:bodyPr wrap="none" rtlCol="0">
+            <a:spAutoFit/>
+          </a:bodyPr>
+          <a:lstStyle/>
+          <a:p>
+            <a:r>
+              <a:rPr lang="zh-CN" altLang="en-US" b="1" dirty="0" smtClean="0">
+                <a:solidFill>
+                  <a:srgbClr val="C00000"/>
+                </a:solidFill>
+              </a:rPr>
+              <a:t>功能名称处输入新的子课题名称，如</a:t>
+            </a:r>
+            <a:r>
+              <a:rPr lang="en-US" altLang="zh-CN" b="1" dirty="0" smtClean="0">
+                <a:solidFill>
+                  <a:srgbClr val="0070C0"/>
+                </a:solidFill>
+              </a:rPr>
+              <a:t>G7U2</a:t>
+            </a:r>
+            <a:r>
+              <a:rPr lang="zh-CN" altLang="en-US" b="1" dirty="0" smtClean="0">
+                <a:solidFill>
+                  <a:srgbClr val="C00000"/>
+                </a:solidFill>
+              </a:rPr>
+              <a:t>表示</a:t>
+            </a:r>
+            <a:r>
+              <a:rPr lang="en-US" altLang="zh-CN" b="1" dirty="0" smtClean="0">
+                <a:solidFill>
+                  <a:srgbClr val="C00000"/>
+                </a:solidFill>
+              </a:rPr>
+              <a:t>7</a:t>
+            </a:r>
+            <a:r>
+              <a:rPr lang="zh-CN" altLang="en-US" b="1" dirty="0" smtClean="0">
+                <a:solidFill>
+                  <a:srgbClr val="C00000"/>
+                </a:solidFill>
+              </a:rPr>
+              <a:t>年级第</a:t>
+            </a:r>
+            <a:r>
+              <a:rPr lang="en-US" altLang="zh-CN" b="1" dirty="0" smtClean="0">
+                <a:solidFill>
+                  <a:srgbClr val="C00000"/>
+                </a:solidFill>
+              </a:rPr>
+              <a:t>2</a:t>
+            </a:r>
+            <a:r>
+              <a:rPr lang="zh-CN" altLang="en-US" b="1" dirty="0" smtClean="0">
+                <a:solidFill>
+                  <a:srgbClr val="C00000"/>
+                </a:solidFill>
+              </a:rPr>
+              <a:t>单元</a:t>
+            </a:r>
+            <a:endParaRPr lang="zh-CN" altLang="en-US" b="1" dirty="0">
+              <a:solidFill>
+                <a:srgbClr val="C00000"/>
+              </a:solidFill>
+            </a:endParaRPr>
+          </a:p>
+        </p:txBody>
+      </p:sp>
+      <p:sp>
+        <p:nvSpPr>
+          <p:cNvPr id="14" name="TextBox 13"/>
+          <p:cNvSpPr txBox="1"/>
+          <p:nvPr/>
+        </p:nvSpPr>
+        <p:spPr>
+          <a:xfrm>
+            <a:off x="6957853" y="1961864"/>
+            <a:ext cx="561372" cy="261610"/>
+          </a:xfrm>
+          <a:prstGeom prst="rect">
+            <a:avLst/>
+          </a:prstGeom>
+          <a:noFill/>
+        </p:spPr>
+        <p:txBody>
+          <a:bodyPr wrap="none" rtlCol="0">
+            <a:spAutoFit/>
+          </a:bodyPr>
+          <a:lstStyle/>
+          <a:p>
+            <a:r>
+              <a:rPr lang="en-US" altLang="zh-CN" sz="1100" dirty="0" smtClean="0">
+                <a:solidFill>
+                  <a:srgbClr val="FF0000"/>
+                </a:solidFill>
+                <a:latin typeface="微软雅黑" panose="020B0503020204020204" pitchFamily="34" charset="-122"/>
+                <a:ea typeface="微软雅黑" panose="020B0503020204020204" pitchFamily="34" charset="-122"/>
+              </a:rPr>
+              <a:t>G7U2</a:t>
+            </a:r>
+            <a:endParaRPr lang="zh-CN" altLang="en-US" sz="1100" dirty="0">
+              <a:solidFill>
+                <a:srgbClr val="FF0000"/>
+              </a:solidFill>
+              <a:latin typeface="微软雅黑" panose="020B0503020204020204" pitchFamily="34" charset="-122"/>
+              <a:ea typeface="微软雅黑" panose="020B0503020204020204" pitchFamily="34" charset="-122"/>
+            </a:endParaRPr>
+          </a:p>
+        </p:txBody>
+      </p:sp>
+      <p:pic>
+        <p:nvPicPr>
+          <p:cNvPr id="5" name="Picture 4" descr="Screen Clipping"/>
+          <p:cNvPicPr>
+            <a:picLocks noChangeAspect="1"/>
+          </p:cNvPicPr>
+          <p:nvPr/>
+        </p:nvPicPr>
+        <p:blipFill>
+          <a:blip r:embed="rId5">
+            <a:extLst>
+              <a:ext uri="{28A0092B-C50C-407E-A947-70E740481C1C}">
+                <a14:useLocalDpi xmlns:a14="http://schemas.microsoft.com/office/drawing/2010/main" val="0"/>
+              </a:ext>
+            </a:extLst>
+          </a:blip>
+          <a:stretch>
+            <a:fillRect/>
+          </a:stretch>
+        </p:blipFill>
+        <p:spPr>
+          <a:xfrm>
+            <a:off x="7827850" y="4822453"/>
+            <a:ext cx="1314633" cy="1038370"/>
+          </a:xfrm>
+          <a:prstGeom prst="rect">
+            <a:avLst/>
+          </a:prstGeom>
+          <a:ln>
+            <a:solidFill>
+              <a:srgbClr val="00B0F0"/>
+            </a:solidFill>
+          </a:ln>
+        </p:spPr>
+      </p:pic>
+      <p:sp>
+        <p:nvSpPr>
+          <p:cNvPr id="15" name="Right Arrow 14"/>
+          <p:cNvSpPr/>
+          <p:nvPr/>
+        </p:nvSpPr>
+        <p:spPr>
+          <a:xfrm rot="5400000">
+            <a:off x="8197375" y="4359807"/>
+            <a:ext cx="463226" cy="215153"/>
+          </a:xfrm>
+          <a:prstGeom prst="rightArrow">
+            <a:avLst>
+              <a:gd name="adj1" fmla="val 20494"/>
+              <a:gd name="adj2" fmla="val 113565"/>
+            </a:avLst>
+          </a:prstGeom>
+          <a:solidFill>
+            <a:schemeClr val="accent2"/>
+          </a:solidFill>
+          <a:ln>
+            <a:solidFill>
+              <a:srgbClr val="FFC000"/>
+            </a:solidFill>
+          </a:ln>
+        </p:spPr>
+        <p:style>
+          <a:lnRef idx="2">
+            <a:schemeClr val="accent1">
+              <a:shade val="50000"/>
+            </a:schemeClr>
+          </a:lnRef>
+          <a:fillRef idx="1">
+            <a:schemeClr val="accent1"/>
+          </a:fillRef>
+          <a:effectRef idx="0">
+            <a:schemeClr val="accent1"/>
+          </a:effectRef>
+          <a:fontRef idx="minor">
+            <a:schemeClr val="lt1"/>
+          </a:fontRef>
+        </p:style>
+        <p:txBody>
+          <a:bodyPr rtlCol="0" anchor="ctr"/>
+          <a:lstStyle/>
+          <a:p>
+            <a:pPr algn="ctr"/>
+            <a:endParaRPr lang="zh-CN" altLang="en-US">
+              <a:solidFill>
+                <a:srgbClr val="00B050"/>
+              </a:solidFill>
+            </a:endParaRPr>
+          </a:p>
+        </p:txBody>
+      </p:sp>
+      <p:sp>
+        <p:nvSpPr>
+          <p:cNvPr id="16" name="TextBox 15"/>
+          <p:cNvSpPr txBox="1"/>
+          <p:nvPr/>
+        </p:nvSpPr>
+        <p:spPr>
+          <a:xfrm>
+            <a:off x="6957853" y="5949265"/>
+            <a:ext cx="4859022" cy="646331"/>
+          </a:xfrm>
+          <a:prstGeom prst="rect">
+            <a:avLst/>
+          </a:prstGeom>
+          <a:noFill/>
+        </p:spPr>
+        <p:txBody>
+          <a:bodyPr wrap="none" rtlCol="0">
+            <a:spAutoFit/>
+          </a:bodyPr>
+          <a:lstStyle/>
+          <a:p>
+            <a:r>
+              <a:rPr lang="zh-CN" altLang="en-US" b="1" dirty="0" smtClean="0">
+                <a:solidFill>
+                  <a:srgbClr val="C00000"/>
+                </a:solidFill>
+              </a:rPr>
+              <a:t>建立后本地分支会出现一个新的分支</a:t>
+            </a:r>
+            <a:r>
+              <a:rPr lang="en-US" altLang="zh-CN" b="1" dirty="0" smtClean="0">
+                <a:solidFill>
+                  <a:srgbClr val="C00000"/>
+                </a:solidFill>
+              </a:rPr>
+              <a:t>feature</a:t>
+            </a:r>
+            <a:r>
+              <a:rPr lang="zh-CN" altLang="en-US" b="1" dirty="0" smtClean="0">
+                <a:solidFill>
+                  <a:srgbClr val="C00000"/>
+                </a:solidFill>
+              </a:rPr>
+              <a:t>，</a:t>
+            </a:r>
+            <a:endParaRPr lang="en-US" altLang="zh-CN" b="1" dirty="0" smtClean="0">
+              <a:solidFill>
+                <a:srgbClr val="C00000"/>
+              </a:solidFill>
+            </a:endParaRPr>
+          </a:p>
+          <a:p>
+            <a:r>
+              <a:rPr lang="zh-CN" altLang="en-US" b="1" dirty="0" smtClean="0">
+                <a:solidFill>
+                  <a:srgbClr val="C00000"/>
+                </a:solidFill>
+              </a:rPr>
+              <a:t>新的功能</a:t>
+            </a:r>
+            <a:r>
+              <a:rPr lang="en-US" altLang="zh-CN" b="1" dirty="0" smtClean="0">
+                <a:solidFill>
+                  <a:srgbClr val="C00000"/>
+                </a:solidFill>
+              </a:rPr>
+              <a:t>G7U2</a:t>
+            </a:r>
+            <a:r>
+              <a:rPr lang="zh-CN" altLang="en-US" b="1" dirty="0" smtClean="0">
+                <a:solidFill>
+                  <a:srgbClr val="C00000"/>
+                </a:solidFill>
+              </a:rPr>
+              <a:t>会在这个分支之下</a:t>
+            </a:r>
+            <a:endParaRPr lang="zh-CN" altLang="en-US" b="1" dirty="0">
+              <a:solidFill>
+                <a:srgbClr val="C00000"/>
+              </a:solidFill>
+            </a:endParaRPr>
+          </a:p>
+        </p:txBody>
+      </p:sp>
+      <p:sp>
+        <p:nvSpPr>
+          <p:cNvPr id="10" name="Rectangle 9"/>
+          <p:cNvSpPr/>
+          <p:nvPr/>
+        </p:nvSpPr>
+        <p:spPr>
+          <a:xfrm>
+            <a:off x="7293962" y="5234061"/>
+            <a:ext cx="2485205" cy="421132"/>
+          </a:xfrm>
+          <a:prstGeom prst="rect">
+            <a:avLst/>
+          </a:prstGeom>
+          <a:noFill/>
+          <a:ln>
+            <a:solidFill>
+              <a:srgbClr val="FF0000"/>
+            </a:solidFill>
+          </a:ln>
+        </p:spPr>
+        <p:style>
+          <a:lnRef idx="2">
+            <a:schemeClr val="accent1">
+              <a:shade val="50000"/>
+            </a:schemeClr>
+          </a:lnRef>
+          <a:fillRef idx="1">
+            <a:schemeClr val="accent1"/>
+          </a:fillRef>
+          <a:effectRef idx="0">
+            <a:schemeClr val="accent1"/>
+          </a:effectRef>
+          <a:fontRef idx="minor">
+            <a:schemeClr val="lt1"/>
+          </a:fontRef>
+        </p:style>
+        <p:txBody>
+          <a:bodyPr rtlCol="0" anchor="ctr"/>
+          <a:lstStyle/>
+          <a:p>
+            <a:pPr algn="ctr"/>
+            <a:endParaRPr lang="zh-CN" altLang="en-US"/>
+          </a:p>
+        </p:txBody>
+      </p:sp>
+      <p:sp>
+        <p:nvSpPr>
+          <p:cNvPr id="12" name="Oval 11"/>
+          <p:cNvSpPr/>
+          <p:nvPr/>
+        </p:nvSpPr>
+        <p:spPr>
+          <a:xfrm>
+            <a:off x="1147714" y="2960972"/>
+            <a:ext cx="538085" cy="538085"/>
+          </a:xfrm>
+          <a:prstGeom prst="ellipse">
+            <a:avLst/>
+          </a:prstGeom>
+        </p:spPr>
+        <p:style>
+          <a:lnRef idx="2">
+            <a:schemeClr val="accent2">
+              <a:shade val="50000"/>
+            </a:schemeClr>
+          </a:lnRef>
+          <a:fillRef idx="1">
+            <a:schemeClr val="accent2"/>
+          </a:fillRef>
+          <a:effectRef idx="0">
+            <a:schemeClr val="accent2"/>
+          </a:effectRef>
+          <a:fontRef idx="minor">
+            <a:schemeClr val="lt1"/>
+          </a:fontRef>
+        </p:style>
+        <p:txBody>
+          <a:bodyPr rtlCol="0" anchor="ctr"/>
+          <a:lstStyle/>
+          <a:p>
+            <a:pPr algn="ctr"/>
+            <a:r>
+              <a:rPr lang="en-US" altLang="zh-CN" sz="3200" dirty="0" smtClean="0">
+                <a:latin typeface="Arial Black" panose="020B0A04020102020204" pitchFamily="34" charset="0"/>
+                <a:ea typeface="微软雅黑" panose="020B0503020204020204" pitchFamily="34" charset="-122"/>
+              </a:rPr>
+              <a:t>1</a:t>
+            </a:r>
+            <a:endParaRPr lang="zh-CN" altLang="en-US" sz="3200" dirty="0">
+              <a:latin typeface="Arial Black" panose="020B0A04020102020204" pitchFamily="34" charset="0"/>
+              <a:ea typeface="微软雅黑" panose="020B0503020204020204" pitchFamily="34" charset="-122"/>
+            </a:endParaRPr>
+          </a:p>
+        </p:txBody>
+      </p:sp>
+      <p:sp>
+        <p:nvSpPr>
+          <p:cNvPr id="17" name="Oval 16"/>
+          <p:cNvSpPr/>
+          <p:nvPr/>
+        </p:nvSpPr>
+        <p:spPr>
+          <a:xfrm>
+            <a:off x="3044551" y="3843271"/>
+            <a:ext cx="538085" cy="538085"/>
+          </a:xfrm>
+          <a:prstGeom prst="ellipse">
+            <a:avLst/>
+          </a:prstGeom>
+        </p:spPr>
+        <p:style>
+          <a:lnRef idx="2">
+            <a:schemeClr val="accent2">
+              <a:shade val="50000"/>
+            </a:schemeClr>
+          </a:lnRef>
+          <a:fillRef idx="1">
+            <a:schemeClr val="accent2"/>
+          </a:fillRef>
+          <a:effectRef idx="0">
+            <a:schemeClr val="accent2"/>
+          </a:effectRef>
+          <a:fontRef idx="minor">
+            <a:schemeClr val="lt1"/>
+          </a:fontRef>
+        </p:style>
+        <p:txBody>
+          <a:bodyPr rtlCol="0" anchor="ctr"/>
+          <a:lstStyle/>
+          <a:p>
+            <a:pPr algn="ctr"/>
+            <a:r>
+              <a:rPr lang="en-US" altLang="zh-CN" sz="3200" dirty="0" smtClean="0">
+                <a:latin typeface="Arial Black" panose="020B0A04020102020204" pitchFamily="34" charset="0"/>
+                <a:ea typeface="微软雅黑" panose="020B0503020204020204" pitchFamily="34" charset="-122"/>
+              </a:rPr>
+              <a:t>2</a:t>
+            </a:r>
+            <a:endParaRPr lang="zh-CN" altLang="en-US" sz="3200" dirty="0">
+              <a:latin typeface="Arial Black" panose="020B0A04020102020204" pitchFamily="34" charset="0"/>
+              <a:ea typeface="微软雅黑" panose="020B0503020204020204" pitchFamily="34" charset="-122"/>
+            </a:endParaRPr>
+          </a:p>
+        </p:txBody>
+      </p:sp>
+      <p:sp>
+        <p:nvSpPr>
+          <p:cNvPr id="18" name="Oval 17"/>
+          <p:cNvSpPr/>
+          <p:nvPr/>
+        </p:nvSpPr>
+        <p:spPr>
+          <a:xfrm>
+            <a:off x="9938504" y="2244648"/>
+            <a:ext cx="538085" cy="538085"/>
+          </a:xfrm>
+          <a:prstGeom prst="ellipse">
+            <a:avLst/>
+          </a:prstGeom>
+        </p:spPr>
+        <p:style>
+          <a:lnRef idx="2">
+            <a:schemeClr val="accent2">
+              <a:shade val="50000"/>
+            </a:schemeClr>
+          </a:lnRef>
+          <a:fillRef idx="1">
+            <a:schemeClr val="accent2"/>
+          </a:fillRef>
+          <a:effectRef idx="0">
+            <a:schemeClr val="accent2"/>
+          </a:effectRef>
+          <a:fontRef idx="minor">
+            <a:schemeClr val="lt1"/>
+          </a:fontRef>
+        </p:style>
+        <p:txBody>
+          <a:bodyPr rtlCol="0" anchor="ctr"/>
+          <a:lstStyle/>
+          <a:p>
+            <a:pPr algn="ctr"/>
+            <a:r>
+              <a:rPr lang="en-US" altLang="zh-CN" sz="3200" dirty="0" smtClean="0">
+                <a:latin typeface="Arial Black" panose="020B0A04020102020204" pitchFamily="34" charset="0"/>
+                <a:ea typeface="微软雅黑" panose="020B0503020204020204" pitchFamily="34" charset="-122"/>
+              </a:rPr>
+              <a:t>3</a:t>
+            </a:r>
+            <a:endParaRPr lang="zh-CN" altLang="en-US" sz="3200" dirty="0">
+              <a:latin typeface="Arial Black" panose="020B0A04020102020204" pitchFamily="34" charset="0"/>
+              <a:ea typeface="微软雅黑" panose="020B0503020204020204" pitchFamily="34" charset="-122"/>
+            </a:endParaRPr>
+          </a:p>
+        </p:txBody>
+      </p:sp>
+      <p:sp>
+        <p:nvSpPr>
+          <p:cNvPr id="19" name="Oval 18"/>
+          <p:cNvSpPr/>
+          <p:nvPr/>
+        </p:nvSpPr>
+        <p:spPr>
+          <a:xfrm>
+            <a:off x="9407328" y="4884453"/>
+            <a:ext cx="538085" cy="538085"/>
+          </a:xfrm>
+          <a:prstGeom prst="ellipse">
+            <a:avLst/>
+          </a:prstGeom>
+        </p:spPr>
+        <p:style>
+          <a:lnRef idx="2">
+            <a:schemeClr val="accent2">
+              <a:shade val="50000"/>
+            </a:schemeClr>
+          </a:lnRef>
+          <a:fillRef idx="1">
+            <a:schemeClr val="accent2"/>
+          </a:fillRef>
+          <a:effectRef idx="0">
+            <a:schemeClr val="accent2"/>
+          </a:effectRef>
+          <a:fontRef idx="minor">
+            <a:schemeClr val="lt1"/>
+          </a:fontRef>
+        </p:style>
+        <p:txBody>
+          <a:bodyPr rtlCol="0" anchor="ctr"/>
+          <a:lstStyle/>
+          <a:p>
+            <a:pPr algn="ctr"/>
+            <a:r>
+              <a:rPr lang="en-US" altLang="zh-CN" sz="3200" dirty="0" smtClean="0">
+                <a:latin typeface="Arial Black" panose="020B0A04020102020204" pitchFamily="34" charset="0"/>
+                <a:ea typeface="微软雅黑" panose="020B0503020204020204" pitchFamily="34" charset="-122"/>
+              </a:rPr>
+              <a:t>4</a:t>
+            </a:r>
+            <a:endParaRPr lang="zh-CN" altLang="en-US" sz="3200" dirty="0">
+              <a:latin typeface="Arial Black" panose="020B0A04020102020204" pitchFamily="34" charset="0"/>
+              <a:ea typeface="微软雅黑" panose="020B0503020204020204" pitchFamily="34" charset="-122"/>
+            </a:endParaRPr>
+          </a:p>
+        </p:txBody>
+      </p:sp>
+      <p:sp>
+        <p:nvSpPr>
+          <p:cNvPr id="20" name="Right Arrow 19"/>
+          <p:cNvSpPr/>
+          <p:nvPr/>
+        </p:nvSpPr>
+        <p:spPr>
+          <a:xfrm rot="10800000">
+            <a:off x="5502143" y="5297734"/>
+            <a:ext cx="1155135" cy="249608"/>
+          </a:xfrm>
+          <a:prstGeom prst="rightArrow">
+            <a:avLst>
+              <a:gd name="adj1" fmla="val 20494"/>
+              <a:gd name="adj2" fmla="val 113565"/>
+            </a:avLst>
+          </a:prstGeom>
+          <a:solidFill>
+            <a:schemeClr val="accent2"/>
+          </a:solidFill>
+          <a:ln>
+            <a:solidFill>
+              <a:srgbClr val="FFC000"/>
+            </a:solidFill>
+          </a:ln>
+        </p:spPr>
+        <p:style>
+          <a:lnRef idx="2">
+            <a:schemeClr val="accent1">
+              <a:shade val="50000"/>
+            </a:schemeClr>
+          </a:lnRef>
+          <a:fillRef idx="1">
+            <a:schemeClr val="accent1"/>
+          </a:fillRef>
+          <a:effectRef idx="0">
+            <a:schemeClr val="accent1"/>
+          </a:effectRef>
+          <a:fontRef idx="minor">
+            <a:schemeClr val="lt1"/>
+          </a:fontRef>
+        </p:style>
+        <p:txBody>
+          <a:bodyPr rtlCol="0" anchor="ctr"/>
+          <a:lstStyle/>
+          <a:p>
+            <a:pPr algn="ctr"/>
+            <a:endParaRPr lang="zh-CN" altLang="en-US">
+              <a:solidFill>
+                <a:srgbClr val="00B050"/>
+              </a:solidFill>
+            </a:endParaRPr>
+          </a:p>
+        </p:txBody>
+      </p:sp>
+      <p:pic>
+        <p:nvPicPr>
+          <p:cNvPr id="21" name="Picture 20" descr="Screen Clipping"/>
+          <p:cNvPicPr>
+            <a:picLocks noChangeAspect="1"/>
+          </p:cNvPicPr>
+          <p:nvPr/>
+        </p:nvPicPr>
+        <p:blipFill>
+          <a:blip r:embed="rId6">
+            <a:extLst>
+              <a:ext uri="{28A0092B-C50C-407E-A947-70E740481C1C}">
+                <a14:useLocalDpi xmlns:a14="http://schemas.microsoft.com/office/drawing/2010/main" val="0"/>
+              </a:ext>
+            </a:extLst>
+          </a:blip>
+          <a:stretch>
+            <a:fillRect/>
+          </a:stretch>
+        </p:blipFill>
+        <p:spPr>
+          <a:xfrm>
+            <a:off x="4788614" y="5093879"/>
+            <a:ext cx="581106" cy="657317"/>
+          </a:xfrm>
+          <a:prstGeom prst="rect">
+            <a:avLst/>
+          </a:prstGeom>
+        </p:spPr>
+      </p:pic>
+      <p:pic>
+        <p:nvPicPr>
+          <p:cNvPr id="22" name="Picture 21" descr="Screen Clipping"/>
+          <p:cNvPicPr>
+            <a:picLocks noChangeAspect="1"/>
+          </p:cNvPicPr>
+          <p:nvPr/>
+        </p:nvPicPr>
+        <p:blipFill>
+          <a:blip r:embed="rId7">
+            <a:extLst>
+              <a:ext uri="{28A0092B-C50C-407E-A947-70E740481C1C}">
+                <a14:useLocalDpi xmlns:a14="http://schemas.microsoft.com/office/drawing/2010/main" val="0"/>
+              </a:ext>
+            </a:extLst>
+          </a:blip>
+          <a:stretch>
+            <a:fillRect/>
+          </a:stretch>
+        </p:blipFill>
+        <p:spPr>
+          <a:xfrm>
+            <a:off x="3214175" y="4558678"/>
+            <a:ext cx="1190791" cy="1771897"/>
+          </a:xfrm>
+          <a:prstGeom prst="rect">
+            <a:avLst/>
+          </a:prstGeom>
+          <a:ln>
+            <a:solidFill>
+              <a:srgbClr val="00B0F0"/>
+            </a:solidFill>
+          </a:ln>
+        </p:spPr>
+      </p:pic>
+      <p:sp>
+        <p:nvSpPr>
+          <p:cNvPr id="23" name="Rectangle 22"/>
+          <p:cNvSpPr/>
+          <p:nvPr/>
+        </p:nvSpPr>
+        <p:spPr>
+          <a:xfrm>
+            <a:off x="2469752" y="5860823"/>
+            <a:ext cx="2485205" cy="215502"/>
+          </a:xfrm>
+          <a:prstGeom prst="rect">
+            <a:avLst/>
+          </a:prstGeom>
+          <a:noFill/>
+          <a:ln>
+            <a:solidFill>
+              <a:srgbClr val="FF0000"/>
+            </a:solidFill>
+          </a:ln>
+        </p:spPr>
+        <p:style>
+          <a:lnRef idx="2">
+            <a:schemeClr val="accent1">
+              <a:shade val="50000"/>
+            </a:schemeClr>
+          </a:lnRef>
+          <a:fillRef idx="1">
+            <a:schemeClr val="accent1"/>
+          </a:fillRef>
+          <a:effectRef idx="0">
+            <a:schemeClr val="accent1"/>
+          </a:effectRef>
+          <a:fontRef idx="minor">
+            <a:schemeClr val="lt1"/>
+          </a:fontRef>
+        </p:style>
+        <p:txBody>
+          <a:bodyPr rtlCol="0" anchor="ctr"/>
+          <a:lstStyle/>
+          <a:p>
+            <a:pPr algn="ctr"/>
+            <a:endParaRPr lang="zh-CN" altLang="en-US"/>
+          </a:p>
+        </p:txBody>
+      </p:sp>
+      <p:sp>
+        <p:nvSpPr>
+          <p:cNvPr id="24" name="TextBox 23"/>
+          <p:cNvSpPr txBox="1"/>
+          <p:nvPr/>
+        </p:nvSpPr>
+        <p:spPr>
+          <a:xfrm>
+            <a:off x="454290" y="5860823"/>
+            <a:ext cx="2646878" cy="584775"/>
+          </a:xfrm>
+          <a:prstGeom prst="rect">
+            <a:avLst/>
+          </a:prstGeom>
+          <a:noFill/>
+        </p:spPr>
+        <p:txBody>
+          <a:bodyPr wrap="none" rtlCol="0">
+            <a:spAutoFit/>
+          </a:bodyPr>
+          <a:lstStyle/>
+          <a:p>
+            <a:r>
+              <a:rPr lang="zh-CN" altLang="en-US" sz="1600" b="1" dirty="0">
+                <a:solidFill>
+                  <a:srgbClr val="C00000"/>
+                </a:solidFill>
+              </a:rPr>
+              <a:t>推</a:t>
+            </a:r>
+            <a:r>
+              <a:rPr lang="zh-CN" altLang="en-US" sz="1600" b="1" dirty="0" smtClean="0">
+                <a:solidFill>
+                  <a:srgbClr val="C00000"/>
+                </a:solidFill>
+              </a:rPr>
+              <a:t>送成功后远程仓库会发现</a:t>
+            </a:r>
+            <a:endParaRPr lang="en-US" altLang="zh-CN" sz="1600" b="1" dirty="0" smtClean="0">
+              <a:solidFill>
+                <a:srgbClr val="C00000"/>
+              </a:solidFill>
+            </a:endParaRPr>
+          </a:p>
+          <a:p>
+            <a:r>
+              <a:rPr lang="zh-CN" altLang="en-US" sz="1600" b="1" dirty="0" smtClean="0">
+                <a:solidFill>
+                  <a:srgbClr val="C00000"/>
+                </a:solidFill>
+              </a:rPr>
+              <a:t>新的功能</a:t>
+            </a:r>
+            <a:r>
+              <a:rPr lang="en-US" altLang="zh-CN" sz="1600" b="1" dirty="0" smtClean="0">
+                <a:solidFill>
+                  <a:srgbClr val="C00000"/>
+                </a:solidFill>
+              </a:rPr>
+              <a:t>G7U2</a:t>
+            </a:r>
+            <a:endParaRPr lang="zh-CN" altLang="en-US" sz="1600" b="1" dirty="0">
+              <a:solidFill>
+                <a:srgbClr val="C00000"/>
+              </a:solidFill>
+            </a:endParaRPr>
+          </a:p>
+        </p:txBody>
+      </p:sp>
+      <p:sp>
+        <p:nvSpPr>
+          <p:cNvPr id="25" name="Oval 24"/>
+          <p:cNvSpPr/>
+          <p:nvPr/>
+        </p:nvSpPr>
+        <p:spPr>
+          <a:xfrm>
+            <a:off x="2775508" y="5145416"/>
+            <a:ext cx="538085" cy="538085"/>
+          </a:xfrm>
+          <a:prstGeom prst="ellipse">
+            <a:avLst/>
+          </a:prstGeom>
+        </p:spPr>
+        <p:style>
+          <a:lnRef idx="2">
+            <a:schemeClr val="accent2">
+              <a:shade val="50000"/>
+            </a:schemeClr>
+          </a:lnRef>
+          <a:fillRef idx="1">
+            <a:schemeClr val="accent2"/>
+          </a:fillRef>
+          <a:effectRef idx="0">
+            <a:schemeClr val="accent2"/>
+          </a:effectRef>
+          <a:fontRef idx="minor">
+            <a:schemeClr val="lt1"/>
+          </a:fontRef>
+        </p:style>
+        <p:txBody>
+          <a:bodyPr rtlCol="0" anchor="ctr"/>
+          <a:lstStyle/>
+          <a:p>
+            <a:pPr algn="ctr"/>
+            <a:r>
+              <a:rPr lang="en-US" altLang="zh-CN" sz="3200" dirty="0" smtClean="0">
+                <a:latin typeface="Arial Black" panose="020B0A04020102020204" pitchFamily="34" charset="0"/>
+                <a:ea typeface="微软雅黑" panose="020B0503020204020204" pitchFamily="34" charset="-122"/>
+              </a:rPr>
+              <a:t>5</a:t>
+            </a:r>
+            <a:endParaRPr lang="zh-CN" altLang="en-US" sz="3200" dirty="0">
+              <a:latin typeface="Arial Black" panose="020B0A04020102020204" pitchFamily="34" charset="0"/>
+              <a:ea typeface="微软雅黑" panose="020B0503020204020204" pitchFamily="34" charset="-122"/>
+            </a:endParaRPr>
+          </a:p>
+        </p:txBody>
+      </p:sp>
+    </p:spTree>
+    <p:extLst>
+      <p:ext uri="{BB962C8B-B14F-4D97-AF65-F5344CB8AC3E}">
+        <p14:creationId xmlns:p14="http://schemas.microsoft.com/office/powerpoint/2010/main" val="1956280465"/>
+      </p:ext>
+    </p:extLst>
+  </p:cSld>
+  <p:clrMapOvr>
+    <a:masterClrMapping/>
+  </p:clrMapOvr>
+  <p:timing>
+    <p:tnLst>
+      <p:par>
+        <p:cTn id="1" dur="indefinite" restart="never" nodeType="tmRoot"/>
+      </p:par>
+    </p:tnLst>
+  </p:timing>
+</p:sld>
+</file>
+
+<file path=ppt/slides/slide21.xml><?xml version="1.0" encoding="utf-8"?>
+<p:sld xmlns:a="http://schemas.openxmlformats.org/drawingml/2006/main" xmlns:r="http://schemas.openxmlformats.org/officeDocument/2006/relationships" xmlns:p="http://schemas.openxmlformats.org/presentationml/2006/main">
+  <p:cSld>
+    <p:spTree>
+      <p:nvGrpSpPr>
+        <p:cNvPr id="1" name=""/>
+        <p:cNvGrpSpPr/>
+        <p:nvPr/>
+      </p:nvGrpSpPr>
+      <p:grpSpPr>
+        <a:xfrm>
+          <a:off x="0" y="0"/>
+          <a:ext cx="0" cy="0"/>
+          <a:chOff x="0" y="0"/>
+          <a:chExt cx="0" cy="0"/>
+        </a:xfrm>
+      </p:grpSpPr>
+      <p:sp>
+        <p:nvSpPr>
+          <p:cNvPr id="3" name="Title 2"/>
+          <p:cNvSpPr txBox="1">
+            <a:spLocks noGrp="1"/>
+          </p:cNvSpPr>
+          <p:nvPr>
+            <p:ph type="title"/>
+          </p:nvPr>
+        </p:nvSpPr>
+        <p:spPr>
+          <a:xfrm>
+            <a:off x="849651" y="672236"/>
+            <a:ext cx="4927887" cy="646331"/>
+          </a:xfrm>
+          <a:prstGeom prst="rect">
+            <a:avLst/>
+          </a:prstGeom>
+          <a:noFill/>
+        </p:spPr>
+        <p:txBody>
+          <a:bodyPr wrap="none" rtlCol="0">
+            <a:spAutoFit/>
+          </a:bodyPr>
+          <a:lstStyle/>
+          <a:p>
+            <a:r>
+              <a:rPr lang="en-US" altLang="zh-CN" sz="4000" dirty="0" err="1" smtClean="0">
+                <a:solidFill>
+                  <a:srgbClr val="0070C0"/>
+                </a:solidFill>
+                <a:latin typeface="微软雅黑" panose="020B0503020204020204" pitchFamily="34" charset="-122"/>
+                <a:ea typeface="微软雅黑" panose="020B0503020204020204" pitchFamily="34" charset="-122"/>
+              </a:rPr>
+              <a:t>SourceTree</a:t>
+            </a:r>
+            <a:r>
+              <a:rPr lang="zh-CN" altLang="en-US" sz="4000" dirty="0" smtClean="0">
+                <a:solidFill>
+                  <a:srgbClr val="0070C0"/>
+                </a:solidFill>
+                <a:latin typeface="微软雅黑" panose="020B0503020204020204" pitchFamily="34" charset="-122"/>
+                <a:ea typeface="微软雅黑" panose="020B0503020204020204" pitchFamily="34" charset="-122"/>
+              </a:rPr>
+              <a:t>简单教程</a:t>
+            </a:r>
+            <a:endParaRPr lang="zh-CN" altLang="en-US" sz="4000" dirty="0">
+              <a:solidFill>
+                <a:srgbClr val="0070C0"/>
+              </a:solidFill>
+              <a:latin typeface="微软雅黑" panose="020B0503020204020204" pitchFamily="34" charset="-122"/>
+              <a:ea typeface="微软雅黑" panose="020B0503020204020204" pitchFamily="34" charset="-122"/>
+            </a:endParaRPr>
+          </a:p>
+        </p:txBody>
+      </p:sp>
+      <p:sp>
+        <p:nvSpPr>
+          <p:cNvPr id="4" name="TextBox 3"/>
+          <p:cNvSpPr txBox="1"/>
+          <p:nvPr/>
+        </p:nvSpPr>
+        <p:spPr>
+          <a:xfrm>
+            <a:off x="849651" y="1483445"/>
+            <a:ext cx="1385316" cy="369332"/>
+          </a:xfrm>
+          <a:prstGeom prst="rect">
+            <a:avLst/>
+          </a:prstGeom>
+          <a:noFill/>
+        </p:spPr>
+        <p:txBody>
+          <a:bodyPr wrap="none" rtlCol="0">
+            <a:spAutoFit/>
+          </a:bodyPr>
+          <a:lstStyle/>
+          <a:p>
+            <a:r>
+              <a:rPr lang="en-US" altLang="zh-CN" b="1" dirty="0" smtClean="0">
+                <a:solidFill>
+                  <a:srgbClr val="C00000"/>
+                </a:solidFill>
+                <a:latin typeface="微软雅黑" panose="020B0503020204020204" pitchFamily="34" charset="-122"/>
+                <a:ea typeface="微软雅黑" panose="020B0503020204020204" pitchFamily="34" charset="-122"/>
+              </a:rPr>
+              <a:t>4. </a:t>
+            </a:r>
+            <a:r>
+              <a:rPr lang="zh-CN" altLang="en-US" b="1" dirty="0" smtClean="0">
+                <a:solidFill>
+                  <a:srgbClr val="C00000"/>
+                </a:solidFill>
+                <a:latin typeface="微软雅黑" panose="020B0503020204020204" pitchFamily="34" charset="-122"/>
+                <a:ea typeface="微软雅黑" panose="020B0503020204020204" pitchFamily="34" charset="-122"/>
+              </a:rPr>
+              <a:t>本地编辑</a:t>
+            </a:r>
+            <a:endParaRPr lang="zh-CN" altLang="en-US" b="1" dirty="0">
+              <a:solidFill>
+                <a:srgbClr val="C00000"/>
+              </a:solidFill>
+              <a:latin typeface="微软雅黑" panose="020B0503020204020204" pitchFamily="34" charset="-122"/>
+              <a:ea typeface="微软雅黑" panose="020B0503020204020204" pitchFamily="34" charset="-122"/>
+            </a:endParaRPr>
+          </a:p>
+        </p:txBody>
+      </p:sp>
+      <p:pic>
+        <p:nvPicPr>
+          <p:cNvPr id="2" name="Picture 1" descr="SourceTree"/>
+          <p:cNvPicPr>
+            <a:picLocks noChangeAspect="1"/>
+          </p:cNvPicPr>
+          <p:nvPr/>
+        </p:nvPicPr>
+        <p:blipFill>
+          <a:blip r:embed="rId2" cstate="print">
+            <a:extLst>
+              <a:ext uri="{28A0092B-C50C-407E-A947-70E740481C1C}">
+                <a14:useLocalDpi xmlns:a14="http://schemas.microsoft.com/office/drawing/2010/main" val="0"/>
+              </a:ext>
+            </a:extLst>
+          </a:blip>
+          <a:stretch>
+            <a:fillRect/>
+          </a:stretch>
+        </p:blipFill>
+        <p:spPr>
+          <a:xfrm>
+            <a:off x="877152" y="2522691"/>
+            <a:ext cx="4251758" cy="3041642"/>
+          </a:xfrm>
+          <a:prstGeom prst="rect">
+            <a:avLst/>
+          </a:prstGeom>
+        </p:spPr>
+      </p:pic>
+      <p:sp>
+        <p:nvSpPr>
+          <p:cNvPr id="12" name="Rounded Rectangular Callout 11"/>
+          <p:cNvSpPr/>
+          <p:nvPr/>
+        </p:nvSpPr>
+        <p:spPr>
+          <a:xfrm>
+            <a:off x="2138148" y="5284999"/>
+            <a:ext cx="422172" cy="279334"/>
+          </a:xfrm>
+          <a:prstGeom prst="wedgeRoundRectCallout">
+            <a:avLst>
+              <a:gd name="adj1" fmla="val -104922"/>
+              <a:gd name="adj2" fmla="val 251208"/>
+              <a:gd name="adj3" fmla="val 16667"/>
+            </a:avLst>
+          </a:prstGeom>
+          <a:noFill/>
+          <a:ln w="19050">
+            <a:solidFill>
+              <a:srgbClr val="FF0000"/>
+            </a:solidFill>
+          </a:ln>
+        </p:spPr>
+        <p:style>
+          <a:lnRef idx="2">
+            <a:schemeClr val="accent1">
+              <a:shade val="50000"/>
+            </a:schemeClr>
+          </a:lnRef>
+          <a:fillRef idx="1">
+            <a:schemeClr val="accent1"/>
+          </a:fillRef>
+          <a:effectRef idx="0">
+            <a:schemeClr val="accent1"/>
+          </a:effectRef>
+          <a:fontRef idx="minor">
+            <a:schemeClr val="lt1"/>
+          </a:fontRef>
+        </p:style>
+        <p:txBody>
+          <a:bodyPr rtlCol="0" anchor="ctr"/>
+          <a:lstStyle/>
+          <a:p>
+            <a:pPr algn="ctr"/>
+            <a:endParaRPr lang="zh-CN" altLang="en-US"/>
+          </a:p>
+        </p:txBody>
+      </p:sp>
+      <p:sp>
+        <p:nvSpPr>
+          <p:cNvPr id="15" name="TextBox 14"/>
+          <p:cNvSpPr txBox="1"/>
+          <p:nvPr/>
+        </p:nvSpPr>
+        <p:spPr>
+          <a:xfrm>
+            <a:off x="1356949" y="6049581"/>
+            <a:ext cx="1107996" cy="369332"/>
+          </a:xfrm>
+          <a:prstGeom prst="rect">
+            <a:avLst/>
+          </a:prstGeom>
+          <a:noFill/>
+        </p:spPr>
+        <p:txBody>
+          <a:bodyPr wrap="none" rtlCol="0">
+            <a:spAutoFit/>
+          </a:bodyPr>
+          <a:lstStyle/>
+          <a:p>
+            <a:r>
+              <a:rPr lang="zh-CN" altLang="en-US" dirty="0">
+                <a:solidFill>
+                  <a:srgbClr val="0070C0"/>
+                </a:solidFill>
+              </a:rPr>
+              <a:t>文件状态</a:t>
+            </a:r>
+          </a:p>
+        </p:txBody>
+      </p:sp>
+      <p:pic>
+        <p:nvPicPr>
+          <p:cNvPr id="16" name="Picture 15" descr="SourceTree"/>
+          <p:cNvPicPr>
+            <a:picLocks noChangeAspect="1"/>
+          </p:cNvPicPr>
+          <p:nvPr/>
+        </p:nvPicPr>
+        <p:blipFill>
+          <a:blip r:embed="rId3" cstate="print">
+            <a:extLst>
+              <a:ext uri="{28A0092B-C50C-407E-A947-70E740481C1C}">
+                <a14:useLocalDpi xmlns:a14="http://schemas.microsoft.com/office/drawing/2010/main" val="0"/>
+              </a:ext>
+            </a:extLst>
+          </a:blip>
+          <a:stretch>
+            <a:fillRect/>
+          </a:stretch>
+        </p:blipFill>
+        <p:spPr>
+          <a:xfrm>
+            <a:off x="6096000" y="2522692"/>
+            <a:ext cx="4251757" cy="3041641"/>
+          </a:xfrm>
+          <a:prstGeom prst="rect">
+            <a:avLst/>
+          </a:prstGeom>
+        </p:spPr>
+      </p:pic>
+      <p:sp>
+        <p:nvSpPr>
+          <p:cNvPr id="17" name="Rounded Rectangular Callout 16"/>
+          <p:cNvSpPr/>
+          <p:nvPr/>
+        </p:nvSpPr>
+        <p:spPr>
+          <a:xfrm>
+            <a:off x="8368618" y="4146481"/>
+            <a:ext cx="1012049" cy="279334"/>
+          </a:xfrm>
+          <a:prstGeom prst="wedgeRoundRectCallout">
+            <a:avLst>
+              <a:gd name="adj1" fmla="val -12445"/>
+              <a:gd name="adj2" fmla="val 593963"/>
+              <a:gd name="adj3" fmla="val 16667"/>
+            </a:avLst>
+          </a:prstGeom>
+          <a:noFill/>
+          <a:ln w="19050">
+            <a:solidFill>
+              <a:srgbClr val="FF0000"/>
+            </a:solidFill>
+          </a:ln>
+        </p:spPr>
+        <p:style>
+          <a:lnRef idx="2">
+            <a:schemeClr val="accent1">
+              <a:shade val="50000"/>
+            </a:schemeClr>
+          </a:lnRef>
+          <a:fillRef idx="1">
+            <a:schemeClr val="accent1"/>
+          </a:fillRef>
+          <a:effectRef idx="0">
+            <a:schemeClr val="accent1"/>
+          </a:effectRef>
+          <a:fontRef idx="minor">
+            <a:schemeClr val="lt1"/>
+          </a:fontRef>
+        </p:style>
+        <p:txBody>
+          <a:bodyPr rtlCol="0" anchor="ctr"/>
+          <a:lstStyle/>
+          <a:p>
+            <a:pPr algn="ctr"/>
+            <a:endParaRPr lang="zh-CN" altLang="en-US"/>
+          </a:p>
+        </p:txBody>
+      </p:sp>
+      <p:sp>
+        <p:nvSpPr>
+          <p:cNvPr id="18" name="TextBox 17"/>
+          <p:cNvSpPr txBox="1"/>
+          <p:nvPr/>
+        </p:nvSpPr>
+        <p:spPr>
+          <a:xfrm>
+            <a:off x="7426055" y="6049604"/>
+            <a:ext cx="2723823" cy="369332"/>
+          </a:xfrm>
+          <a:prstGeom prst="rect">
+            <a:avLst/>
+          </a:prstGeom>
+          <a:noFill/>
+        </p:spPr>
+        <p:txBody>
+          <a:bodyPr wrap="none" rtlCol="0">
+            <a:spAutoFit/>
+          </a:bodyPr>
+          <a:lstStyle/>
+          <a:p>
+            <a:r>
+              <a:rPr lang="zh-CN" altLang="en-US" dirty="0" smtClean="0">
+                <a:solidFill>
+                  <a:srgbClr val="0070C0"/>
+                </a:solidFill>
+              </a:rPr>
+              <a:t>在文件资源管理器中打开</a:t>
+            </a:r>
+            <a:endParaRPr lang="zh-CN" altLang="en-US" dirty="0">
+              <a:solidFill>
+                <a:srgbClr val="0070C0"/>
+              </a:solidFill>
+            </a:endParaRPr>
+          </a:p>
+        </p:txBody>
+      </p:sp>
+      <p:sp>
+        <p:nvSpPr>
+          <p:cNvPr id="11" name="TextBox 10"/>
+          <p:cNvSpPr txBox="1"/>
+          <p:nvPr/>
+        </p:nvSpPr>
+        <p:spPr>
+          <a:xfrm>
+            <a:off x="877152" y="2065579"/>
+            <a:ext cx="8565711" cy="369332"/>
+          </a:xfrm>
+          <a:prstGeom prst="rect">
+            <a:avLst/>
+          </a:prstGeom>
+          <a:noFill/>
+        </p:spPr>
+        <p:txBody>
+          <a:bodyPr wrap="square" rtlCol="0">
+            <a:spAutoFit/>
+          </a:bodyPr>
+          <a:lstStyle/>
+          <a:p>
+            <a:r>
+              <a:rPr lang="zh-CN" altLang="en-US" b="1" dirty="0" smtClean="0">
+                <a:solidFill>
+                  <a:srgbClr val="00B050"/>
+                </a:solidFill>
+              </a:rPr>
+              <a:t>双击分支下的“</a:t>
+            </a:r>
+            <a:r>
+              <a:rPr lang="en-US" altLang="zh-CN" b="1" dirty="0" smtClean="0">
+                <a:solidFill>
+                  <a:srgbClr val="00B050"/>
+                </a:solidFill>
+              </a:rPr>
+              <a:t>G7U2</a:t>
+            </a:r>
+            <a:r>
+              <a:rPr lang="zh-CN" altLang="en-US" b="1" dirty="0" smtClean="0">
+                <a:solidFill>
+                  <a:srgbClr val="00B050"/>
+                </a:solidFill>
+              </a:rPr>
+              <a:t>”，使其作为当前分支，然后开始本地编辑</a:t>
+            </a:r>
+            <a:endParaRPr lang="zh-CN" altLang="en-US" b="1" dirty="0">
+              <a:solidFill>
+                <a:srgbClr val="00B050"/>
+              </a:solidFill>
+            </a:endParaRPr>
+          </a:p>
+        </p:txBody>
+      </p:sp>
+    </p:spTree>
+    <p:extLst>
+      <p:ext uri="{BB962C8B-B14F-4D97-AF65-F5344CB8AC3E}">
+        <p14:creationId xmlns:p14="http://schemas.microsoft.com/office/powerpoint/2010/main" val="1450396407"/>
+      </p:ext>
+    </p:extLst>
+  </p:cSld>
+  <p:clrMapOvr>
+    <a:masterClrMapping/>
+  </p:clrMapOvr>
+  <p:timing>
+    <p:tnLst>
+      <p:par>
+        <p:cTn id="1" dur="indefinite" restart="never" nodeType="tmRoot"/>
+      </p:par>
+    </p:tnLst>
+  </p:timing>
+</p:sld>
+</file>
+
+<file path=ppt/slides/slide22.xml><?xml version="1.0" encoding="utf-8"?>
+<p:sld xmlns:a="http://schemas.openxmlformats.org/drawingml/2006/main" xmlns:r="http://schemas.openxmlformats.org/officeDocument/2006/relationships" xmlns:p="http://schemas.openxmlformats.org/presentationml/2006/main">
+  <p:cSld>
+    <p:spTree>
+      <p:nvGrpSpPr>
+        <p:cNvPr id="1" name=""/>
+        <p:cNvGrpSpPr/>
+        <p:nvPr/>
+      </p:nvGrpSpPr>
+      <p:grpSpPr>
+        <a:xfrm>
+          <a:off x="0" y="0"/>
+          <a:ext cx="0" cy="0"/>
+          <a:chOff x="0" y="0"/>
+          <a:chExt cx="0" cy="0"/>
+        </a:xfrm>
+      </p:grpSpPr>
+      <p:sp>
+        <p:nvSpPr>
+          <p:cNvPr id="3" name="Title 2"/>
+          <p:cNvSpPr txBox="1">
+            <a:spLocks noGrp="1"/>
+          </p:cNvSpPr>
+          <p:nvPr>
+            <p:ph type="title"/>
+          </p:nvPr>
+        </p:nvSpPr>
+        <p:spPr>
+          <a:xfrm>
+            <a:off x="849651" y="672236"/>
+            <a:ext cx="4927887" cy="646331"/>
+          </a:xfrm>
+          <a:prstGeom prst="rect">
+            <a:avLst/>
+          </a:prstGeom>
+          <a:noFill/>
+        </p:spPr>
+        <p:txBody>
+          <a:bodyPr wrap="none" rtlCol="0">
+            <a:spAutoFit/>
+          </a:bodyPr>
+          <a:lstStyle/>
+          <a:p>
+            <a:r>
+              <a:rPr lang="en-US" altLang="zh-CN" sz="4000" dirty="0" err="1" smtClean="0">
+                <a:solidFill>
+                  <a:srgbClr val="0070C0"/>
+                </a:solidFill>
+                <a:latin typeface="微软雅黑" panose="020B0503020204020204" pitchFamily="34" charset="-122"/>
+                <a:ea typeface="微软雅黑" panose="020B0503020204020204" pitchFamily="34" charset="-122"/>
+              </a:rPr>
+              <a:t>SourceTree</a:t>
+            </a:r>
+            <a:r>
+              <a:rPr lang="zh-CN" altLang="en-US" sz="4000" dirty="0" smtClean="0">
+                <a:solidFill>
+                  <a:srgbClr val="0070C0"/>
+                </a:solidFill>
+                <a:latin typeface="微软雅黑" panose="020B0503020204020204" pitchFamily="34" charset="-122"/>
+                <a:ea typeface="微软雅黑" panose="020B0503020204020204" pitchFamily="34" charset="-122"/>
+              </a:rPr>
+              <a:t>简单教程</a:t>
+            </a:r>
+            <a:endParaRPr lang="zh-CN" altLang="en-US" sz="4000" dirty="0">
+              <a:solidFill>
+                <a:srgbClr val="0070C0"/>
+              </a:solidFill>
+              <a:latin typeface="微软雅黑" panose="020B0503020204020204" pitchFamily="34" charset="-122"/>
+              <a:ea typeface="微软雅黑" panose="020B0503020204020204" pitchFamily="34" charset="-122"/>
+            </a:endParaRPr>
+          </a:p>
+        </p:txBody>
+      </p:sp>
+      <p:sp>
+        <p:nvSpPr>
+          <p:cNvPr id="4" name="TextBox 3"/>
+          <p:cNvSpPr txBox="1"/>
+          <p:nvPr/>
+        </p:nvSpPr>
+        <p:spPr>
+          <a:xfrm>
+            <a:off x="849651" y="1483445"/>
+            <a:ext cx="1385316" cy="369332"/>
+          </a:xfrm>
+          <a:prstGeom prst="rect">
+            <a:avLst/>
+          </a:prstGeom>
+          <a:noFill/>
+        </p:spPr>
+        <p:txBody>
+          <a:bodyPr wrap="none" rtlCol="0">
+            <a:spAutoFit/>
+          </a:bodyPr>
+          <a:lstStyle/>
+          <a:p>
+            <a:r>
+              <a:rPr lang="en-US" altLang="zh-CN" b="1" dirty="0" smtClean="0">
+                <a:solidFill>
+                  <a:srgbClr val="C00000"/>
+                </a:solidFill>
+                <a:latin typeface="微软雅黑" panose="020B0503020204020204" pitchFamily="34" charset="-122"/>
+                <a:ea typeface="微软雅黑" panose="020B0503020204020204" pitchFamily="34" charset="-122"/>
+              </a:rPr>
+              <a:t>4. </a:t>
+            </a:r>
+            <a:r>
+              <a:rPr lang="zh-CN" altLang="en-US" b="1" dirty="0" smtClean="0">
+                <a:solidFill>
+                  <a:srgbClr val="C00000"/>
+                </a:solidFill>
+                <a:latin typeface="微软雅黑" panose="020B0503020204020204" pitchFamily="34" charset="-122"/>
+                <a:ea typeface="微软雅黑" panose="020B0503020204020204" pitchFamily="34" charset="-122"/>
+              </a:rPr>
+              <a:t>本地编辑</a:t>
+            </a:r>
+            <a:endParaRPr lang="zh-CN" altLang="en-US" b="1" dirty="0">
+              <a:solidFill>
+                <a:srgbClr val="C00000"/>
+              </a:solidFill>
+              <a:latin typeface="微软雅黑" panose="020B0503020204020204" pitchFamily="34" charset="-122"/>
+              <a:ea typeface="微软雅黑" panose="020B0503020204020204" pitchFamily="34" charset="-122"/>
+            </a:endParaRPr>
+          </a:p>
+        </p:txBody>
+      </p:sp>
+      <p:pic>
+        <p:nvPicPr>
+          <p:cNvPr id="6" name="Picture 5" descr="kaixian-is-course - [C:\Users\Wuxf\Dropbox\kaixian-is-course] - ...\template\task.html - PyCharm Community Edition 4.5.1"/>
+          <p:cNvPicPr>
+            <a:picLocks noChangeAspect="1"/>
+          </p:cNvPicPr>
+          <p:nvPr/>
+        </p:nvPicPr>
+        <p:blipFill>
+          <a:blip r:embed="rId2">
+            <a:extLst>
+              <a:ext uri="{28A0092B-C50C-407E-A947-70E740481C1C}">
+                <a14:useLocalDpi xmlns:a14="http://schemas.microsoft.com/office/drawing/2010/main" val="0"/>
+              </a:ext>
+            </a:extLst>
+          </a:blip>
+          <a:stretch>
+            <a:fillRect/>
+          </a:stretch>
+        </p:blipFill>
+        <p:spPr>
+          <a:xfrm>
+            <a:off x="3894543" y="1852777"/>
+            <a:ext cx="4402913" cy="3149777"/>
+          </a:xfrm>
+          <a:prstGeom prst="rect">
+            <a:avLst/>
+          </a:prstGeom>
+        </p:spPr>
+      </p:pic>
+      <p:sp>
+        <p:nvSpPr>
+          <p:cNvPr id="7" name="TextBox 6"/>
+          <p:cNvSpPr txBox="1"/>
+          <p:nvPr/>
+        </p:nvSpPr>
+        <p:spPr>
+          <a:xfrm>
+            <a:off x="3132688" y="5120640"/>
+            <a:ext cx="6003567" cy="646331"/>
+          </a:xfrm>
+          <a:prstGeom prst="rect">
+            <a:avLst/>
+          </a:prstGeom>
+          <a:noFill/>
+        </p:spPr>
+        <p:txBody>
+          <a:bodyPr wrap="none" rtlCol="0">
+            <a:spAutoFit/>
+          </a:bodyPr>
+          <a:lstStyle/>
+          <a:p>
+            <a:r>
+              <a:rPr lang="zh-CN" altLang="en-US" sz="3600" dirty="0" smtClean="0">
+                <a:solidFill>
+                  <a:srgbClr val="C00000"/>
+                </a:solidFill>
+                <a:latin typeface="微软雅黑" panose="020B0503020204020204" pitchFamily="34" charset="-122"/>
+                <a:ea typeface="微软雅黑" panose="020B0503020204020204" pitchFamily="34" charset="-122"/>
+              </a:rPr>
+              <a:t>什么编辑器、</a:t>
+            </a:r>
+            <a:r>
+              <a:rPr lang="en-US" altLang="zh-CN" sz="3600" dirty="0" smtClean="0">
+                <a:solidFill>
+                  <a:srgbClr val="C00000"/>
+                </a:solidFill>
+                <a:latin typeface="微软雅黑" panose="020B0503020204020204" pitchFamily="34" charset="-122"/>
+                <a:ea typeface="微软雅黑" panose="020B0503020204020204" pitchFamily="34" charset="-122"/>
+              </a:rPr>
+              <a:t>IDE</a:t>
+            </a:r>
+            <a:r>
+              <a:rPr lang="zh-CN" altLang="en-US" sz="3600" dirty="0" smtClean="0">
+                <a:solidFill>
+                  <a:srgbClr val="C00000"/>
+                </a:solidFill>
+                <a:latin typeface="微软雅黑" panose="020B0503020204020204" pitchFamily="34" charset="-122"/>
+                <a:ea typeface="微软雅黑" panose="020B0503020204020204" pitchFamily="34" charset="-122"/>
+              </a:rPr>
+              <a:t>顺手用什么</a:t>
+            </a:r>
+            <a:endParaRPr lang="zh-CN" altLang="en-US" sz="3600" dirty="0">
+              <a:solidFill>
+                <a:srgbClr val="C00000"/>
+              </a:solidFill>
+              <a:latin typeface="微软雅黑" panose="020B0503020204020204" pitchFamily="34" charset="-122"/>
+              <a:ea typeface="微软雅黑" panose="020B0503020204020204" pitchFamily="34" charset="-122"/>
+            </a:endParaRPr>
+          </a:p>
+        </p:txBody>
+      </p:sp>
+    </p:spTree>
+    <p:extLst>
+      <p:ext uri="{BB962C8B-B14F-4D97-AF65-F5344CB8AC3E}">
+        <p14:creationId xmlns:p14="http://schemas.microsoft.com/office/powerpoint/2010/main" val="3004309636"/>
+      </p:ext>
+    </p:extLst>
+  </p:cSld>
+  <p:clrMapOvr>
+    <a:masterClrMapping/>
+  </p:clrMapOvr>
+  <p:timing>
+    <p:tnLst>
+      <p:par>
+        <p:cTn id="1" dur="indefinite" restart="never" nodeType="tmRoot"/>
+      </p:par>
+    </p:tnLst>
+  </p:timing>
+</p:sld>
+</file>
+
+<file path=ppt/slides/slide23.xml><?xml version="1.0" encoding="utf-8"?>
+<p:sld xmlns:a="http://schemas.openxmlformats.org/drawingml/2006/main" xmlns:r="http://schemas.openxmlformats.org/officeDocument/2006/relationships" xmlns:p="http://schemas.openxmlformats.org/presentationml/2006/main">
+  <p:cSld>
+    <p:spTree>
+      <p:nvGrpSpPr>
+        <p:cNvPr id="1" name=""/>
+        <p:cNvGrpSpPr/>
+        <p:nvPr/>
+      </p:nvGrpSpPr>
+      <p:grpSpPr>
+        <a:xfrm>
+          <a:off x="0" y="0"/>
+          <a:ext cx="0" cy="0"/>
+          <a:chOff x="0" y="0"/>
+          <a:chExt cx="0" cy="0"/>
+        </a:xfrm>
+      </p:grpSpPr>
+      <p:sp>
+        <p:nvSpPr>
+          <p:cNvPr id="3" name="Title 2"/>
+          <p:cNvSpPr txBox="1">
+            <a:spLocks noGrp="1"/>
+          </p:cNvSpPr>
+          <p:nvPr>
+            <p:ph type="title"/>
+          </p:nvPr>
+        </p:nvSpPr>
+        <p:spPr>
+          <a:xfrm>
+            <a:off x="849651" y="672236"/>
+            <a:ext cx="4927887" cy="646331"/>
+          </a:xfrm>
+          <a:prstGeom prst="rect">
+            <a:avLst/>
+          </a:prstGeom>
+          <a:noFill/>
+        </p:spPr>
+        <p:txBody>
+          <a:bodyPr wrap="none" rtlCol="0">
+            <a:spAutoFit/>
+          </a:bodyPr>
+          <a:lstStyle/>
+          <a:p>
+            <a:r>
+              <a:rPr lang="en-US" altLang="zh-CN" sz="4000" dirty="0" err="1" smtClean="0">
+                <a:solidFill>
+                  <a:srgbClr val="0070C0"/>
+                </a:solidFill>
+                <a:latin typeface="微软雅黑" panose="020B0503020204020204" pitchFamily="34" charset="-122"/>
+                <a:ea typeface="微软雅黑" panose="020B0503020204020204" pitchFamily="34" charset="-122"/>
+              </a:rPr>
+              <a:t>SourceTree</a:t>
+            </a:r>
+            <a:r>
+              <a:rPr lang="zh-CN" altLang="en-US" sz="4000" dirty="0" smtClean="0">
+                <a:solidFill>
+                  <a:srgbClr val="0070C0"/>
+                </a:solidFill>
+                <a:latin typeface="微软雅黑" panose="020B0503020204020204" pitchFamily="34" charset="-122"/>
+                <a:ea typeface="微软雅黑" panose="020B0503020204020204" pitchFamily="34" charset="-122"/>
+              </a:rPr>
+              <a:t>简单教程</a:t>
+            </a:r>
+            <a:endParaRPr lang="zh-CN" altLang="en-US" sz="4000" dirty="0">
+              <a:solidFill>
+                <a:srgbClr val="0070C0"/>
+              </a:solidFill>
+              <a:latin typeface="微软雅黑" panose="020B0503020204020204" pitchFamily="34" charset="-122"/>
+              <a:ea typeface="微软雅黑" panose="020B0503020204020204" pitchFamily="34" charset="-122"/>
+            </a:endParaRPr>
+          </a:p>
+        </p:txBody>
+      </p:sp>
+      <p:sp>
+        <p:nvSpPr>
+          <p:cNvPr id="4" name="TextBox 3"/>
+          <p:cNvSpPr txBox="1"/>
+          <p:nvPr/>
+        </p:nvSpPr>
+        <p:spPr>
+          <a:xfrm>
+            <a:off x="849651" y="1483445"/>
+            <a:ext cx="1385316" cy="369332"/>
+          </a:xfrm>
+          <a:prstGeom prst="rect">
+            <a:avLst/>
+          </a:prstGeom>
+          <a:noFill/>
+        </p:spPr>
+        <p:txBody>
+          <a:bodyPr wrap="none" rtlCol="0">
+            <a:spAutoFit/>
+          </a:bodyPr>
+          <a:lstStyle/>
+          <a:p>
+            <a:r>
+              <a:rPr lang="en-US" altLang="zh-CN" b="1" dirty="0">
+                <a:solidFill>
+                  <a:srgbClr val="C00000"/>
+                </a:solidFill>
+                <a:latin typeface="微软雅黑" panose="020B0503020204020204" pitchFamily="34" charset="-122"/>
+                <a:ea typeface="微软雅黑" panose="020B0503020204020204" pitchFamily="34" charset="-122"/>
+              </a:rPr>
+              <a:t>5</a:t>
+            </a:r>
+            <a:r>
+              <a:rPr lang="en-US" altLang="zh-CN" b="1" dirty="0" smtClean="0">
+                <a:solidFill>
+                  <a:srgbClr val="C00000"/>
+                </a:solidFill>
+                <a:latin typeface="微软雅黑" panose="020B0503020204020204" pitchFamily="34" charset="-122"/>
+                <a:ea typeface="微软雅黑" panose="020B0503020204020204" pitchFamily="34" charset="-122"/>
+              </a:rPr>
+              <a:t>. </a:t>
+            </a:r>
+            <a:r>
+              <a:rPr lang="zh-CN" altLang="en-US" b="1" dirty="0" smtClean="0">
+                <a:solidFill>
+                  <a:srgbClr val="C00000"/>
+                </a:solidFill>
+                <a:latin typeface="微软雅黑" panose="020B0503020204020204" pitchFamily="34" charset="-122"/>
+                <a:ea typeface="微软雅黑" panose="020B0503020204020204" pitchFamily="34" charset="-122"/>
+              </a:rPr>
+              <a:t>提交修改</a:t>
+            </a:r>
+            <a:endParaRPr lang="zh-CN" altLang="en-US" b="1" dirty="0">
+              <a:solidFill>
+                <a:srgbClr val="C00000"/>
+              </a:solidFill>
+              <a:latin typeface="微软雅黑" panose="020B0503020204020204" pitchFamily="34" charset="-122"/>
+              <a:ea typeface="微软雅黑" panose="020B0503020204020204" pitchFamily="34" charset="-122"/>
+            </a:endParaRPr>
+          </a:p>
+        </p:txBody>
+      </p:sp>
+      <p:sp>
+        <p:nvSpPr>
+          <p:cNvPr id="5" name="TextBox 4"/>
+          <p:cNvSpPr txBox="1"/>
+          <p:nvPr/>
+        </p:nvSpPr>
+        <p:spPr>
+          <a:xfrm>
+            <a:off x="6821940" y="2017655"/>
+            <a:ext cx="4401437" cy="1323439"/>
+          </a:xfrm>
+          <a:prstGeom prst="rect">
+            <a:avLst/>
+          </a:prstGeom>
+          <a:noFill/>
+        </p:spPr>
+        <p:txBody>
+          <a:bodyPr wrap="square" rtlCol="0">
+            <a:spAutoFit/>
+          </a:bodyPr>
+          <a:lstStyle/>
+          <a:p>
+            <a:r>
+              <a:rPr lang="zh-CN" altLang="en-US" sz="1600" dirty="0" smtClean="0">
+                <a:solidFill>
+                  <a:schemeClr val="tx1">
+                    <a:lumMod val="85000"/>
+                    <a:lumOff val="15000"/>
+                  </a:schemeClr>
+                </a:solidFill>
+                <a:latin typeface="微软雅黑" panose="020B0503020204020204" pitchFamily="34" charset="-122"/>
+                <a:ea typeface="微软雅黑" panose="020B0503020204020204" pitchFamily="34" charset="-122"/>
+              </a:rPr>
+              <a:t>当你觉得可以提交一个新的版本的时候，点击提交，将所有未暂存文件打勾添加到已暂存文件中，然后在下方输入该提交的说明，根据需要选择是否立即推送到远端仓库，然后点击提交按钮。</a:t>
+            </a:r>
+            <a:endParaRPr lang="zh-CN" altLang="en-US" sz="1600" dirty="0">
+              <a:solidFill>
+                <a:schemeClr val="tx1">
+                  <a:lumMod val="85000"/>
+                  <a:lumOff val="15000"/>
+                </a:schemeClr>
+              </a:solidFill>
+              <a:latin typeface="微软雅黑" panose="020B0503020204020204" pitchFamily="34" charset="-122"/>
+              <a:ea typeface="微软雅黑" panose="020B0503020204020204" pitchFamily="34" charset="-122"/>
+            </a:endParaRPr>
+          </a:p>
+        </p:txBody>
+      </p:sp>
+      <p:pic>
+        <p:nvPicPr>
+          <p:cNvPr id="2" name="Picture 1" descr="Screen Clipping"/>
+          <p:cNvPicPr>
+            <a:picLocks noChangeAspect="1"/>
+          </p:cNvPicPr>
+          <p:nvPr/>
+        </p:nvPicPr>
+        <p:blipFill>
+          <a:blip r:embed="rId2">
+            <a:extLst>
+              <a:ext uri="{28A0092B-C50C-407E-A947-70E740481C1C}">
+                <a14:useLocalDpi xmlns:a14="http://schemas.microsoft.com/office/drawing/2010/main" val="0"/>
+              </a:ext>
+            </a:extLst>
+          </a:blip>
+          <a:stretch>
+            <a:fillRect/>
+          </a:stretch>
+        </p:blipFill>
+        <p:spPr>
+          <a:xfrm>
+            <a:off x="1065007" y="2017655"/>
+            <a:ext cx="5531022" cy="4359196"/>
+          </a:xfrm>
+          <a:prstGeom prst="rect">
+            <a:avLst/>
+          </a:prstGeom>
+        </p:spPr>
+      </p:pic>
+      <p:sp>
+        <p:nvSpPr>
+          <p:cNvPr id="6" name="TextBox 5"/>
+          <p:cNvSpPr txBox="1"/>
+          <p:nvPr/>
+        </p:nvSpPr>
+        <p:spPr>
+          <a:xfrm>
+            <a:off x="6821939" y="3794460"/>
+            <a:ext cx="4401437" cy="830997"/>
+          </a:xfrm>
+          <a:prstGeom prst="rect">
+            <a:avLst/>
+          </a:prstGeom>
+          <a:noFill/>
+        </p:spPr>
+        <p:txBody>
+          <a:bodyPr wrap="square" rtlCol="0">
+            <a:spAutoFit/>
+          </a:bodyPr>
+          <a:lstStyle/>
+          <a:p>
+            <a:r>
+              <a:rPr lang="zh-CN" altLang="en-US" sz="1600" dirty="0" smtClean="0">
+                <a:solidFill>
+                  <a:schemeClr val="tx1">
+                    <a:lumMod val="85000"/>
+                    <a:lumOff val="15000"/>
+                  </a:schemeClr>
+                </a:solidFill>
+                <a:latin typeface="微软雅黑" panose="020B0503020204020204" pitchFamily="34" charset="-122"/>
+                <a:ea typeface="微软雅黑" panose="020B0503020204020204" pitchFamily="34" charset="-122"/>
+              </a:rPr>
+              <a:t>如果没有选择“立即推送变更到</a:t>
+            </a:r>
+            <a:r>
+              <a:rPr lang="en-US" altLang="zh-CN" sz="1600" dirty="0" smtClean="0">
+                <a:solidFill>
+                  <a:schemeClr val="tx1">
+                    <a:lumMod val="85000"/>
+                    <a:lumOff val="15000"/>
+                  </a:schemeClr>
+                </a:solidFill>
+                <a:latin typeface="微软雅黑" panose="020B0503020204020204" pitchFamily="34" charset="-122"/>
+                <a:ea typeface="微软雅黑" panose="020B0503020204020204" pitchFamily="34" charset="-122"/>
+              </a:rPr>
+              <a:t>origin…</a:t>
+            </a:r>
+            <a:r>
+              <a:rPr lang="zh-CN" altLang="en-US" sz="1600" dirty="0" smtClean="0">
+                <a:solidFill>
+                  <a:schemeClr val="tx1">
+                    <a:lumMod val="85000"/>
+                    <a:lumOff val="15000"/>
+                  </a:schemeClr>
+                </a:solidFill>
+                <a:latin typeface="微软雅黑" panose="020B0503020204020204" pitchFamily="34" charset="-122"/>
+                <a:ea typeface="微软雅黑" panose="020B0503020204020204" pitchFamily="34" charset="-122"/>
+              </a:rPr>
+              <a:t>”，可以在需要推送的时候选择推送按钮推送到远程仓库。</a:t>
+            </a:r>
+            <a:endParaRPr lang="zh-CN" altLang="en-US" sz="1600" dirty="0">
+              <a:solidFill>
+                <a:schemeClr val="tx1">
+                  <a:lumMod val="85000"/>
+                  <a:lumOff val="15000"/>
+                </a:schemeClr>
+              </a:solidFill>
+              <a:latin typeface="微软雅黑" panose="020B0503020204020204" pitchFamily="34" charset="-122"/>
+              <a:ea typeface="微软雅黑" panose="020B0503020204020204" pitchFamily="34" charset="-122"/>
+            </a:endParaRPr>
+          </a:p>
+        </p:txBody>
+      </p:sp>
+    </p:spTree>
+    <p:extLst>
+      <p:ext uri="{BB962C8B-B14F-4D97-AF65-F5344CB8AC3E}">
+        <p14:creationId xmlns:p14="http://schemas.microsoft.com/office/powerpoint/2010/main" val="3755850747"/>
+      </p:ext>
+    </p:extLst>
+  </p:cSld>
+  <p:clrMapOvr>
+    <a:masterClrMapping/>
+  </p:clrMapOvr>
+  <p:timing>
+    <p:tnLst>
+      <p:par>
+        <p:cTn id="1" dur="indefinite" restart="never" nodeType="tmRoot"/>
+      </p:par>
+    </p:tnLst>
+  </p:timing>
+</p:sld>
+</file>
+
+<file path=ppt/slides/slide24.xml><?xml version="1.0" encoding="utf-8"?>
+<p:sld xmlns:a="http://schemas.openxmlformats.org/drawingml/2006/main" xmlns:r="http://schemas.openxmlformats.org/officeDocument/2006/relationships" xmlns:p="http://schemas.openxmlformats.org/presentationml/2006/main">
+  <p:cSld>
+    <p:spTree>
+      <p:nvGrpSpPr>
+        <p:cNvPr id="1" name=""/>
+        <p:cNvGrpSpPr/>
+        <p:nvPr/>
+      </p:nvGrpSpPr>
+      <p:grpSpPr>
+        <a:xfrm>
+          <a:off x="0" y="0"/>
+          <a:ext cx="0" cy="0"/>
+          <a:chOff x="0" y="0"/>
+          <a:chExt cx="0" cy="0"/>
+        </a:xfrm>
+      </p:grpSpPr>
+      <p:sp>
+        <p:nvSpPr>
+          <p:cNvPr id="3" name="Title 2"/>
+          <p:cNvSpPr txBox="1">
+            <a:spLocks noGrp="1"/>
+          </p:cNvSpPr>
+          <p:nvPr>
+            <p:ph type="title"/>
+          </p:nvPr>
+        </p:nvSpPr>
+        <p:spPr>
+          <a:xfrm>
+            <a:off x="849651" y="672236"/>
+            <a:ext cx="4927887" cy="646331"/>
+          </a:xfrm>
+          <a:prstGeom prst="rect">
+            <a:avLst/>
+          </a:prstGeom>
+          <a:noFill/>
+        </p:spPr>
+        <p:txBody>
+          <a:bodyPr wrap="none" rtlCol="0">
+            <a:spAutoFit/>
+          </a:bodyPr>
+          <a:lstStyle/>
+          <a:p>
+            <a:r>
+              <a:rPr lang="en-US" altLang="zh-CN" sz="4000" dirty="0" err="1" smtClean="0">
+                <a:solidFill>
+                  <a:srgbClr val="0070C0"/>
+                </a:solidFill>
+                <a:latin typeface="微软雅黑" panose="020B0503020204020204" pitchFamily="34" charset="-122"/>
+                <a:ea typeface="微软雅黑" panose="020B0503020204020204" pitchFamily="34" charset="-122"/>
+              </a:rPr>
+              <a:t>SourceTree</a:t>
+            </a:r>
+            <a:r>
+              <a:rPr lang="zh-CN" altLang="en-US" sz="4000" dirty="0" smtClean="0">
+                <a:solidFill>
+                  <a:srgbClr val="0070C0"/>
+                </a:solidFill>
+                <a:latin typeface="微软雅黑" panose="020B0503020204020204" pitchFamily="34" charset="-122"/>
+                <a:ea typeface="微软雅黑" panose="020B0503020204020204" pitchFamily="34" charset="-122"/>
+              </a:rPr>
+              <a:t>简单教程</a:t>
+            </a:r>
+            <a:endParaRPr lang="zh-CN" altLang="en-US" sz="4000" dirty="0">
+              <a:solidFill>
+                <a:srgbClr val="0070C0"/>
+              </a:solidFill>
+              <a:latin typeface="微软雅黑" panose="020B0503020204020204" pitchFamily="34" charset="-122"/>
+              <a:ea typeface="微软雅黑" panose="020B0503020204020204" pitchFamily="34" charset="-122"/>
+            </a:endParaRPr>
+          </a:p>
+        </p:txBody>
+      </p:sp>
+      <p:sp>
+        <p:nvSpPr>
+          <p:cNvPr id="4" name="TextBox 3"/>
+          <p:cNvSpPr txBox="1"/>
+          <p:nvPr/>
+        </p:nvSpPr>
+        <p:spPr>
+          <a:xfrm>
+            <a:off x="849651" y="1483445"/>
+            <a:ext cx="1385316" cy="369332"/>
+          </a:xfrm>
+          <a:prstGeom prst="rect">
+            <a:avLst/>
+          </a:prstGeom>
+          <a:noFill/>
+        </p:spPr>
+        <p:txBody>
+          <a:bodyPr wrap="none" rtlCol="0">
+            <a:spAutoFit/>
+          </a:bodyPr>
+          <a:lstStyle/>
+          <a:p>
+            <a:r>
+              <a:rPr lang="en-US" altLang="zh-CN" b="1" dirty="0" smtClean="0">
+                <a:solidFill>
+                  <a:srgbClr val="C00000"/>
+                </a:solidFill>
+                <a:latin typeface="微软雅黑" panose="020B0503020204020204" pitchFamily="34" charset="-122"/>
+                <a:ea typeface="微软雅黑" panose="020B0503020204020204" pitchFamily="34" charset="-122"/>
+              </a:rPr>
+              <a:t>6. </a:t>
+            </a:r>
+            <a:r>
+              <a:rPr lang="zh-CN" altLang="en-US" b="1" dirty="0" smtClean="0">
+                <a:solidFill>
+                  <a:srgbClr val="C00000"/>
+                </a:solidFill>
+                <a:latin typeface="微软雅黑" panose="020B0503020204020204" pitchFamily="34" charset="-122"/>
+                <a:ea typeface="微软雅黑" panose="020B0503020204020204" pitchFamily="34" charset="-122"/>
+              </a:rPr>
+              <a:t>完成功能</a:t>
+            </a:r>
+            <a:endParaRPr lang="zh-CN" altLang="en-US" b="1" dirty="0">
+              <a:solidFill>
+                <a:srgbClr val="C00000"/>
+              </a:solidFill>
+              <a:latin typeface="微软雅黑" panose="020B0503020204020204" pitchFamily="34" charset="-122"/>
+              <a:ea typeface="微软雅黑" panose="020B0503020204020204" pitchFamily="34" charset="-122"/>
+            </a:endParaRPr>
+          </a:p>
+        </p:txBody>
+      </p:sp>
+      <p:sp>
+        <p:nvSpPr>
+          <p:cNvPr id="7" name="TextBox 6"/>
+          <p:cNvSpPr txBox="1"/>
+          <p:nvPr/>
+        </p:nvSpPr>
+        <p:spPr>
+          <a:xfrm>
+            <a:off x="865940" y="1901165"/>
+            <a:ext cx="10354286" cy="584775"/>
+          </a:xfrm>
+          <a:prstGeom prst="rect">
+            <a:avLst/>
+          </a:prstGeom>
+          <a:noFill/>
+        </p:spPr>
+        <p:txBody>
+          <a:bodyPr wrap="square" rtlCol="0">
+            <a:spAutoFit/>
+          </a:bodyPr>
+          <a:lstStyle/>
+          <a:p>
+            <a:r>
+              <a:rPr lang="zh-CN" altLang="en-US" sz="1600" dirty="0" smtClean="0">
+                <a:solidFill>
+                  <a:schemeClr val="tx1">
+                    <a:lumMod val="85000"/>
+                    <a:lumOff val="15000"/>
+                  </a:schemeClr>
+                </a:solidFill>
+                <a:latin typeface="微软雅黑" panose="020B0503020204020204" pitchFamily="34" charset="-122"/>
+                <a:ea typeface="微软雅黑" panose="020B0503020204020204" pitchFamily="34" charset="-122"/>
+              </a:rPr>
+              <a:t>当你的分支功能全部开发好以后，你可能需要完成你的功能并合并到</a:t>
+            </a:r>
+            <a:r>
+              <a:rPr lang="en-US" altLang="zh-CN" sz="1600" dirty="0" smtClean="0">
+                <a:solidFill>
+                  <a:schemeClr val="tx1">
+                    <a:lumMod val="85000"/>
+                    <a:lumOff val="15000"/>
+                  </a:schemeClr>
+                </a:solidFill>
+                <a:latin typeface="微软雅黑" panose="020B0503020204020204" pitchFamily="34" charset="-122"/>
+                <a:ea typeface="微软雅黑" panose="020B0503020204020204" pitchFamily="34" charset="-122"/>
+              </a:rPr>
+              <a:t>develop</a:t>
+            </a:r>
+            <a:r>
+              <a:rPr lang="zh-CN" altLang="en-US" sz="1600" dirty="0" smtClean="0">
+                <a:solidFill>
+                  <a:schemeClr val="tx1">
+                    <a:lumMod val="85000"/>
+                    <a:lumOff val="15000"/>
+                  </a:schemeClr>
+                </a:solidFill>
+                <a:latin typeface="微软雅黑" panose="020B0503020204020204" pitchFamily="34" charset="-122"/>
+                <a:ea typeface="微软雅黑" panose="020B0503020204020204" pitchFamily="34" charset="-122"/>
+              </a:rPr>
+              <a:t>分支中去。我们通过</a:t>
+            </a:r>
+            <a:r>
+              <a:rPr lang="en-US" altLang="zh-CN" sz="1600" b="1" dirty="0" err="1" smtClean="0">
+                <a:solidFill>
+                  <a:srgbClr val="00B050"/>
+                </a:solidFill>
+                <a:latin typeface="微软雅黑" panose="020B0503020204020204" pitchFamily="34" charset="-122"/>
+                <a:ea typeface="微软雅黑" panose="020B0503020204020204" pitchFamily="34" charset="-122"/>
+              </a:rPr>
+              <a:t>Git</a:t>
+            </a:r>
+            <a:r>
+              <a:rPr lang="zh-CN" altLang="en-US" sz="1600" b="1" dirty="0" smtClean="0">
+                <a:solidFill>
+                  <a:srgbClr val="00B050"/>
+                </a:solidFill>
+                <a:latin typeface="微软雅黑" panose="020B0503020204020204" pitchFamily="34" charset="-122"/>
+                <a:ea typeface="微软雅黑" panose="020B0503020204020204" pitchFamily="34" charset="-122"/>
+              </a:rPr>
+              <a:t>工作流</a:t>
+            </a:r>
+            <a:r>
+              <a:rPr lang="zh-CN" altLang="en-US" sz="1600" dirty="0" smtClean="0">
+                <a:solidFill>
+                  <a:schemeClr val="tx1">
+                    <a:lumMod val="85000"/>
+                    <a:lumOff val="15000"/>
+                  </a:schemeClr>
+                </a:solidFill>
+                <a:latin typeface="微软雅黑" panose="020B0503020204020204" pitchFamily="34" charset="-122"/>
+                <a:ea typeface="微软雅黑" panose="020B0503020204020204" pitchFamily="34" charset="-122"/>
+              </a:rPr>
+              <a:t>完成此项工作。（</a:t>
+            </a:r>
+            <a:r>
+              <a:rPr lang="zh-CN" altLang="en-US" sz="1600" dirty="0" smtClean="0">
+                <a:solidFill>
+                  <a:srgbClr val="00B050"/>
+                </a:solidFill>
+                <a:latin typeface="微软雅黑" panose="020B0503020204020204" pitchFamily="34" charset="-122"/>
+                <a:ea typeface="微软雅黑" panose="020B0503020204020204" pitchFamily="34" charset="-122"/>
+              </a:rPr>
+              <a:t>注意：先提交所有未提交的更改</a:t>
+            </a:r>
+            <a:r>
+              <a:rPr lang="zh-CN" altLang="en-US" sz="1600" dirty="0" smtClean="0">
+                <a:solidFill>
+                  <a:schemeClr val="tx1">
+                    <a:lumMod val="85000"/>
+                    <a:lumOff val="15000"/>
+                  </a:schemeClr>
+                </a:solidFill>
+                <a:latin typeface="微软雅黑" panose="020B0503020204020204" pitchFamily="34" charset="-122"/>
+                <a:ea typeface="微软雅黑" panose="020B0503020204020204" pitchFamily="34" charset="-122"/>
+              </a:rPr>
+              <a:t>）</a:t>
+            </a:r>
+            <a:endParaRPr lang="zh-CN" altLang="en-US" sz="1600" dirty="0">
+              <a:solidFill>
+                <a:schemeClr val="tx1">
+                  <a:lumMod val="85000"/>
+                  <a:lumOff val="15000"/>
+                </a:schemeClr>
+              </a:solidFill>
+              <a:latin typeface="微软雅黑" panose="020B0503020204020204" pitchFamily="34" charset="-122"/>
+              <a:ea typeface="微软雅黑" panose="020B0503020204020204" pitchFamily="34" charset="-122"/>
+            </a:endParaRPr>
+          </a:p>
+        </p:txBody>
+      </p:sp>
+      <p:pic>
+        <p:nvPicPr>
+          <p:cNvPr id="8" name="Picture 7" descr="Screen Clipping"/>
+          <p:cNvPicPr>
+            <a:picLocks noChangeAspect="1"/>
+          </p:cNvPicPr>
+          <p:nvPr/>
+        </p:nvPicPr>
+        <p:blipFill>
+          <a:blip r:embed="rId2">
+            <a:extLst>
+              <a:ext uri="{28A0092B-C50C-407E-A947-70E740481C1C}">
+                <a14:useLocalDpi xmlns:a14="http://schemas.microsoft.com/office/drawing/2010/main" val="0"/>
+              </a:ext>
+            </a:extLst>
+          </a:blip>
+          <a:stretch>
+            <a:fillRect/>
+          </a:stretch>
+        </p:blipFill>
+        <p:spPr>
+          <a:xfrm>
+            <a:off x="865940" y="2982450"/>
+            <a:ext cx="676369" cy="714475"/>
+          </a:xfrm>
+          <a:prstGeom prst="rect">
+            <a:avLst/>
+          </a:prstGeom>
+          <a:ln>
+            <a:solidFill>
+              <a:srgbClr val="00B0F0"/>
+            </a:solidFill>
+          </a:ln>
+        </p:spPr>
+      </p:pic>
+      <p:sp>
+        <p:nvSpPr>
+          <p:cNvPr id="9" name="Right Arrow 8"/>
+          <p:cNvSpPr/>
+          <p:nvPr/>
+        </p:nvSpPr>
+        <p:spPr>
+          <a:xfrm>
+            <a:off x="1577060" y="3189716"/>
+            <a:ext cx="657907" cy="220457"/>
+          </a:xfrm>
+          <a:prstGeom prst="rightArrow">
+            <a:avLst>
+              <a:gd name="adj1" fmla="val 20494"/>
+              <a:gd name="adj2" fmla="val 113565"/>
+            </a:avLst>
+          </a:prstGeom>
+          <a:solidFill>
+            <a:schemeClr val="accent2"/>
+          </a:solidFill>
+          <a:ln>
+            <a:solidFill>
+              <a:srgbClr val="FFC000"/>
+            </a:solidFill>
+          </a:ln>
+        </p:spPr>
+        <p:style>
+          <a:lnRef idx="2">
+            <a:schemeClr val="accent1">
+              <a:shade val="50000"/>
+            </a:schemeClr>
+          </a:lnRef>
+          <a:fillRef idx="1">
+            <a:schemeClr val="accent1"/>
+          </a:fillRef>
+          <a:effectRef idx="0">
+            <a:schemeClr val="accent1"/>
+          </a:effectRef>
+          <a:fontRef idx="minor">
+            <a:schemeClr val="lt1"/>
+          </a:fontRef>
+        </p:style>
+        <p:txBody>
+          <a:bodyPr rtlCol="0" anchor="ctr"/>
+          <a:lstStyle/>
+          <a:p>
+            <a:pPr algn="ctr"/>
+            <a:endParaRPr lang="zh-CN" altLang="en-US">
+              <a:solidFill>
+                <a:srgbClr val="00B050"/>
+              </a:solidFill>
+            </a:endParaRPr>
+          </a:p>
+        </p:txBody>
+      </p:sp>
+      <p:pic>
+        <p:nvPicPr>
+          <p:cNvPr id="10" name="Picture 9" descr="Screen Clipping"/>
+          <p:cNvPicPr>
+            <a:picLocks noChangeAspect="1"/>
+          </p:cNvPicPr>
+          <p:nvPr/>
+        </p:nvPicPr>
+        <p:blipFill>
+          <a:blip r:embed="rId3">
+            <a:extLst>
+              <a:ext uri="{28A0092B-C50C-407E-A947-70E740481C1C}">
+                <a14:useLocalDpi xmlns:a14="http://schemas.microsoft.com/office/drawing/2010/main" val="0"/>
+              </a:ext>
+            </a:extLst>
+          </a:blip>
+          <a:stretch>
+            <a:fillRect/>
+          </a:stretch>
+        </p:blipFill>
+        <p:spPr>
+          <a:xfrm>
+            <a:off x="2323652" y="2982450"/>
+            <a:ext cx="2057687" cy="2229161"/>
+          </a:xfrm>
+          <a:prstGeom prst="rect">
+            <a:avLst/>
+          </a:prstGeom>
+          <a:ln>
+            <a:solidFill>
+              <a:srgbClr val="00B0F0"/>
+            </a:solidFill>
+          </a:ln>
+        </p:spPr>
+      </p:pic>
+      <p:sp>
+        <p:nvSpPr>
+          <p:cNvPr id="11" name="Right Arrow 10"/>
+          <p:cNvSpPr/>
+          <p:nvPr/>
+        </p:nvSpPr>
+        <p:spPr>
+          <a:xfrm>
+            <a:off x="4503786" y="3189716"/>
+            <a:ext cx="657907" cy="220457"/>
+          </a:xfrm>
+          <a:prstGeom prst="rightArrow">
+            <a:avLst>
+              <a:gd name="adj1" fmla="val 20494"/>
+              <a:gd name="adj2" fmla="val 113565"/>
+            </a:avLst>
+          </a:prstGeom>
+          <a:solidFill>
+            <a:schemeClr val="accent2"/>
+          </a:solidFill>
+          <a:ln>
+            <a:solidFill>
+              <a:srgbClr val="FFC000"/>
+            </a:solidFill>
+          </a:ln>
+        </p:spPr>
+        <p:style>
+          <a:lnRef idx="2">
+            <a:schemeClr val="accent1">
+              <a:shade val="50000"/>
+            </a:schemeClr>
+          </a:lnRef>
+          <a:fillRef idx="1">
+            <a:schemeClr val="accent1"/>
+          </a:fillRef>
+          <a:effectRef idx="0">
+            <a:schemeClr val="accent1"/>
+          </a:effectRef>
+          <a:fontRef idx="minor">
+            <a:schemeClr val="lt1"/>
+          </a:fontRef>
+        </p:style>
+        <p:txBody>
+          <a:bodyPr rtlCol="0" anchor="ctr"/>
+          <a:lstStyle/>
+          <a:p>
+            <a:pPr algn="ctr"/>
+            <a:endParaRPr lang="zh-CN" altLang="en-US">
+              <a:solidFill>
+                <a:srgbClr val="00B050"/>
+              </a:solidFill>
+            </a:endParaRPr>
+          </a:p>
+        </p:txBody>
+      </p:sp>
+      <p:pic>
+        <p:nvPicPr>
+          <p:cNvPr id="12" name="Picture 11" descr="Screen Clipping"/>
+          <p:cNvPicPr>
+            <a:picLocks noChangeAspect="1"/>
+          </p:cNvPicPr>
+          <p:nvPr/>
+        </p:nvPicPr>
+        <p:blipFill>
+          <a:blip r:embed="rId4">
+            <a:extLst>
+              <a:ext uri="{28A0092B-C50C-407E-A947-70E740481C1C}">
+                <a14:useLocalDpi xmlns:a14="http://schemas.microsoft.com/office/drawing/2010/main" val="0"/>
+              </a:ext>
+            </a:extLst>
+          </a:blip>
+          <a:stretch>
+            <a:fillRect/>
+          </a:stretch>
+        </p:blipFill>
+        <p:spPr>
+          <a:xfrm>
+            <a:off x="5267377" y="2982450"/>
+            <a:ext cx="4391638" cy="2791215"/>
+          </a:xfrm>
+          <a:prstGeom prst="rect">
+            <a:avLst/>
+          </a:prstGeom>
+          <a:ln>
+            <a:solidFill>
+              <a:srgbClr val="00B0F0"/>
+            </a:solidFill>
+          </a:ln>
+        </p:spPr>
+      </p:pic>
+      <p:sp>
+        <p:nvSpPr>
+          <p:cNvPr id="13" name="Arc 12"/>
+          <p:cNvSpPr/>
+          <p:nvPr/>
+        </p:nvSpPr>
+        <p:spPr>
+          <a:xfrm>
+            <a:off x="5251088" y="4970034"/>
+            <a:ext cx="3580940" cy="241578"/>
+          </a:xfrm>
+          <a:prstGeom prst="arc">
+            <a:avLst/>
+          </a:prstGeom>
+          <a:ln w="38100">
+            <a:solidFill>
+              <a:srgbClr val="FF0000"/>
+            </a:solidFill>
+          </a:ln>
+        </p:spPr>
+        <p:style>
+          <a:lnRef idx="1">
+            <a:schemeClr val="accent1"/>
+          </a:lnRef>
+          <a:fillRef idx="0">
+            <a:schemeClr val="accent1"/>
+          </a:fillRef>
+          <a:effectRef idx="0">
+            <a:schemeClr val="accent1"/>
+          </a:effectRef>
+          <a:fontRef idx="minor">
+            <a:schemeClr val="tx1"/>
+          </a:fontRef>
+        </p:style>
+        <p:txBody>
+          <a:bodyPr rtlCol="0" anchor="ctr"/>
+          <a:lstStyle/>
+          <a:p>
+            <a:pPr algn="ctr"/>
+            <a:endParaRPr lang="zh-CN" altLang="en-US"/>
+          </a:p>
+        </p:txBody>
+      </p:sp>
+      <p:pic>
+        <p:nvPicPr>
+          <p:cNvPr id="14" name="Picture 13" descr="Screen Clipping"/>
+          <p:cNvPicPr>
+            <a:picLocks noChangeAspect="1"/>
+          </p:cNvPicPr>
+          <p:nvPr/>
+        </p:nvPicPr>
+        <p:blipFill>
+          <a:blip r:embed="rId5">
+            <a:extLst>
+              <a:ext uri="{28A0092B-C50C-407E-A947-70E740481C1C}">
+                <a14:useLocalDpi xmlns:a14="http://schemas.microsoft.com/office/drawing/2010/main" val="0"/>
+              </a:ext>
+            </a:extLst>
+          </a:blip>
+          <a:stretch>
+            <a:fillRect/>
+          </a:stretch>
+        </p:blipFill>
+        <p:spPr>
+          <a:xfrm>
+            <a:off x="10471678" y="3023679"/>
+            <a:ext cx="514422" cy="552527"/>
+          </a:xfrm>
+          <a:prstGeom prst="rect">
+            <a:avLst/>
+          </a:prstGeom>
+        </p:spPr>
+      </p:pic>
+      <p:sp>
+        <p:nvSpPr>
+          <p:cNvPr id="15" name="Right Arrow 14"/>
+          <p:cNvSpPr/>
+          <p:nvPr/>
+        </p:nvSpPr>
+        <p:spPr>
+          <a:xfrm>
+            <a:off x="9764699" y="3189715"/>
+            <a:ext cx="657907" cy="220457"/>
+          </a:xfrm>
+          <a:prstGeom prst="rightArrow">
+            <a:avLst>
+              <a:gd name="adj1" fmla="val 20494"/>
+              <a:gd name="adj2" fmla="val 113565"/>
+            </a:avLst>
+          </a:prstGeom>
+          <a:solidFill>
+            <a:schemeClr val="accent2"/>
+          </a:solidFill>
+          <a:ln>
+            <a:solidFill>
+              <a:srgbClr val="FFC000"/>
+            </a:solidFill>
+          </a:ln>
+        </p:spPr>
+        <p:style>
+          <a:lnRef idx="2">
+            <a:schemeClr val="accent1">
+              <a:shade val="50000"/>
+            </a:schemeClr>
+          </a:lnRef>
+          <a:fillRef idx="1">
+            <a:schemeClr val="accent1"/>
+          </a:fillRef>
+          <a:effectRef idx="0">
+            <a:schemeClr val="accent1"/>
+          </a:effectRef>
+          <a:fontRef idx="minor">
+            <a:schemeClr val="lt1"/>
+          </a:fontRef>
+        </p:style>
+        <p:txBody>
+          <a:bodyPr rtlCol="0" anchor="ctr"/>
+          <a:lstStyle/>
+          <a:p>
+            <a:pPr algn="ctr"/>
+            <a:endParaRPr lang="zh-CN" altLang="en-US">
+              <a:solidFill>
+                <a:srgbClr val="00B050"/>
+              </a:solidFill>
+            </a:endParaRPr>
+          </a:p>
+        </p:txBody>
+      </p:sp>
+      <p:sp>
+        <p:nvSpPr>
+          <p:cNvPr id="16" name="TextBox 15"/>
+          <p:cNvSpPr txBox="1"/>
+          <p:nvPr/>
+        </p:nvSpPr>
+        <p:spPr>
+          <a:xfrm>
+            <a:off x="9764699" y="3696925"/>
+            <a:ext cx="2111743" cy="954107"/>
+          </a:xfrm>
+          <a:prstGeom prst="rect">
+            <a:avLst/>
+          </a:prstGeom>
+          <a:noFill/>
+        </p:spPr>
+        <p:txBody>
+          <a:bodyPr wrap="square" rtlCol="0">
+            <a:spAutoFit/>
+          </a:bodyPr>
+          <a:lstStyle/>
+          <a:p>
+            <a:r>
+              <a:rPr lang="zh-CN" altLang="en-US" sz="1400" dirty="0" smtClean="0">
+                <a:latin typeface="微软雅黑" panose="020B0503020204020204" pitchFamily="34" charset="-122"/>
+                <a:ea typeface="微软雅黑" panose="020B0503020204020204" pitchFamily="34" charset="-122"/>
+              </a:rPr>
+              <a:t>合并之后可能会有若干个需要推送到服务器的变更，点击推送按钮，一次完成。</a:t>
+            </a:r>
+            <a:endParaRPr lang="zh-CN" altLang="en-US" sz="1400" dirty="0">
+              <a:latin typeface="微软雅黑" panose="020B0503020204020204" pitchFamily="34" charset="-122"/>
+              <a:ea typeface="微软雅黑" panose="020B0503020204020204" pitchFamily="34" charset="-122"/>
+            </a:endParaRPr>
+          </a:p>
+        </p:txBody>
+      </p:sp>
+    </p:spTree>
+    <p:extLst>
+      <p:ext uri="{BB962C8B-B14F-4D97-AF65-F5344CB8AC3E}">
+        <p14:creationId xmlns:p14="http://schemas.microsoft.com/office/powerpoint/2010/main" val="3574063102"/>
+      </p:ext>
+    </p:extLst>
+  </p:cSld>
+  <p:clrMapOvr>
+    <a:masterClrMapping/>
+  </p:clrMapOvr>
+  <p:timing>
+    <p:tnLst>
+      <p:par>
+        <p:cTn id="1" dur="indefinite" restart="never" nodeType="tmRoot"/>
+      </p:par>
+    </p:tnLst>
+  </p:timing>
+</p:sld>
+</file>
+
+<file path=ppt/slides/slide25.xml><?xml version="1.0" encoding="utf-8"?>
+<p:sld xmlns:a="http://schemas.openxmlformats.org/drawingml/2006/main" xmlns:r="http://schemas.openxmlformats.org/officeDocument/2006/relationships" xmlns:p="http://schemas.openxmlformats.org/presentationml/2006/main">
+  <p:cSld>
+    <p:spTree>
+      <p:nvGrpSpPr>
+        <p:cNvPr id="1" name=""/>
+        <p:cNvGrpSpPr/>
+        <p:nvPr/>
+      </p:nvGrpSpPr>
+      <p:grpSpPr>
+        <a:xfrm>
+          <a:off x="0" y="0"/>
+          <a:ext cx="0" cy="0"/>
+          <a:chOff x="0" y="0"/>
+          <a:chExt cx="0" cy="0"/>
+        </a:xfrm>
+      </p:grpSpPr>
+      <p:sp>
+        <p:nvSpPr>
+          <p:cNvPr id="3" name="Title 2"/>
+          <p:cNvSpPr txBox="1">
+            <a:spLocks noGrp="1"/>
+          </p:cNvSpPr>
+          <p:nvPr>
+            <p:ph type="title"/>
+          </p:nvPr>
+        </p:nvSpPr>
+        <p:spPr>
+          <a:xfrm>
+            <a:off x="849651" y="672236"/>
+            <a:ext cx="2892138" cy="646331"/>
+          </a:xfrm>
+          <a:prstGeom prst="rect">
+            <a:avLst/>
+          </a:prstGeom>
+          <a:noFill/>
+        </p:spPr>
+        <p:txBody>
+          <a:bodyPr wrap="none" rtlCol="0">
+            <a:spAutoFit/>
+          </a:bodyPr>
+          <a:lstStyle/>
+          <a:p>
+            <a:r>
+              <a:rPr lang="en-US" altLang="zh-CN" sz="4000" dirty="0" err="1" smtClean="0">
+                <a:solidFill>
+                  <a:srgbClr val="0070C0"/>
+                </a:solidFill>
+                <a:latin typeface="微软雅黑" panose="020B0503020204020204" pitchFamily="34" charset="-122"/>
+                <a:ea typeface="微软雅黑" panose="020B0503020204020204" pitchFamily="34" charset="-122"/>
+              </a:rPr>
+              <a:t>git</a:t>
+            </a:r>
+            <a:r>
+              <a:rPr lang="zh-CN" altLang="en-US" sz="4000" dirty="0" smtClean="0">
+                <a:solidFill>
+                  <a:srgbClr val="0070C0"/>
+                </a:solidFill>
+                <a:latin typeface="微软雅黑" panose="020B0503020204020204" pitchFamily="34" charset="-122"/>
+                <a:ea typeface="微软雅黑" panose="020B0503020204020204" pitchFamily="34" charset="-122"/>
+              </a:rPr>
+              <a:t>简单教程</a:t>
+            </a:r>
+            <a:endParaRPr lang="zh-CN" altLang="en-US" sz="4000" dirty="0">
+              <a:solidFill>
+                <a:srgbClr val="0070C0"/>
+              </a:solidFill>
+              <a:latin typeface="微软雅黑" panose="020B0503020204020204" pitchFamily="34" charset="-122"/>
+              <a:ea typeface="微软雅黑" panose="020B0503020204020204" pitchFamily="34" charset="-122"/>
+            </a:endParaRPr>
+          </a:p>
+        </p:txBody>
+      </p:sp>
+      <p:sp>
+        <p:nvSpPr>
+          <p:cNvPr id="7" name="TextBox 6"/>
+          <p:cNvSpPr txBox="1"/>
+          <p:nvPr/>
+        </p:nvSpPr>
+        <p:spPr>
+          <a:xfrm>
+            <a:off x="3741789" y="672235"/>
+            <a:ext cx="2031325" cy="646331"/>
+          </a:xfrm>
+          <a:prstGeom prst="rect">
+            <a:avLst/>
+          </a:prstGeom>
+          <a:noFill/>
+        </p:spPr>
+        <p:txBody>
+          <a:bodyPr wrap="none" rtlCol="0">
+            <a:spAutoFit/>
+          </a:bodyPr>
+          <a:lstStyle/>
+          <a:p>
+            <a:r>
+              <a:rPr lang="zh-CN" altLang="en-US" sz="3600" dirty="0" smtClean="0">
+                <a:solidFill>
+                  <a:srgbClr val="C00000"/>
+                </a:solidFill>
+                <a:latin typeface="微软雅黑" panose="020B0503020204020204" pitchFamily="34" charset="-122"/>
+                <a:ea typeface="微软雅黑" panose="020B0503020204020204" pitchFamily="34" charset="-122"/>
+                <a:hlinkClick r:id="rId2"/>
+              </a:rPr>
+              <a:t>一个链接</a:t>
+            </a:r>
+            <a:endParaRPr lang="zh-CN" altLang="en-US" sz="3600" dirty="0">
+              <a:solidFill>
+                <a:srgbClr val="C00000"/>
+              </a:solidFill>
+              <a:latin typeface="微软雅黑" panose="020B0503020204020204" pitchFamily="34" charset="-122"/>
+              <a:ea typeface="微软雅黑" panose="020B0503020204020204" pitchFamily="34" charset="-122"/>
+            </a:endParaRPr>
+          </a:p>
+        </p:txBody>
+      </p:sp>
+    </p:spTree>
+    <p:extLst>
+      <p:ext uri="{BB962C8B-B14F-4D97-AF65-F5344CB8AC3E}">
+        <p14:creationId xmlns:p14="http://schemas.microsoft.com/office/powerpoint/2010/main" val="1892473785"/>
+      </p:ext>
+    </p:extLst>
+  </p:cSld>
+  <p:clrMapOvr>
+    <a:masterClrMapping/>
+  </p:clrMapOvr>
+  <p:timing>
+    <p:tnLst>
+      <p:par>
+        <p:cTn id="1" dur="indefinite" restart="never" nodeType="tmRoot"/>
+      </p:par>
+    </p:tnLst>
+  </p:timing>
+</p:sld>
+</file>
+
+<file path=ppt/slides/slide3.xml><?xml version="1.0" encoding="utf-8"?>
+<p:sld xmlns:a="http://schemas.openxmlformats.org/drawingml/2006/main" xmlns:r="http://schemas.openxmlformats.org/officeDocument/2006/relationships" xmlns:p="http://schemas.openxmlformats.org/presentationml/2006/main">
+  <p:cSld>
+    <p:spTree>
+      <p:nvGrpSpPr>
+        <p:cNvPr id="1" name=""/>
+        <p:cNvGrpSpPr/>
+        <p:nvPr/>
+      </p:nvGrpSpPr>
+      <p:grpSpPr>
+        <a:xfrm>
+          <a:off x="0" y="0"/>
+          <a:ext cx="0" cy="0"/>
+          <a:chOff x="0" y="0"/>
+          <a:chExt cx="0" cy="0"/>
+        </a:xfrm>
+      </p:grpSpPr>
+      <p:sp>
+        <p:nvSpPr>
+          <p:cNvPr id="2" name="Title 1"/>
+          <p:cNvSpPr>
+            <a:spLocks noGrp="1"/>
+          </p:cNvSpPr>
+          <p:nvPr>
+            <p:ph type="title"/>
+          </p:nvPr>
+        </p:nvSpPr>
+        <p:spPr>
+          <a:xfrm>
+            <a:off x="1635617" y="2562896"/>
+            <a:ext cx="8991689" cy="2000485"/>
+          </a:xfrm>
+        </p:spPr>
+        <p:txBody>
+          <a:bodyPr>
+            <a:noAutofit/>
+          </a:bodyPr>
+          <a:lstStyle/>
+          <a:p>
+            <a:r>
+              <a:rPr lang="zh-CN" altLang="en-US" sz="5400" dirty="0" smtClean="0">
+                <a:solidFill>
+                  <a:srgbClr val="0070C0"/>
+                </a:solidFill>
+                <a:latin typeface="微软雅黑" panose="020B0503020204020204" pitchFamily="34" charset="-122"/>
+                <a:ea typeface="微软雅黑" panose="020B0503020204020204" pitchFamily="34" charset="-122"/>
+              </a:rPr>
+              <a:t>从注册一个</a:t>
+            </a:r>
+            <a:r>
+              <a:rPr lang="en-US" altLang="zh-CN" sz="5400" dirty="0" smtClean="0">
+                <a:solidFill>
+                  <a:srgbClr val="0070C0"/>
+                </a:solidFill>
+                <a:latin typeface="微软雅黑" panose="020B0503020204020204" pitchFamily="34" charset="-122"/>
+                <a:ea typeface="微软雅黑" panose="020B0503020204020204" pitchFamily="34" charset="-122"/>
+              </a:rPr>
+              <a:t>GitHub.com</a:t>
+            </a:r>
+            <a:r>
+              <a:rPr lang="zh-CN" altLang="en-US" sz="5400" dirty="0" smtClean="0">
+                <a:solidFill>
+                  <a:srgbClr val="0070C0"/>
+                </a:solidFill>
+                <a:latin typeface="微软雅黑" panose="020B0503020204020204" pitchFamily="34" charset="-122"/>
+                <a:ea typeface="微软雅黑" panose="020B0503020204020204" pitchFamily="34" charset="-122"/>
+              </a:rPr>
+              <a:t>账号</a:t>
+            </a:r>
+            <a:r>
+              <a:rPr lang="en-US" altLang="zh-CN" sz="5400" dirty="0" smtClean="0">
+                <a:solidFill>
+                  <a:srgbClr val="0070C0"/>
+                </a:solidFill>
+                <a:latin typeface="微软雅黑" panose="020B0503020204020204" pitchFamily="34" charset="-122"/>
+                <a:ea typeface="微软雅黑" panose="020B0503020204020204" pitchFamily="34" charset="-122"/>
+              </a:rPr>
+              <a:t/>
+            </a:r>
+            <a:br>
+              <a:rPr lang="en-US" altLang="zh-CN" sz="5400" dirty="0" smtClean="0">
+                <a:solidFill>
+                  <a:srgbClr val="0070C0"/>
+                </a:solidFill>
+                <a:latin typeface="微软雅黑" panose="020B0503020204020204" pitchFamily="34" charset="-122"/>
+                <a:ea typeface="微软雅黑" panose="020B0503020204020204" pitchFamily="34" charset="-122"/>
+              </a:rPr>
+            </a:br>
+            <a:r>
+              <a:rPr lang="zh-CN" altLang="en-US" sz="5400" dirty="0" smtClean="0">
+                <a:solidFill>
+                  <a:srgbClr val="0070C0"/>
+                </a:solidFill>
+                <a:latin typeface="微软雅黑" panose="020B0503020204020204" pitchFamily="34" charset="-122"/>
+                <a:ea typeface="微软雅黑" panose="020B0503020204020204" pitchFamily="34" charset="-122"/>
+              </a:rPr>
+              <a:t>到</a:t>
+            </a:r>
+            <a:r>
+              <a:rPr lang="en-US" altLang="zh-CN" sz="5400" dirty="0" smtClean="0">
+                <a:solidFill>
+                  <a:srgbClr val="0070C0"/>
+                </a:solidFill>
+                <a:latin typeface="微软雅黑" panose="020B0503020204020204" pitchFamily="34" charset="-122"/>
+                <a:ea typeface="微软雅黑" panose="020B0503020204020204" pitchFamily="34" charset="-122"/>
+              </a:rPr>
+              <a:t>Fork</a:t>
+            </a:r>
+            <a:r>
+              <a:rPr lang="zh-CN" altLang="en-US" sz="5400" dirty="0" smtClean="0">
+                <a:solidFill>
+                  <a:srgbClr val="0070C0"/>
+                </a:solidFill>
+                <a:latin typeface="微软雅黑" panose="020B0503020204020204" pitchFamily="34" charset="-122"/>
+                <a:ea typeface="微软雅黑" panose="020B0503020204020204" pitchFamily="34" charset="-122"/>
+              </a:rPr>
+              <a:t>一个项目，只需要</a:t>
+            </a:r>
+            <a:r>
+              <a:rPr lang="en-US" altLang="zh-CN" sz="5400" dirty="0" smtClean="0">
+                <a:solidFill>
+                  <a:srgbClr val="0070C0"/>
+                </a:solidFill>
+                <a:latin typeface="微软雅黑" panose="020B0503020204020204" pitchFamily="34" charset="-122"/>
+                <a:ea typeface="微软雅黑" panose="020B0503020204020204" pitchFamily="34" charset="-122"/>
+              </a:rPr>
+              <a:t>6</a:t>
+            </a:r>
+            <a:r>
+              <a:rPr lang="zh-CN" altLang="en-US" sz="5400" dirty="0" smtClean="0">
+                <a:solidFill>
+                  <a:srgbClr val="0070C0"/>
+                </a:solidFill>
+                <a:latin typeface="微软雅黑" panose="020B0503020204020204" pitchFamily="34" charset="-122"/>
+                <a:ea typeface="微软雅黑" panose="020B0503020204020204" pitchFamily="34" charset="-122"/>
+              </a:rPr>
+              <a:t>步</a:t>
+            </a:r>
+            <a:endParaRPr lang="zh-CN" altLang="en-US" sz="5400" dirty="0">
+              <a:solidFill>
+                <a:srgbClr val="0070C0"/>
+              </a:solidFill>
+              <a:latin typeface="微软雅黑" panose="020B0503020204020204" pitchFamily="34" charset="-122"/>
+              <a:ea typeface="微软雅黑" panose="020B0503020204020204" pitchFamily="34" charset="-122"/>
+            </a:endParaRPr>
+          </a:p>
+        </p:txBody>
+      </p:sp>
+    </p:spTree>
+    <p:extLst>
+      <p:ext uri="{BB962C8B-B14F-4D97-AF65-F5344CB8AC3E}">
+        <p14:creationId xmlns:p14="http://schemas.microsoft.com/office/powerpoint/2010/main" val="3906339670"/>
+      </p:ext>
+    </p:extLst>
+  </p:cSld>
+  <p:clrMapOvr>
+    <a:masterClrMapping/>
+  </p:clrMapOvr>
+</p:sld>
+</file>
+
+<file path=ppt/slides/slide4.xml><?xml version="1.0" encoding="utf-8"?>
+<p:sld xmlns:a="http://schemas.openxmlformats.org/drawingml/2006/main" xmlns:r="http://schemas.openxmlformats.org/officeDocument/2006/relationships" xmlns:p="http://schemas.openxmlformats.org/presentationml/2006/main">
+  <p:cSld>
+    <p:spTree>
+      <p:nvGrpSpPr>
+        <p:cNvPr id="1" name=""/>
+        <p:cNvGrpSpPr/>
+        <p:nvPr/>
+      </p:nvGrpSpPr>
+      <p:grpSpPr>
+        <a:xfrm>
+          <a:off x="0" y="0"/>
+          <a:ext cx="0" cy="0"/>
+          <a:chOff x="0" y="0"/>
+          <a:chExt cx="0" cy="0"/>
+        </a:xfrm>
+      </p:grpSpPr>
+      <p:grpSp>
+        <p:nvGrpSpPr>
+          <p:cNvPr id="17" name="Group 16"/>
+          <p:cNvGrpSpPr/>
+          <p:nvPr/>
+        </p:nvGrpSpPr>
+        <p:grpSpPr>
+          <a:xfrm>
+            <a:off x="980361" y="652075"/>
+            <a:ext cx="10231278" cy="5553850"/>
+            <a:chOff x="980361" y="652075"/>
+            <a:chExt cx="10231278" cy="5553850"/>
+          </a:xfrm>
+        </p:grpSpPr>
+        <p:pic>
+          <p:nvPicPr>
+            <p:cNvPr id="7" name="Picture 6" descr="Screen Clipping"/>
+            <p:cNvPicPr>
+              <a:picLocks noChangeAspect="1"/>
+            </p:cNvPicPr>
+            <p:nvPr/>
+          </p:nvPicPr>
+          <p:blipFill>
+            <a:blip r:embed="rId2">
+              <a:extLst>
+                <a:ext uri="{28A0092B-C50C-407E-A947-70E740481C1C}">
+                  <a14:useLocalDpi xmlns:a14="http://schemas.microsoft.com/office/drawing/2010/main" val="0"/>
+                </a:ext>
+              </a:extLst>
+            </a:blip>
+            <a:stretch>
+              <a:fillRect/>
+            </a:stretch>
+          </p:blipFill>
+          <p:spPr>
+            <a:xfrm>
+              <a:off x="980361" y="652075"/>
+              <a:ext cx="10231278" cy="5553850"/>
+            </a:xfrm>
+            <a:prstGeom prst="rect">
+              <a:avLst/>
+            </a:prstGeom>
+          </p:spPr>
+        </p:pic>
+        <p:sp>
+          <p:nvSpPr>
+            <p:cNvPr id="8" name="TextBox 7"/>
+            <p:cNvSpPr txBox="1"/>
+            <p:nvPr/>
+          </p:nvSpPr>
+          <p:spPr>
+            <a:xfrm>
+              <a:off x="6233160" y="2682240"/>
+              <a:ext cx="1107996" cy="461665"/>
+            </a:xfrm>
+            <a:prstGeom prst="rect">
+              <a:avLst/>
+            </a:prstGeom>
+          </p:spPr>
+          <p:style>
+            <a:lnRef idx="2">
+              <a:schemeClr val="accent2">
+                <a:shade val="50000"/>
+              </a:schemeClr>
+            </a:lnRef>
+            <a:fillRef idx="1">
+              <a:schemeClr val="accent2"/>
+            </a:fillRef>
+            <a:effectRef idx="0">
+              <a:schemeClr val="accent2"/>
+            </a:effectRef>
+            <a:fontRef idx="minor">
+              <a:schemeClr val="lt1"/>
+            </a:fontRef>
+          </p:style>
+          <p:txBody>
+            <a:bodyPr wrap="none" rtlCol="0">
+              <a:spAutoFit/>
+            </a:bodyPr>
+            <a:lstStyle/>
+            <a:p>
+              <a:r>
+                <a:rPr lang="zh-CN" altLang="en-US" sz="2400" dirty="0" smtClean="0">
+                  <a:solidFill>
+                    <a:srgbClr val="C00000"/>
+                  </a:solidFill>
+                  <a:latin typeface="微软雅黑" panose="020B0503020204020204" pitchFamily="34" charset="-122"/>
+                  <a:ea typeface="微软雅黑" panose="020B0503020204020204" pitchFamily="34" charset="-122"/>
+                </a:rPr>
+                <a:t>用户名</a:t>
+              </a:r>
+              <a:endParaRPr lang="zh-CN" altLang="en-US" sz="2400" dirty="0">
+                <a:solidFill>
+                  <a:srgbClr val="C00000"/>
+                </a:solidFill>
+                <a:latin typeface="微软雅黑" panose="020B0503020204020204" pitchFamily="34" charset="-122"/>
+                <a:ea typeface="微软雅黑" panose="020B0503020204020204" pitchFamily="34" charset="-122"/>
+              </a:endParaRPr>
+            </a:p>
+          </p:txBody>
+        </p:sp>
+        <p:cxnSp>
+          <p:nvCxnSpPr>
+            <p:cNvPr id="11" name="Straight Arrow Connector 10"/>
+            <p:cNvCxnSpPr>
+              <a:stCxn id="8" idx="3"/>
+            </p:cNvCxnSpPr>
+            <p:nvPr/>
+          </p:nvCxnSpPr>
+          <p:spPr>
+            <a:xfrm flipV="1">
+              <a:off x="7341156" y="2913072"/>
+              <a:ext cx="690324" cy="1"/>
+            </a:xfrm>
+            <a:prstGeom prst="straightConnector1">
+              <a:avLst/>
+            </a:prstGeom>
+            <a:ln w="38100">
+              <a:tailEnd type="triangle"/>
+            </a:ln>
+          </p:spPr>
+          <p:style>
+            <a:lnRef idx="3">
+              <a:schemeClr val="accent2"/>
+            </a:lnRef>
+            <a:fillRef idx="0">
+              <a:schemeClr val="accent2"/>
+            </a:fillRef>
+            <a:effectRef idx="2">
+              <a:schemeClr val="accent2"/>
+            </a:effectRef>
+            <a:fontRef idx="minor">
+              <a:schemeClr val="tx1"/>
+            </a:fontRef>
+          </p:style>
+        </p:cxnSp>
+        <p:sp>
+          <p:nvSpPr>
+            <p:cNvPr id="12" name="TextBox 11"/>
+            <p:cNvSpPr txBox="1"/>
+            <p:nvPr/>
+          </p:nvSpPr>
+          <p:spPr>
+            <a:xfrm>
+              <a:off x="6233160" y="3209330"/>
+              <a:ext cx="1415772" cy="461665"/>
+            </a:xfrm>
+            <a:prstGeom prst="rect">
+              <a:avLst/>
+            </a:prstGeom>
+          </p:spPr>
+          <p:style>
+            <a:lnRef idx="2">
+              <a:schemeClr val="accent2">
+                <a:shade val="50000"/>
+              </a:schemeClr>
+            </a:lnRef>
+            <a:fillRef idx="1">
+              <a:schemeClr val="accent2"/>
+            </a:fillRef>
+            <a:effectRef idx="0">
+              <a:schemeClr val="accent2"/>
+            </a:effectRef>
+            <a:fontRef idx="minor">
+              <a:schemeClr val="lt1"/>
+            </a:fontRef>
+          </p:style>
+          <p:txBody>
+            <a:bodyPr wrap="none" rtlCol="0">
+              <a:spAutoFit/>
+            </a:bodyPr>
+            <a:lstStyle/>
+            <a:p>
+              <a:r>
+                <a:rPr lang="zh-CN" altLang="en-US" sz="2400" dirty="0" smtClean="0">
+                  <a:solidFill>
+                    <a:srgbClr val="C00000"/>
+                  </a:solidFill>
+                  <a:latin typeface="微软雅黑" panose="020B0503020204020204" pitchFamily="34" charset="-122"/>
+                  <a:ea typeface="微软雅黑" panose="020B0503020204020204" pitchFamily="34" charset="-122"/>
+                </a:rPr>
+                <a:t>电子邮箱</a:t>
+              </a:r>
+              <a:endParaRPr lang="zh-CN" altLang="en-US" sz="2400" dirty="0">
+                <a:solidFill>
+                  <a:srgbClr val="C00000"/>
+                </a:solidFill>
+                <a:latin typeface="微软雅黑" panose="020B0503020204020204" pitchFamily="34" charset="-122"/>
+                <a:ea typeface="微软雅黑" panose="020B0503020204020204" pitchFamily="34" charset="-122"/>
+              </a:endParaRPr>
+            </a:p>
+          </p:txBody>
+        </p:sp>
+        <p:cxnSp>
+          <p:nvCxnSpPr>
+            <p:cNvPr id="13" name="Straight Arrow Connector 12"/>
+            <p:cNvCxnSpPr>
+              <a:stCxn id="12" idx="3"/>
+            </p:cNvCxnSpPr>
+            <p:nvPr/>
+          </p:nvCxnSpPr>
+          <p:spPr>
+            <a:xfrm>
+              <a:off x="7648932" y="3440163"/>
+              <a:ext cx="382548" cy="0"/>
+            </a:xfrm>
+            <a:prstGeom prst="straightConnector1">
+              <a:avLst/>
+            </a:prstGeom>
+            <a:ln w="38100">
+              <a:tailEnd type="triangle"/>
+            </a:ln>
+          </p:spPr>
+          <p:style>
+            <a:lnRef idx="3">
+              <a:schemeClr val="accent2"/>
+            </a:lnRef>
+            <a:fillRef idx="0">
+              <a:schemeClr val="accent2"/>
+            </a:fillRef>
+            <a:effectRef idx="2">
+              <a:schemeClr val="accent2"/>
+            </a:effectRef>
+            <a:fontRef idx="minor">
+              <a:schemeClr val="tx1"/>
+            </a:fontRef>
+          </p:style>
+        </p:cxnSp>
+        <p:sp>
+          <p:nvSpPr>
+            <p:cNvPr id="14" name="TextBox 13"/>
+            <p:cNvSpPr txBox="1"/>
+            <p:nvPr/>
+          </p:nvSpPr>
+          <p:spPr>
+            <a:xfrm>
+              <a:off x="6233160" y="3756124"/>
+              <a:ext cx="800219" cy="461665"/>
+            </a:xfrm>
+            <a:prstGeom prst="rect">
+              <a:avLst/>
+            </a:prstGeom>
+          </p:spPr>
+          <p:style>
+            <a:lnRef idx="2">
+              <a:schemeClr val="accent2">
+                <a:shade val="50000"/>
+              </a:schemeClr>
+            </a:lnRef>
+            <a:fillRef idx="1">
+              <a:schemeClr val="accent2"/>
+            </a:fillRef>
+            <a:effectRef idx="0">
+              <a:schemeClr val="accent2"/>
+            </a:effectRef>
+            <a:fontRef idx="minor">
+              <a:schemeClr val="lt1"/>
+            </a:fontRef>
+          </p:style>
+          <p:txBody>
+            <a:bodyPr wrap="none" rtlCol="0">
+              <a:spAutoFit/>
+            </a:bodyPr>
+            <a:lstStyle/>
+            <a:p>
+              <a:r>
+                <a:rPr lang="zh-CN" altLang="en-US" sz="2400" dirty="0" smtClean="0">
+                  <a:solidFill>
+                    <a:srgbClr val="C00000"/>
+                  </a:solidFill>
+                  <a:latin typeface="微软雅黑" panose="020B0503020204020204" pitchFamily="34" charset="-122"/>
+                  <a:ea typeface="微软雅黑" panose="020B0503020204020204" pitchFamily="34" charset="-122"/>
+                </a:rPr>
+                <a:t>密码</a:t>
+              </a:r>
+              <a:endParaRPr lang="zh-CN" altLang="en-US" sz="2400" dirty="0">
+                <a:solidFill>
+                  <a:srgbClr val="C00000"/>
+                </a:solidFill>
+                <a:latin typeface="微软雅黑" panose="020B0503020204020204" pitchFamily="34" charset="-122"/>
+                <a:ea typeface="微软雅黑" panose="020B0503020204020204" pitchFamily="34" charset="-122"/>
+              </a:endParaRPr>
+            </a:p>
+          </p:txBody>
+        </p:sp>
+        <p:cxnSp>
+          <p:nvCxnSpPr>
+            <p:cNvPr id="15" name="Straight Arrow Connector 14"/>
+            <p:cNvCxnSpPr>
+              <a:stCxn id="14" idx="3"/>
+            </p:cNvCxnSpPr>
+            <p:nvPr/>
+          </p:nvCxnSpPr>
+          <p:spPr>
+            <a:xfrm>
+              <a:off x="7033379" y="3986957"/>
+              <a:ext cx="998101" cy="0"/>
+            </a:xfrm>
+            <a:prstGeom prst="straightConnector1">
+              <a:avLst/>
+            </a:prstGeom>
+            <a:ln w="38100">
+              <a:tailEnd type="triangle"/>
+            </a:ln>
+          </p:spPr>
+          <p:style>
+            <a:lnRef idx="3">
+              <a:schemeClr val="accent2"/>
+            </a:lnRef>
+            <a:fillRef idx="0">
+              <a:schemeClr val="accent2"/>
+            </a:fillRef>
+            <a:effectRef idx="2">
+              <a:schemeClr val="accent2"/>
+            </a:effectRef>
+            <a:fontRef idx="minor">
+              <a:schemeClr val="tx1"/>
+            </a:fontRef>
+          </p:style>
+        </p:cxnSp>
+        <p:sp>
+          <p:nvSpPr>
+            <p:cNvPr id="16" name="TextBox 15"/>
+            <p:cNvSpPr txBox="1"/>
+            <p:nvPr/>
+          </p:nvSpPr>
+          <p:spPr>
+            <a:xfrm>
+              <a:off x="5555924" y="4239518"/>
+              <a:ext cx="5655715" cy="338554"/>
+            </a:xfrm>
+            <a:prstGeom prst="rect">
+              <a:avLst/>
+            </a:prstGeom>
+          </p:spPr>
+          <p:style>
+            <a:lnRef idx="2">
+              <a:schemeClr val="accent6"/>
+            </a:lnRef>
+            <a:fillRef idx="1">
+              <a:schemeClr val="lt1"/>
+            </a:fillRef>
+            <a:effectRef idx="0">
+              <a:schemeClr val="accent6"/>
+            </a:effectRef>
+            <a:fontRef idx="minor">
+              <a:schemeClr val="dk1"/>
+            </a:fontRef>
+          </p:style>
+          <p:txBody>
+            <a:bodyPr wrap="none" rtlCol="0">
+              <a:spAutoFit/>
+            </a:bodyPr>
+            <a:lstStyle/>
+            <a:p>
+              <a:r>
+                <a:rPr lang="zh-CN" altLang="en-US" sz="1600" b="1" dirty="0" smtClean="0">
+                  <a:ln w="0"/>
+                  <a:solidFill>
+                    <a:srgbClr val="C00000"/>
+                  </a:solidFill>
+                  <a:effectLst>
+                    <a:reflection blurRad="6350" stA="53000" endA="300" endPos="35500" dir="5400000" sy="-90000" algn="bl" rotWithShape="0"/>
+                  </a:effectLst>
+                </a:rPr>
+                <a:t>密码长度至少为</a:t>
+              </a:r>
+              <a:r>
+                <a:rPr lang="en-US" altLang="zh-CN" sz="1600" b="1" dirty="0" smtClean="0">
+                  <a:ln w="0"/>
+                  <a:solidFill>
+                    <a:srgbClr val="C00000"/>
+                  </a:solidFill>
+                  <a:effectLst>
+                    <a:reflection blurRad="6350" stA="53000" endA="300" endPos="35500" dir="5400000" sy="-90000" algn="bl" rotWithShape="0"/>
+                  </a:effectLst>
+                </a:rPr>
+                <a:t>7</a:t>
+              </a:r>
+              <a:r>
+                <a:rPr lang="zh-CN" altLang="en-US" sz="1600" b="1" dirty="0" smtClean="0">
+                  <a:ln w="0"/>
+                  <a:solidFill>
+                    <a:srgbClr val="C00000"/>
+                  </a:solidFill>
+                  <a:effectLst>
+                    <a:reflection blurRad="6350" stA="53000" endA="300" endPos="35500" dir="5400000" sy="-90000" algn="bl" rotWithShape="0"/>
+                  </a:effectLst>
+                </a:rPr>
+                <a:t>位，其中至少包含</a:t>
+              </a:r>
+              <a:r>
+                <a:rPr lang="en-US" altLang="zh-CN" sz="1600" b="1" dirty="0" smtClean="0">
+                  <a:ln w="0"/>
+                  <a:solidFill>
+                    <a:srgbClr val="C00000"/>
+                  </a:solidFill>
+                  <a:effectLst>
+                    <a:reflection blurRad="6350" stA="53000" endA="300" endPos="35500" dir="5400000" sy="-90000" algn="bl" rotWithShape="0"/>
+                  </a:effectLst>
+                </a:rPr>
+                <a:t>1</a:t>
+              </a:r>
+              <a:r>
+                <a:rPr lang="zh-CN" altLang="en-US" sz="1600" b="1" dirty="0" smtClean="0">
+                  <a:ln w="0"/>
+                  <a:solidFill>
+                    <a:srgbClr val="C00000"/>
+                  </a:solidFill>
+                  <a:effectLst>
+                    <a:reflection blurRad="6350" stA="53000" endA="300" endPos="35500" dir="5400000" sy="-90000" algn="bl" rotWithShape="0"/>
+                  </a:effectLst>
+                </a:rPr>
+                <a:t>个小写字母，</a:t>
+              </a:r>
+              <a:r>
+                <a:rPr lang="en-US" altLang="zh-CN" sz="1600" b="1" dirty="0" smtClean="0">
+                  <a:ln w="0"/>
+                  <a:solidFill>
+                    <a:srgbClr val="C00000"/>
+                  </a:solidFill>
+                  <a:effectLst>
+                    <a:reflection blurRad="6350" stA="53000" endA="300" endPos="35500" dir="5400000" sy="-90000" algn="bl" rotWithShape="0"/>
+                  </a:effectLst>
+                </a:rPr>
+                <a:t>1</a:t>
+              </a:r>
+              <a:r>
+                <a:rPr lang="zh-CN" altLang="en-US" sz="1600" b="1" dirty="0" smtClean="0">
+                  <a:ln w="0"/>
+                  <a:solidFill>
+                    <a:srgbClr val="C00000"/>
+                  </a:solidFill>
+                  <a:effectLst>
+                    <a:reflection blurRad="6350" stA="53000" endA="300" endPos="35500" dir="5400000" sy="-90000" algn="bl" rotWithShape="0"/>
+                  </a:effectLst>
+                </a:rPr>
+                <a:t>个数字，</a:t>
+              </a:r>
+              <a:endParaRPr lang="zh-CN" altLang="en-US" sz="1600" b="1" dirty="0">
+                <a:ln w="0"/>
+                <a:solidFill>
+                  <a:srgbClr val="C00000"/>
+                </a:solidFill>
+                <a:effectLst>
+                  <a:reflection blurRad="6350" stA="53000" endA="300" endPos="35500" dir="5400000" sy="-90000" algn="bl" rotWithShape="0"/>
+                </a:effectLst>
+              </a:endParaRPr>
+            </a:p>
+          </p:txBody>
+        </p:sp>
+      </p:grpSp>
+    </p:spTree>
+    <p:extLst>
+      <p:ext uri="{BB962C8B-B14F-4D97-AF65-F5344CB8AC3E}">
+        <p14:creationId xmlns:p14="http://schemas.microsoft.com/office/powerpoint/2010/main" val="2240802071"/>
+      </p:ext>
+    </p:extLst>
+  </p:cSld>
+  <p:clrMapOvr>
+    <a:masterClrMapping/>
+  </p:clrMapOvr>
+  <p:timing>
+    <p:tnLst>
+      <p:par>
+        <p:cTn id="1" dur="indefinite" restart="never" nodeType="tmRoot"/>
+      </p:par>
+    </p:tnLst>
+  </p:timing>
+</p:sld>
+</file>
+
+<file path=ppt/slides/slide5.xml><?xml version="1.0" encoding="utf-8"?>
+<p:sld xmlns:a="http://schemas.openxmlformats.org/drawingml/2006/main" xmlns:r="http://schemas.openxmlformats.org/officeDocument/2006/relationships" xmlns:p="http://schemas.openxmlformats.org/presentationml/2006/main">
+  <p:cSld>
+    <p:spTree>
+      <p:nvGrpSpPr>
+        <p:cNvPr id="1" name=""/>
+        <p:cNvGrpSpPr/>
+        <p:nvPr/>
+      </p:nvGrpSpPr>
+      <p:grpSpPr>
+        <a:xfrm>
+          <a:off x="0" y="0"/>
+          <a:ext cx="0" cy="0"/>
+          <a:chOff x="0" y="0"/>
+          <a:chExt cx="0" cy="0"/>
+        </a:xfrm>
+      </p:grpSpPr>
+      <p:pic>
+        <p:nvPicPr>
+          <p:cNvPr id="3" name="Picture 2" descr="Screen Clipping"/>
+          <p:cNvPicPr>
+            <a:picLocks noChangeAspect="1"/>
+          </p:cNvPicPr>
+          <p:nvPr/>
+        </p:nvPicPr>
+        <p:blipFill>
+          <a:blip r:embed="rId2">
+            <a:extLst>
+              <a:ext uri="{28A0092B-C50C-407E-A947-70E740481C1C}">
+                <a14:useLocalDpi xmlns:a14="http://schemas.microsoft.com/office/drawing/2010/main" val="0"/>
+              </a:ext>
+            </a:extLst>
+          </a:blip>
+          <a:stretch>
+            <a:fillRect/>
+          </a:stretch>
+        </p:blipFill>
+        <p:spPr>
+          <a:xfrm>
+            <a:off x="0" y="389502"/>
+            <a:ext cx="12192000" cy="6078996"/>
+          </a:xfrm>
+          <a:prstGeom prst="rect">
+            <a:avLst/>
+          </a:prstGeom>
+        </p:spPr>
+      </p:pic>
+      <p:sp>
+        <p:nvSpPr>
+          <p:cNvPr id="4" name="Oval 11"/>
+          <p:cNvSpPr/>
+          <p:nvPr/>
+        </p:nvSpPr>
+        <p:spPr>
+          <a:xfrm>
+            <a:off x="4729671" y="4042797"/>
+            <a:ext cx="1366329" cy="1366329"/>
+          </a:xfrm>
+          <a:prstGeom prst="ellipse">
+            <a:avLst/>
+          </a:prstGeom>
+        </p:spPr>
+        <p:style>
+          <a:lnRef idx="2">
+            <a:schemeClr val="accent2">
+              <a:shade val="50000"/>
+            </a:schemeClr>
+          </a:lnRef>
+          <a:fillRef idx="1">
+            <a:schemeClr val="accent2"/>
+          </a:fillRef>
+          <a:effectRef idx="0">
+            <a:schemeClr val="accent2"/>
+          </a:effectRef>
+          <a:fontRef idx="minor">
+            <a:schemeClr val="lt1"/>
+          </a:fontRef>
+        </p:style>
+        <p:txBody>
+          <a:bodyPr rtlCol="0" anchor="ctr"/>
+          <a:lstStyle/>
+          <a:p>
+            <a:pPr algn="ctr"/>
+            <a:r>
+              <a:rPr lang="en-US" altLang="zh-CN" sz="7200" dirty="0" smtClean="0">
+                <a:latin typeface="Arial Black" panose="020B0A04020102020204" pitchFamily="34" charset="0"/>
+                <a:ea typeface="微软雅黑" panose="020B0503020204020204" pitchFamily="34" charset="-122"/>
+              </a:rPr>
+              <a:t>1</a:t>
+            </a:r>
+            <a:endParaRPr lang="zh-CN" altLang="en-US" sz="7200" dirty="0">
+              <a:latin typeface="Arial Black" panose="020B0A04020102020204" pitchFamily="34" charset="0"/>
+              <a:ea typeface="微软雅黑" panose="020B0503020204020204" pitchFamily="34" charset="-122"/>
+            </a:endParaRPr>
+          </a:p>
+        </p:txBody>
+      </p:sp>
+    </p:spTree>
+    <p:extLst>
+      <p:ext uri="{BB962C8B-B14F-4D97-AF65-F5344CB8AC3E}">
+        <p14:creationId xmlns:p14="http://schemas.microsoft.com/office/powerpoint/2010/main" val="561000640"/>
+      </p:ext>
+    </p:extLst>
+  </p:cSld>
+  <p:clrMapOvr>
+    <a:masterClrMapping/>
+  </p:clrMapOvr>
+</p:sld>
+</file>
+
+<file path=ppt/slides/slide6.xml><?xml version="1.0" encoding="utf-8"?>
+<p:sld xmlns:a="http://schemas.openxmlformats.org/drawingml/2006/main" xmlns:r="http://schemas.openxmlformats.org/officeDocument/2006/relationships" xmlns:p="http://schemas.openxmlformats.org/presentationml/2006/main">
+  <p:cSld>
+    <p:spTree>
+      <p:nvGrpSpPr>
+        <p:cNvPr id="1" name=""/>
+        <p:cNvGrpSpPr/>
+        <p:nvPr/>
+      </p:nvGrpSpPr>
+      <p:grpSpPr>
+        <a:xfrm>
+          <a:off x="0" y="0"/>
+          <a:ext cx="0" cy="0"/>
+          <a:chOff x="0" y="0"/>
+          <a:chExt cx="0" cy="0"/>
+        </a:xfrm>
+      </p:grpSpPr>
+      <p:pic>
+        <p:nvPicPr>
+          <p:cNvPr id="2" name="Picture 1" descr="Screen Clipping"/>
+          <p:cNvPicPr>
+            <a:picLocks noChangeAspect="1"/>
+          </p:cNvPicPr>
+          <p:nvPr/>
+        </p:nvPicPr>
+        <p:blipFill>
+          <a:blip r:embed="rId2">
+            <a:extLst>
+              <a:ext uri="{28A0092B-C50C-407E-A947-70E740481C1C}">
+                <a14:useLocalDpi xmlns:a14="http://schemas.microsoft.com/office/drawing/2010/main" val="0"/>
+              </a:ext>
+            </a:extLst>
+          </a:blip>
+          <a:stretch>
+            <a:fillRect/>
+          </a:stretch>
+        </p:blipFill>
+        <p:spPr>
+          <a:xfrm>
+            <a:off x="1764406" y="229824"/>
+            <a:ext cx="8974364" cy="6628175"/>
+          </a:xfrm>
+          <a:prstGeom prst="rect">
+            <a:avLst/>
+          </a:prstGeom>
+        </p:spPr>
+      </p:pic>
+      <p:sp>
+        <p:nvSpPr>
+          <p:cNvPr id="3" name="椭圆 2"/>
+          <p:cNvSpPr/>
+          <p:nvPr/>
+        </p:nvSpPr>
+        <p:spPr>
+          <a:xfrm>
+            <a:off x="7044744" y="4430332"/>
+            <a:ext cx="953037" cy="450761"/>
+          </a:xfrm>
+          <a:prstGeom prst="ellipse">
+            <a:avLst/>
+          </a:prstGeom>
+          <a:noFill/>
+          <a:ln w="28575">
+            <a:solidFill>
+              <a:srgbClr val="C00000"/>
+            </a:solidFill>
+          </a:ln>
+        </p:spPr>
+        <p:style>
+          <a:lnRef idx="2">
+            <a:schemeClr val="accent1">
+              <a:shade val="50000"/>
+            </a:schemeClr>
+          </a:lnRef>
+          <a:fillRef idx="1">
+            <a:schemeClr val="accent1"/>
+          </a:fillRef>
+          <a:effectRef idx="0">
+            <a:schemeClr val="accent1"/>
+          </a:effectRef>
+          <a:fontRef idx="minor">
+            <a:schemeClr val="lt1"/>
+          </a:fontRef>
+        </p:style>
+        <p:txBody>
+          <a:bodyPr rtlCol="0" anchor="ctr"/>
+          <a:lstStyle/>
+          <a:p>
+            <a:pPr algn="ctr"/>
+            <a:endParaRPr lang="zh-CN" altLang="en-US"/>
+          </a:p>
+        </p:txBody>
+      </p:sp>
+      <p:sp>
+        <p:nvSpPr>
+          <p:cNvPr id="4" name="Oval 11"/>
+          <p:cNvSpPr/>
+          <p:nvPr/>
+        </p:nvSpPr>
+        <p:spPr>
+          <a:xfrm>
+            <a:off x="2063744" y="2745835"/>
+            <a:ext cx="1366329" cy="1366329"/>
+          </a:xfrm>
+          <a:prstGeom prst="ellipse">
+            <a:avLst/>
+          </a:prstGeom>
+        </p:spPr>
+        <p:style>
+          <a:lnRef idx="2">
+            <a:schemeClr val="accent2">
+              <a:shade val="50000"/>
+            </a:schemeClr>
+          </a:lnRef>
+          <a:fillRef idx="1">
+            <a:schemeClr val="accent2"/>
+          </a:fillRef>
+          <a:effectRef idx="0">
+            <a:schemeClr val="accent2"/>
+          </a:effectRef>
+          <a:fontRef idx="minor">
+            <a:schemeClr val="lt1"/>
+          </a:fontRef>
+        </p:style>
+        <p:txBody>
+          <a:bodyPr rtlCol="0" anchor="ctr"/>
+          <a:lstStyle/>
+          <a:p>
+            <a:pPr algn="ctr"/>
+            <a:r>
+              <a:rPr lang="en-US" altLang="zh-CN" sz="7200" dirty="0" smtClean="0">
+                <a:latin typeface="Arial Black" panose="020B0A04020102020204" pitchFamily="34" charset="0"/>
+                <a:ea typeface="微软雅黑" panose="020B0503020204020204" pitchFamily="34" charset="-122"/>
+              </a:rPr>
+              <a:t>2</a:t>
+            </a:r>
+            <a:endParaRPr lang="zh-CN" altLang="en-US" sz="7200" dirty="0">
+              <a:latin typeface="Arial Black" panose="020B0A04020102020204" pitchFamily="34" charset="0"/>
+              <a:ea typeface="微软雅黑" panose="020B0503020204020204" pitchFamily="34" charset="-122"/>
+            </a:endParaRPr>
+          </a:p>
+        </p:txBody>
+      </p:sp>
+      <p:sp>
+        <p:nvSpPr>
+          <p:cNvPr id="5" name="TextBox 7"/>
+          <p:cNvSpPr txBox="1"/>
+          <p:nvPr/>
+        </p:nvSpPr>
+        <p:spPr>
+          <a:xfrm>
+            <a:off x="3726915" y="4443210"/>
+            <a:ext cx="800219" cy="461665"/>
+          </a:xfrm>
+          <a:prstGeom prst="rect">
+            <a:avLst/>
+          </a:prstGeom>
+        </p:spPr>
+        <p:style>
+          <a:lnRef idx="2">
+            <a:schemeClr val="accent2">
+              <a:shade val="50000"/>
+            </a:schemeClr>
+          </a:lnRef>
+          <a:fillRef idx="1">
+            <a:schemeClr val="accent2"/>
+          </a:fillRef>
+          <a:effectRef idx="0">
+            <a:schemeClr val="accent2"/>
+          </a:effectRef>
+          <a:fontRef idx="minor">
+            <a:schemeClr val="lt1"/>
+          </a:fontRef>
+        </p:style>
+        <p:txBody>
+          <a:bodyPr wrap="none" rtlCol="0">
+            <a:spAutoFit/>
+          </a:bodyPr>
+          <a:lstStyle/>
+          <a:p>
+            <a:r>
+              <a:rPr lang="zh-CN" altLang="en-US" sz="2400" dirty="0" smtClean="0">
+                <a:solidFill>
+                  <a:srgbClr val="C00000"/>
+                </a:solidFill>
+                <a:latin typeface="微软雅黑" panose="020B0503020204020204" pitchFamily="34" charset="-122"/>
+                <a:ea typeface="微软雅黑" panose="020B0503020204020204" pitchFamily="34" charset="-122"/>
+              </a:rPr>
+              <a:t>免费</a:t>
+            </a:r>
+            <a:endParaRPr lang="zh-CN" altLang="en-US" sz="2400" dirty="0">
+              <a:solidFill>
+                <a:srgbClr val="C00000"/>
+              </a:solidFill>
+              <a:latin typeface="微软雅黑" panose="020B0503020204020204" pitchFamily="34" charset="-122"/>
+              <a:ea typeface="微软雅黑" panose="020B0503020204020204" pitchFamily="34" charset="-122"/>
+            </a:endParaRPr>
+          </a:p>
+        </p:txBody>
+      </p:sp>
+      <p:sp>
+        <p:nvSpPr>
+          <p:cNvPr id="6" name="椭圆 5"/>
+          <p:cNvSpPr/>
+          <p:nvPr/>
+        </p:nvSpPr>
+        <p:spPr>
+          <a:xfrm>
+            <a:off x="6823657" y="6269864"/>
+            <a:ext cx="1174124" cy="450761"/>
+          </a:xfrm>
+          <a:prstGeom prst="ellipse">
+            <a:avLst/>
+          </a:prstGeom>
+          <a:noFill/>
+          <a:ln w="28575">
+            <a:solidFill>
+              <a:srgbClr val="C00000"/>
+            </a:solidFill>
+          </a:ln>
+        </p:spPr>
+        <p:style>
+          <a:lnRef idx="2">
+            <a:schemeClr val="accent1">
+              <a:shade val="50000"/>
+            </a:schemeClr>
+          </a:lnRef>
+          <a:fillRef idx="1">
+            <a:schemeClr val="accent1"/>
+          </a:fillRef>
+          <a:effectRef idx="0">
+            <a:schemeClr val="accent1"/>
+          </a:effectRef>
+          <a:fontRef idx="minor">
+            <a:schemeClr val="lt1"/>
+          </a:fontRef>
+        </p:style>
+        <p:txBody>
+          <a:bodyPr rtlCol="0" anchor="ctr"/>
+          <a:lstStyle/>
+          <a:p>
+            <a:pPr algn="ctr"/>
+            <a:endParaRPr lang="zh-CN" altLang="en-US"/>
+          </a:p>
+        </p:txBody>
+      </p:sp>
+      <p:sp>
+        <p:nvSpPr>
+          <p:cNvPr id="7" name="TextBox 7"/>
+          <p:cNvSpPr txBox="1"/>
+          <p:nvPr/>
+        </p:nvSpPr>
+        <p:spPr>
+          <a:xfrm>
+            <a:off x="8167947" y="6258960"/>
+            <a:ext cx="1415772" cy="461665"/>
+          </a:xfrm>
+          <a:prstGeom prst="rect">
+            <a:avLst/>
+          </a:prstGeom>
+        </p:spPr>
+        <p:style>
+          <a:lnRef idx="2">
+            <a:schemeClr val="accent2">
+              <a:shade val="50000"/>
+            </a:schemeClr>
+          </a:lnRef>
+          <a:fillRef idx="1">
+            <a:schemeClr val="accent2"/>
+          </a:fillRef>
+          <a:effectRef idx="0">
+            <a:schemeClr val="accent2"/>
+          </a:effectRef>
+          <a:fontRef idx="minor">
+            <a:schemeClr val="lt1"/>
+          </a:fontRef>
+        </p:style>
+        <p:txBody>
+          <a:bodyPr wrap="none" rtlCol="0">
+            <a:spAutoFit/>
+          </a:bodyPr>
+          <a:lstStyle/>
+          <a:p>
+            <a:r>
+              <a:rPr lang="zh-CN" altLang="en-US" sz="2400" dirty="0" smtClean="0">
+                <a:solidFill>
+                  <a:srgbClr val="C00000"/>
+                </a:solidFill>
+                <a:latin typeface="微软雅黑" panose="020B0503020204020204" pitchFamily="34" charset="-122"/>
+                <a:ea typeface="微软雅黑" panose="020B0503020204020204" pitchFamily="34" charset="-122"/>
+              </a:rPr>
+              <a:t>完成注册</a:t>
+            </a:r>
+            <a:endParaRPr lang="zh-CN" altLang="en-US" sz="2400" dirty="0">
+              <a:solidFill>
+                <a:srgbClr val="C00000"/>
+              </a:solidFill>
+              <a:latin typeface="微软雅黑" panose="020B0503020204020204" pitchFamily="34" charset="-122"/>
+              <a:ea typeface="微软雅黑" panose="020B0503020204020204" pitchFamily="34" charset="-122"/>
+            </a:endParaRPr>
+          </a:p>
+        </p:txBody>
+      </p:sp>
+    </p:spTree>
+    <p:extLst>
+      <p:ext uri="{BB962C8B-B14F-4D97-AF65-F5344CB8AC3E}">
+        <p14:creationId xmlns:p14="http://schemas.microsoft.com/office/powerpoint/2010/main" val="2939525787"/>
+      </p:ext>
+    </p:extLst>
+  </p:cSld>
+  <p:clrMapOvr>
+    <a:masterClrMapping/>
+  </p:clrMapOvr>
+</p:sld>
+</file>
+
 <file path=ppt/slides/slide7.xml><?xml version="1.0" encoding="utf-8"?>
 <p:sld xmlns:a="http://schemas.openxmlformats.org/drawingml/2006/main" xmlns:r="http://schemas.openxmlformats.org/officeDocument/2006/relationships" xmlns:p="http://schemas.openxmlformats.org/presentationml/2006/main">
   <p:cSld>
@@ -9390,26 +13401,117 @@
           <a:chExt cx="0" cy="0"/>
         </a:xfrm>
       </p:grpSpPr>
-      <p:sp>
-        <p:nvSpPr>
-          <p:cNvPr id="3" name="Title 2"/>
-          <p:cNvSpPr txBox="1">
-            <a:spLocks noGrp="1"/>
-          </p:cNvSpPr>
-          <p:nvPr>
-            <p:ph type="title"/>
-          </p:nvPr>
-        </p:nvSpPr>
-        <p:spPr>
-          <a:xfrm>
-            <a:off x="838200" y="704741"/>
-            <a:ext cx="4927887" cy="646331"/>
+      <p:pic>
+        <p:nvPicPr>
+          <p:cNvPr id="2" name="Picture 1" descr="Screen Clipping"/>
+          <p:cNvPicPr>
+            <a:picLocks noChangeAspect="1"/>
+          </p:cNvPicPr>
+          <p:nvPr/>
+        </p:nvPicPr>
+        <p:blipFill>
+          <a:blip r:embed="rId2">
+            <a:extLst>
+              <a:ext uri="{28A0092B-C50C-407E-A947-70E740481C1C}">
+                <a14:useLocalDpi xmlns:a14="http://schemas.microsoft.com/office/drawing/2010/main" val="0"/>
+              </a:ext>
+            </a:extLst>
+          </a:blip>
+          <a:stretch>
+            <a:fillRect/>
+          </a:stretch>
+        </p:blipFill>
+        <p:spPr>
+          <a:xfrm>
+            <a:off x="904653" y="0"/>
+            <a:ext cx="10382693" cy="6858000"/>
           </a:xfrm>
           <a:prstGeom prst="rect">
             <a:avLst/>
           </a:prstGeom>
-          <a:noFill/>
-        </p:spPr>
+        </p:spPr>
+      </p:pic>
+      <p:sp>
+        <p:nvSpPr>
+          <p:cNvPr id="3" name="Oval 11"/>
+          <p:cNvSpPr/>
+          <p:nvPr/>
+        </p:nvSpPr>
+        <p:spPr>
+          <a:xfrm>
+            <a:off x="1020556" y="1123097"/>
+            <a:ext cx="1366329" cy="1366329"/>
+          </a:xfrm>
+          <a:prstGeom prst="ellipse">
+            <a:avLst/>
+          </a:prstGeom>
+        </p:spPr>
+        <p:style>
+          <a:lnRef idx="2">
+            <a:schemeClr val="accent2">
+              <a:shade val="50000"/>
+            </a:schemeClr>
+          </a:lnRef>
+          <a:fillRef idx="1">
+            <a:schemeClr val="accent2"/>
+          </a:fillRef>
+          <a:effectRef idx="0">
+            <a:schemeClr val="accent2"/>
+          </a:effectRef>
+          <a:fontRef idx="minor">
+            <a:schemeClr val="lt1"/>
+          </a:fontRef>
+        </p:style>
+        <p:txBody>
+          <a:bodyPr rtlCol="0" anchor="ctr"/>
+          <a:lstStyle/>
+          <a:p>
+            <a:pPr algn="ctr"/>
+            <a:r>
+              <a:rPr lang="en-US" altLang="zh-CN" sz="7200" dirty="0" smtClean="0">
+                <a:latin typeface="Arial Black" panose="020B0A04020102020204" pitchFamily="34" charset="0"/>
+                <a:ea typeface="微软雅黑" panose="020B0503020204020204" pitchFamily="34" charset="-122"/>
+              </a:rPr>
+              <a:t>3</a:t>
+            </a:r>
+            <a:endParaRPr lang="zh-CN" altLang="en-US" sz="7200" dirty="0">
+              <a:latin typeface="Arial Black" panose="020B0A04020102020204" pitchFamily="34" charset="0"/>
+              <a:ea typeface="微软雅黑" panose="020B0503020204020204" pitchFamily="34" charset="-122"/>
+            </a:endParaRPr>
+          </a:p>
+        </p:txBody>
+      </p:sp>
+      <p:sp>
+        <p:nvSpPr>
+          <p:cNvPr id="4" name="TextBox 7"/>
+          <p:cNvSpPr txBox="1"/>
+          <p:nvPr/>
+        </p:nvSpPr>
+        <p:spPr>
+          <a:xfrm>
+            <a:off x="7222253" y="79076"/>
+            <a:ext cx="3903697" cy="369332"/>
+          </a:xfrm>
+          <a:prstGeom prst="rect">
+            <a:avLst/>
+          </a:prstGeom>
+        </p:spPr>
+        <p:style>
+          <a:lnRef idx="2">
+            <a:schemeClr val="accent2">
+              <a:shade val="50000"/>
+            </a:schemeClr>
+          </a:lnRef>
+          <a:fillRef idx="1">
+            <a:schemeClr val="accent2"/>
+          </a:fillRef>
+          <a:effectRef idx="0">
+            <a:schemeClr val="accent2"/>
+          </a:effectRef>
+          <a:fontRef idx="minor">
+            <a:schemeClr val="lt1"/>
+          </a:fontRef>
+        </p:style>
         <p:txBody>
           <a:bodyPr wrap="none" rtlCol="0">
             <a:spAutoFit/>
@@ -9417,28 +13519,38 @@
           <a:lstStyle/>
           <a:p>
             <a:r>
-              <a:rPr lang="en-US" altLang="zh-CN" sz="4000" dirty="0" err="1" smtClean="0">
-                <a:solidFill>
-                  <a:srgbClr val="0070C0"/>
+              <a:rPr lang="zh-CN" altLang="en-US" dirty="0" smtClean="0">
+                <a:solidFill>
+                  <a:srgbClr val="C00000"/>
                 </a:solidFill>
                 <a:latin typeface="微软雅黑" panose="020B0503020204020204" pitchFamily="34" charset="-122"/>
                 <a:ea typeface="微软雅黑" panose="020B0503020204020204" pitchFamily="34" charset="-122"/>
               </a:rPr>
-              <a:t>SourceTree</a:t>
-            </a:r>
-            <a:r>
-              <a:rPr lang="zh-CN" altLang="en-US" sz="4000" dirty="0" smtClean="0">
-                <a:solidFill>
-                  <a:srgbClr val="0070C0"/>
+              <a:t>在此输入“</a:t>
+            </a:r>
+            <a:r>
+              <a:rPr lang="en-US" altLang="zh-CN" dirty="0" smtClean="0">
+                <a:solidFill>
+                  <a:srgbClr val="C00000"/>
                 </a:solidFill>
                 <a:latin typeface="微软雅黑" panose="020B0503020204020204" pitchFamily="34" charset="-122"/>
                 <a:ea typeface="微软雅黑" panose="020B0503020204020204" pitchFamily="34" charset="-122"/>
               </a:rPr>
-              <a:t>简单教程</a:t>
-            </a:r>
-            <a:endParaRPr lang="zh-CN" altLang="en-US" sz="4000" dirty="0">
+              <a:t>IS-Courses</a:t>
+            </a:r>
+            <a:r>
+              <a:rPr lang="zh-CN" altLang="en-US" dirty="0" smtClean="0">
+                <a:solidFill>
+                  <a:srgbClr val="C00000"/>
+                </a:solidFill>
+                <a:latin typeface="微软雅黑" panose="020B0503020204020204" pitchFamily="34" charset="-122"/>
+                <a:ea typeface="微软雅黑" panose="020B0503020204020204" pitchFamily="34" charset="-122"/>
+              </a:rPr>
+              <a:t>”后按回车键</a:t>
+            </a:r>
+            <a:endParaRPr lang="zh-CN" altLang="en-US" dirty="0">
               <a:solidFill>
-                <a:srgbClr val="0070C0"/>
+                <a:srgbClr val="C00000"/>
               </a:solidFill>
               <a:latin typeface="微软雅黑" panose="020B0503020204020204" pitchFamily="34" charset="-122"/>
               <a:ea typeface="微软雅黑" panose="020B0503020204020204" pitchFamily="34" charset="-122"/>
@@ -9446,91 +13558,85 @@
           </a:p>
         </p:txBody>
       </p:sp>
-      <p:sp>
-        <p:nvSpPr>
-          <p:cNvPr id="7" name="TextBox 6"/>
-          <p:cNvSpPr txBox="1"/>
+      <p:cxnSp>
+        <p:nvCxnSpPr>
+          <p:cNvPr id="5" name="Straight Arrow Connector 10"/>
+          <p:cNvCxnSpPr>
+            <a:stCxn id="4" idx="1"/>
+          </p:cNvCxnSpPr>
           <p:nvPr/>
-        </p:nvSpPr>
-        <p:spPr>
-          <a:xfrm>
-            <a:off x="838200" y="3161655"/>
-            <a:ext cx="10520829" cy="461665"/>
+        </p:nvCxnSpPr>
+        <p:spPr>
+          <a:xfrm flipH="1">
+            <a:off x="5743977" y="263742"/>
+            <a:ext cx="1478276" cy="356075"/>
+          </a:xfrm>
+          <a:prstGeom prst="straightConnector1">
+            <a:avLst/>
+          </a:prstGeom>
+          <a:ln w="38100">
+            <a:tailEnd type="triangle"/>
+          </a:ln>
+        </p:spPr>
+        <p:style>
+          <a:lnRef idx="3">
+            <a:schemeClr val="accent2"/>
+          </a:lnRef>
+          <a:fillRef idx="0">
+            <a:schemeClr val="accent2"/>
+          </a:fillRef>
+          <a:effectRef idx="2">
+            <a:schemeClr val="accent2"/>
+          </a:effectRef>
+          <a:fontRef idx="minor">
+            <a:schemeClr val="tx1"/>
+          </a:fontRef>
+        </p:style>
+      </p:cxnSp>
+      <p:sp>
+        <p:nvSpPr>
+          <p:cNvPr id="10" name="矩形 9"/>
+          <p:cNvSpPr/>
+          <p:nvPr/>
+        </p:nvSpPr>
+        <p:spPr>
+          <a:xfrm>
+            <a:off x="3018752" y="619817"/>
+            <a:ext cx="1364541" cy="369332"/>
           </a:xfrm>
           <a:prstGeom prst="rect">
             <a:avLst/>
           </a:prstGeom>
-          <a:noFill/>
-        </p:spPr>
-        <p:txBody>
-          <a:bodyPr wrap="none" rtlCol="0">
+          <a:ln>
+            <a:solidFill>
+              <a:srgbClr val="FF0000"/>
+            </a:solidFill>
+          </a:ln>
+        </p:spPr>
+        <p:txBody>
+          <a:bodyPr wrap="none">
             <a:spAutoFit/>
           </a:bodyPr>
           <a:lstStyle/>
           <a:p>
             <a:r>
-              <a:rPr lang="en-US" altLang="zh-CN" sz="2400" dirty="0" smtClean="0">
-                <a:solidFill>
-                  <a:schemeClr val="accent2"/>
-                </a:solidFill>
-                <a:hlinkClick r:id="rId2"/>
-              </a:rPr>
-              <a:t>http://jingyan.baidu.com/album/c45ad29cdf274e051753e22c.html?picindex=2</a:t>
-            </a:r>
-            <a:endParaRPr lang="zh-CN" altLang="en-US" sz="2400" dirty="0">
-              <a:solidFill>
-                <a:schemeClr val="accent2"/>
-              </a:solidFill>
-            </a:endParaRPr>
-          </a:p>
-        </p:txBody>
-      </p:sp>
-      <p:sp>
-        <p:nvSpPr>
-          <p:cNvPr id="2" name="TextBox 1"/>
-          <p:cNvSpPr txBox="1"/>
-          <p:nvPr/>
-        </p:nvSpPr>
-        <p:spPr>
-          <a:xfrm>
-            <a:off x="838200" y="2638435"/>
-            <a:ext cx="1620957" cy="523220"/>
-          </a:xfrm>
-          <a:prstGeom prst="rect">
-            <a:avLst/>
-          </a:prstGeom>
-          <a:noFill/>
-        </p:spPr>
-        <p:txBody>
-          <a:bodyPr wrap="none" rtlCol="0">
-            <a:spAutoFit/>
-          </a:bodyPr>
-          <a:lstStyle/>
-          <a:p>
-            <a:r>
-              <a:rPr lang="zh-CN" altLang="en-US" sz="2800" dirty="0" smtClean="0">
-                <a:solidFill>
-                  <a:srgbClr val="00B050"/>
+              <a:rPr lang="en-US" altLang="zh-CN" dirty="0" smtClean="0">
+                <a:solidFill>
+                  <a:srgbClr val="C00000"/>
                 </a:solidFill>
                 <a:latin typeface="微软雅黑" panose="020B0503020204020204" pitchFamily="34" charset="-122"/>
                 <a:ea typeface="微软雅黑" panose="020B0503020204020204" pitchFamily="34" charset="-122"/>
               </a:rPr>
-              <a:t>百度经验</a:t>
-            </a:r>
-            <a:endParaRPr lang="zh-CN" altLang="en-US" sz="2800" dirty="0">
-              <a:solidFill>
-                <a:srgbClr val="00B050"/>
-              </a:solidFill>
-              <a:latin typeface="微软雅黑" panose="020B0503020204020204" pitchFamily="34" charset="-122"/>
-              <a:ea typeface="微软雅黑" panose="020B0503020204020204" pitchFamily="34" charset="-122"/>
-            </a:endParaRPr>
+              <a:t>IS-Courses</a:t>
+            </a:r>
+            <a:endParaRPr lang="zh-CN" altLang="en-US" dirty="0"/>
           </a:p>
         </p:txBody>
       </p:sp>
     </p:spTree>
     <p:extLst>
       <p:ext uri="{BB962C8B-B14F-4D97-AF65-F5344CB8AC3E}">
-        <p14:creationId xmlns:p14="http://schemas.microsoft.com/office/powerpoint/2010/main" val="1228113837"/>
+        <p14:creationId xmlns:p14="http://schemas.microsoft.com/office/powerpoint/2010/main" val="1219469197"/>
       </p:ext>
     </p:extLst>
   </p:cSld>
@@ -9557,26 +13663,220 @@
           <a:chExt cx="0" cy="0"/>
         </a:xfrm>
       </p:grpSpPr>
-      <p:sp>
-        <p:nvSpPr>
-          <p:cNvPr id="3" name="Title 2"/>
-          <p:cNvSpPr txBox="1">
-            <a:spLocks noGrp="1"/>
-          </p:cNvSpPr>
-          <p:nvPr>
-            <p:ph type="title"/>
-          </p:nvPr>
-        </p:nvSpPr>
-        <p:spPr>
-          <a:xfrm>
-            <a:off x="838200" y="704741"/>
-            <a:ext cx="4927887" cy="646331"/>
+      <p:pic>
+        <p:nvPicPr>
+          <p:cNvPr id="2" name="Picture 1" descr="Screen Clipping"/>
+          <p:cNvPicPr>
+            <a:picLocks noChangeAspect="1"/>
+          </p:cNvPicPr>
+          <p:nvPr/>
+        </p:nvPicPr>
+        <p:blipFill>
+          <a:blip r:embed="rId2">
+            <a:extLst>
+              <a:ext uri="{28A0092B-C50C-407E-A947-70E740481C1C}">
+                <a14:useLocalDpi xmlns:a14="http://schemas.microsoft.com/office/drawing/2010/main" val="0"/>
+              </a:ext>
+            </a:extLst>
+          </a:blip>
+          <a:stretch>
+            <a:fillRect/>
+          </a:stretch>
+        </p:blipFill>
+        <p:spPr>
+          <a:xfrm>
+            <a:off x="1042526" y="0"/>
+            <a:ext cx="10106948" cy="6858000"/>
+          </a:xfrm>
+          <a:prstGeom prst="rect">
+            <a:avLst/>
+          </a:prstGeom>
+        </p:spPr>
+      </p:pic>
+      <p:sp>
+        <p:nvSpPr>
+          <p:cNvPr id="3" name="Oval 11"/>
+          <p:cNvSpPr/>
+          <p:nvPr/>
+        </p:nvSpPr>
+        <p:spPr>
+          <a:xfrm>
+            <a:off x="1042526" y="1548100"/>
+            <a:ext cx="1366329" cy="1366329"/>
+          </a:xfrm>
+          <a:prstGeom prst="ellipse">
+            <a:avLst/>
+          </a:prstGeom>
+        </p:spPr>
+        <p:style>
+          <a:lnRef idx="2">
+            <a:schemeClr val="accent2">
+              <a:shade val="50000"/>
+            </a:schemeClr>
+          </a:lnRef>
+          <a:fillRef idx="1">
+            <a:schemeClr val="accent2"/>
+          </a:fillRef>
+          <a:effectRef idx="0">
+            <a:schemeClr val="accent2"/>
+          </a:effectRef>
+          <a:fontRef idx="minor">
+            <a:schemeClr val="lt1"/>
+          </a:fontRef>
+        </p:style>
+        <p:txBody>
+          <a:bodyPr rtlCol="0" anchor="ctr"/>
+          <a:lstStyle/>
+          <a:p>
+            <a:pPr algn="ctr"/>
+            <a:r>
+              <a:rPr lang="en-US" altLang="zh-CN" sz="7200" dirty="0" smtClean="0">
+                <a:latin typeface="Arial Black" panose="020B0A04020102020204" pitchFamily="34" charset="0"/>
+                <a:ea typeface="微软雅黑" panose="020B0503020204020204" pitchFamily="34" charset="-122"/>
+              </a:rPr>
+              <a:t>4</a:t>
+            </a:r>
+            <a:endParaRPr lang="zh-CN" altLang="en-US" sz="7200" dirty="0">
+              <a:latin typeface="Arial Black" panose="020B0A04020102020204" pitchFamily="34" charset="0"/>
+              <a:ea typeface="微软雅黑" panose="020B0503020204020204" pitchFamily="34" charset="-122"/>
+            </a:endParaRPr>
+          </a:p>
+        </p:txBody>
+      </p:sp>
+      <p:sp>
+        <p:nvSpPr>
+          <p:cNvPr id="4" name="TextBox 7"/>
+          <p:cNvSpPr txBox="1"/>
+          <p:nvPr/>
+        </p:nvSpPr>
+        <p:spPr>
+          <a:xfrm>
+            <a:off x="7956349" y="1118735"/>
+            <a:ext cx="1261884" cy="307777"/>
+          </a:xfrm>
+          <a:prstGeom prst="rect">
+            <a:avLst/>
+          </a:prstGeom>
+        </p:spPr>
+        <p:style>
+          <a:lnRef idx="2">
+            <a:schemeClr val="accent2">
+              <a:shade val="50000"/>
+            </a:schemeClr>
+          </a:lnRef>
+          <a:fillRef idx="1">
+            <a:schemeClr val="accent2"/>
+          </a:fillRef>
+          <a:effectRef idx="0">
+            <a:schemeClr val="accent2"/>
+          </a:effectRef>
+          <a:fontRef idx="minor">
+            <a:schemeClr val="lt1"/>
+          </a:fontRef>
+        </p:style>
+        <p:txBody>
+          <a:bodyPr wrap="none" rtlCol="0">
+            <a:spAutoFit/>
+          </a:bodyPr>
+          <a:lstStyle/>
+          <a:p>
+            <a:r>
+              <a:rPr lang="zh-CN" altLang="en-US" sz="1400" dirty="0" smtClean="0">
+                <a:solidFill>
+                  <a:srgbClr val="C00000"/>
+                </a:solidFill>
+                <a:latin typeface="微软雅黑" panose="020B0503020204020204" pitchFamily="34" charset="-122"/>
+                <a:ea typeface="微软雅黑" panose="020B0503020204020204" pitchFamily="34" charset="-122"/>
+              </a:rPr>
+              <a:t>搜索结果列表</a:t>
+            </a:r>
+            <a:endParaRPr lang="zh-CN" altLang="en-US" sz="1400" dirty="0">
+              <a:solidFill>
+                <a:srgbClr val="C00000"/>
+              </a:solidFill>
+              <a:latin typeface="微软雅黑" panose="020B0503020204020204" pitchFamily="34" charset="-122"/>
+              <a:ea typeface="微软雅黑" panose="020B0503020204020204" pitchFamily="34" charset="-122"/>
+            </a:endParaRPr>
+          </a:p>
+        </p:txBody>
+      </p:sp>
+      <p:sp>
+        <p:nvSpPr>
+          <p:cNvPr id="5" name="矩形 4"/>
+          <p:cNvSpPr/>
+          <p:nvPr/>
+        </p:nvSpPr>
+        <p:spPr>
+          <a:xfrm>
+            <a:off x="4687910" y="2034862"/>
+            <a:ext cx="6259132" cy="1249251"/>
           </a:xfrm>
           <a:prstGeom prst="rect">
             <a:avLst/>
           </a:prstGeom>
           <a:noFill/>
-        </p:spPr>
+          <a:ln w="28575">
+            <a:solidFill>
+              <a:srgbClr val="C00000"/>
+            </a:solidFill>
+          </a:ln>
+        </p:spPr>
+        <p:style>
+          <a:lnRef idx="2">
+            <a:schemeClr val="accent1">
+              <a:shade val="50000"/>
+            </a:schemeClr>
+          </a:lnRef>
+          <a:fillRef idx="1">
+            <a:schemeClr val="accent1"/>
+          </a:fillRef>
+          <a:effectRef idx="0">
+            <a:schemeClr val="accent1"/>
+          </a:effectRef>
+          <a:fontRef idx="minor">
+            <a:schemeClr val="lt1"/>
+          </a:fontRef>
+        </p:style>
+        <p:txBody>
+          <a:bodyPr rtlCol="0" anchor="ctr"/>
+          <a:lstStyle/>
+          <a:p>
+            <a:pPr algn="ctr"/>
+            <a:endParaRPr lang="zh-CN" altLang="en-US"/>
+          </a:p>
+        </p:txBody>
+      </p:sp>
+      <p:sp>
+        <p:nvSpPr>
+          <p:cNvPr id="6" name="TextBox 7"/>
+          <p:cNvSpPr txBox="1"/>
+          <p:nvPr/>
+        </p:nvSpPr>
+        <p:spPr>
+          <a:xfrm>
+            <a:off x="8098385" y="2237470"/>
+            <a:ext cx="1261884" cy="307777"/>
+          </a:xfrm>
+          <a:prstGeom prst="rect">
+            <a:avLst/>
+          </a:prstGeom>
+        </p:spPr>
+        <p:style>
+          <a:lnRef idx="2">
+            <a:schemeClr val="accent2">
+              <a:shade val="50000"/>
+            </a:schemeClr>
+          </a:lnRef>
+          <a:fillRef idx="1">
+            <a:schemeClr val="accent2"/>
+          </a:fillRef>
+          <a:effectRef idx="0">
+            <a:schemeClr val="accent2"/>
+          </a:effectRef>
+          <a:fontRef idx="minor">
+            <a:schemeClr val="lt1"/>
+          </a:fontRef>
+        </p:style>
         <p:txBody>
           <a:bodyPr wrap="none" rtlCol="0">
             <a:spAutoFit/>
@@ -9584,28 +13884,18 @@
           <a:lstStyle/>
           <a:p>
             <a:r>
-              <a:rPr lang="en-US" altLang="zh-CN" sz="4000" dirty="0" err="1" smtClean="0">
-                <a:solidFill>
-                  <a:srgbClr val="0070C0"/>
+              <a:rPr lang="zh-CN" altLang="en-US" sz="1400" dirty="0" smtClean="0">
+                <a:solidFill>
+                  <a:srgbClr val="C00000"/>
                 </a:solidFill>
                 <a:latin typeface="微软雅黑" panose="020B0503020204020204" pitchFamily="34" charset="-122"/>
                 <a:ea typeface="微软雅黑" panose="020B0503020204020204" pitchFamily="34" charset="-122"/>
               </a:rPr>
-              <a:t>SourceTree</a:t>
-            </a:r>
-            <a:r>
-              <a:rPr lang="zh-CN" altLang="en-US" sz="4000" dirty="0" smtClean="0">
-                <a:solidFill>
-                  <a:srgbClr val="0070C0"/>
-                </a:solidFill>
-                <a:latin typeface="微软雅黑" panose="020B0503020204020204" pitchFamily="34" charset="-122"/>
-                <a:ea typeface="微软雅黑" panose="020B0503020204020204" pitchFamily="34" charset="-122"/>
-              </a:rPr>
-              <a:t>简单教程</a:t>
-            </a:r>
-            <a:endParaRPr lang="zh-CN" altLang="en-US" sz="4000" dirty="0">
+              <a:t>点击标题链接</a:t>
+            </a:r>
+            <a:endParaRPr lang="zh-CN" altLang="en-US" sz="1400" dirty="0">
               <a:solidFill>
-                <a:srgbClr val="0070C0"/>
+                <a:srgbClr val="C00000"/>
               </a:solidFill>
               <a:latin typeface="微软雅黑" panose="020B0503020204020204" pitchFamily="34" charset="-122"/>
               <a:ea typeface="微软雅黑" panose="020B0503020204020204" pitchFamily="34" charset="-122"/>
@@ -9613,196 +13903,45 @@
           </a:p>
         </p:txBody>
       </p:sp>
-      <p:sp>
-        <p:nvSpPr>
-          <p:cNvPr id="4" name="TextBox 3"/>
-          <p:cNvSpPr txBox="1"/>
+      <p:cxnSp>
+        <p:nvCxnSpPr>
+          <p:cNvPr id="7" name="Straight Arrow Connector 10"/>
+          <p:cNvCxnSpPr>
+            <a:stCxn id="6" idx="1"/>
+          </p:cNvCxnSpPr>
           <p:nvPr/>
-        </p:nvSpPr>
-        <p:spPr>
-          <a:xfrm>
-            <a:off x="1882588" y="1785770"/>
-            <a:ext cx="2335896" cy="523220"/>
-          </a:xfrm>
-          <a:prstGeom prst="rect">
+        </p:nvCxnSpPr>
+        <p:spPr>
+          <a:xfrm flipH="1">
+            <a:off x="7006108" y="2391359"/>
+            <a:ext cx="1092277" cy="17942"/>
+          </a:xfrm>
+          <a:prstGeom prst="straightConnector1">
             <a:avLst/>
           </a:prstGeom>
-          <a:noFill/>
-        </p:spPr>
-        <p:txBody>
-          <a:bodyPr wrap="none" rtlCol="0">
-            <a:spAutoFit/>
-          </a:bodyPr>
-          <a:lstStyle/>
-          <a:p>
-            <a:r>
-              <a:rPr lang="en-US" altLang="zh-CN" sz="2800" dirty="0" smtClean="0">
-                <a:solidFill>
-                  <a:srgbClr val="00B050"/>
-                </a:solidFill>
-                <a:latin typeface="微软雅黑" panose="020B0503020204020204" pitchFamily="34" charset="-122"/>
-                <a:ea typeface="微软雅黑" panose="020B0503020204020204" pitchFamily="34" charset="-122"/>
-              </a:rPr>
-              <a:t>1. </a:t>
-            </a:r>
-            <a:r>
-              <a:rPr lang="zh-CN" altLang="en-US" sz="2800" dirty="0" smtClean="0">
-                <a:solidFill>
-                  <a:srgbClr val="00B050"/>
-                </a:solidFill>
-                <a:latin typeface="微软雅黑" panose="020B0503020204020204" pitchFamily="34" charset="-122"/>
-                <a:ea typeface="微软雅黑" panose="020B0503020204020204" pitchFamily="34" charset="-122"/>
-              </a:rPr>
-              <a:t>下载</a:t>
-            </a:r>
-            <a:r>
-              <a:rPr lang="en-US" altLang="zh-CN" sz="2800" dirty="0" smtClean="0">
-                <a:solidFill>
-                  <a:srgbClr val="00B050"/>
-                </a:solidFill>
-                <a:latin typeface="微软雅黑" panose="020B0503020204020204" pitchFamily="34" charset="-122"/>
-                <a:ea typeface="微软雅黑" panose="020B0503020204020204" pitchFamily="34" charset="-122"/>
-              </a:rPr>
-              <a:t>&amp;</a:t>
-            </a:r>
-            <a:r>
-              <a:rPr lang="zh-CN" altLang="en-US" sz="2800" dirty="0" smtClean="0">
-                <a:solidFill>
-                  <a:srgbClr val="00B050"/>
-                </a:solidFill>
-                <a:latin typeface="微软雅黑" panose="020B0503020204020204" pitchFamily="34" charset="-122"/>
-                <a:ea typeface="微软雅黑" panose="020B0503020204020204" pitchFamily="34" charset="-122"/>
-              </a:rPr>
-              <a:t>安装</a:t>
-            </a:r>
-            <a:endParaRPr lang="zh-CN" altLang="en-US" sz="2800" dirty="0">
-              <a:solidFill>
-                <a:srgbClr val="00B050"/>
-              </a:solidFill>
-              <a:latin typeface="微软雅黑" panose="020B0503020204020204" pitchFamily="34" charset="-122"/>
-              <a:ea typeface="微软雅黑" panose="020B0503020204020204" pitchFamily="34" charset="-122"/>
-            </a:endParaRPr>
-          </a:p>
-        </p:txBody>
-      </p:sp>
-      <p:sp>
-        <p:nvSpPr>
-          <p:cNvPr id="5" name="TextBox 4"/>
-          <p:cNvSpPr txBox="1"/>
-          <p:nvPr/>
-        </p:nvSpPr>
-        <p:spPr>
-          <a:xfrm>
-            <a:off x="3302143" y="2807713"/>
-            <a:ext cx="5969904" cy="584775"/>
-          </a:xfrm>
-          <a:prstGeom prst="rect">
-            <a:avLst/>
-          </a:prstGeom>
-          <a:noFill/>
-        </p:spPr>
-        <p:txBody>
-          <a:bodyPr wrap="none" rtlCol="0">
-            <a:spAutoFit/>
-          </a:bodyPr>
-          <a:lstStyle/>
-          <a:p>
-            <a:r>
-              <a:rPr lang="en-US" altLang="zh-CN" sz="3200" dirty="0" smtClean="0">
-                <a:hlinkClick r:id="rId2"/>
-              </a:rPr>
-              <a:t>https://www.sourcetreeapp.com/</a:t>
-            </a:r>
-            <a:endParaRPr lang="zh-CN" altLang="en-US" sz="3200" dirty="0"/>
-          </a:p>
-        </p:txBody>
-      </p:sp>
-      <p:sp>
-        <p:nvSpPr>
-          <p:cNvPr id="6" name="TextBox 5"/>
-          <p:cNvSpPr txBox="1"/>
-          <p:nvPr/>
-        </p:nvSpPr>
-        <p:spPr>
-          <a:xfrm>
-            <a:off x="1886371" y="2869267"/>
-            <a:ext cx="1415772" cy="461665"/>
-          </a:xfrm>
-          <a:prstGeom prst="rect">
-            <a:avLst/>
-          </a:prstGeom>
-          <a:noFill/>
-        </p:spPr>
-        <p:txBody>
-          <a:bodyPr wrap="none" rtlCol="0">
-            <a:spAutoFit/>
-          </a:bodyPr>
-          <a:lstStyle/>
-          <a:p>
-            <a:r>
-              <a:rPr lang="zh-CN" altLang="en-US" sz="2400" dirty="0" smtClean="0">
-                <a:latin typeface="微软雅黑" panose="020B0503020204020204" pitchFamily="34" charset="-122"/>
-                <a:ea typeface="微软雅黑" panose="020B0503020204020204" pitchFamily="34" charset="-122"/>
-              </a:rPr>
-              <a:t>下载地址</a:t>
-            </a:r>
-            <a:endParaRPr lang="zh-CN" altLang="en-US" sz="2400" dirty="0">
-              <a:latin typeface="微软雅黑" panose="020B0503020204020204" pitchFamily="34" charset="-122"/>
-              <a:ea typeface="微软雅黑" panose="020B0503020204020204" pitchFamily="34" charset="-122"/>
-            </a:endParaRPr>
-          </a:p>
-        </p:txBody>
-      </p:sp>
-      <p:sp>
-        <p:nvSpPr>
-          <p:cNvPr id="7" name="TextBox 6"/>
-          <p:cNvSpPr txBox="1"/>
-          <p:nvPr/>
-        </p:nvSpPr>
-        <p:spPr>
-          <a:xfrm>
-            <a:off x="1441524" y="3891209"/>
-            <a:ext cx="9087744" cy="369332"/>
-          </a:xfrm>
-          <a:prstGeom prst="rect">
-            <a:avLst/>
-          </a:prstGeom>
-          <a:noFill/>
-        </p:spPr>
-        <p:txBody>
-          <a:bodyPr wrap="none" rtlCol="0">
-            <a:spAutoFit/>
-          </a:bodyPr>
-          <a:lstStyle/>
-          <a:p>
-            <a:r>
-              <a:rPr lang="zh-CN" altLang="en-US" dirty="0" smtClean="0">
-                <a:solidFill>
-                  <a:schemeClr val="accent2"/>
-                </a:solidFill>
-              </a:rPr>
-              <a:t>在线教程：</a:t>
-            </a:r>
-            <a:r>
-              <a:rPr lang="en-US" altLang="zh-CN" dirty="0" smtClean="0">
-                <a:solidFill>
-                  <a:schemeClr val="accent2"/>
-                </a:solidFill>
-              </a:rPr>
-              <a:t>http://jingyan.baidu.com/album/c45ad29cdf274e051753e22c.html?picindex=2</a:t>
-            </a:r>
-            <a:endParaRPr lang="zh-CN" altLang="en-US" dirty="0">
-              <a:solidFill>
-                <a:schemeClr val="accent2"/>
-              </a:solidFill>
-            </a:endParaRPr>
-          </a:p>
-        </p:txBody>
-      </p:sp>
+          <a:ln w="38100">
+            <a:tailEnd type="triangle"/>
+          </a:ln>
+        </p:spPr>
+        <p:style>
+          <a:lnRef idx="3">
+            <a:schemeClr val="accent2"/>
+          </a:lnRef>
+          <a:fillRef idx="0">
+            <a:schemeClr val="accent2"/>
+          </a:fillRef>
+          <a:effectRef idx="2">
+            <a:schemeClr val="accent2"/>
+          </a:effectRef>
+          <a:fontRef idx="minor">
+            <a:schemeClr val="tx1"/>
+          </a:fontRef>
+        </p:style>
+      </p:cxnSp>
     </p:spTree>
     <p:extLst>
       <p:ext uri="{BB962C8B-B14F-4D97-AF65-F5344CB8AC3E}">
-        <p14:creationId xmlns:p14="http://schemas.microsoft.com/office/powerpoint/2010/main" val="4079815821"/>
+        <p14:creationId xmlns:p14="http://schemas.microsoft.com/office/powerpoint/2010/main" val="1593648936"/>
       </p:ext>
     </p:extLst>
   </p:cSld>
@@ -9829,117 +13968,9 @@
           <a:chExt cx="0" cy="0"/>
         </a:xfrm>
       </p:grpSpPr>
-      <p:sp>
-        <p:nvSpPr>
-          <p:cNvPr id="3" name="Title 2"/>
-          <p:cNvSpPr txBox="1">
-            <a:spLocks noGrp="1"/>
-          </p:cNvSpPr>
-          <p:nvPr>
-            <p:ph type="title"/>
-          </p:nvPr>
-        </p:nvSpPr>
-        <p:spPr>
-          <a:xfrm>
-            <a:off x="838200" y="704741"/>
-            <a:ext cx="4927887" cy="646331"/>
-          </a:xfrm>
-          <a:prstGeom prst="rect">
-            <a:avLst/>
-          </a:prstGeom>
-          <a:noFill/>
-        </p:spPr>
-        <p:txBody>
-          <a:bodyPr wrap="none" rtlCol="0">
-            <a:spAutoFit/>
-          </a:bodyPr>
-          <a:lstStyle/>
-          <a:p>
-            <a:r>
-              <a:rPr lang="en-US" altLang="zh-CN" sz="4000" dirty="0" err="1" smtClean="0">
-                <a:solidFill>
-                  <a:srgbClr val="0070C0"/>
-                </a:solidFill>
-                <a:latin typeface="微软雅黑" panose="020B0503020204020204" pitchFamily="34" charset="-122"/>
-                <a:ea typeface="微软雅黑" panose="020B0503020204020204" pitchFamily="34" charset="-122"/>
-              </a:rPr>
-              <a:t>SourceTree</a:t>
-            </a:r>
-            <a:r>
-              <a:rPr lang="zh-CN" altLang="en-US" sz="4000" dirty="0" smtClean="0">
-                <a:solidFill>
-                  <a:srgbClr val="0070C0"/>
-                </a:solidFill>
-                <a:latin typeface="微软雅黑" panose="020B0503020204020204" pitchFamily="34" charset="-122"/>
-                <a:ea typeface="微软雅黑" panose="020B0503020204020204" pitchFamily="34" charset="-122"/>
-              </a:rPr>
-              <a:t>简单教程</a:t>
-            </a:r>
-            <a:endParaRPr lang="zh-CN" altLang="en-US" sz="4000" dirty="0">
-              <a:solidFill>
-                <a:srgbClr val="0070C0"/>
-              </a:solidFill>
-              <a:latin typeface="微软雅黑" panose="020B0503020204020204" pitchFamily="34" charset="-122"/>
-              <a:ea typeface="微软雅黑" panose="020B0503020204020204" pitchFamily="34" charset="-122"/>
-            </a:endParaRPr>
-          </a:p>
-        </p:txBody>
-      </p:sp>
-      <p:sp>
-        <p:nvSpPr>
-          <p:cNvPr id="4" name="TextBox 3"/>
-          <p:cNvSpPr txBox="1"/>
-          <p:nvPr/>
-        </p:nvSpPr>
-        <p:spPr>
-          <a:xfrm>
-            <a:off x="1527380" y="1483445"/>
-            <a:ext cx="2521844" cy="369332"/>
-          </a:xfrm>
-          <a:prstGeom prst="rect">
-            <a:avLst/>
-          </a:prstGeom>
-          <a:noFill/>
-        </p:spPr>
-        <p:txBody>
-          <a:bodyPr wrap="none" rtlCol="0">
-            <a:spAutoFit/>
-          </a:bodyPr>
-          <a:lstStyle/>
-          <a:p>
-            <a:r>
-              <a:rPr lang="en-US" altLang="zh-CN" b="1" dirty="0" smtClean="0">
-                <a:solidFill>
-                  <a:srgbClr val="7030A0"/>
-                </a:solidFill>
-                <a:latin typeface="微软雅黑" panose="020B0503020204020204" pitchFamily="34" charset="-122"/>
-                <a:ea typeface="微软雅黑" panose="020B0503020204020204" pitchFamily="34" charset="-122"/>
-              </a:rPr>
-              <a:t>2. </a:t>
-            </a:r>
-            <a:r>
-              <a:rPr lang="zh-CN" altLang="en-US" b="1" dirty="0" smtClean="0">
-                <a:solidFill>
-                  <a:srgbClr val="7030A0"/>
-                </a:solidFill>
-                <a:latin typeface="微软雅黑" panose="020B0503020204020204" pitchFamily="34" charset="-122"/>
-                <a:ea typeface="微软雅黑" panose="020B0503020204020204" pitchFamily="34" charset="-122"/>
-              </a:rPr>
-              <a:t>拉取远程仓库到本地</a:t>
-            </a:r>
-            <a:endParaRPr lang="zh-CN" altLang="en-US" b="1" dirty="0">
-              <a:solidFill>
-                <a:srgbClr val="7030A0"/>
-              </a:solidFill>
-              <a:latin typeface="微软雅黑" panose="020B0503020204020204" pitchFamily="34" charset="-122"/>
-              <a:ea typeface="微软雅黑" panose="020B0503020204020204" pitchFamily="34" charset="-122"/>
-            </a:endParaRPr>
-          </a:p>
-        </p:txBody>
-      </p:sp>
       <p:pic>
         <p:nvPicPr>
-          <p:cNvPr id="7" name="Picture 6" descr="Screen Clipping"/>
+          <p:cNvPr id="2" name="Picture 1" descr="Screen Clipping"/>
           <p:cNvPicPr>
             <a:picLocks noChangeAspect="1"/>
           </p:cNvPicPr>
@@ -9959,8 +13990,8 @@
         </p:blipFill>
         <p:spPr>
           <a:xfrm>
-            <a:off x="1527380" y="1852777"/>
-            <a:ext cx="9373908" cy="4801270"/>
+            <a:off x="1044420" y="0"/>
+            <a:ext cx="10103160" cy="6858000"/>
           </a:xfrm>
           <a:prstGeom prst="rect">
             <a:avLst/>
@@ -9969,40 +14000,33 @@
       </p:pic>
       <p:sp>
         <p:nvSpPr>
-          <p:cNvPr id="8" name="Oval Callout 7"/>
+          <p:cNvPr id="3" name="Oval 11"/>
           <p:cNvSpPr/>
           <p:nvPr/>
         </p:nvSpPr>
         <p:spPr>
           <a:xfrm>
-            <a:off x="1301675" y="1852777"/>
-            <a:ext cx="1118796" cy="1344030"/>
-          </a:xfrm>
-          <a:prstGeom prst="wedgeEllipseCallout">
-            <a:avLst>
-              <a:gd name="adj1" fmla="val 166667"/>
-              <a:gd name="adj2" fmla="val 44891"/>
-            </a:avLst>
+            <a:off x="1042526" y="1548100"/>
+            <a:ext cx="1366329" cy="1366329"/>
+          </a:xfrm>
+          <a:prstGeom prst="ellipse">
+            <a:avLst/>
           </a:prstGeom>
-          <a:noFill/>
-          <a:ln w="38100">
-            <a:solidFill>
-              <a:schemeClr val="accent2"/>
-            </a:solidFill>
-          </a:ln>
         </p:spPr>
         <p:style>
           <a:lnRef idx="2">
-            <a:schemeClr val="accent2"/>
+            <a:schemeClr val="accent2">
+              <a:shade val="50000"/>
+            </a:schemeClr>
           </a:lnRef>
           <a:fillRef idx="1">
-            <a:schemeClr val="lt1"/>
+            <a:schemeClr val="accent2"/>
           </a:fillRef>
           <a:effectRef idx="0">
             <a:schemeClr val="accent2"/>
           </a:effectRef>
           <a:fontRef idx="minor">
-            <a:schemeClr val="dk1"/>
+            <a:schemeClr val="lt1"/>
           </a:fontRef>
         </p:style>
         <p:txBody>
@@ -10010,70 +14034,148 @@
           <a:lstStyle/>
           <a:p>
             <a:pPr algn="ctr"/>
-            <a:endParaRPr lang="zh-CN" altLang="en-US"/>
-          </a:p>
-        </p:txBody>
-      </p:sp>
-      <p:sp>
-        <p:nvSpPr>
-          <p:cNvPr id="9" name="TextBox 8"/>
+            <a:r>
+              <a:rPr lang="en-US" altLang="zh-CN" sz="7200" dirty="0" smtClean="0">
+                <a:latin typeface="Arial Black" panose="020B0A04020102020204" pitchFamily="34" charset="0"/>
+                <a:ea typeface="微软雅黑" panose="020B0503020204020204" pitchFamily="34" charset="-122"/>
+              </a:rPr>
+              <a:t>5</a:t>
+            </a:r>
+            <a:endParaRPr lang="zh-CN" altLang="en-US" sz="7200" dirty="0">
+              <a:latin typeface="Arial Black" panose="020B0A04020102020204" pitchFamily="34" charset="0"/>
+              <a:ea typeface="微软雅黑" panose="020B0503020204020204" pitchFamily="34" charset="-122"/>
+            </a:endParaRPr>
+          </a:p>
+        </p:txBody>
+      </p:sp>
+      <p:sp>
+        <p:nvSpPr>
+          <p:cNvPr id="5" name="TextBox 7"/>
           <p:cNvSpPr txBox="1"/>
           <p:nvPr/>
         </p:nvSpPr>
         <p:spPr>
           <a:xfrm>
-            <a:off x="801217" y="2170849"/>
-            <a:ext cx="500458" cy="707886"/>
+            <a:off x="6495005" y="3649052"/>
+            <a:ext cx="1592103" cy="369332"/>
+          </a:xfrm>
+          <a:prstGeom prst="rect">
+            <a:avLst/>
+          </a:prstGeom>
+        </p:spPr>
+        <p:style>
+          <a:lnRef idx="2">
+            <a:schemeClr val="accent2">
+              <a:shade val="50000"/>
+            </a:schemeClr>
+          </a:lnRef>
+          <a:fillRef idx="1">
+            <a:schemeClr val="accent2"/>
+          </a:fillRef>
+          <a:effectRef idx="0">
+            <a:schemeClr val="accent2"/>
+          </a:effectRef>
+          <a:fontRef idx="minor">
+            <a:schemeClr val="lt1"/>
+          </a:fontRef>
+        </p:style>
+        <p:txBody>
+          <a:bodyPr wrap="none" rtlCol="0">
+            <a:spAutoFit/>
+          </a:bodyPr>
+          <a:lstStyle/>
+          <a:p>
+            <a:r>
+              <a:rPr lang="zh-CN" altLang="en-US" dirty="0" smtClean="0">
+                <a:solidFill>
+                  <a:srgbClr val="C00000"/>
+                </a:solidFill>
+                <a:latin typeface="微软雅黑" panose="020B0503020204020204" pitchFamily="34" charset="-122"/>
+                <a:ea typeface="微软雅黑" panose="020B0503020204020204" pitchFamily="34" charset="-122"/>
+              </a:rPr>
+              <a:t>点击</a:t>
+            </a:r>
+            <a:r>
+              <a:rPr lang="en-US" altLang="zh-CN" dirty="0" smtClean="0">
+                <a:solidFill>
+                  <a:srgbClr val="C00000"/>
+                </a:solidFill>
+                <a:latin typeface="微软雅黑" panose="020B0503020204020204" pitchFamily="34" charset="-122"/>
+                <a:ea typeface="微软雅黑" panose="020B0503020204020204" pitchFamily="34" charset="-122"/>
+              </a:rPr>
+              <a:t>Fork</a:t>
+            </a:r>
+            <a:r>
+              <a:rPr lang="zh-CN" altLang="en-US" dirty="0" smtClean="0">
+                <a:solidFill>
+                  <a:srgbClr val="C00000"/>
+                </a:solidFill>
+                <a:latin typeface="微软雅黑" panose="020B0503020204020204" pitchFamily="34" charset="-122"/>
+                <a:ea typeface="微软雅黑" panose="020B0503020204020204" pitchFamily="34" charset="-122"/>
+              </a:rPr>
+              <a:t>按钮</a:t>
+            </a:r>
+            <a:endParaRPr lang="zh-CN" altLang="en-US" dirty="0">
+              <a:solidFill>
+                <a:srgbClr val="C00000"/>
+              </a:solidFill>
+              <a:latin typeface="微软雅黑" panose="020B0503020204020204" pitchFamily="34" charset="-122"/>
+              <a:ea typeface="微软雅黑" panose="020B0503020204020204" pitchFamily="34" charset="-122"/>
+            </a:endParaRPr>
+          </a:p>
+        </p:txBody>
+      </p:sp>
+      <p:cxnSp>
+        <p:nvCxnSpPr>
+          <p:cNvPr id="6" name="Straight Arrow Connector 10"/>
+          <p:cNvCxnSpPr/>
+          <p:nvPr/>
+        </p:nvCxnSpPr>
+        <p:spPr>
+          <a:xfrm flipV="1">
+            <a:off x="8064665" y="1548100"/>
+            <a:ext cx="2109645" cy="2285618"/>
+          </a:xfrm>
+          <a:prstGeom prst="straightConnector1">
+            <a:avLst/>
+          </a:prstGeom>
+          <a:ln w="38100">
+            <a:tailEnd type="triangle"/>
+          </a:ln>
+        </p:spPr>
+        <p:style>
+          <a:lnRef idx="3">
+            <a:schemeClr val="accent2"/>
+          </a:lnRef>
+          <a:fillRef idx="0">
+            <a:schemeClr val="accent2"/>
+          </a:fillRef>
+          <a:effectRef idx="2">
+            <a:schemeClr val="accent2"/>
+          </a:effectRef>
+          <a:fontRef idx="minor">
+            <a:schemeClr val="tx1"/>
+          </a:fontRef>
+        </p:style>
+      </p:cxnSp>
+      <p:sp>
+        <p:nvSpPr>
+          <p:cNvPr id="11" name="矩形 10"/>
+          <p:cNvSpPr/>
+          <p:nvPr/>
+        </p:nvSpPr>
+        <p:spPr>
+          <a:xfrm>
+            <a:off x="9929611" y="1004552"/>
+            <a:ext cx="862885" cy="543548"/>
           </a:xfrm>
           <a:prstGeom prst="rect">
             <a:avLst/>
           </a:prstGeom>
           <a:noFill/>
-        </p:spPr>
-        <p:txBody>
-          <a:bodyPr wrap="none" rtlCol="0">
-            <a:spAutoFit/>
-          </a:bodyPr>
-          <a:lstStyle/>
-          <a:p>
-            <a:r>
-              <a:rPr lang="en-US" altLang="zh-CN" sz="4000" b="1" dirty="0" smtClean="0">
-                <a:solidFill>
-                  <a:schemeClr val="accent2"/>
-                </a:solidFill>
-                <a:latin typeface="微软雅黑" panose="020B0503020204020204" pitchFamily="34" charset="-122"/>
-                <a:ea typeface="微软雅黑" panose="020B0503020204020204" pitchFamily="34" charset="-122"/>
-              </a:rPr>
-              <a:t>1</a:t>
-            </a:r>
-            <a:endParaRPr lang="zh-CN" altLang="en-US" sz="4000" b="1" dirty="0">
-              <a:solidFill>
-                <a:schemeClr val="accent2"/>
-              </a:solidFill>
-              <a:latin typeface="微软雅黑" panose="020B0503020204020204" pitchFamily="34" charset="-122"/>
-              <a:ea typeface="微软雅黑" panose="020B0503020204020204" pitchFamily="34" charset="-122"/>
-            </a:endParaRPr>
-          </a:p>
-        </p:txBody>
-      </p:sp>
-      <p:sp>
-        <p:nvSpPr>
-          <p:cNvPr id="10" name="Rectangle 9"/>
-          <p:cNvSpPr/>
-          <p:nvPr/>
-        </p:nvSpPr>
-        <p:spPr>
-          <a:xfrm>
-            <a:off x="4049224" y="3926541"/>
-            <a:ext cx="7192517" cy="1108038"/>
-          </a:xfrm>
-          <a:prstGeom prst="rect">
-            <a:avLst/>
-          </a:prstGeom>
-          <a:noFill/>
-          <a:ln w="28575">
+          <a:ln w="38100">
             <a:solidFill>
-              <a:schemeClr val="accent2"/>
+              <a:srgbClr val="C00000"/>
             </a:solidFill>
           </a:ln>
         </p:spPr>
@@ -10102,108 +14204,16 @@
           </a:p>
         </p:txBody>
       </p:sp>
-      <p:sp>
-        <p:nvSpPr>
-          <p:cNvPr id="11" name="TextBox 10"/>
-          <p:cNvSpPr txBox="1"/>
-          <p:nvPr/>
-        </p:nvSpPr>
-        <p:spPr>
-          <a:xfrm>
-            <a:off x="3435914" y="4126617"/>
-            <a:ext cx="500458" cy="707886"/>
-          </a:xfrm>
-          <a:prstGeom prst="rect">
-            <a:avLst/>
-          </a:prstGeom>
-          <a:noFill/>
-        </p:spPr>
-        <p:txBody>
-          <a:bodyPr wrap="none" rtlCol="0">
-            <a:spAutoFit/>
-          </a:bodyPr>
-          <a:lstStyle/>
-          <a:p>
-            <a:r>
-              <a:rPr lang="en-US" altLang="zh-CN" sz="4000" b="1" dirty="0" smtClean="0">
-                <a:solidFill>
-                  <a:schemeClr val="accent2"/>
-                </a:solidFill>
-                <a:latin typeface="微软雅黑" panose="020B0503020204020204" pitchFamily="34" charset="-122"/>
-                <a:ea typeface="微软雅黑" panose="020B0503020204020204" pitchFamily="34" charset="-122"/>
-              </a:rPr>
-              <a:t>2</a:t>
-            </a:r>
-            <a:endParaRPr lang="zh-CN" altLang="en-US" sz="4000" b="1" dirty="0">
-              <a:solidFill>
-                <a:schemeClr val="accent2"/>
-              </a:solidFill>
-              <a:latin typeface="微软雅黑" panose="020B0503020204020204" pitchFamily="34" charset="-122"/>
-              <a:ea typeface="微软雅黑" panose="020B0503020204020204" pitchFamily="34" charset="-122"/>
-            </a:endParaRPr>
-          </a:p>
-        </p:txBody>
-      </p:sp>
-      <p:sp>
-        <p:nvSpPr>
-          <p:cNvPr id="2" name="文本框 1"/>
-          <p:cNvSpPr txBox="1"/>
-          <p:nvPr/>
-        </p:nvSpPr>
-        <p:spPr>
-          <a:xfrm>
-            <a:off x="5263305" y="4142006"/>
-            <a:ext cx="4717822" cy="338554"/>
-          </a:xfrm>
-          <a:prstGeom prst="rect">
-            <a:avLst/>
-          </a:prstGeom>
-        </p:spPr>
-        <p:style>
-          <a:lnRef idx="2">
-            <a:schemeClr val="accent1"/>
-          </a:lnRef>
-          <a:fillRef idx="1">
-            <a:schemeClr val="lt1"/>
-          </a:fillRef>
-          <a:effectRef idx="0">
-            <a:schemeClr val="accent1"/>
-          </a:effectRef>
-          <a:fontRef idx="minor">
-            <a:schemeClr val="dk1"/>
-          </a:fontRef>
-        </p:style>
-        <p:txBody>
-          <a:bodyPr wrap="square" rtlCol="0">
-            <a:spAutoFit/>
-          </a:bodyPr>
-          <a:lstStyle/>
-          <a:p>
-            <a:r>
-              <a:rPr lang="en-US" altLang="zh-CN" sz="1600" dirty="0"/>
-              <a:t>https://github.com/KaixianTeachers/IS-Courses</a:t>
-            </a:r>
-            <a:endParaRPr lang="zh-CN" altLang="en-US" sz="1600" dirty="0"/>
-          </a:p>
-        </p:txBody>
-      </p:sp>
     </p:spTree>
     <p:extLst>
       <p:ext uri="{BB962C8B-B14F-4D97-AF65-F5344CB8AC3E}">
-        <p14:creationId xmlns:p14="http://schemas.microsoft.com/office/powerpoint/2010/main" val="3106753974"/>
+        <p14:creationId xmlns:p14="http://schemas.microsoft.com/office/powerpoint/2010/main" val="2872061589"/>
       </p:ext>
     </p:extLst>
   </p:cSld>
   <p:clrMapOvr>
     <a:masterClrMapping/>
   </p:clrMapOvr>
-  <p:timing>
-    <p:tnLst>
-      <p:par>
-        <p:cTn id="1" dur="indefinite" restart="never" nodeType="tmRoot"/>
-      </p:par>
-    </p:tnLst>
-  </p:timing>
 </p:sld>
 </file>
 

--- a/C0_for_teacher/assets/docs/使用Github开发自主学习网站.pptx
+++ b/C0_for_teacher/assets/docs/使用Github开发自主学习网站.pptx
@@ -938,42 +938,64 @@
     </dgm:pt>
     <dgm:pt modelId="{2CDE98F7-E359-43C0-BAD0-FDF498D80D92}">
       <dgm:prSet phldrT="[Text]" custT="1"/>
-      <dgm:spPr/>
+      <dgm:spPr>
+        <a:solidFill>
+          <a:srgbClr val="F1C40F"/>
+        </a:solidFill>
+        <a:ln>
+          <a:noFill/>
+        </a:ln>
+      </dgm:spPr>
       <dgm:t>
         <a:bodyPr/>
         <a:lstStyle/>
         <a:p>
           <a:r>
-            <a:rPr lang="zh-CN" altLang="en-US" sz="1400" b="1" dirty="0" smtClean="0">
-              <a:latin typeface="微软雅黑" panose="020B0503020204020204" pitchFamily="34" charset="-122"/>
-              <a:ea typeface="微软雅黑" panose="020B0503020204020204" pitchFamily="34" charset="-122"/>
+            <a:rPr lang="zh-CN" altLang="en-US" sz="2000" b="1" dirty="0" smtClean="0">
+              <a:solidFill>
+                <a:srgbClr val="34495E"/>
+              </a:solidFill>
+              <a:latin typeface="方正姚体" panose="02010601030101010101" pitchFamily="2" charset="-122"/>
+              <a:ea typeface="方正姚体" panose="02010601030101010101" pitchFamily="2" charset="-122"/>
             </a:rPr>
             <a:t>从</a:t>
           </a:r>
           <a:r>
-            <a:rPr lang="en-US" altLang="zh-CN" sz="1400" b="1" dirty="0" err="1" smtClean="0">
-              <a:latin typeface="微软雅黑" panose="020B0503020204020204" pitchFamily="34" charset="-122"/>
-              <a:ea typeface="微软雅黑" panose="020B0503020204020204" pitchFamily="34" charset="-122"/>
+            <a:rPr lang="en-US" altLang="zh-CN" sz="2000" b="1" dirty="0" err="1" smtClean="0">
+              <a:solidFill>
+                <a:srgbClr val="34495E"/>
+              </a:solidFill>
+              <a:latin typeface="方正姚体" panose="02010601030101010101" pitchFamily="2" charset="-122"/>
+              <a:ea typeface="方正姚体" panose="02010601030101010101" pitchFamily="2" charset="-122"/>
             </a:rPr>
             <a:t>Github</a:t>
           </a:r>
           <a:r>
-            <a:rPr lang="zh-CN" altLang="en-US" sz="1400" b="1" dirty="0" smtClean="0">
-              <a:latin typeface="微软雅黑" panose="020B0503020204020204" pitchFamily="34" charset="-122"/>
-              <a:ea typeface="微软雅黑" panose="020B0503020204020204" pitchFamily="34" charset="-122"/>
+            <a:rPr lang="zh-CN" altLang="en-US" sz="2000" b="1" dirty="0" smtClean="0">
+              <a:solidFill>
+                <a:srgbClr val="34495E"/>
+              </a:solidFill>
+              <a:latin typeface="方正姚体" panose="02010601030101010101" pitchFamily="2" charset="-122"/>
+              <a:ea typeface="方正姚体" panose="02010601030101010101" pitchFamily="2" charset="-122"/>
             </a:rPr>
             <a:t>同步最新版本</a:t>
           </a:r>
           <a:r>
-            <a:rPr lang="en-US" altLang="zh-CN" sz="1400" b="1" dirty="0" smtClean="0">
-              <a:latin typeface="微软雅黑" panose="020B0503020204020204" pitchFamily="34" charset="-122"/>
-              <a:ea typeface="微软雅黑" panose="020B0503020204020204" pitchFamily="34" charset="-122"/>
+            <a:rPr lang="en-US" altLang="zh-CN" sz="2000" b="1" dirty="0" smtClean="0">
+              <a:solidFill>
+                <a:srgbClr val="34495E"/>
+              </a:solidFill>
+              <a:latin typeface="方正姚体" panose="02010601030101010101" pitchFamily="2" charset="-122"/>
+              <a:ea typeface="方正姚体" panose="02010601030101010101" pitchFamily="2" charset="-122"/>
             </a:rPr>
             <a:t>(pull)</a:t>
           </a:r>
-          <a:endParaRPr lang="en-US" altLang="zh-CN" sz="1400" b="1" dirty="0">
-            <a:latin typeface="微软雅黑" panose="020B0503020204020204" pitchFamily="34" charset="-122"/>
-            <a:ea typeface="微软雅黑" panose="020B0503020204020204" pitchFamily="34" charset="-122"/>
+          <a:endParaRPr lang="en-US" altLang="zh-CN" sz="2000" b="1" dirty="0">
+            <a:solidFill>
+              <a:srgbClr val="34495E"/>
+            </a:solidFill>
+            <a:latin typeface="方正姚体" panose="02010601030101010101" pitchFamily="2" charset="-122"/>
+            <a:ea typeface="方正姚体" panose="02010601030101010101" pitchFamily="2" charset="-122"/>
           </a:endParaRPr>
         </a:p>
       </dgm:t>
@@ -1008,21 +1030,34 @@
     </dgm:pt>
     <dgm:pt modelId="{B561EBCE-3B03-4512-9055-7BC52CBA15C3}">
       <dgm:prSet phldrT="[Text]" custT="1"/>
-      <dgm:spPr/>
+      <dgm:spPr>
+        <a:solidFill>
+          <a:srgbClr val="E74C3C"/>
+        </a:solidFill>
+        <a:ln>
+          <a:noFill/>
+        </a:ln>
+      </dgm:spPr>
       <dgm:t>
         <a:bodyPr/>
         <a:lstStyle/>
         <a:p>
           <a:r>
-            <a:rPr lang="zh-CN" altLang="en-US" sz="1400" b="1" dirty="0" smtClean="0">
-              <a:latin typeface="微软雅黑" panose="020B0503020204020204" pitchFamily="34" charset="-122"/>
-              <a:ea typeface="微软雅黑" panose="020B0503020204020204" pitchFamily="34" charset="-122"/>
+            <a:rPr lang="zh-CN" altLang="en-US" sz="1600" b="1" dirty="0" smtClean="0">
+              <a:solidFill>
+                <a:schemeClr val="bg1"/>
+              </a:solidFill>
+              <a:latin typeface="方正姚体" panose="02010601030101010101" pitchFamily="2" charset="-122"/>
+              <a:ea typeface="方正姚体" panose="02010601030101010101" pitchFamily="2" charset="-122"/>
             </a:rPr>
             <a:t>本地修改</a:t>
           </a:r>
-          <a:endParaRPr lang="en-US" altLang="zh-CN" sz="1400" b="1" dirty="0">
-            <a:latin typeface="微软雅黑" panose="020B0503020204020204" pitchFamily="34" charset="-122"/>
-            <a:ea typeface="微软雅黑" panose="020B0503020204020204" pitchFamily="34" charset="-122"/>
+          <a:endParaRPr lang="en-US" altLang="zh-CN" sz="1600" b="1" dirty="0">
+            <a:solidFill>
+              <a:schemeClr val="bg1"/>
+            </a:solidFill>
+            <a:latin typeface="方正姚体" panose="02010601030101010101" pitchFamily="2" charset="-122"/>
+            <a:ea typeface="方正姚体" panose="02010601030101010101" pitchFamily="2" charset="-122"/>
           </a:endParaRPr>
         </a:p>
       </dgm:t>
@@ -1057,28 +1092,35 @@
     </dgm:pt>
     <dgm:pt modelId="{B57643D1-1FE4-4880-B861-B46C4F421FC6}">
       <dgm:prSet phldrT="[Text]" custT="1"/>
-      <dgm:spPr/>
+      <dgm:spPr>
+        <a:solidFill>
+          <a:srgbClr val="1ABC9C"/>
+        </a:solidFill>
+        <a:ln>
+          <a:noFill/>
+        </a:ln>
+      </dgm:spPr>
       <dgm:t>
         <a:bodyPr/>
         <a:lstStyle/>
         <a:p>
           <a:r>
-            <a:rPr lang="zh-CN" altLang="en-US" sz="1200" b="1" dirty="0" smtClean="0">
-              <a:latin typeface="微软雅黑" panose="020B0503020204020204" pitchFamily="34" charset="-122"/>
-              <a:ea typeface="微软雅黑" panose="020B0503020204020204" pitchFamily="34" charset="-122"/>
+            <a:rPr lang="zh-CN" altLang="en-US" sz="1600" b="1" dirty="0" smtClean="0">
+              <a:latin typeface="方正姚体" panose="02010601030101010101" pitchFamily="2" charset="-122"/>
+              <a:ea typeface="方正姚体" panose="02010601030101010101" pitchFamily="2" charset="-122"/>
             </a:rPr>
             <a:t>推送提交</a:t>
           </a:r>
           <a:r>
-            <a:rPr lang="en-US" altLang="zh-CN" sz="1200" b="1" dirty="0" smtClean="0">
-              <a:latin typeface="微软雅黑" panose="020B0503020204020204" pitchFamily="34" charset="-122"/>
-              <a:ea typeface="微软雅黑" panose="020B0503020204020204" pitchFamily="34" charset="-122"/>
+            <a:rPr lang="en-US" altLang="zh-CN" sz="1600" b="1" dirty="0" smtClean="0">
+              <a:latin typeface="方正姚体" panose="02010601030101010101" pitchFamily="2" charset="-122"/>
+              <a:ea typeface="方正姚体" panose="02010601030101010101" pitchFamily="2" charset="-122"/>
             </a:rPr>
             <a:t>(push)</a:t>
           </a:r>
-          <a:endParaRPr lang="en-US" altLang="zh-CN" sz="1200" b="1" dirty="0">
-            <a:latin typeface="微软雅黑" panose="020B0503020204020204" pitchFamily="34" charset="-122"/>
-            <a:ea typeface="微软雅黑" panose="020B0503020204020204" pitchFamily="34" charset="-122"/>
+          <a:endParaRPr lang="en-US" altLang="zh-CN" sz="1600" b="1" dirty="0">
+            <a:latin typeface="方正姚体" panose="02010601030101010101" pitchFamily="2" charset="-122"/>
+            <a:ea typeface="方正姚体" panose="02010601030101010101" pitchFamily="2" charset="-122"/>
           </a:endParaRPr>
         </a:p>
       </dgm:t>
@@ -1113,21 +1155,34 @@
     </dgm:pt>
     <dgm:pt modelId="{F3412937-7760-41E6-A7E2-517635E94E1E}">
       <dgm:prSet phldrT="[Text]" custT="1"/>
-      <dgm:spPr/>
+      <dgm:spPr>
+        <a:solidFill>
+          <a:srgbClr val="E74C3C"/>
+        </a:solidFill>
+        <a:ln>
+          <a:noFill/>
+        </a:ln>
+      </dgm:spPr>
       <dgm:t>
         <a:bodyPr/>
         <a:lstStyle/>
         <a:p>
           <a:r>
-            <a:rPr lang="zh-CN" altLang="en-US" sz="1400" b="1" dirty="0" smtClean="0">
-              <a:latin typeface="微软雅黑" panose="020B0503020204020204" pitchFamily="34" charset="-122"/>
-              <a:ea typeface="微软雅黑" panose="020B0503020204020204" pitchFamily="34" charset="-122"/>
+            <a:rPr lang="zh-CN" altLang="en-US" sz="1600" b="1" dirty="0" smtClean="0">
+              <a:solidFill>
+                <a:schemeClr val="bg1"/>
+              </a:solidFill>
+              <a:latin typeface="方正姚体" panose="02010601030101010101" pitchFamily="2" charset="-122"/>
+              <a:ea typeface="方正姚体" panose="02010601030101010101" pitchFamily="2" charset="-122"/>
             </a:rPr>
             <a:t>按照结构规划本地设计制作</a:t>
           </a:r>
-          <a:endParaRPr lang="en-US" altLang="zh-CN" sz="1400" b="1" dirty="0">
-            <a:latin typeface="微软雅黑" panose="020B0503020204020204" pitchFamily="34" charset="-122"/>
-            <a:ea typeface="微软雅黑" panose="020B0503020204020204" pitchFamily="34" charset="-122"/>
+          <a:endParaRPr lang="en-US" altLang="zh-CN" sz="1600" b="1" dirty="0">
+            <a:solidFill>
+              <a:schemeClr val="bg1"/>
+            </a:solidFill>
+            <a:latin typeface="方正姚体" panose="02010601030101010101" pitchFamily="2" charset="-122"/>
+            <a:ea typeface="方正姚体" panose="02010601030101010101" pitchFamily="2" charset="-122"/>
           </a:endParaRPr>
         </a:p>
       </dgm:t>
@@ -1162,21 +1217,34 @@
     </dgm:pt>
     <dgm:pt modelId="{E0398E40-358F-40AC-8956-7F9102BEAAFC}">
       <dgm:prSet phldrT="[Text]" custT="1"/>
-      <dgm:spPr/>
+      <dgm:spPr>
+        <a:solidFill>
+          <a:srgbClr val="3498DB"/>
+        </a:solidFill>
+        <a:ln>
+          <a:noFill/>
+        </a:ln>
+      </dgm:spPr>
       <dgm:t>
         <a:bodyPr/>
         <a:lstStyle/>
         <a:p>
           <a:r>
-            <a:rPr lang="zh-CN" altLang="en-US" sz="1400" b="1" dirty="0" smtClean="0">
-              <a:latin typeface="微软雅黑" panose="020B0503020204020204" pitchFamily="34" charset="-122"/>
-              <a:ea typeface="微软雅黑" panose="020B0503020204020204" pitchFamily="34" charset="-122"/>
+            <a:rPr lang="zh-CN" altLang="en-US" sz="2400" b="1" dirty="0" smtClean="0">
+              <a:solidFill>
+                <a:srgbClr val="34495E"/>
+              </a:solidFill>
+              <a:latin typeface="方正姚体" panose="02010601030101010101" pitchFamily="2" charset="-122"/>
+              <a:ea typeface="方正姚体" panose="02010601030101010101" pitchFamily="2" charset="-122"/>
             </a:rPr>
             <a:t>等待审核</a:t>
           </a:r>
-          <a:endParaRPr lang="en-US" altLang="zh-CN" sz="1400" b="1" dirty="0">
-            <a:latin typeface="微软雅黑" panose="020B0503020204020204" pitchFamily="34" charset="-122"/>
-            <a:ea typeface="微软雅黑" panose="020B0503020204020204" pitchFamily="34" charset="-122"/>
+          <a:endParaRPr lang="en-US" altLang="zh-CN" sz="2400" b="1" dirty="0">
+            <a:solidFill>
+              <a:srgbClr val="34495E"/>
+            </a:solidFill>
+            <a:latin typeface="方正姚体" panose="02010601030101010101" pitchFamily="2" charset="-122"/>
+            <a:ea typeface="方正姚体" panose="02010601030101010101" pitchFamily="2" charset="-122"/>
           </a:endParaRPr>
         </a:p>
       </dgm:t>
@@ -1211,40 +1279,47 @@
     </dgm:pt>
     <dgm:pt modelId="{78F98A79-B257-419F-833B-202443AC4BCF}">
       <dgm:prSet phldrT="[Text]" custT="1"/>
-      <dgm:spPr/>
+      <dgm:spPr>
+        <a:solidFill>
+          <a:srgbClr val="1ABC9C"/>
+        </a:solidFill>
+        <a:ln>
+          <a:noFill/>
+        </a:ln>
+      </dgm:spPr>
       <dgm:t>
         <a:bodyPr/>
         <a:lstStyle/>
         <a:p>
           <a:r>
-            <a:rPr lang="zh-CN" altLang="en-US" sz="1200" b="1" dirty="0" smtClean="0">
-              <a:latin typeface="微软雅黑" panose="020B0503020204020204" pitchFamily="34" charset="-122"/>
-              <a:ea typeface="微软雅黑" panose="020B0503020204020204" pitchFamily="34" charset="-122"/>
+            <a:rPr lang="zh-CN" altLang="en-US" sz="1600" b="1" dirty="0" smtClean="0">
+              <a:latin typeface="方正姚体" panose="02010601030101010101" pitchFamily="2" charset="-122"/>
+              <a:ea typeface="方正姚体" panose="02010601030101010101" pitchFamily="2" charset="-122"/>
             </a:rPr>
             <a:t>创建拉取申请（</a:t>
           </a:r>
           <a:r>
-            <a:rPr lang="en-US" altLang="zh-CN" sz="1200" b="1" dirty="0" smtClean="0">
-              <a:latin typeface="微软雅黑" panose="020B0503020204020204" pitchFamily="34" charset="-122"/>
-              <a:ea typeface="微软雅黑" panose="020B0503020204020204" pitchFamily="34" charset="-122"/>
+            <a:rPr lang="en-US" altLang="zh-CN" sz="1600" b="1" dirty="0" smtClean="0">
+              <a:latin typeface="方正姚体" panose="02010601030101010101" pitchFamily="2" charset="-122"/>
+              <a:ea typeface="方正姚体" panose="02010601030101010101" pitchFamily="2" charset="-122"/>
             </a:rPr>
             <a:t>pull request</a:t>
           </a:r>
           <a:r>
-            <a:rPr lang="zh-CN" altLang="en-US" sz="1200" b="1" dirty="0" smtClean="0">
-              <a:latin typeface="微软雅黑" panose="020B0503020204020204" pitchFamily="34" charset="-122"/>
-              <a:ea typeface="微软雅黑" panose="020B0503020204020204" pitchFamily="34" charset="-122"/>
+            <a:rPr lang="zh-CN" altLang="en-US" sz="1600" b="1" dirty="0" smtClean="0">
+              <a:latin typeface="方正姚体" panose="02010601030101010101" pitchFamily="2" charset="-122"/>
+              <a:ea typeface="方正姚体" panose="02010601030101010101" pitchFamily="2" charset="-122"/>
             </a:rPr>
             <a:t>）</a:t>
           </a:r>
-          <a:endParaRPr lang="en-US" altLang="zh-CN" sz="1200" b="1" dirty="0">
-            <a:latin typeface="微软雅黑" panose="020B0503020204020204" pitchFamily="34" charset="-122"/>
-            <a:ea typeface="微软雅黑" panose="020B0503020204020204" pitchFamily="34" charset="-122"/>
+          <a:endParaRPr lang="en-US" altLang="zh-CN" sz="1600" b="1" dirty="0">
+            <a:latin typeface="方正姚体" panose="02010601030101010101" pitchFamily="2" charset="-122"/>
+            <a:ea typeface="方正姚体" panose="02010601030101010101" pitchFamily="2" charset="-122"/>
           </a:endParaRPr>
         </a:p>
       </dgm:t>
     </dgm:pt>
-    <dgm:pt modelId="{AB51B010-25D3-46EB-91EE-AE45A0182D08}" type="parTrans" cxnId="{DD374A5A-1DDE-484B-B200-493B6000E590}">
+    <dgm:pt modelId="{C917F80C-E863-4C46-8209-2FC43D0C4207}" type="sibTrans" cxnId="{DD374A5A-1DDE-484B-B200-493B6000E590}">
       <dgm:prSet/>
       <dgm:spPr/>
       <dgm:t>
@@ -1258,7 +1333,7 @@
         </a:p>
       </dgm:t>
     </dgm:pt>
-    <dgm:pt modelId="{C917F80C-E863-4C46-8209-2FC43D0C4207}" type="sibTrans" cxnId="{DD374A5A-1DDE-484B-B200-493B6000E590}">
+    <dgm:pt modelId="{AB51B010-25D3-46EB-91EE-AE45A0182D08}" type="parTrans" cxnId="{DD374A5A-1DDE-484B-B200-493B6000E590}">
       <dgm:prSet/>
       <dgm:spPr/>
       <dgm:t>
@@ -1465,22 +1540,10 @@
           <a:avLst/>
         </a:prstGeom>
         <a:solidFill>
-          <a:schemeClr val="accent4">
-            <a:hueOff val="0"/>
-            <a:satOff val="0"/>
-            <a:lumOff val="0"/>
-            <a:alphaOff val="0"/>
-          </a:schemeClr>
+          <a:srgbClr val="F1C40F"/>
         </a:solidFill>
         <a:ln w="12700" cap="flat" cmpd="sng" algn="ctr">
-          <a:solidFill>
-            <a:schemeClr val="lt1">
-              <a:hueOff val="0"/>
-              <a:satOff val="0"/>
-              <a:lumOff val="0"/>
-              <a:alphaOff val="0"/>
-            </a:schemeClr>
-          </a:solidFill>
+          <a:noFill/>
           <a:prstDash val="solid"/>
           <a:miter lim="800000"/>
         </a:ln>
@@ -1501,12 +1564,12 @@
         </a:fontRef>
       </dsp:style>
       <dsp:txBody>
-        <a:bodyPr spcFirstLastPara="0" vert="horz" wrap="square" lIns="53340" tIns="53340" rIns="53340" bIns="53340" numCol="1" spcCol="1270" anchor="ctr" anchorCtr="0">
+        <a:bodyPr spcFirstLastPara="0" vert="horz" wrap="square" lIns="76200" tIns="76200" rIns="76200" bIns="76200" numCol="1" spcCol="1270" anchor="ctr" anchorCtr="0">
           <a:noAutofit/>
         </a:bodyPr>
         <a:lstStyle/>
         <a:p>
-          <a:pPr lvl="0" algn="ctr" defTabSz="622300">
+          <a:pPr lvl="0" algn="ctr" defTabSz="889000">
             <a:lnSpc>
               <a:spcPct val="90000"/>
             </a:lnSpc>
@@ -1518,36 +1581,51 @@
             </a:spcAft>
           </a:pPr>
           <a:r>
-            <a:rPr lang="zh-CN" altLang="en-US" sz="1400" b="1" kern="1200" dirty="0" smtClean="0">
-              <a:latin typeface="微软雅黑" panose="020B0503020204020204" pitchFamily="34" charset="-122"/>
-              <a:ea typeface="微软雅黑" panose="020B0503020204020204" pitchFamily="34" charset="-122"/>
+            <a:rPr lang="zh-CN" altLang="en-US" sz="2000" b="1" kern="1200" dirty="0" smtClean="0">
+              <a:solidFill>
+                <a:srgbClr val="34495E"/>
+              </a:solidFill>
+              <a:latin typeface="方正姚体" panose="02010601030101010101" pitchFamily="2" charset="-122"/>
+              <a:ea typeface="方正姚体" panose="02010601030101010101" pitchFamily="2" charset="-122"/>
             </a:rPr>
             <a:t>从</a:t>
           </a:r>
           <a:r>
-            <a:rPr lang="en-US" altLang="zh-CN" sz="1400" b="1" kern="1200" dirty="0" err="1" smtClean="0">
-              <a:latin typeface="微软雅黑" panose="020B0503020204020204" pitchFamily="34" charset="-122"/>
-              <a:ea typeface="微软雅黑" panose="020B0503020204020204" pitchFamily="34" charset="-122"/>
+            <a:rPr lang="en-US" altLang="zh-CN" sz="2000" b="1" kern="1200" dirty="0" err="1" smtClean="0">
+              <a:solidFill>
+                <a:srgbClr val="34495E"/>
+              </a:solidFill>
+              <a:latin typeface="方正姚体" panose="02010601030101010101" pitchFamily="2" charset="-122"/>
+              <a:ea typeface="方正姚体" panose="02010601030101010101" pitchFamily="2" charset="-122"/>
             </a:rPr>
             <a:t>Github</a:t>
           </a:r>
           <a:r>
-            <a:rPr lang="zh-CN" altLang="en-US" sz="1400" b="1" kern="1200" dirty="0" smtClean="0">
-              <a:latin typeface="微软雅黑" panose="020B0503020204020204" pitchFamily="34" charset="-122"/>
-              <a:ea typeface="微软雅黑" panose="020B0503020204020204" pitchFamily="34" charset="-122"/>
+            <a:rPr lang="zh-CN" altLang="en-US" sz="2000" b="1" kern="1200" dirty="0" smtClean="0">
+              <a:solidFill>
+                <a:srgbClr val="34495E"/>
+              </a:solidFill>
+              <a:latin typeface="方正姚体" panose="02010601030101010101" pitchFamily="2" charset="-122"/>
+              <a:ea typeface="方正姚体" panose="02010601030101010101" pitchFamily="2" charset="-122"/>
             </a:rPr>
             <a:t>同步最新版本</a:t>
           </a:r>
           <a:r>
-            <a:rPr lang="en-US" altLang="zh-CN" sz="1400" b="1" kern="1200" dirty="0" smtClean="0">
-              <a:latin typeface="微软雅黑" panose="020B0503020204020204" pitchFamily="34" charset="-122"/>
-              <a:ea typeface="微软雅黑" panose="020B0503020204020204" pitchFamily="34" charset="-122"/>
+            <a:rPr lang="en-US" altLang="zh-CN" sz="2000" b="1" kern="1200" dirty="0" smtClean="0">
+              <a:solidFill>
+                <a:srgbClr val="34495E"/>
+              </a:solidFill>
+              <a:latin typeface="方正姚体" panose="02010601030101010101" pitchFamily="2" charset="-122"/>
+              <a:ea typeface="方正姚体" panose="02010601030101010101" pitchFamily="2" charset="-122"/>
             </a:rPr>
             <a:t>(pull)</a:t>
           </a:r>
-          <a:endParaRPr lang="en-US" altLang="zh-CN" sz="1400" b="1" kern="1200" dirty="0">
-            <a:latin typeface="微软雅黑" panose="020B0503020204020204" pitchFamily="34" charset="-122"/>
-            <a:ea typeface="微软雅黑" panose="020B0503020204020204" pitchFamily="34" charset="-122"/>
+          <a:endParaRPr lang="en-US" altLang="zh-CN" sz="2000" b="1" kern="1200" dirty="0">
+            <a:solidFill>
+              <a:srgbClr val="34495E"/>
+            </a:solidFill>
+            <a:latin typeface="方正姚体" panose="02010601030101010101" pitchFamily="2" charset="-122"/>
+            <a:ea typeface="方正姚体" panose="02010601030101010101" pitchFamily="2" charset="-122"/>
           </a:endParaRPr>
         </a:p>
       </dsp:txBody>
@@ -1623,22 +1701,10 @@
           <a:avLst/>
         </a:prstGeom>
         <a:solidFill>
-          <a:schemeClr val="accent4">
-            <a:hueOff val="3465231"/>
-            <a:satOff val="-15989"/>
-            <a:lumOff val="588"/>
-            <a:alphaOff val="0"/>
-          </a:schemeClr>
+          <a:srgbClr val="E74C3C"/>
         </a:solidFill>
         <a:ln w="12700" cap="flat" cmpd="sng" algn="ctr">
-          <a:solidFill>
-            <a:schemeClr val="lt1">
-              <a:hueOff val="0"/>
-              <a:satOff val="0"/>
-              <a:lumOff val="0"/>
-              <a:alphaOff val="0"/>
-            </a:schemeClr>
-          </a:solidFill>
+          <a:noFill/>
           <a:prstDash val="solid"/>
           <a:miter lim="800000"/>
         </a:ln>
@@ -1659,12 +1725,12 @@
         </a:fontRef>
       </dsp:style>
       <dsp:txBody>
-        <a:bodyPr spcFirstLastPara="0" vert="horz" wrap="square" lIns="53340" tIns="53340" rIns="53340" bIns="53340" numCol="1" spcCol="1270" anchor="t" anchorCtr="0">
+        <a:bodyPr spcFirstLastPara="0" vert="horz" wrap="square" lIns="60960" tIns="60960" rIns="60960" bIns="60960" numCol="1" spcCol="1270" anchor="t" anchorCtr="0">
           <a:noAutofit/>
         </a:bodyPr>
         <a:lstStyle/>
         <a:p>
-          <a:pPr lvl="0" algn="l" defTabSz="622300">
+          <a:pPr lvl="0" algn="l" defTabSz="711200">
             <a:lnSpc>
               <a:spcPct val="90000"/>
             </a:lnSpc>
@@ -1676,19 +1742,25 @@
             </a:spcAft>
           </a:pPr>
           <a:r>
-            <a:rPr lang="zh-CN" altLang="en-US" sz="1400" b="1" kern="1200" dirty="0" smtClean="0">
-              <a:latin typeface="微软雅黑" panose="020B0503020204020204" pitchFamily="34" charset="-122"/>
-              <a:ea typeface="微软雅黑" panose="020B0503020204020204" pitchFamily="34" charset="-122"/>
+            <a:rPr lang="zh-CN" altLang="en-US" sz="1600" b="1" kern="1200" dirty="0" smtClean="0">
+              <a:solidFill>
+                <a:schemeClr val="bg1"/>
+              </a:solidFill>
+              <a:latin typeface="方正姚体" panose="02010601030101010101" pitchFamily="2" charset="-122"/>
+              <a:ea typeface="方正姚体" panose="02010601030101010101" pitchFamily="2" charset="-122"/>
             </a:rPr>
             <a:t>本地修改</a:t>
           </a:r>
-          <a:endParaRPr lang="en-US" altLang="zh-CN" sz="1400" b="1" kern="1200" dirty="0">
-            <a:latin typeface="微软雅黑" panose="020B0503020204020204" pitchFamily="34" charset="-122"/>
-            <a:ea typeface="微软雅黑" panose="020B0503020204020204" pitchFamily="34" charset="-122"/>
+          <a:endParaRPr lang="en-US" altLang="zh-CN" sz="1600" b="1" kern="1200" dirty="0">
+            <a:solidFill>
+              <a:schemeClr val="bg1"/>
+            </a:solidFill>
+            <a:latin typeface="方正姚体" panose="02010601030101010101" pitchFamily="2" charset="-122"/>
+            <a:ea typeface="方正姚体" panose="02010601030101010101" pitchFamily="2" charset="-122"/>
           </a:endParaRPr>
         </a:p>
         <a:p>
-          <a:pPr marL="114300" lvl="1" indent="-114300" algn="l" defTabSz="622300">
+          <a:pPr marL="171450" lvl="1" indent="-171450" algn="l" defTabSz="711200">
             <a:lnSpc>
               <a:spcPct val="90000"/>
             </a:lnSpc>
@@ -1701,15 +1773,21 @@
             <a:buChar char="••"/>
           </a:pPr>
           <a:r>
-            <a:rPr lang="zh-CN" altLang="en-US" sz="1400" b="1" kern="1200" dirty="0" smtClean="0">
-              <a:latin typeface="微软雅黑" panose="020B0503020204020204" pitchFamily="34" charset="-122"/>
-              <a:ea typeface="微软雅黑" panose="020B0503020204020204" pitchFamily="34" charset="-122"/>
+            <a:rPr lang="zh-CN" altLang="en-US" sz="1600" b="1" kern="1200" dirty="0" smtClean="0">
+              <a:solidFill>
+                <a:schemeClr val="bg1"/>
+              </a:solidFill>
+              <a:latin typeface="方正姚体" panose="02010601030101010101" pitchFamily="2" charset="-122"/>
+              <a:ea typeface="方正姚体" panose="02010601030101010101" pitchFamily="2" charset="-122"/>
             </a:rPr>
             <a:t>按照结构规划本地设计制作</a:t>
           </a:r>
-          <a:endParaRPr lang="en-US" altLang="zh-CN" sz="1400" b="1" kern="1200" dirty="0">
-            <a:latin typeface="微软雅黑" panose="020B0503020204020204" pitchFamily="34" charset="-122"/>
-            <a:ea typeface="微软雅黑" panose="020B0503020204020204" pitchFamily="34" charset="-122"/>
+          <a:endParaRPr lang="en-US" altLang="zh-CN" sz="1600" b="1" kern="1200" dirty="0">
+            <a:solidFill>
+              <a:schemeClr val="bg1"/>
+            </a:solidFill>
+            <a:latin typeface="方正姚体" panose="02010601030101010101" pitchFamily="2" charset="-122"/>
+            <a:ea typeface="方正姚体" panose="02010601030101010101" pitchFamily="2" charset="-122"/>
           </a:endParaRPr>
         </a:p>
       </dsp:txBody>
@@ -1785,22 +1863,10 @@
           <a:avLst/>
         </a:prstGeom>
         <a:solidFill>
-          <a:schemeClr val="accent4">
-            <a:hueOff val="6930461"/>
-            <a:satOff val="-31979"/>
-            <a:lumOff val="1177"/>
-            <a:alphaOff val="0"/>
-          </a:schemeClr>
+          <a:srgbClr val="1ABC9C"/>
         </a:solidFill>
         <a:ln w="12700" cap="flat" cmpd="sng" algn="ctr">
-          <a:solidFill>
-            <a:schemeClr val="lt1">
-              <a:hueOff val="0"/>
-              <a:satOff val="0"/>
-              <a:lumOff val="0"/>
-              <a:alphaOff val="0"/>
-            </a:schemeClr>
-          </a:solidFill>
+          <a:noFill/>
           <a:prstDash val="solid"/>
           <a:miter lim="800000"/>
         </a:ln>
@@ -1821,12 +1887,12 @@
         </a:fontRef>
       </dsp:style>
       <dsp:txBody>
-        <a:bodyPr spcFirstLastPara="0" vert="horz" wrap="square" lIns="45720" tIns="45720" rIns="45720" bIns="45720" numCol="1" spcCol="1270" anchor="t" anchorCtr="0">
+        <a:bodyPr spcFirstLastPara="0" vert="horz" wrap="square" lIns="60960" tIns="60960" rIns="60960" bIns="60960" numCol="1" spcCol="1270" anchor="t" anchorCtr="0">
           <a:noAutofit/>
         </a:bodyPr>
         <a:lstStyle/>
         <a:p>
-          <a:pPr lvl="0" algn="l" defTabSz="533400">
+          <a:pPr lvl="0" algn="l" defTabSz="711200">
             <a:lnSpc>
               <a:spcPct val="90000"/>
             </a:lnSpc>
@@ -1838,26 +1904,26 @@
             </a:spcAft>
           </a:pPr>
           <a:r>
-            <a:rPr lang="zh-CN" altLang="en-US" sz="1200" b="1" kern="1200" dirty="0" smtClean="0">
-              <a:latin typeface="微软雅黑" panose="020B0503020204020204" pitchFamily="34" charset="-122"/>
-              <a:ea typeface="微软雅黑" panose="020B0503020204020204" pitchFamily="34" charset="-122"/>
+            <a:rPr lang="zh-CN" altLang="en-US" sz="1600" b="1" kern="1200" dirty="0" smtClean="0">
+              <a:latin typeface="方正姚体" panose="02010601030101010101" pitchFamily="2" charset="-122"/>
+              <a:ea typeface="方正姚体" panose="02010601030101010101" pitchFamily="2" charset="-122"/>
             </a:rPr>
             <a:t>推送提交</a:t>
           </a:r>
           <a:r>
-            <a:rPr lang="en-US" altLang="zh-CN" sz="1200" b="1" kern="1200" dirty="0" smtClean="0">
-              <a:latin typeface="微软雅黑" panose="020B0503020204020204" pitchFamily="34" charset="-122"/>
-              <a:ea typeface="微软雅黑" panose="020B0503020204020204" pitchFamily="34" charset="-122"/>
+            <a:rPr lang="en-US" altLang="zh-CN" sz="1600" b="1" kern="1200" dirty="0" smtClean="0">
+              <a:latin typeface="方正姚体" panose="02010601030101010101" pitchFamily="2" charset="-122"/>
+              <a:ea typeface="方正姚体" panose="02010601030101010101" pitchFamily="2" charset="-122"/>
             </a:rPr>
             <a:t>(push)</a:t>
           </a:r>
-          <a:endParaRPr lang="en-US" altLang="zh-CN" sz="1200" b="1" kern="1200" dirty="0">
-            <a:latin typeface="微软雅黑" panose="020B0503020204020204" pitchFamily="34" charset="-122"/>
-            <a:ea typeface="微软雅黑" panose="020B0503020204020204" pitchFamily="34" charset="-122"/>
+          <a:endParaRPr lang="en-US" altLang="zh-CN" sz="1600" b="1" kern="1200" dirty="0">
+            <a:latin typeface="方正姚体" panose="02010601030101010101" pitchFamily="2" charset="-122"/>
+            <a:ea typeface="方正姚体" panose="02010601030101010101" pitchFamily="2" charset="-122"/>
           </a:endParaRPr>
         </a:p>
         <a:p>
-          <a:pPr marL="114300" lvl="1" indent="-114300" algn="l" defTabSz="533400">
+          <a:pPr marL="171450" lvl="1" indent="-171450" algn="l" defTabSz="711200">
             <a:lnSpc>
               <a:spcPct val="90000"/>
             </a:lnSpc>
@@ -1870,29 +1936,29 @@
             <a:buChar char="••"/>
           </a:pPr>
           <a:r>
-            <a:rPr lang="zh-CN" altLang="en-US" sz="1200" b="1" kern="1200" dirty="0" smtClean="0">
-              <a:latin typeface="微软雅黑" panose="020B0503020204020204" pitchFamily="34" charset="-122"/>
-              <a:ea typeface="微软雅黑" panose="020B0503020204020204" pitchFamily="34" charset="-122"/>
+            <a:rPr lang="zh-CN" altLang="en-US" sz="1600" b="1" kern="1200" dirty="0" smtClean="0">
+              <a:latin typeface="方正姚体" panose="02010601030101010101" pitchFamily="2" charset="-122"/>
+              <a:ea typeface="方正姚体" panose="02010601030101010101" pitchFamily="2" charset="-122"/>
             </a:rPr>
             <a:t>创建拉取申请（</a:t>
           </a:r>
           <a:r>
-            <a:rPr lang="en-US" altLang="zh-CN" sz="1200" b="1" kern="1200" dirty="0" smtClean="0">
-              <a:latin typeface="微软雅黑" panose="020B0503020204020204" pitchFamily="34" charset="-122"/>
-              <a:ea typeface="微软雅黑" panose="020B0503020204020204" pitchFamily="34" charset="-122"/>
+            <a:rPr lang="en-US" altLang="zh-CN" sz="1600" b="1" kern="1200" dirty="0" smtClean="0">
+              <a:latin typeface="方正姚体" panose="02010601030101010101" pitchFamily="2" charset="-122"/>
+              <a:ea typeface="方正姚体" panose="02010601030101010101" pitchFamily="2" charset="-122"/>
             </a:rPr>
             <a:t>pull request</a:t>
           </a:r>
           <a:r>
-            <a:rPr lang="zh-CN" altLang="en-US" sz="1200" b="1" kern="1200" dirty="0" smtClean="0">
-              <a:latin typeface="微软雅黑" panose="020B0503020204020204" pitchFamily="34" charset="-122"/>
-              <a:ea typeface="微软雅黑" panose="020B0503020204020204" pitchFamily="34" charset="-122"/>
+            <a:rPr lang="zh-CN" altLang="en-US" sz="1600" b="1" kern="1200" dirty="0" smtClean="0">
+              <a:latin typeface="方正姚体" panose="02010601030101010101" pitchFamily="2" charset="-122"/>
+              <a:ea typeface="方正姚体" panose="02010601030101010101" pitchFamily="2" charset="-122"/>
             </a:rPr>
             <a:t>）</a:t>
           </a:r>
-          <a:endParaRPr lang="en-US" altLang="zh-CN" sz="1200" b="1" kern="1200" dirty="0">
-            <a:latin typeface="微软雅黑" panose="020B0503020204020204" pitchFamily="34" charset="-122"/>
-            <a:ea typeface="微软雅黑" panose="020B0503020204020204" pitchFamily="34" charset="-122"/>
+          <a:endParaRPr lang="en-US" altLang="zh-CN" sz="1600" b="1" kern="1200" dirty="0">
+            <a:latin typeface="方正姚体" panose="02010601030101010101" pitchFamily="2" charset="-122"/>
+            <a:ea typeface="方正姚体" panose="02010601030101010101" pitchFamily="2" charset="-122"/>
           </a:endParaRPr>
         </a:p>
       </dsp:txBody>
@@ -1968,22 +2034,10 @@
           <a:avLst/>
         </a:prstGeom>
         <a:solidFill>
-          <a:schemeClr val="accent4">
-            <a:hueOff val="10395692"/>
-            <a:satOff val="-47968"/>
-            <a:lumOff val="1765"/>
-            <a:alphaOff val="0"/>
-          </a:schemeClr>
+          <a:srgbClr val="3498DB"/>
         </a:solidFill>
         <a:ln w="12700" cap="flat" cmpd="sng" algn="ctr">
-          <a:solidFill>
-            <a:schemeClr val="lt1">
-              <a:hueOff val="0"/>
-              <a:satOff val="0"/>
-              <a:lumOff val="0"/>
-              <a:alphaOff val="0"/>
-            </a:schemeClr>
-          </a:solidFill>
+          <a:noFill/>
           <a:prstDash val="solid"/>
           <a:miter lim="800000"/>
         </a:ln>
@@ -2004,12 +2058,12 @@
         </a:fontRef>
       </dsp:style>
       <dsp:txBody>
-        <a:bodyPr spcFirstLastPara="0" vert="horz" wrap="square" lIns="53340" tIns="53340" rIns="53340" bIns="53340" numCol="1" spcCol="1270" anchor="ctr" anchorCtr="0">
+        <a:bodyPr spcFirstLastPara="0" vert="horz" wrap="square" lIns="91440" tIns="91440" rIns="91440" bIns="91440" numCol="1" spcCol="1270" anchor="ctr" anchorCtr="0">
           <a:noAutofit/>
         </a:bodyPr>
         <a:lstStyle/>
         <a:p>
-          <a:pPr lvl="0" algn="ctr" defTabSz="622300">
+          <a:pPr lvl="0" algn="ctr" defTabSz="1066800">
             <a:lnSpc>
               <a:spcPct val="90000"/>
             </a:lnSpc>
@@ -2021,15 +2075,21 @@
             </a:spcAft>
           </a:pPr>
           <a:r>
-            <a:rPr lang="zh-CN" altLang="en-US" sz="1400" b="1" kern="1200" dirty="0" smtClean="0">
-              <a:latin typeface="微软雅黑" panose="020B0503020204020204" pitchFamily="34" charset="-122"/>
-              <a:ea typeface="微软雅黑" panose="020B0503020204020204" pitchFamily="34" charset="-122"/>
+            <a:rPr lang="zh-CN" altLang="en-US" sz="2400" b="1" kern="1200" dirty="0" smtClean="0">
+              <a:solidFill>
+                <a:srgbClr val="34495E"/>
+              </a:solidFill>
+              <a:latin typeface="方正姚体" panose="02010601030101010101" pitchFamily="2" charset="-122"/>
+              <a:ea typeface="方正姚体" panose="02010601030101010101" pitchFamily="2" charset="-122"/>
             </a:rPr>
             <a:t>等待审核</a:t>
           </a:r>
-          <a:endParaRPr lang="en-US" altLang="zh-CN" sz="1400" b="1" kern="1200" dirty="0">
-            <a:latin typeface="微软雅黑" panose="020B0503020204020204" pitchFamily="34" charset="-122"/>
-            <a:ea typeface="微软雅黑" panose="020B0503020204020204" pitchFamily="34" charset="-122"/>
+          <a:endParaRPr lang="en-US" altLang="zh-CN" sz="2400" b="1" kern="1200" dirty="0">
+            <a:solidFill>
+              <a:srgbClr val="34495E"/>
+            </a:solidFill>
+            <a:latin typeface="方正姚体" panose="02010601030101010101" pitchFamily="2" charset="-122"/>
+            <a:ea typeface="方正姚体" panose="02010601030101010101" pitchFamily="2" charset="-122"/>
           </a:endParaRPr>
         </a:p>
       </dsp:txBody>
@@ -3469,7 +3529,7 @@
           <a:p>
             <a:fld id="{E4EF8B5D-A139-4DA0-80CE-FA1D6ED41261}" type="datetimeFigureOut">
               <a:rPr lang="zh-CN" altLang="en-US" smtClean="0"/>
-              <a:t>2015-09-09</a:t>
+              <a:t>2015-09-18</a:t>
             </a:fld>
             <a:endParaRPr lang="zh-CN" altLang="en-US"/>
           </a:p>
@@ -3639,7 +3699,7 @@
           <a:p>
             <a:fld id="{E4EF8B5D-A139-4DA0-80CE-FA1D6ED41261}" type="datetimeFigureOut">
               <a:rPr lang="zh-CN" altLang="en-US" smtClean="0"/>
-              <a:t>2015-09-09</a:t>
+              <a:t>2015-09-18</a:t>
             </a:fld>
             <a:endParaRPr lang="zh-CN" altLang="en-US"/>
           </a:p>
@@ -3819,7 +3879,7 @@
           <a:p>
             <a:fld id="{E4EF8B5D-A139-4DA0-80CE-FA1D6ED41261}" type="datetimeFigureOut">
               <a:rPr lang="zh-CN" altLang="en-US" smtClean="0"/>
-              <a:t>2015-09-09</a:t>
+              <a:t>2015-09-18</a:t>
             </a:fld>
             <a:endParaRPr lang="zh-CN" altLang="en-US"/>
           </a:p>
@@ -3989,7 +4049,7 @@
           <a:p>
             <a:fld id="{E4EF8B5D-A139-4DA0-80CE-FA1D6ED41261}" type="datetimeFigureOut">
               <a:rPr lang="zh-CN" altLang="en-US" smtClean="0"/>
-              <a:t>2015-09-09</a:t>
+              <a:t>2015-09-18</a:t>
             </a:fld>
             <a:endParaRPr lang="zh-CN" altLang="en-US"/>
           </a:p>
@@ -4235,7 +4295,7 @@
           <a:p>
             <a:fld id="{E4EF8B5D-A139-4DA0-80CE-FA1D6ED41261}" type="datetimeFigureOut">
               <a:rPr lang="zh-CN" altLang="en-US" smtClean="0"/>
-              <a:t>2015-09-09</a:t>
+              <a:t>2015-09-18</a:t>
             </a:fld>
             <a:endParaRPr lang="zh-CN" altLang="en-US"/>
           </a:p>
@@ -4467,7 +4527,7 @@
           <a:p>
             <a:fld id="{E4EF8B5D-A139-4DA0-80CE-FA1D6ED41261}" type="datetimeFigureOut">
               <a:rPr lang="zh-CN" altLang="en-US" smtClean="0"/>
-              <a:t>2015-09-09</a:t>
+              <a:t>2015-09-18</a:t>
             </a:fld>
             <a:endParaRPr lang="zh-CN" altLang="en-US"/>
           </a:p>
@@ -4834,7 +4894,7 @@
           <a:p>
             <a:fld id="{E4EF8B5D-A139-4DA0-80CE-FA1D6ED41261}" type="datetimeFigureOut">
               <a:rPr lang="zh-CN" altLang="en-US" smtClean="0"/>
-              <a:t>2015-09-09</a:t>
+              <a:t>2015-09-18</a:t>
             </a:fld>
             <a:endParaRPr lang="zh-CN" altLang="en-US"/>
           </a:p>
@@ -4952,7 +5012,7 @@
           <a:p>
             <a:fld id="{E4EF8B5D-A139-4DA0-80CE-FA1D6ED41261}" type="datetimeFigureOut">
               <a:rPr lang="zh-CN" altLang="en-US" smtClean="0"/>
-              <a:t>2015-09-09</a:t>
+              <a:t>2015-09-18</a:t>
             </a:fld>
             <a:endParaRPr lang="zh-CN" altLang="en-US"/>
           </a:p>
@@ -5047,7 +5107,7 @@
           <a:p>
             <a:fld id="{E4EF8B5D-A139-4DA0-80CE-FA1D6ED41261}" type="datetimeFigureOut">
               <a:rPr lang="zh-CN" altLang="en-US" smtClean="0"/>
-              <a:t>2015-09-09</a:t>
+              <a:t>2015-09-18</a:t>
             </a:fld>
             <a:endParaRPr lang="zh-CN" altLang="en-US"/>
           </a:p>
@@ -5324,7 +5384,7 @@
           <a:p>
             <a:fld id="{E4EF8B5D-A139-4DA0-80CE-FA1D6ED41261}" type="datetimeFigureOut">
               <a:rPr lang="zh-CN" altLang="en-US" smtClean="0"/>
-              <a:t>2015-09-09</a:t>
+              <a:t>2015-09-18</a:t>
             </a:fld>
             <a:endParaRPr lang="zh-CN" altLang="en-US"/>
           </a:p>
@@ -5577,7 +5637,7 @@
           <a:p>
             <a:fld id="{E4EF8B5D-A139-4DA0-80CE-FA1D6ED41261}" type="datetimeFigureOut">
               <a:rPr lang="zh-CN" altLang="en-US" smtClean="0"/>
-              <a:t>2015-09-09</a:t>
+              <a:t>2015-09-18</a:t>
             </a:fld>
             <a:endParaRPr lang="zh-CN" altLang="en-US"/>
           </a:p>
@@ -5642,9 +5702,12 @@
 <p:sldMaster xmlns:a="http://schemas.openxmlformats.org/drawingml/2006/main" xmlns:r="http://schemas.openxmlformats.org/officeDocument/2006/relationships" xmlns:p="http://schemas.openxmlformats.org/presentationml/2006/main">
   <p:cSld>
     <p:bg>
-      <p:bgRef idx="1001">
-        <a:schemeClr val="bg1"/>
-      </p:bgRef>
+      <p:bgPr>
+        <a:solidFill>
+          <a:srgbClr val="34495E"/>
+        </a:solidFill>
+        <a:effectLst/>
+      </p:bgPr>
     </p:bg>
     <p:spTree>
       <p:nvGrpSpPr>
@@ -5790,7 +5853,7 @@
           <a:p>
             <a:fld id="{E4EF8B5D-A139-4DA0-80CE-FA1D6ED41261}" type="datetimeFigureOut">
               <a:rPr lang="zh-CN" altLang="en-US" smtClean="0"/>
-              <a:t>2015-09-09</a:t>
+              <a:t>2015-09-18</a:t>
             </a:fld>
             <a:endParaRPr lang="zh-CN" altLang="en-US"/>
           </a:p>
@@ -6207,8 +6270,8 @@
         </p:nvSpPr>
         <p:spPr>
           <a:xfrm>
-            <a:off x="1277471" y="1122363"/>
-            <a:ext cx="9637058" cy="2387600"/>
+            <a:off x="1277471" y="2300287"/>
+            <a:ext cx="9637058" cy="1209675"/>
           </a:xfrm>
         </p:spPr>
         <p:txBody>
@@ -6218,9 +6281,9 @@
           <a:lstStyle/>
           <a:p>
             <a:r>
-              <a:rPr lang="zh-CN" altLang="en-US" sz="5400" b="1" dirty="0" smtClean="0">
-                <a:solidFill>
-                  <a:srgbClr val="0070C0"/>
+              <a:rPr lang="zh-CN" altLang="en-US" sz="5400" dirty="0" smtClean="0">
+                <a:solidFill>
+                  <a:srgbClr val="ECF0F1"/>
                 </a:solidFill>
                 <a:latin typeface="微软雅黑" panose="020B0503020204020204" pitchFamily="34" charset="-122"/>
                 <a:ea typeface="微软雅黑" panose="020B0503020204020204" pitchFamily="34" charset="-122"/>
@@ -6228,9 +6291,9 @@
               <a:t>使用</a:t>
             </a:r>
             <a:r>
-              <a:rPr lang="en-US" altLang="zh-CN" sz="5400" b="1" dirty="0" err="1" smtClean="0">
-                <a:solidFill>
-                  <a:srgbClr val="0070C0"/>
+              <a:rPr lang="en-US" altLang="zh-CN" sz="5400" dirty="0" err="1" smtClean="0">
+                <a:solidFill>
+                  <a:srgbClr val="ECF0F1"/>
                 </a:solidFill>
                 <a:latin typeface="微软雅黑" panose="020B0503020204020204" pitchFamily="34" charset="-122"/>
                 <a:ea typeface="微软雅黑" panose="020B0503020204020204" pitchFamily="34" charset="-122"/>
@@ -6238,18 +6301,18 @@
               <a:t>Github</a:t>
             </a:r>
             <a:r>
-              <a:rPr lang="zh-CN" altLang="en-US" sz="5400" b="1" dirty="0" smtClean="0">
-                <a:solidFill>
-                  <a:srgbClr val="0070C0"/>
+              <a:rPr lang="zh-CN" altLang="en-US" sz="5400" dirty="0" smtClean="0">
+                <a:solidFill>
+                  <a:srgbClr val="ECF0F1"/>
                 </a:solidFill>
                 <a:latin typeface="微软雅黑" panose="020B0503020204020204" pitchFamily="34" charset="-122"/>
                 <a:ea typeface="微软雅黑" panose="020B0503020204020204" pitchFamily="34" charset="-122"/>
               </a:rPr>
               <a:t>开发自主学习网站</a:t>
             </a:r>
-            <a:endParaRPr lang="zh-CN" altLang="en-US" sz="5400" b="1" dirty="0">
+            <a:endParaRPr lang="zh-CN" altLang="en-US" sz="5400" dirty="0">
               <a:solidFill>
-                <a:srgbClr val="0070C0"/>
+                <a:srgbClr val="ECF0F1"/>
               </a:solidFill>
               <a:latin typeface="微软雅黑" panose="020B0503020204020204" pitchFamily="34" charset="-122"/>
               <a:ea typeface="微软雅黑" panose="020B0503020204020204" pitchFamily="34" charset="-122"/>
@@ -6257,30 +6320,6 @@
           </a:p>
         </p:txBody>
       </p:sp>
-      <p:pic>
-        <p:nvPicPr>
-          <p:cNvPr id="5" name="Picture 4"/>
-          <p:cNvPicPr>
-            <a:picLocks noChangeAspect="1"/>
-          </p:cNvPicPr>
-          <p:nvPr/>
-        </p:nvPicPr>
-        <p:blipFill>
-          <a:blip r:embed="rId2"/>
-          <a:stretch>
-            <a:fillRect/>
-          </a:stretch>
-        </p:blipFill>
-        <p:spPr>
-          <a:xfrm>
-            <a:off x="5136776" y="4028124"/>
-            <a:ext cx="1918448" cy="845706"/>
-          </a:xfrm>
-          <a:prstGeom prst="rect">
-            <a:avLst/>
-          </a:prstGeom>
-        </p:spPr>
-      </p:pic>
     </p:spTree>
     <p:extLst>
       <p:ext uri="{BB962C8B-B14F-4D97-AF65-F5344CB8AC3E}">
@@ -8301,12 +8340,24 @@
           <a:p>
             <a:r>
               <a:rPr lang="zh-CN" altLang="en-US" sz="2400" dirty="0" smtClean="0">
+                <a:solidFill>
+                  <a:schemeClr val="accent1">
+                    <a:lumMod val="40000"/>
+                    <a:lumOff val="60000"/>
+                  </a:schemeClr>
+                </a:solidFill>
                 <a:latin typeface="微软雅黑" panose="020B0503020204020204" pitchFamily="34" charset="-122"/>
                 <a:ea typeface="微软雅黑" panose="020B0503020204020204" pitchFamily="34" charset="-122"/>
               </a:rPr>
               <a:t>下载地址</a:t>
             </a:r>
             <a:endParaRPr lang="zh-CN" altLang="en-US" sz="2400" dirty="0">
+              <a:solidFill>
+                <a:schemeClr val="accent1">
+                  <a:lumMod val="40000"/>
+                  <a:lumOff val="60000"/>
+                </a:schemeClr>
+              </a:solidFill>
               <a:latin typeface="微软雅黑" panose="020B0503020204020204" pitchFamily="34" charset="-122"/>
               <a:ea typeface="微软雅黑" panose="020B0503020204020204" pitchFamily="34" charset="-122"/>
             </a:endParaRPr>
@@ -8885,7 +8936,7 @@
             <a:r>
               <a:rPr lang="en-US" altLang="zh-CN" b="1" dirty="0">
                 <a:solidFill>
-                  <a:srgbClr val="7030A0"/>
+                  <a:srgbClr val="FFC000"/>
                 </a:solidFill>
                 <a:latin typeface="微软雅黑" panose="020B0503020204020204" pitchFamily="34" charset="-122"/>
                 <a:ea typeface="微软雅黑" panose="020B0503020204020204" pitchFamily="34" charset="-122"/>
@@ -8895,7 +8946,7 @@
             <a:r>
               <a:rPr lang="en-US" altLang="zh-CN" b="1" dirty="0" smtClean="0">
                 <a:solidFill>
-                  <a:srgbClr val="7030A0"/>
+                  <a:srgbClr val="FFC000"/>
                 </a:solidFill>
                 <a:latin typeface="微软雅黑" panose="020B0503020204020204" pitchFamily="34" charset="-122"/>
                 <a:ea typeface="微软雅黑" panose="020B0503020204020204" pitchFamily="34" charset="-122"/>
@@ -8905,7 +8956,7 @@
             <a:r>
               <a:rPr lang="zh-CN" altLang="en-US" b="1" dirty="0" smtClean="0">
                 <a:solidFill>
-                  <a:srgbClr val="7030A0"/>
+                  <a:srgbClr val="FFC000"/>
                 </a:solidFill>
                 <a:latin typeface="微软雅黑" panose="020B0503020204020204" pitchFamily="34" charset="-122"/>
                 <a:ea typeface="微软雅黑" panose="020B0503020204020204" pitchFamily="34" charset="-122"/>
@@ -8915,7 +8966,7 @@
             <a:r>
               <a:rPr lang="en-US" altLang="zh-CN" b="1" dirty="0" err="1" smtClean="0">
                 <a:solidFill>
-                  <a:srgbClr val="7030A0"/>
+                  <a:srgbClr val="FFC000"/>
                 </a:solidFill>
                 <a:latin typeface="微软雅黑" panose="020B0503020204020204" pitchFamily="34" charset="-122"/>
                 <a:ea typeface="微软雅黑" panose="020B0503020204020204" pitchFamily="34" charset="-122"/>
@@ -8925,7 +8976,7 @@
             <a:r>
               <a:rPr lang="zh-CN" altLang="en-US" b="1" dirty="0" smtClean="0">
                 <a:solidFill>
-                  <a:srgbClr val="7030A0"/>
+                  <a:srgbClr val="FFC000"/>
                 </a:solidFill>
                 <a:latin typeface="微软雅黑" panose="020B0503020204020204" pitchFamily="34" charset="-122"/>
                 <a:ea typeface="微软雅黑" panose="020B0503020204020204" pitchFamily="34" charset="-122"/>
@@ -8934,7 +8985,7 @@
             </a:r>
             <a:endParaRPr lang="zh-CN" altLang="en-US" b="1" dirty="0">
               <a:solidFill>
-                <a:srgbClr val="7030A0"/>
+                <a:srgbClr val="FFC000"/>
               </a:solidFill>
               <a:latin typeface="微软雅黑" panose="020B0503020204020204" pitchFamily="34" charset="-122"/>
               <a:ea typeface="微软雅黑" panose="020B0503020204020204" pitchFamily="34" charset="-122"/>
@@ -9066,7 +9117,10 @@
             <a:r>
               <a:rPr lang="zh-CN" altLang="en-US" sz="2800" dirty="0" smtClean="0">
                 <a:solidFill>
-                  <a:srgbClr val="C00000"/>
+                  <a:schemeClr val="accent1">
+                    <a:lumMod val="40000"/>
+                    <a:lumOff val="60000"/>
+                  </a:schemeClr>
                 </a:solidFill>
                 <a:latin typeface="微软雅黑" panose="020B0503020204020204" pitchFamily="34" charset="-122"/>
                 <a:ea typeface="微软雅黑" panose="020B0503020204020204" pitchFamily="34" charset="-122"/>
@@ -9076,7 +9130,10 @@
             <a:r>
               <a:rPr lang="en-US" altLang="zh-CN" sz="2800" dirty="0" smtClean="0">
                 <a:solidFill>
-                  <a:srgbClr val="C00000"/>
+                  <a:schemeClr val="accent1">
+                    <a:lumMod val="40000"/>
+                    <a:lumOff val="60000"/>
+                  </a:schemeClr>
                 </a:solidFill>
                 <a:latin typeface="微软雅黑" panose="020B0503020204020204" pitchFamily="34" charset="-122"/>
                 <a:ea typeface="微软雅黑" panose="020B0503020204020204" pitchFamily="34" charset="-122"/>
@@ -9086,7 +9143,10 @@
             <a:r>
               <a:rPr lang="zh-CN" altLang="en-US" sz="2800" dirty="0" smtClean="0">
                 <a:solidFill>
-                  <a:srgbClr val="C00000"/>
+                  <a:schemeClr val="accent1">
+                    <a:lumMod val="40000"/>
+                    <a:lumOff val="60000"/>
+                  </a:schemeClr>
                 </a:solidFill>
                 <a:latin typeface="微软雅黑" panose="020B0503020204020204" pitchFamily="34" charset="-122"/>
                 <a:ea typeface="微软雅黑" panose="020B0503020204020204" pitchFamily="34" charset="-122"/>
@@ -9096,7 +9156,10 @@
             <a:r>
               <a:rPr lang="en-US" altLang="zh-CN" sz="2800" dirty="0" smtClean="0">
                 <a:solidFill>
-                  <a:srgbClr val="C00000"/>
+                  <a:schemeClr val="accent1">
+                    <a:lumMod val="40000"/>
+                    <a:lumOff val="60000"/>
+                  </a:schemeClr>
                 </a:solidFill>
                 <a:latin typeface="微软雅黑" panose="020B0503020204020204" pitchFamily="34" charset="-122"/>
                 <a:ea typeface="微软雅黑" panose="020B0503020204020204" pitchFamily="34" charset="-122"/>
@@ -9106,7 +9169,10 @@
             <a:r>
               <a:rPr lang="zh-CN" altLang="en-US" sz="2800" dirty="0" smtClean="0">
                 <a:solidFill>
-                  <a:srgbClr val="C00000"/>
+                  <a:schemeClr val="accent1">
+                    <a:lumMod val="40000"/>
+                    <a:lumOff val="60000"/>
+                  </a:schemeClr>
                 </a:solidFill>
                 <a:latin typeface="微软雅黑" panose="020B0503020204020204" pitchFamily="34" charset="-122"/>
                 <a:ea typeface="微软雅黑" panose="020B0503020204020204" pitchFamily="34" charset="-122"/>
@@ -9115,7 +9181,10 @@
             </a:r>
             <a:endParaRPr lang="zh-CN" altLang="en-US" sz="2800" dirty="0">
               <a:solidFill>
-                <a:srgbClr val="C00000"/>
+                <a:schemeClr val="accent1">
+                  <a:lumMod val="40000"/>
+                  <a:lumOff val="60000"/>
+                </a:schemeClr>
               </a:solidFill>
               <a:latin typeface="微软雅黑" panose="020B0503020204020204" pitchFamily="34" charset="-122"/>
               <a:ea typeface="微软雅黑" panose="020B0503020204020204" pitchFamily="34" charset="-122"/>
@@ -9208,7 +9277,7 @@
             <a:r>
               <a:rPr lang="zh-CN" altLang="en-US" b="1" dirty="0" smtClean="0">
                 <a:solidFill>
-                  <a:schemeClr val="accent2"/>
+                  <a:srgbClr val="ECF0F1"/>
                 </a:solidFill>
                 <a:latin typeface="微软雅黑" panose="020B0503020204020204" pitchFamily="34" charset="-122"/>
                 <a:ea typeface="微软雅黑" panose="020B0503020204020204" pitchFamily="34" charset="-122"/>
@@ -9217,7 +9286,7 @@
             </a:r>
             <a:endParaRPr lang="zh-CN" altLang="en-US" b="1" dirty="0">
               <a:solidFill>
-                <a:schemeClr val="accent2"/>
+                <a:srgbClr val="ECF0F1"/>
               </a:solidFill>
               <a:latin typeface="微软雅黑" panose="020B0503020204020204" pitchFamily="34" charset="-122"/>
               <a:ea typeface="微软雅黑" panose="020B0503020204020204" pitchFamily="34" charset="-122"/>
@@ -9232,7 +9301,7 @@
           <p:nvPr>
             <p:extLst>
               <p:ext uri="{D42A27DB-BD31-4B8C-83A1-F6EECF244321}">
-                <p14:modId xmlns:p14="http://schemas.microsoft.com/office/powerpoint/2010/main" val="1696466478"/>
+                <p14:modId xmlns:p14="http://schemas.microsoft.com/office/powerpoint/2010/main" val="858522575"/>
               </p:ext>
             </p:extLst>
           </p:nvPr>
@@ -9261,6 +9330,12 @@
           <a:prstGeom prst="roundRect">
             <a:avLst/>
           </a:prstGeom>
+          <a:solidFill>
+            <a:srgbClr val="2ECC71"/>
+          </a:solidFill>
+          <a:ln>
+            <a:noFill/>
+          </a:ln>
         </p:spPr>
         <p:style>
           <a:lnRef idx="3">
@@ -9282,10 +9357,22 @@
           <a:p>
             <a:pPr algn="ctr"/>
             <a:r>
-              <a:rPr lang="en-US" altLang="zh-CN" dirty="0" smtClean="0"/>
+              <a:rPr lang="en-US" altLang="zh-CN" sz="3600" dirty="0" smtClean="0">
+                <a:solidFill>
+                  <a:srgbClr val="34495E"/>
+                </a:solidFill>
+                <a:latin typeface="方正姚体" panose="02010601030101010101" pitchFamily="2" charset="-122"/>
+                <a:ea typeface="方正姚体" panose="02010601030101010101" pitchFamily="2" charset="-122"/>
+              </a:rPr>
               <a:t>Fork</a:t>
             </a:r>
-            <a:endParaRPr lang="zh-CN" altLang="en-US" dirty="0"/>
+            <a:endParaRPr lang="zh-CN" altLang="en-US" dirty="0">
+              <a:solidFill>
+                <a:srgbClr val="34495E"/>
+              </a:solidFill>
+              <a:latin typeface="方正姚体" panose="02010601030101010101" pitchFamily="2" charset="-122"/>
+              <a:ea typeface="方正姚体" panose="02010601030101010101" pitchFamily="2" charset="-122"/>
+            </a:endParaRPr>
           </a:p>
         </p:txBody>
       </p:sp>
@@ -9433,7 +9520,7 @@
             <a:r>
               <a:rPr lang="en-US" altLang="zh-CN" b="1" dirty="0">
                 <a:solidFill>
-                  <a:srgbClr val="7030A0"/>
+                  <a:srgbClr val="FFC000"/>
                 </a:solidFill>
                 <a:latin typeface="微软雅黑" panose="020B0503020204020204" pitchFamily="34" charset="-122"/>
                 <a:ea typeface="微软雅黑" panose="020B0503020204020204" pitchFamily="34" charset="-122"/>
@@ -9443,7 +9530,7 @@
             <a:r>
               <a:rPr lang="en-US" altLang="zh-CN" b="1" dirty="0" smtClean="0">
                 <a:solidFill>
-                  <a:srgbClr val="7030A0"/>
+                  <a:srgbClr val="FFC000"/>
                 </a:solidFill>
                 <a:latin typeface="微软雅黑" panose="020B0503020204020204" pitchFamily="34" charset="-122"/>
                 <a:ea typeface="微软雅黑" panose="020B0503020204020204" pitchFamily="34" charset="-122"/>
@@ -9453,7 +9540,7 @@
             <a:r>
               <a:rPr lang="zh-CN" altLang="en-US" b="1" dirty="0" smtClean="0">
                 <a:solidFill>
-                  <a:srgbClr val="7030A0"/>
+                  <a:srgbClr val="FFC000"/>
                 </a:solidFill>
                 <a:latin typeface="微软雅黑" panose="020B0503020204020204" pitchFamily="34" charset="-122"/>
                 <a:ea typeface="微软雅黑" panose="020B0503020204020204" pitchFamily="34" charset="-122"/>
@@ -9463,7 +9550,7 @@
             <a:r>
               <a:rPr lang="en-US" altLang="zh-CN" b="1" dirty="0" err="1" smtClean="0">
                 <a:solidFill>
-                  <a:srgbClr val="7030A0"/>
+                  <a:srgbClr val="FFC000"/>
                 </a:solidFill>
                 <a:latin typeface="微软雅黑" panose="020B0503020204020204" pitchFamily="34" charset="-122"/>
                 <a:ea typeface="微软雅黑" panose="020B0503020204020204" pitchFamily="34" charset="-122"/>
@@ -9473,7 +9560,7 @@
             <a:r>
               <a:rPr lang="zh-CN" altLang="en-US" b="1" dirty="0" smtClean="0">
                 <a:solidFill>
-                  <a:srgbClr val="7030A0"/>
+                  <a:srgbClr val="FFC000"/>
                 </a:solidFill>
                 <a:latin typeface="微软雅黑" panose="020B0503020204020204" pitchFamily="34" charset="-122"/>
                 <a:ea typeface="微软雅黑" panose="020B0503020204020204" pitchFamily="34" charset="-122"/>
@@ -9482,7 +9569,7 @@
             </a:r>
             <a:endParaRPr lang="zh-CN" altLang="en-US" b="1" dirty="0">
               <a:solidFill>
-                <a:srgbClr val="7030A0"/>
+                <a:srgbClr val="FFC000"/>
               </a:solidFill>
               <a:latin typeface="微软雅黑" panose="020B0503020204020204" pitchFamily="34" charset="-122"/>
               <a:ea typeface="微软雅黑" panose="020B0503020204020204" pitchFamily="34" charset="-122"/>
@@ -9715,7 +9802,10 @@
             <a:r>
               <a:rPr lang="zh-CN" altLang="en-US" b="1" dirty="0" smtClean="0">
                 <a:solidFill>
-                  <a:srgbClr val="C00000"/>
+                  <a:schemeClr val="accent1">
+                    <a:lumMod val="40000"/>
+                    <a:lumOff val="60000"/>
+                  </a:schemeClr>
                 </a:solidFill>
               </a:rPr>
               <a:t>功能名称处输入新的子课题名称，如</a:t>
@@ -9723,7 +9813,10 @@
             <a:r>
               <a:rPr lang="en-US" altLang="zh-CN" b="1" dirty="0" smtClean="0">
                 <a:solidFill>
-                  <a:srgbClr val="0070C0"/>
+                  <a:schemeClr val="accent1">
+                    <a:lumMod val="40000"/>
+                    <a:lumOff val="60000"/>
+                  </a:schemeClr>
                 </a:solidFill>
               </a:rPr>
               <a:t>G7U2</a:t>
@@ -9731,7 +9824,10 @@
             <a:r>
               <a:rPr lang="zh-CN" altLang="en-US" b="1" dirty="0" smtClean="0">
                 <a:solidFill>
-                  <a:srgbClr val="C00000"/>
+                  <a:schemeClr val="accent1">
+                    <a:lumMod val="40000"/>
+                    <a:lumOff val="60000"/>
+                  </a:schemeClr>
                 </a:solidFill>
               </a:rPr>
               <a:t>表示</a:t>
@@ -9739,7 +9835,10 @@
             <a:r>
               <a:rPr lang="en-US" altLang="zh-CN" b="1" dirty="0" smtClean="0">
                 <a:solidFill>
-                  <a:srgbClr val="C00000"/>
+                  <a:schemeClr val="accent1">
+                    <a:lumMod val="40000"/>
+                    <a:lumOff val="60000"/>
+                  </a:schemeClr>
                 </a:solidFill>
               </a:rPr>
               <a:t>7</a:t>
@@ -9747,7 +9846,10 @@
             <a:r>
               <a:rPr lang="zh-CN" altLang="en-US" b="1" dirty="0" smtClean="0">
                 <a:solidFill>
-                  <a:srgbClr val="C00000"/>
+                  <a:schemeClr val="accent1">
+                    <a:lumMod val="40000"/>
+                    <a:lumOff val="60000"/>
+                  </a:schemeClr>
                 </a:solidFill>
               </a:rPr>
               <a:t>年级第</a:t>
@@ -9755,7 +9857,10 @@
             <a:r>
               <a:rPr lang="en-US" altLang="zh-CN" b="1" dirty="0" smtClean="0">
                 <a:solidFill>
-                  <a:srgbClr val="C00000"/>
+                  <a:schemeClr val="accent1">
+                    <a:lumMod val="40000"/>
+                    <a:lumOff val="60000"/>
+                  </a:schemeClr>
                 </a:solidFill>
               </a:rPr>
               <a:t>2</a:t>
@@ -9763,14 +9868,20 @@
             <a:r>
               <a:rPr lang="zh-CN" altLang="en-US" b="1" dirty="0" smtClean="0">
                 <a:solidFill>
-                  <a:srgbClr val="C00000"/>
+                  <a:schemeClr val="accent1">
+                    <a:lumMod val="40000"/>
+                    <a:lumOff val="60000"/>
+                  </a:schemeClr>
                 </a:solidFill>
               </a:rPr>
               <a:t>单元</a:t>
             </a:r>
             <a:endParaRPr lang="zh-CN" altLang="en-US" b="1" dirty="0">
               <a:solidFill>
-                <a:srgbClr val="C00000"/>
+                <a:schemeClr val="accent1">
+                  <a:lumMod val="40000"/>
+                  <a:lumOff val="60000"/>
+                </a:schemeClr>
               </a:solidFill>
             </a:endParaRPr>
           </a:p>
@@ -9933,7 +10044,10 @@
             <a:r>
               <a:rPr lang="zh-CN" altLang="en-US" b="1" dirty="0" smtClean="0">
                 <a:solidFill>
-                  <a:srgbClr val="C00000"/>
+                  <a:schemeClr val="accent1">
+                    <a:lumMod val="40000"/>
+                    <a:lumOff val="60000"/>
+                  </a:schemeClr>
                 </a:solidFill>
               </a:rPr>
               <a:t>建立后本地分支会出现一个新的分支</a:t>
@@ -9941,7 +10055,10 @@
             <a:r>
               <a:rPr lang="en-US" altLang="zh-CN" b="1" dirty="0" smtClean="0">
                 <a:solidFill>
-                  <a:srgbClr val="C00000"/>
+                  <a:schemeClr val="accent1">
+                    <a:lumMod val="40000"/>
+                    <a:lumOff val="60000"/>
+                  </a:schemeClr>
                 </a:solidFill>
               </a:rPr>
               <a:t>feature</a:t>
@@ -9949,14 +10066,20 @@
             <a:r>
               <a:rPr lang="zh-CN" altLang="en-US" b="1" dirty="0" smtClean="0">
                 <a:solidFill>
-                  <a:srgbClr val="C00000"/>
+                  <a:schemeClr val="accent1">
+                    <a:lumMod val="40000"/>
+                    <a:lumOff val="60000"/>
+                  </a:schemeClr>
                 </a:solidFill>
               </a:rPr>
               <a:t>，</a:t>
             </a:r>
             <a:endParaRPr lang="en-US" altLang="zh-CN" b="1" dirty="0" smtClean="0">
               <a:solidFill>
-                <a:srgbClr val="C00000"/>
+                <a:schemeClr val="accent1">
+                  <a:lumMod val="40000"/>
+                  <a:lumOff val="60000"/>
+                </a:schemeClr>
               </a:solidFill>
             </a:endParaRPr>
           </a:p>
@@ -9964,7 +10087,10 @@
             <a:r>
               <a:rPr lang="zh-CN" altLang="en-US" b="1" dirty="0" smtClean="0">
                 <a:solidFill>
-                  <a:srgbClr val="C00000"/>
+                  <a:schemeClr val="accent1">
+                    <a:lumMod val="40000"/>
+                    <a:lumOff val="60000"/>
+                  </a:schemeClr>
                 </a:solidFill>
               </a:rPr>
               <a:t>新的功能</a:t>
@@ -9972,7 +10098,10 @@
             <a:r>
               <a:rPr lang="en-US" altLang="zh-CN" b="1" dirty="0" smtClean="0">
                 <a:solidFill>
-                  <a:srgbClr val="C00000"/>
+                  <a:schemeClr val="accent1">
+                    <a:lumMod val="40000"/>
+                    <a:lumOff val="60000"/>
+                  </a:schemeClr>
                 </a:solidFill>
               </a:rPr>
               <a:t>G7U2</a:t>
@@ -9980,14 +10109,20 @@
             <a:r>
               <a:rPr lang="zh-CN" altLang="en-US" b="1" dirty="0" smtClean="0">
                 <a:solidFill>
-                  <a:srgbClr val="C00000"/>
+                  <a:schemeClr val="accent1">
+                    <a:lumMod val="40000"/>
+                    <a:lumOff val="60000"/>
+                  </a:schemeClr>
                 </a:solidFill>
               </a:rPr>
               <a:t>会在这个分支之下</a:t>
             </a:r>
             <a:endParaRPr lang="zh-CN" altLang="en-US" b="1" dirty="0">
               <a:solidFill>
-                <a:srgbClr val="C00000"/>
+                <a:schemeClr val="accent1">
+                  <a:lumMod val="40000"/>
+                  <a:lumOff val="60000"/>
+                </a:schemeClr>
               </a:solidFill>
             </a:endParaRPr>
           </a:p>
@@ -10430,7 +10565,10 @@
             <a:r>
               <a:rPr lang="zh-CN" altLang="en-US" sz="1600" b="1" dirty="0">
                 <a:solidFill>
-                  <a:srgbClr val="C00000"/>
+                  <a:schemeClr val="accent1">
+                    <a:lumMod val="40000"/>
+                    <a:lumOff val="60000"/>
+                  </a:schemeClr>
                 </a:solidFill>
               </a:rPr>
               <a:t>推</a:t>
@@ -10438,14 +10576,20 @@
             <a:r>
               <a:rPr lang="zh-CN" altLang="en-US" sz="1600" b="1" dirty="0" smtClean="0">
                 <a:solidFill>
-                  <a:srgbClr val="C00000"/>
+                  <a:schemeClr val="accent1">
+                    <a:lumMod val="40000"/>
+                    <a:lumOff val="60000"/>
+                  </a:schemeClr>
                 </a:solidFill>
               </a:rPr>
               <a:t>送成功后远程仓库会发现</a:t>
             </a:r>
             <a:endParaRPr lang="en-US" altLang="zh-CN" sz="1600" b="1" dirty="0" smtClean="0">
               <a:solidFill>
-                <a:srgbClr val="C00000"/>
+                <a:schemeClr val="accent1">
+                  <a:lumMod val="40000"/>
+                  <a:lumOff val="60000"/>
+                </a:schemeClr>
               </a:solidFill>
             </a:endParaRPr>
           </a:p>
@@ -10453,7 +10597,10 @@
             <a:r>
               <a:rPr lang="zh-CN" altLang="en-US" sz="1600" b="1" dirty="0" smtClean="0">
                 <a:solidFill>
-                  <a:srgbClr val="C00000"/>
+                  <a:schemeClr val="accent1">
+                    <a:lumMod val="40000"/>
+                    <a:lumOff val="60000"/>
+                  </a:schemeClr>
                 </a:solidFill>
               </a:rPr>
               <a:t>新的功能</a:t>
@@ -10461,14 +10608,20 @@
             <a:r>
               <a:rPr lang="en-US" altLang="zh-CN" sz="1600" b="1" dirty="0" smtClean="0">
                 <a:solidFill>
-                  <a:srgbClr val="C00000"/>
+                  <a:schemeClr val="accent1">
+                    <a:lumMod val="40000"/>
+                    <a:lumOff val="60000"/>
+                  </a:schemeClr>
                 </a:solidFill>
               </a:rPr>
               <a:t>G7U2</a:t>
             </a:r>
             <a:endParaRPr lang="zh-CN" altLang="en-US" sz="1600" b="1" dirty="0">
               <a:solidFill>
-                <a:srgbClr val="C00000"/>
+                <a:schemeClr val="accent1">
+                  <a:lumMod val="40000"/>
+                  <a:lumOff val="60000"/>
+                </a:schemeClr>
               </a:solidFill>
             </a:endParaRPr>
           </a:p>
@@ -10642,7 +10795,10 @@
             <a:r>
               <a:rPr lang="en-US" altLang="zh-CN" b="1" dirty="0" smtClean="0">
                 <a:solidFill>
-                  <a:srgbClr val="C00000"/>
+                  <a:schemeClr val="accent1">
+                    <a:lumMod val="40000"/>
+                    <a:lumOff val="60000"/>
+                  </a:schemeClr>
                 </a:solidFill>
                 <a:latin typeface="微软雅黑" panose="020B0503020204020204" pitchFamily="34" charset="-122"/>
                 <a:ea typeface="微软雅黑" panose="020B0503020204020204" pitchFamily="34" charset="-122"/>
@@ -10652,7 +10808,10 @@
             <a:r>
               <a:rPr lang="zh-CN" altLang="en-US" b="1" dirty="0" smtClean="0">
                 <a:solidFill>
-                  <a:srgbClr val="C00000"/>
+                  <a:schemeClr val="accent1">
+                    <a:lumMod val="40000"/>
+                    <a:lumOff val="60000"/>
+                  </a:schemeClr>
                 </a:solidFill>
                 <a:latin typeface="微软雅黑" panose="020B0503020204020204" pitchFamily="34" charset="-122"/>
                 <a:ea typeface="微软雅黑" panose="020B0503020204020204" pitchFamily="34" charset="-122"/>
@@ -10661,7 +10820,10 @@
             </a:r>
             <a:endParaRPr lang="zh-CN" altLang="en-US" b="1" dirty="0">
               <a:solidFill>
-                <a:srgbClr val="C00000"/>
+                <a:schemeClr val="accent1">
+                  <a:lumMod val="40000"/>
+                  <a:lumOff val="60000"/>
+                </a:schemeClr>
               </a:solidFill>
               <a:latin typeface="微软雅黑" panose="020B0503020204020204" pitchFamily="34" charset="-122"/>
               <a:ea typeface="微软雅黑" panose="020B0503020204020204" pitchFamily="34" charset="-122"/>
@@ -10949,6 +11111,44 @@
             <a:endParaRPr lang="zh-CN" altLang="en-US" b="1" dirty="0">
               <a:solidFill>
                 <a:srgbClr val="00B050"/>
+              </a:solidFill>
+            </a:endParaRPr>
+          </a:p>
+        </p:txBody>
+      </p:sp>
+      <p:sp>
+        <p:nvSpPr>
+          <p:cNvPr id="5" name="TextBox 4"/>
+          <p:cNvSpPr txBox="1"/>
+          <p:nvPr/>
+        </p:nvSpPr>
+        <p:spPr>
+          <a:xfrm>
+            <a:off x="7604198" y="2065579"/>
+            <a:ext cx="2492990" cy="369332"/>
+          </a:xfrm>
+          <a:prstGeom prst="rect">
+            <a:avLst/>
+          </a:prstGeom>
+          <a:noFill/>
+        </p:spPr>
+        <p:txBody>
+          <a:bodyPr wrap="none" rtlCol="0">
+            <a:spAutoFit/>
+          </a:bodyPr>
+          <a:lstStyle/>
+          <a:p>
+            <a:r>
+              <a:rPr lang="zh-CN" altLang="en-US" b="1" i="1" dirty="0" smtClean="0">
+                <a:solidFill>
+                  <a:srgbClr val="FFFF00"/>
+                </a:solidFill>
+              </a:rPr>
+              <a:t>加粗显示的是当前分支</a:t>
+            </a:r>
+            <a:endParaRPr lang="zh-CN" altLang="en-US" b="1" i="1" dirty="0">
+              <a:solidFill>
+                <a:srgbClr val="FFFF00"/>
               </a:solidFill>
             </a:endParaRPr>
           </a:p>
@@ -11072,7 +11272,10 @@
             <a:r>
               <a:rPr lang="en-US" altLang="zh-CN" b="1" dirty="0" smtClean="0">
                 <a:solidFill>
-                  <a:srgbClr val="C00000"/>
+                  <a:schemeClr val="accent1">
+                    <a:lumMod val="40000"/>
+                    <a:lumOff val="60000"/>
+                  </a:schemeClr>
                 </a:solidFill>
                 <a:latin typeface="微软雅黑" panose="020B0503020204020204" pitchFamily="34" charset="-122"/>
                 <a:ea typeface="微软雅黑" panose="020B0503020204020204" pitchFamily="34" charset="-122"/>
@@ -11082,7 +11285,10 @@
             <a:r>
               <a:rPr lang="zh-CN" altLang="en-US" b="1" dirty="0" smtClean="0">
                 <a:solidFill>
-                  <a:srgbClr val="C00000"/>
+                  <a:schemeClr val="accent1">
+                    <a:lumMod val="40000"/>
+                    <a:lumOff val="60000"/>
+                  </a:schemeClr>
                 </a:solidFill>
                 <a:latin typeface="微软雅黑" panose="020B0503020204020204" pitchFamily="34" charset="-122"/>
                 <a:ea typeface="微软雅黑" panose="020B0503020204020204" pitchFamily="34" charset="-122"/>
@@ -11091,7 +11297,10 @@
             </a:r>
             <a:endParaRPr lang="zh-CN" altLang="en-US" b="1" dirty="0">
               <a:solidFill>
-                <a:srgbClr val="C00000"/>
+                <a:schemeClr val="accent1">
+                  <a:lumMod val="40000"/>
+                  <a:lumOff val="60000"/>
+                </a:schemeClr>
               </a:solidFill>
               <a:latin typeface="微软雅黑" panose="020B0503020204020204" pitchFamily="34" charset="-122"/>
               <a:ea typeface="微软雅黑" panose="020B0503020204020204" pitchFamily="34" charset="-122"/>
@@ -11154,7 +11363,7 @@
             <a:r>
               <a:rPr lang="zh-CN" altLang="en-US" sz="3600" dirty="0" smtClean="0">
                 <a:solidFill>
-                  <a:srgbClr val="C00000"/>
+                  <a:srgbClr val="FFC000"/>
                 </a:solidFill>
                 <a:latin typeface="微软雅黑" panose="020B0503020204020204" pitchFamily="34" charset="-122"/>
                 <a:ea typeface="微软雅黑" panose="020B0503020204020204" pitchFamily="34" charset="-122"/>
@@ -11164,7 +11373,7 @@
             <a:r>
               <a:rPr lang="en-US" altLang="zh-CN" sz="3600" dirty="0" smtClean="0">
                 <a:solidFill>
-                  <a:srgbClr val="C00000"/>
+                  <a:srgbClr val="FFC000"/>
                 </a:solidFill>
                 <a:latin typeface="微软雅黑" panose="020B0503020204020204" pitchFamily="34" charset="-122"/>
                 <a:ea typeface="微软雅黑" panose="020B0503020204020204" pitchFamily="34" charset="-122"/>
@@ -11174,7 +11383,7 @@
             <a:r>
               <a:rPr lang="zh-CN" altLang="en-US" sz="3600" dirty="0" smtClean="0">
                 <a:solidFill>
-                  <a:srgbClr val="C00000"/>
+                  <a:srgbClr val="FFC000"/>
                 </a:solidFill>
                 <a:latin typeface="微软雅黑" panose="020B0503020204020204" pitchFamily="34" charset="-122"/>
                 <a:ea typeface="微软雅黑" panose="020B0503020204020204" pitchFamily="34" charset="-122"/>
@@ -11183,7 +11392,7 @@
             </a:r>
             <a:endParaRPr lang="zh-CN" altLang="en-US" sz="3600" dirty="0">
               <a:solidFill>
-                <a:srgbClr val="C00000"/>
+                <a:srgbClr val="FFC000"/>
               </a:solidFill>
               <a:latin typeface="微软雅黑" panose="020B0503020204020204" pitchFamily="34" charset="-122"/>
               <a:ea typeface="微软雅黑" panose="020B0503020204020204" pitchFamily="34" charset="-122"/>
@@ -11309,7 +11518,7 @@
             <a:r>
               <a:rPr lang="en-US" altLang="zh-CN" b="1" dirty="0">
                 <a:solidFill>
-                  <a:srgbClr val="C00000"/>
+                  <a:srgbClr val="FFC000"/>
                 </a:solidFill>
                 <a:latin typeface="微软雅黑" panose="020B0503020204020204" pitchFamily="34" charset="-122"/>
                 <a:ea typeface="微软雅黑" panose="020B0503020204020204" pitchFamily="34" charset="-122"/>
@@ -11319,7 +11528,7 @@
             <a:r>
               <a:rPr lang="en-US" altLang="zh-CN" b="1" dirty="0" smtClean="0">
                 <a:solidFill>
-                  <a:srgbClr val="C00000"/>
+                  <a:srgbClr val="FFC000"/>
                 </a:solidFill>
                 <a:latin typeface="微软雅黑" panose="020B0503020204020204" pitchFamily="34" charset="-122"/>
                 <a:ea typeface="微软雅黑" panose="020B0503020204020204" pitchFamily="34" charset="-122"/>
@@ -11329,7 +11538,7 @@
             <a:r>
               <a:rPr lang="zh-CN" altLang="en-US" b="1" dirty="0" smtClean="0">
                 <a:solidFill>
-                  <a:srgbClr val="C00000"/>
+                  <a:srgbClr val="FFC000"/>
                 </a:solidFill>
                 <a:latin typeface="微软雅黑" panose="020B0503020204020204" pitchFamily="34" charset="-122"/>
                 <a:ea typeface="微软雅黑" panose="020B0503020204020204" pitchFamily="34" charset="-122"/>
@@ -11338,7 +11547,7 @@
             </a:r>
             <a:endParaRPr lang="zh-CN" altLang="en-US" b="1" dirty="0">
               <a:solidFill>
-                <a:srgbClr val="C00000"/>
+                <a:srgbClr val="FFC000"/>
               </a:solidFill>
               <a:latin typeface="微软雅黑" panose="020B0503020204020204" pitchFamily="34" charset="-122"/>
               <a:ea typeface="微软雅黑" panose="020B0503020204020204" pitchFamily="34" charset="-122"/>
@@ -11616,7 +11825,7 @@
             <a:r>
               <a:rPr lang="en-US" altLang="zh-CN" b="1" dirty="0" smtClean="0">
                 <a:solidFill>
-                  <a:srgbClr val="C00000"/>
+                  <a:srgbClr val="FFC000"/>
                 </a:solidFill>
                 <a:latin typeface="微软雅黑" panose="020B0503020204020204" pitchFamily="34" charset="-122"/>
                 <a:ea typeface="微软雅黑" panose="020B0503020204020204" pitchFamily="34" charset="-122"/>
@@ -11626,7 +11835,7 @@
             <a:r>
               <a:rPr lang="zh-CN" altLang="en-US" b="1" dirty="0" smtClean="0">
                 <a:solidFill>
-                  <a:srgbClr val="C00000"/>
+                  <a:srgbClr val="FFC000"/>
                 </a:solidFill>
                 <a:latin typeface="微软雅黑" panose="020B0503020204020204" pitchFamily="34" charset="-122"/>
                 <a:ea typeface="微软雅黑" panose="020B0503020204020204" pitchFamily="34" charset="-122"/>
@@ -11635,7 +11844,7 @@
             </a:r>
             <a:endParaRPr lang="zh-CN" altLang="en-US" b="1" dirty="0">
               <a:solidFill>
-                <a:srgbClr val="C00000"/>
+                <a:srgbClr val="FFC000"/>
               </a:solidFill>
               <a:latin typeface="微软雅黑" panose="020B0503020204020204" pitchFamily="34" charset="-122"/>
               <a:ea typeface="微软雅黑" panose="020B0503020204020204" pitchFamily="34" charset="-122"/>
@@ -12218,7 +12427,10 @@
             <a:r>
               <a:rPr lang="en-US" altLang="zh-CN" sz="4000" dirty="0" err="1" smtClean="0">
                 <a:solidFill>
-                  <a:srgbClr val="0070C0"/>
+                  <a:schemeClr val="accent1">
+                    <a:lumMod val="40000"/>
+                    <a:lumOff val="60000"/>
+                  </a:schemeClr>
                 </a:solidFill>
                 <a:latin typeface="微软雅黑" panose="020B0503020204020204" pitchFamily="34" charset="-122"/>
                 <a:ea typeface="微软雅黑" panose="020B0503020204020204" pitchFamily="34" charset="-122"/>
@@ -12228,7 +12440,10 @@
             <a:r>
               <a:rPr lang="zh-CN" altLang="en-US" sz="4000" dirty="0" smtClean="0">
                 <a:solidFill>
-                  <a:srgbClr val="0070C0"/>
+                  <a:schemeClr val="accent1">
+                    <a:lumMod val="40000"/>
+                    <a:lumOff val="60000"/>
+                  </a:schemeClr>
                 </a:solidFill>
                 <a:latin typeface="微软雅黑" panose="020B0503020204020204" pitchFamily="34" charset="-122"/>
                 <a:ea typeface="微软雅黑" panose="020B0503020204020204" pitchFamily="34" charset="-122"/>
@@ -12237,7 +12452,10 @@
             </a:r>
             <a:endParaRPr lang="zh-CN" altLang="en-US" sz="4000" dirty="0">
               <a:solidFill>
-                <a:srgbClr val="0070C0"/>
+                <a:schemeClr val="accent1">
+                  <a:lumMod val="40000"/>
+                  <a:lumOff val="60000"/>
+                </a:schemeClr>
               </a:solidFill>
               <a:latin typeface="微软雅黑" panose="020B0503020204020204" pitchFamily="34" charset="-122"/>
               <a:ea typeface="微软雅黑" panose="020B0503020204020204" pitchFamily="34" charset="-122"/>
@@ -12270,7 +12488,10 @@
             <a:r>
               <a:rPr lang="zh-CN" altLang="en-US" sz="3600" dirty="0" smtClean="0">
                 <a:solidFill>
-                  <a:srgbClr val="C00000"/>
+                  <a:schemeClr val="accent1">
+                    <a:lumMod val="40000"/>
+                    <a:lumOff val="60000"/>
+                  </a:schemeClr>
                 </a:solidFill>
                 <a:latin typeface="微软雅黑" panose="020B0503020204020204" pitchFamily="34" charset="-122"/>
                 <a:ea typeface="微软雅黑" panose="020B0503020204020204" pitchFamily="34" charset="-122"/>
@@ -12280,10 +12501,57 @@
             </a:r>
             <a:endParaRPr lang="zh-CN" altLang="en-US" sz="3600" dirty="0">
               <a:solidFill>
-                <a:srgbClr val="C00000"/>
+                <a:schemeClr val="accent1">
+                  <a:lumMod val="40000"/>
+                  <a:lumOff val="60000"/>
+                </a:schemeClr>
               </a:solidFill>
               <a:latin typeface="微软雅黑" panose="020B0503020204020204" pitchFamily="34" charset="-122"/>
               <a:ea typeface="微软雅黑" panose="020B0503020204020204" pitchFamily="34" charset="-122"/>
+            </a:endParaRPr>
+          </a:p>
+        </p:txBody>
+      </p:sp>
+      <p:sp>
+        <p:nvSpPr>
+          <p:cNvPr id="2" name="TextBox 1"/>
+          <p:cNvSpPr txBox="1"/>
+          <p:nvPr/>
+        </p:nvSpPr>
+        <p:spPr>
+          <a:xfrm>
+            <a:off x="350520" y="2606040"/>
+            <a:ext cx="11197296" cy="461665"/>
+          </a:xfrm>
+          <a:prstGeom prst="rect">
+            <a:avLst/>
+          </a:prstGeom>
+          <a:noFill/>
+        </p:spPr>
+        <p:txBody>
+          <a:bodyPr wrap="none" rtlCol="0">
+            <a:spAutoFit/>
+          </a:bodyPr>
+          <a:lstStyle/>
+          <a:p>
+            <a:r>
+              <a:rPr lang="en-US" altLang="zh-CN" sz="2400" dirty="0">
+                <a:solidFill>
+                  <a:schemeClr val="accent1">
+                    <a:lumMod val="40000"/>
+                    <a:lumOff val="60000"/>
+                  </a:schemeClr>
+                </a:solidFill>
+              </a:rPr>
+              <a:t>http://www.worldhello.net/gotgithub/04-work-with-others/010-fork-and-pull.html</a:t>
+            </a:r>
+            <a:endParaRPr lang="zh-CN" altLang="en-US" sz="2400" dirty="0">
+              <a:solidFill>
+                <a:schemeClr val="accent1">
+                  <a:lumMod val="40000"/>
+                  <a:lumOff val="60000"/>
+                </a:schemeClr>
+              </a:solidFill>
             </a:endParaRPr>
           </a:p>
         </p:txBody>
@@ -12350,7 +12618,7 @@
             <a:r>
               <a:rPr lang="zh-CN" altLang="en-US" sz="5400" dirty="0" smtClean="0">
                 <a:solidFill>
-                  <a:srgbClr val="0070C0"/>
+                  <a:srgbClr val="ECF0F1"/>
                 </a:solidFill>
                 <a:latin typeface="微软雅黑" panose="020B0503020204020204" pitchFamily="34" charset="-122"/>
                 <a:ea typeface="微软雅黑" panose="020B0503020204020204" pitchFamily="34" charset="-122"/>
@@ -12360,7 +12628,7 @@
             <a:r>
               <a:rPr lang="en-US" altLang="zh-CN" sz="5400" dirty="0" smtClean="0">
                 <a:solidFill>
-                  <a:srgbClr val="0070C0"/>
+                  <a:srgbClr val="ECF0F1"/>
                 </a:solidFill>
                 <a:latin typeface="微软雅黑" panose="020B0503020204020204" pitchFamily="34" charset="-122"/>
                 <a:ea typeface="微软雅黑" panose="020B0503020204020204" pitchFamily="34" charset="-122"/>
@@ -12370,7 +12638,7 @@
             <a:r>
               <a:rPr lang="zh-CN" altLang="en-US" sz="5400" dirty="0" smtClean="0">
                 <a:solidFill>
-                  <a:srgbClr val="0070C0"/>
+                  <a:srgbClr val="ECF0F1"/>
                 </a:solidFill>
                 <a:latin typeface="微软雅黑" panose="020B0503020204020204" pitchFamily="34" charset="-122"/>
                 <a:ea typeface="微软雅黑" panose="020B0503020204020204" pitchFamily="34" charset="-122"/>
@@ -12380,7 +12648,7 @@
             <a:r>
               <a:rPr lang="en-US" altLang="zh-CN" sz="5400" dirty="0" smtClean="0">
                 <a:solidFill>
-                  <a:srgbClr val="0070C0"/>
+                  <a:srgbClr val="ECF0F1"/>
                 </a:solidFill>
                 <a:latin typeface="微软雅黑" panose="020B0503020204020204" pitchFamily="34" charset="-122"/>
                 <a:ea typeface="微软雅黑" panose="020B0503020204020204" pitchFamily="34" charset="-122"/>
@@ -12390,7 +12658,7 @@
             <a:br>
               <a:rPr lang="en-US" altLang="zh-CN" sz="5400" dirty="0" smtClean="0">
                 <a:solidFill>
-                  <a:srgbClr val="0070C0"/>
+                  <a:srgbClr val="ECF0F1"/>
                 </a:solidFill>
                 <a:latin typeface="微软雅黑" panose="020B0503020204020204" pitchFamily="34" charset="-122"/>
                 <a:ea typeface="微软雅黑" panose="020B0503020204020204" pitchFamily="34" charset="-122"/>
@@ -12399,7 +12667,7 @@
             <a:r>
               <a:rPr lang="zh-CN" altLang="en-US" sz="5400" dirty="0" smtClean="0">
                 <a:solidFill>
-                  <a:srgbClr val="0070C0"/>
+                  <a:srgbClr val="ECF0F1"/>
                 </a:solidFill>
                 <a:latin typeface="微软雅黑" panose="020B0503020204020204" pitchFamily="34" charset="-122"/>
                 <a:ea typeface="微软雅黑" panose="020B0503020204020204" pitchFamily="34" charset="-122"/>
@@ -12409,7 +12677,7 @@
             <a:r>
               <a:rPr lang="en-US" altLang="zh-CN" sz="5400" dirty="0" smtClean="0">
                 <a:solidFill>
-                  <a:srgbClr val="0070C0"/>
+                  <a:srgbClr val="ECF0F1"/>
                 </a:solidFill>
                 <a:latin typeface="微软雅黑" panose="020B0503020204020204" pitchFamily="34" charset="-122"/>
                 <a:ea typeface="微软雅黑" panose="020B0503020204020204" pitchFamily="34" charset="-122"/>
@@ -12419,7 +12687,7 @@
             <a:r>
               <a:rPr lang="zh-CN" altLang="en-US" sz="5400" dirty="0" smtClean="0">
                 <a:solidFill>
-                  <a:srgbClr val="0070C0"/>
+                  <a:srgbClr val="ECF0F1"/>
                 </a:solidFill>
                 <a:latin typeface="微软雅黑" panose="020B0503020204020204" pitchFamily="34" charset="-122"/>
                 <a:ea typeface="微软雅黑" panose="020B0503020204020204" pitchFamily="34" charset="-122"/>
@@ -12429,7 +12697,7 @@
             <a:r>
               <a:rPr lang="en-US" altLang="zh-CN" sz="5400" dirty="0" smtClean="0">
                 <a:solidFill>
-                  <a:srgbClr val="0070C0"/>
+                  <a:srgbClr val="ECF0F1"/>
                 </a:solidFill>
                 <a:latin typeface="微软雅黑" panose="020B0503020204020204" pitchFamily="34" charset="-122"/>
                 <a:ea typeface="微软雅黑" panose="020B0503020204020204" pitchFamily="34" charset="-122"/>
@@ -12439,7 +12707,7 @@
             <a:r>
               <a:rPr lang="zh-CN" altLang="en-US" sz="5400" dirty="0" smtClean="0">
                 <a:solidFill>
-                  <a:srgbClr val="0070C0"/>
+                  <a:srgbClr val="ECF0F1"/>
                 </a:solidFill>
                 <a:latin typeface="微软雅黑" panose="020B0503020204020204" pitchFamily="34" charset="-122"/>
                 <a:ea typeface="微软雅黑" panose="020B0503020204020204" pitchFamily="34" charset="-122"/>
@@ -12448,7 +12716,7 @@
             </a:r>
             <a:endParaRPr lang="zh-CN" altLang="en-US" sz="5400" dirty="0">
               <a:solidFill>
-                <a:srgbClr val="0070C0"/>
+                <a:srgbClr val="ECF0F1"/>
               </a:solidFill>
               <a:latin typeface="微软雅黑" panose="020B0503020204020204" pitchFamily="34" charset="-122"/>
               <a:ea typeface="微软雅黑" panose="020B0503020204020204" pitchFamily="34" charset="-122"/>
@@ -13225,6 +13493,9 @@
           <a:prstGeom prst="rect">
             <a:avLst/>
           </a:prstGeom>
+          <a:solidFill>
+            <a:srgbClr val="1ABC9C"/>
+          </a:solidFill>
         </p:spPr>
         <p:style>
           <a:lnRef idx="2">
@@ -13251,19 +13522,19 @@
             <a:r>
               <a:rPr lang="zh-CN" altLang="en-US" sz="2400" dirty="0" smtClean="0">
                 <a:solidFill>
-                  <a:srgbClr val="C00000"/>
-                </a:solidFill>
-                <a:latin typeface="微软雅黑" panose="020B0503020204020204" pitchFamily="34" charset="-122"/>
-                <a:ea typeface="微软雅黑" panose="020B0503020204020204" pitchFamily="34" charset="-122"/>
+                  <a:srgbClr val="C0392B"/>
+                </a:solidFill>
+                <a:latin typeface="方正姚体" panose="02010601030101010101" pitchFamily="2" charset="-122"/>
+                <a:ea typeface="方正姚体" panose="02010601030101010101" pitchFamily="2" charset="-122"/>
               </a:rPr>
               <a:t>免费</a:t>
             </a:r>
             <a:endParaRPr lang="zh-CN" altLang="en-US" sz="2400" dirty="0">
               <a:solidFill>
-                <a:srgbClr val="C00000"/>
+                <a:srgbClr val="C0392B"/>
               </a:solidFill>
-              <a:latin typeface="微软雅黑" panose="020B0503020204020204" pitchFamily="34" charset="-122"/>
-              <a:ea typeface="微软雅黑" panose="020B0503020204020204" pitchFamily="34" charset="-122"/>
+              <a:latin typeface="方正姚体" panose="02010601030101010101" pitchFamily="2" charset="-122"/>
+              <a:ea typeface="方正姚体" panose="02010601030101010101" pitchFamily="2" charset="-122"/>
             </a:endParaRPr>
           </a:p>
         </p:txBody>
